--- a/01.참고자료/191104_HTTP 클라이언트 라이브러리 Axios.pptx
+++ b/01.참고자료/191104_HTTP 클라이언트 라이브러리 Axios.pptx
@@ -5,7 +5,7 @@
     <p:sldMasterId id="2147483660" r:id="rId1"/>
   </p:sldMasterIdLst>
   <p:notesMasterIdLst>
-    <p:notesMasterId r:id="rId30"/>
+    <p:notesMasterId r:id="rId31"/>
   </p:notesMasterIdLst>
   <p:sldIdLst>
     <p:sldId id="256" r:id="rId2"/>
@@ -35,46 +35,47 @@
     <p:sldId id="391" r:id="rId26"/>
     <p:sldId id="387" r:id="rId27"/>
     <p:sldId id="388" r:id="rId28"/>
-    <p:sldId id="265" r:id="rId29"/>
+    <p:sldId id="397" r:id="rId29"/>
+    <p:sldId id="265" r:id="rId30"/>
   </p:sldIdLst>
   <p:sldSz cx="9144000" cy="6858000" type="screen4x3"/>
   <p:notesSz cx="6858000" cy="9144000"/>
   <p:embeddedFontLst>
     <p:embeddedFont>
-      <p:font typeface="Calibri Light" panose="020F0302020204030204" pitchFamily="34" charset="0"/>
-      <p:regular r:id="rId31"/>
-      <p:italic r:id="rId32"/>
+      <p:font typeface="넥슨Lv1고딕" panose="020B0600000101010101" charset="-127"/>
+      <p:regular r:id="rId32"/>
     </p:embeddedFont>
     <p:embeddedFont>
-      <p:font typeface="넥슨Lv1고딕 Light" panose="00000300000000000000" pitchFamily="2" charset="-127"/>
-      <p:regular r:id="rId33"/>
+      <p:font typeface="넥슨Lv1고딕 Bold" panose="020B0600000101010101" charset="-127"/>
+      <p:bold r:id="rId33"/>
+    </p:embeddedFont>
+    <p:embeddedFont>
+      <p:font typeface="넥슨Lv1고딕 Light" panose="020B0600000101010101" charset="-127"/>
+      <p:regular r:id="rId34"/>
+    </p:embeddedFont>
+    <p:embeddedFont>
+      <p:font typeface="Calibri" panose="020F0502020204030204" pitchFamily="34" charset="0"/>
+      <p:regular r:id="rId35"/>
+      <p:bold r:id="rId36"/>
+      <p:italic r:id="rId37"/>
+      <p:boldItalic r:id="rId38"/>
+    </p:embeddedFont>
+    <p:embeddedFont>
+      <p:font typeface="Calibri Light" panose="020F0302020204030204" pitchFamily="34" charset="0"/>
+      <p:regular r:id="rId39"/>
+      <p:italic r:id="rId40"/>
     </p:embeddedFont>
     <p:embeddedFont>
       <p:font typeface="Consolas" panose="020B0609020204030204" pitchFamily="49" charset="0"/>
-      <p:regular r:id="rId34"/>
-      <p:bold r:id="rId35"/>
-      <p:italic r:id="rId36"/>
-      <p:boldItalic r:id="rId37"/>
+      <p:regular r:id="rId41"/>
+      <p:bold r:id="rId42"/>
+      <p:italic r:id="rId43"/>
+      <p:boldItalic r:id="rId44"/>
     </p:embeddedFont>
     <p:embeddedFont>
       <p:font typeface="맑은 고딕" panose="020B0503020000020004" pitchFamily="50" charset="-127"/>
-      <p:regular r:id="rId38"/>
-      <p:bold r:id="rId39"/>
-    </p:embeddedFont>
-    <p:embeddedFont>
-      <p:font typeface="넥슨Lv1고딕 Bold" panose="00000800000000000000" pitchFamily="2" charset="-127"/>
-      <p:bold r:id="rId40"/>
-    </p:embeddedFont>
-    <p:embeddedFont>
-      <p:font typeface="넥슨Lv1고딕" panose="00000500000000000000" pitchFamily="2" charset="-127"/>
-      <p:regular r:id="rId41"/>
-    </p:embeddedFont>
-    <p:embeddedFont>
-      <p:font typeface="Calibri" panose="020F0502020204030204" pitchFamily="34" charset="0"/>
-      <p:regular r:id="rId42"/>
-      <p:bold r:id="rId43"/>
-      <p:italic r:id="rId44"/>
-      <p:boldItalic r:id="rId45"/>
+      <p:regular r:id="rId45"/>
+      <p:bold r:id="rId46"/>
     </p:embeddedFont>
   </p:embeddedFontLst>
   <p:defaultTextStyle>
@@ -212,6 +213,7 @@
             <p14:sldId id="391"/>
             <p14:sldId id="387"/>
             <p14:sldId id="388"/>
+            <p14:sldId id="397"/>
             <p14:sldId id="265"/>
           </p14:sldIdLst>
         </p14:section>
@@ -306,7 +308,7 @@
           <a:p>
             <a:fld id="{F6FDBE08-7F47-4987-9F93-804BC9BF4C4D}" type="datetimeFigureOut">
               <a:rPr lang="ko-KR" altLang="en-US" smtClean="0"/>
-              <a:t>2019-11-04</a:t>
+              <a:t>2019-11-05</a:t>
             </a:fld>
             <a:endParaRPr lang="ko-KR" altLang="en-US"/>
           </a:p>
@@ -2169,6 +2171,90 @@
 </p:notes>
 </file>
 
+<file path=ppt/notesSlides/notesSlide27.xml><?xml version="1.0" encoding="utf-8"?>
+<p:notes xmlns:a="http://schemas.openxmlformats.org/drawingml/2006/main" xmlns:r="http://schemas.openxmlformats.org/officeDocument/2006/relationships" xmlns:p="http://schemas.openxmlformats.org/presentationml/2006/main">
+  <p:cSld>
+    <p:spTree>
+      <p:nvGrpSpPr>
+        <p:cNvPr id="1" name=""/>
+        <p:cNvGrpSpPr/>
+        <p:nvPr/>
+      </p:nvGrpSpPr>
+      <p:grpSpPr>
+        <a:xfrm>
+          <a:off x="0" y="0"/>
+          <a:ext cx="0" cy="0"/>
+          <a:chOff x="0" y="0"/>
+          <a:chExt cx="0" cy="0"/>
+        </a:xfrm>
+      </p:grpSpPr>
+      <p:sp>
+        <p:nvSpPr>
+          <p:cNvPr id="2" name="슬라이드 이미지 개체 틀 1"/>
+          <p:cNvSpPr>
+            <a:spLocks noGrp="1" noRot="1" noChangeAspect="1"/>
+          </p:cNvSpPr>
+          <p:nvPr>
+            <p:ph type="sldImg"/>
+          </p:nvPr>
+        </p:nvSpPr>
+        <p:spPr/>
+      </p:sp>
+      <p:sp>
+        <p:nvSpPr>
+          <p:cNvPr id="3" name="슬라이드 노트 개체 틀 2"/>
+          <p:cNvSpPr>
+            <a:spLocks noGrp="1"/>
+          </p:cNvSpPr>
+          <p:nvPr>
+            <p:ph type="body" idx="1"/>
+          </p:nvPr>
+        </p:nvSpPr>
+        <p:spPr/>
+        <p:txBody>
+          <a:bodyPr/>
+          <a:lstStyle/>
+          <a:p>
+            <a:endParaRPr lang="ko-KR" altLang="en-US"/>
+          </a:p>
+        </p:txBody>
+      </p:sp>
+      <p:sp>
+        <p:nvSpPr>
+          <p:cNvPr id="4" name="슬라이드 번호 개체 틀 3"/>
+          <p:cNvSpPr>
+            <a:spLocks noGrp="1"/>
+          </p:cNvSpPr>
+          <p:nvPr>
+            <p:ph type="sldNum" sz="quarter" idx="10"/>
+          </p:nvPr>
+        </p:nvSpPr>
+        <p:spPr/>
+        <p:txBody>
+          <a:bodyPr/>
+          <a:lstStyle/>
+          <a:p>
+            <a:fld id="{20EFBB80-8FD0-438D-AE1E-AD03ACA97BEA}" type="slidenum">
+              <a:rPr lang="ko-KR" altLang="en-US" smtClean="0"/>
+              <a:t>27</a:t>
+            </a:fld>
+            <a:endParaRPr lang="ko-KR" altLang="en-US"/>
+          </a:p>
+        </p:txBody>
+      </p:sp>
+    </p:spTree>
+    <p:extLst>
+      <p:ext uri="{BB962C8B-B14F-4D97-AF65-F5344CB8AC3E}">
+        <p14:creationId xmlns:p14="http://schemas.microsoft.com/office/powerpoint/2010/main" val="486615758"/>
+      </p:ext>
+    </p:extLst>
+  </p:cSld>
+  <p:clrMapOvr>
+    <a:masterClrMapping/>
+  </p:clrMapOvr>
+</p:notes>
+</file>
+
 <file path=ppt/notesSlides/notesSlide3.xml><?xml version="1.0" encoding="utf-8"?>
 <p:notes xmlns:a="http://schemas.openxmlformats.org/drawingml/2006/main" xmlns:r="http://schemas.openxmlformats.org/officeDocument/2006/relationships" xmlns:p="http://schemas.openxmlformats.org/presentationml/2006/main">
   <p:cSld>
@@ -2888,7 +2974,7 @@
           <a:p>
             <a:fld id="{1FE4C637-EB85-4CFD-86D0-A8886F020EA8}" type="datetime1">
               <a:rPr lang="ko-KR" altLang="en-US" smtClean="0"/>
-              <a:t>2019-11-04</a:t>
+              <a:t>2019-11-05</a:t>
             </a:fld>
             <a:endParaRPr lang="ko-KR" altLang="en-US"/>
           </a:p>
@@ -3163,7 +3249,7 @@
           <a:p>
             <a:fld id="{F2B705D9-2E09-43D7-9A35-F563146D3CB4}" type="datetime1">
               <a:rPr lang="ko-KR" altLang="en-US" smtClean="0"/>
-              <a:t>2019-11-04</a:t>
+              <a:t>2019-11-05</a:t>
             </a:fld>
             <a:endParaRPr lang="ko-KR" altLang="en-US"/>
           </a:p>
@@ -3343,7 +3429,7 @@
           <a:p>
             <a:fld id="{49534E30-3936-4775-8B54-6BAAA95B1992}" type="datetime1">
               <a:rPr lang="ko-KR" altLang="en-US" smtClean="0"/>
-              <a:t>2019-11-04</a:t>
+              <a:t>2019-11-05</a:t>
             </a:fld>
             <a:endParaRPr lang="ko-KR" altLang="en-US"/>
           </a:p>
@@ -3513,7 +3599,7 @@
           <a:p>
             <a:fld id="{F118FE1B-3E79-4A4A-872D-75650BCC1C86}" type="datetime1">
               <a:rPr lang="ko-KR" altLang="en-US" smtClean="0"/>
-              <a:t>2019-11-04</a:t>
+              <a:t>2019-11-05</a:t>
             </a:fld>
             <a:endParaRPr lang="ko-KR" altLang="en-US"/>
           </a:p>
@@ -3874,7 +3960,7 @@
           <a:p>
             <a:fld id="{9CB0BFB1-E0DD-4C55-B58A-05B97B933D5A}" type="datetime1">
               <a:rPr lang="ko-KR" altLang="en-US" smtClean="0"/>
-              <a:t>2019-11-04</a:t>
+              <a:t>2019-11-05</a:t>
             </a:fld>
             <a:endParaRPr lang="ko-KR" altLang="en-US"/>
           </a:p>
@@ -4113,7 +4199,7 @@
           <a:p>
             <a:fld id="{EC1BAE79-E887-4BEA-AB3B-E56F52C1BBB2}" type="datetime1">
               <a:rPr lang="ko-KR" altLang="en-US" smtClean="0"/>
-              <a:t>2019-11-04</a:t>
+              <a:t>2019-11-05</a:t>
             </a:fld>
             <a:endParaRPr lang="ko-KR" altLang="en-US"/>
           </a:p>
@@ -4480,7 +4566,7 @@
           <a:p>
             <a:fld id="{F9B76080-ECAA-401B-8263-2E43FECA4E80}" type="datetime1">
               <a:rPr lang="ko-KR" altLang="en-US" smtClean="0"/>
-              <a:t>2019-11-04</a:t>
+              <a:t>2019-11-05</a:t>
             </a:fld>
             <a:endParaRPr lang="ko-KR" altLang="en-US"/>
           </a:p>
@@ -4598,7 +4684,7 @@
           <a:p>
             <a:fld id="{9EBE0658-A779-465A-A3F7-3DF734018C74}" type="datetime1">
               <a:rPr lang="ko-KR" altLang="en-US" smtClean="0"/>
-              <a:t>2019-11-04</a:t>
+              <a:t>2019-11-05</a:t>
             </a:fld>
             <a:endParaRPr lang="ko-KR" altLang="en-US"/>
           </a:p>
@@ -4693,7 +4779,7 @@
           <a:p>
             <a:fld id="{F0E25338-95D2-4179-9A46-224B3BB66FE5}" type="datetime1">
               <a:rPr lang="ko-KR" altLang="en-US" smtClean="0"/>
-              <a:t>2019-11-04</a:t>
+              <a:t>2019-11-05</a:t>
             </a:fld>
             <a:endParaRPr lang="ko-KR" altLang="en-US"/>
           </a:p>
@@ -4970,7 +5056,7 @@
           <a:p>
             <a:fld id="{F78904E9-32E6-44C5-B986-724316F31060}" type="datetime1">
               <a:rPr lang="ko-KR" altLang="en-US" smtClean="0"/>
-              <a:t>2019-11-04</a:t>
+              <a:t>2019-11-05</a:t>
             </a:fld>
             <a:endParaRPr lang="ko-KR" altLang="en-US"/>
           </a:p>
@@ -5227,7 +5313,7 @@
           <a:p>
             <a:fld id="{5B60377E-B8D0-45BD-B414-1A76DA1A8022}" type="datetime1">
               <a:rPr lang="ko-KR" altLang="en-US" smtClean="0"/>
-              <a:t>2019-11-04</a:t>
+              <a:t>2019-11-05</a:t>
             </a:fld>
             <a:endParaRPr lang="ko-KR" altLang="en-US"/>
           </a:p>
@@ -5440,7 +5526,7 @@
           <a:p>
             <a:fld id="{2136196C-DFE3-4B2C-A981-468C566CCAA8}" type="datetime1">
               <a:rPr lang="ko-KR" altLang="en-US" smtClean="0"/>
-              <a:t>2019-11-04</a:t>
+              <a:t>2019-11-05</a:t>
             </a:fld>
             <a:endParaRPr lang="ko-KR" altLang="en-US"/>
           </a:p>
@@ -6070,21 +6156,21 @@
                 <a:gridCol w="865363">
                   <a:extLst>
                     <a:ext uri="{9D8B030D-6E8A-4147-A177-3AD203B41FA5}">
-                      <a16:colId xmlns:a16="http://schemas.microsoft.com/office/drawing/2014/main" xmlns="" val="20000"/>
+                      <a16:colId xmlns:a16="http://schemas.microsoft.com/office/drawing/2014/main" val="20000"/>
                     </a:ext>
                   </a:extLst>
                 </a:gridCol>
                 <a:gridCol w="5582265">
                   <a:extLst>
                     <a:ext uri="{9D8B030D-6E8A-4147-A177-3AD203B41FA5}">
-                      <a16:colId xmlns:a16="http://schemas.microsoft.com/office/drawing/2014/main" xmlns="" val="20001"/>
+                      <a16:colId xmlns:a16="http://schemas.microsoft.com/office/drawing/2014/main" val="20001"/>
                     </a:ext>
                   </a:extLst>
                 </a:gridCol>
                 <a:gridCol w="1004372">
                   <a:extLst>
                     <a:ext uri="{9D8B030D-6E8A-4147-A177-3AD203B41FA5}">
-                      <a16:colId xmlns:a16="http://schemas.microsoft.com/office/drawing/2014/main" xmlns="" val="20002"/>
+                      <a16:colId xmlns:a16="http://schemas.microsoft.com/office/drawing/2014/main" val="20002"/>
                     </a:ext>
                   </a:extLst>
                 </a:gridCol>
@@ -6143,7 +6229,7 @@
                 </a:tc>
                 <a:extLst>
                   <a:ext uri="{0D108BD9-81ED-4DB2-BD59-A6C34878D82A}">
-                    <a16:rowId xmlns:a16="http://schemas.microsoft.com/office/drawing/2014/main" xmlns="" val="10000"/>
+                    <a16:rowId xmlns:a16="http://schemas.microsoft.com/office/drawing/2014/main" val="10000"/>
                   </a:ext>
                 </a:extLst>
               </a:tr>
@@ -6226,7 +6312,7 @@
                 </a:tc>
                 <a:extLst>
                   <a:ext uri="{0D108BD9-81ED-4DB2-BD59-A6C34878D82A}">
-                    <a16:rowId xmlns:a16="http://schemas.microsoft.com/office/drawing/2014/main" xmlns="" val="10001"/>
+                    <a16:rowId xmlns:a16="http://schemas.microsoft.com/office/drawing/2014/main" val="10001"/>
                   </a:ext>
                 </a:extLst>
               </a:tr>
@@ -6295,7 +6381,7 @@
                 </a:tc>
                 <a:extLst>
                   <a:ext uri="{0D108BD9-81ED-4DB2-BD59-A6C34878D82A}">
-                    <a16:rowId xmlns:a16="http://schemas.microsoft.com/office/drawing/2014/main" xmlns="" val="10002"/>
+                    <a16:rowId xmlns:a16="http://schemas.microsoft.com/office/drawing/2014/main" val="10002"/>
                   </a:ext>
                 </a:extLst>
               </a:tr>
@@ -6344,7 +6430,7 @@
                 </a:tc>
                 <a:extLst>
                   <a:ext uri="{0D108BD9-81ED-4DB2-BD59-A6C34878D82A}">
-                    <a16:rowId xmlns:a16="http://schemas.microsoft.com/office/drawing/2014/main" xmlns="" val="10003"/>
+                    <a16:rowId xmlns:a16="http://schemas.microsoft.com/office/drawing/2014/main" val="10003"/>
                   </a:ext>
                 </a:extLst>
               </a:tr>
@@ -6393,7 +6479,7 @@
                 </a:tc>
                 <a:extLst>
                   <a:ext uri="{0D108BD9-81ED-4DB2-BD59-A6C34878D82A}">
-                    <a16:rowId xmlns:a16="http://schemas.microsoft.com/office/drawing/2014/main" xmlns="" val="10004"/>
+                    <a16:rowId xmlns:a16="http://schemas.microsoft.com/office/drawing/2014/main" val="10004"/>
                   </a:ext>
                 </a:extLst>
               </a:tr>
@@ -6433,7 +6519,7 @@
                 </a:tc>
                 <a:extLst>
                   <a:ext uri="{0D108BD9-81ED-4DB2-BD59-A6C34878D82A}">
-                    <a16:rowId xmlns:a16="http://schemas.microsoft.com/office/drawing/2014/main" xmlns="" val="10005"/>
+                    <a16:rowId xmlns:a16="http://schemas.microsoft.com/office/drawing/2014/main" val="10005"/>
                   </a:ext>
                 </a:extLst>
               </a:tr>
@@ -6473,7 +6559,7 @@
                 </a:tc>
                 <a:extLst>
                   <a:ext uri="{0D108BD9-81ED-4DB2-BD59-A6C34878D82A}">
-                    <a16:rowId xmlns:a16="http://schemas.microsoft.com/office/drawing/2014/main" xmlns="" val="10006"/>
+                    <a16:rowId xmlns:a16="http://schemas.microsoft.com/office/drawing/2014/main" val="10006"/>
                   </a:ext>
                 </a:extLst>
               </a:tr>
@@ -6722,13 +6808,6 @@
                 <a:ea typeface="넥슨Lv1고딕 Light" panose="00000300000000000000" pitchFamily="2" charset="-127"/>
               </a:rPr>
               <a:t>Axios</a:t>
-            </a:r>
-            <a:r>
-              <a:rPr lang="en-US" altLang="ko-KR" sz="1800" dirty="0">
-                <a:latin typeface="넥슨Lv1고딕 Bold" panose="00000800000000000000" pitchFamily="2" charset="-127"/>
-                <a:ea typeface="넥슨Lv1고딕 Bold" panose="00000800000000000000" pitchFamily="2" charset="-127"/>
-              </a:rPr>
-              <a:t/>
             </a:r>
             <a:br>
               <a:rPr lang="en-US" altLang="ko-KR" sz="1800" dirty="0">
@@ -6963,7 +7042,7 @@
           <p:cNvPr id="5" name="그림 4" descr="실내, 하얀색, 사진, 검은색이(가) 표시된 사진&#10;&#10;자동 생성된 설명">
             <a:extLst>
               <a:ext uri="{FF2B5EF4-FFF2-40B4-BE49-F238E27FC236}">
-                <a16:creationId xmlns:a16="http://schemas.microsoft.com/office/drawing/2014/main" xmlns="" id="{E5C2B2F3-F633-4D58-BFBD-8132886B7895}"/>
+                <a16:creationId xmlns:a16="http://schemas.microsoft.com/office/drawing/2014/main" id="{E5C2B2F3-F633-4D58-BFBD-8132886B7895}"/>
               </a:ext>
             </a:extLst>
           </p:cNvPr>
@@ -7029,7 +7108,7 @@
           <p:cNvPr id="21" name="TextBox 20">
             <a:extLst>
               <a:ext uri="{FF2B5EF4-FFF2-40B4-BE49-F238E27FC236}">
-                <a16:creationId xmlns:a16="http://schemas.microsoft.com/office/drawing/2014/main" xmlns="" id="{6D77A4DA-A915-446B-9F5B-61CB6178B8A8}"/>
+                <a16:creationId xmlns:a16="http://schemas.microsoft.com/office/drawing/2014/main" id="{6D77A4DA-A915-446B-9F5B-61CB6178B8A8}"/>
               </a:ext>
             </a:extLst>
           </p:cNvPr>
@@ -7165,7 +7244,7 @@
           <p:cNvPr id="17" name="모서리가 둥근 직사각형 18">
             <a:extLst>
               <a:ext uri="{FF2B5EF4-FFF2-40B4-BE49-F238E27FC236}">
-                <a16:creationId xmlns:a16="http://schemas.microsoft.com/office/drawing/2014/main" xmlns="" id="{850D30CD-96EB-4C16-A5A1-BA3E6B59464E}"/>
+                <a16:creationId xmlns:a16="http://schemas.microsoft.com/office/drawing/2014/main" id="{850D30CD-96EB-4C16-A5A1-BA3E6B59464E}"/>
               </a:ext>
             </a:extLst>
           </p:cNvPr>
@@ -7560,13 +7639,6 @@
                 <a:ea typeface="넥슨Lv1고딕 Light" panose="00000300000000000000" pitchFamily="2" charset="-127"/>
               </a:rPr>
               <a:t>Axios</a:t>
-            </a:r>
-            <a:r>
-              <a:rPr lang="en-US" altLang="ko-KR" sz="1800" dirty="0">
-                <a:latin typeface="넥슨Lv1고딕 Bold" panose="00000800000000000000" pitchFamily="2" charset="-127"/>
-                <a:ea typeface="넥슨Lv1고딕 Bold" panose="00000800000000000000" pitchFamily="2" charset="-127"/>
-              </a:rPr>
-              <a:t/>
             </a:r>
             <a:br>
               <a:rPr lang="en-US" altLang="ko-KR" sz="1800" dirty="0">
@@ -7691,7 +7763,7 @@
           <p:cNvPr id="11" name="모서리가 둥근 직사각형 18">
             <a:extLst>
               <a:ext uri="{FF2B5EF4-FFF2-40B4-BE49-F238E27FC236}">
-                <a16:creationId xmlns:a16="http://schemas.microsoft.com/office/drawing/2014/main" xmlns="" id="{E9585C23-07FC-45A2-AC2A-8A09E1548EB5}"/>
+                <a16:creationId xmlns:a16="http://schemas.microsoft.com/office/drawing/2014/main" id="{E9585C23-07FC-45A2-AC2A-8A09E1548EB5}"/>
               </a:ext>
             </a:extLst>
           </p:cNvPr>
@@ -7755,7 +7827,7 @@
           <p:cNvPr id="15" name="모서리가 둥근 직사각형 13">
             <a:extLst>
               <a:ext uri="{FF2B5EF4-FFF2-40B4-BE49-F238E27FC236}">
-                <a16:creationId xmlns:a16="http://schemas.microsoft.com/office/drawing/2014/main" xmlns="" id="{36B89A6C-68CE-4EC8-BC77-C345BB0791C1}"/>
+                <a16:creationId xmlns:a16="http://schemas.microsoft.com/office/drawing/2014/main" id="{36B89A6C-68CE-4EC8-BC77-C345BB0791C1}"/>
               </a:ext>
             </a:extLst>
           </p:cNvPr>
@@ -8099,7 +8171,7 @@
           <p:cNvPr id="16" name="TextBox 15">
             <a:extLst>
               <a:ext uri="{FF2B5EF4-FFF2-40B4-BE49-F238E27FC236}">
-                <a16:creationId xmlns:a16="http://schemas.microsoft.com/office/drawing/2014/main" xmlns="" id="{C2346D07-6416-49B5-953F-0E48A5E94486}"/>
+                <a16:creationId xmlns:a16="http://schemas.microsoft.com/office/drawing/2014/main" id="{C2346D07-6416-49B5-953F-0E48A5E94486}"/>
               </a:ext>
             </a:extLst>
           </p:cNvPr>
@@ -8397,25 +8469,18 @@
               <a:t>[</a:t>
             </a:r>
             <a:r>
-              <a:rPr lang="ko-KR" altLang="en-US" sz="1000" spc="-50" smtClean="0">
+              <a:rPr lang="ko-KR" altLang="en-US" sz="1000" spc="-50">
                 <a:latin typeface="넥슨Lv1고딕 Light" panose="00000300000000000000" pitchFamily="2" charset="-127"/>
                 <a:ea typeface="넥슨Lv1고딕 Light" panose="00000300000000000000" pitchFamily="2" charset="-127"/>
               </a:rPr>
               <a:t>참고 </a:t>
             </a:r>
             <a:r>
-              <a:rPr lang="en-US" altLang="ko-KR" sz="1000" spc="-50" dirty="0" smtClean="0">
-                <a:latin typeface="넥슨Lv1고딕 Light" panose="00000300000000000000" pitchFamily="2" charset="-127"/>
-                <a:ea typeface="넥슨Lv1고딕 Light" panose="00000300000000000000" pitchFamily="2" charset="-127"/>
-              </a:rPr>
-              <a:t>URL</a:t>
-            </a:r>
-            <a:r>
               <a:rPr lang="en-US" altLang="ko-KR" sz="1000" spc="-50" dirty="0">
                 <a:latin typeface="넥슨Lv1고딕 Light" panose="00000300000000000000" pitchFamily="2" charset="-127"/>
                 <a:ea typeface="넥슨Lv1고딕 Light" panose="00000300000000000000" pitchFamily="2" charset="-127"/>
               </a:rPr>
-              <a:t>] </a:t>
+              <a:t>URL] </a:t>
             </a:r>
             <a:r>
               <a:rPr lang="en-US" altLang="ko-KR" sz="1000" spc="-50" dirty="0">
@@ -8439,25 +8504,18 @@
               <a:t>[</a:t>
             </a:r>
             <a:r>
-              <a:rPr lang="ko-KR" altLang="en-US" sz="1000" spc="-50" smtClean="0">
+              <a:rPr lang="ko-KR" altLang="en-US" sz="1000" spc="-50">
                 <a:latin typeface="넥슨Lv1고딕 Light" panose="00000300000000000000" pitchFamily="2" charset="-127"/>
                 <a:ea typeface="넥슨Lv1고딕 Light" panose="00000300000000000000" pitchFamily="2" charset="-127"/>
               </a:rPr>
               <a:t>참고 </a:t>
             </a:r>
             <a:r>
-              <a:rPr lang="en-US" altLang="ko-KR" sz="1000" spc="-50" dirty="0" smtClean="0">
-                <a:latin typeface="넥슨Lv1고딕 Light" panose="00000300000000000000" pitchFamily="2" charset="-127"/>
-                <a:ea typeface="넥슨Lv1고딕 Light" panose="00000300000000000000" pitchFamily="2" charset="-127"/>
-              </a:rPr>
-              <a:t>URL</a:t>
-            </a:r>
-            <a:r>
               <a:rPr lang="en-US" altLang="ko-KR" sz="1000" spc="-50" dirty="0">
                 <a:latin typeface="넥슨Lv1고딕 Light" panose="00000300000000000000" pitchFamily="2" charset="-127"/>
                 <a:ea typeface="넥슨Lv1고딕 Light" panose="00000300000000000000" pitchFamily="2" charset="-127"/>
               </a:rPr>
-              <a:t>] </a:t>
+              <a:t>URL] </a:t>
             </a:r>
             <a:r>
               <a:rPr lang="en-US" altLang="ko-KR" sz="1000" spc="-50" dirty="0">
@@ -8570,7 +8628,7 @@
           <p:cNvPr id="5" name="그림 4" descr="개체, 시계, 앉아있는, 하얀색이(가) 표시된 사진&#10;&#10;자동 생성된 설명">
             <a:extLst>
               <a:ext uri="{FF2B5EF4-FFF2-40B4-BE49-F238E27FC236}">
-                <a16:creationId xmlns:a16="http://schemas.microsoft.com/office/drawing/2014/main" xmlns="" id="{04F3D26C-A65C-4D15-BCD2-84FE403EEB73}"/>
+                <a16:creationId xmlns:a16="http://schemas.microsoft.com/office/drawing/2014/main" id="{04F3D26C-A65C-4D15-BCD2-84FE403EEB73}"/>
               </a:ext>
             </a:extLst>
           </p:cNvPr>
@@ -8606,7 +8664,7 @@
           <p:cNvPr id="6" name="직사각형 5">
             <a:extLst>
               <a:ext uri="{FF2B5EF4-FFF2-40B4-BE49-F238E27FC236}">
-                <a16:creationId xmlns:a16="http://schemas.microsoft.com/office/drawing/2014/main" xmlns="" id="{38AB32E0-5C67-4FB4-A1B2-E8B62C7F4282}"/>
+                <a16:creationId xmlns:a16="http://schemas.microsoft.com/office/drawing/2014/main" id="{38AB32E0-5C67-4FB4-A1B2-E8B62C7F4282}"/>
               </a:ext>
             </a:extLst>
           </p:cNvPr>
@@ -8694,7 +8752,7 @@
           <p:cNvPr id="14" name="TextBox 13">
             <a:extLst>
               <a:ext uri="{FF2B5EF4-FFF2-40B4-BE49-F238E27FC236}">
-                <a16:creationId xmlns:a16="http://schemas.microsoft.com/office/drawing/2014/main" xmlns="" id="{59F273E5-B722-446D-9FBD-2C825C215017}"/>
+                <a16:creationId xmlns:a16="http://schemas.microsoft.com/office/drawing/2014/main" id="{59F273E5-B722-446D-9FBD-2C825C215017}"/>
               </a:ext>
             </a:extLst>
           </p:cNvPr>
@@ -8766,7 +8824,7 @@
           <p:cNvPr id="11" name="제목 3">
             <a:extLst>
               <a:ext uri="{FF2B5EF4-FFF2-40B4-BE49-F238E27FC236}">
-                <a16:creationId xmlns:a16="http://schemas.microsoft.com/office/drawing/2014/main" xmlns="" id="{BA9640DE-49BB-4E2B-8677-4A0ADEB1A2DF}"/>
+                <a16:creationId xmlns:a16="http://schemas.microsoft.com/office/drawing/2014/main" id="{BA9640DE-49BB-4E2B-8677-4A0ADEB1A2DF}"/>
               </a:ext>
             </a:extLst>
           </p:cNvPr>
@@ -8814,13 +8872,6 @@
                 <a:ea typeface="넥슨Lv1고딕 Light" panose="00000300000000000000" pitchFamily="2" charset="-127"/>
               </a:rPr>
               <a:t>Axios</a:t>
-            </a:r>
-            <a:r>
-              <a:rPr lang="en-US" altLang="ko-KR" sz="1800" dirty="0">
-                <a:latin typeface="넥슨Lv1고딕 Bold" panose="00000800000000000000" pitchFamily="2" charset="-127"/>
-                <a:ea typeface="넥슨Lv1고딕 Bold" panose="00000800000000000000" pitchFamily="2" charset="-127"/>
-              </a:rPr>
-              <a:t/>
             </a:r>
             <a:br>
               <a:rPr lang="en-US" altLang="ko-KR" sz="1800" dirty="0">
@@ -9038,13 +9089,6 @@
               </a:rPr>
               <a:t>Axios</a:t>
             </a:r>
-            <a:r>
-              <a:rPr lang="en-US" altLang="ko-KR" sz="1800" dirty="0">
-                <a:latin typeface="넥슨Lv1고딕 Bold" panose="00000800000000000000" pitchFamily="2" charset="-127"/>
-                <a:ea typeface="넥슨Lv1고딕 Bold" panose="00000800000000000000" pitchFamily="2" charset="-127"/>
-              </a:rPr>
-              <a:t/>
-            </a:r>
             <a:br>
               <a:rPr lang="en-US" altLang="ko-KR" sz="1800" dirty="0">
                 <a:latin typeface="넥슨Lv1고딕 Bold" panose="00000800000000000000" pitchFamily="2" charset="-127"/>
@@ -9084,7 +9128,7 @@
           <p:cNvPr id="14" name="모서리가 둥근 직사각형 18">
             <a:extLst>
               <a:ext uri="{FF2B5EF4-FFF2-40B4-BE49-F238E27FC236}">
-                <a16:creationId xmlns:a16="http://schemas.microsoft.com/office/drawing/2014/main" xmlns="" id="{9CA422C6-FCF4-464B-B393-5F24A68ECA16}"/>
+                <a16:creationId xmlns:a16="http://schemas.microsoft.com/office/drawing/2014/main" id="{9CA422C6-FCF4-464B-B393-5F24A68ECA16}"/>
               </a:ext>
             </a:extLst>
           </p:cNvPr>
@@ -9288,7 +9332,7 @@
           <p:cNvPr id="18" name="모서리가 둥근 직사각형 18">
             <a:extLst>
               <a:ext uri="{FF2B5EF4-FFF2-40B4-BE49-F238E27FC236}">
-                <a16:creationId xmlns:a16="http://schemas.microsoft.com/office/drawing/2014/main" xmlns="" id="{90982F06-A123-4DB8-9254-59CF6AC55F26}"/>
+                <a16:creationId xmlns:a16="http://schemas.microsoft.com/office/drawing/2014/main" id="{90982F06-A123-4DB8-9254-59CF6AC55F26}"/>
               </a:ext>
             </a:extLst>
           </p:cNvPr>
@@ -9404,7 +9448,7 @@
           <p:cNvPr id="19" name="모서리가 둥근 직사각형 18">
             <a:extLst>
               <a:ext uri="{FF2B5EF4-FFF2-40B4-BE49-F238E27FC236}">
-                <a16:creationId xmlns:a16="http://schemas.microsoft.com/office/drawing/2014/main" xmlns="" id="{868A2914-52B9-4088-805C-AE5D27AB841B}"/>
+                <a16:creationId xmlns:a16="http://schemas.microsoft.com/office/drawing/2014/main" id="{868A2914-52B9-4088-805C-AE5D27AB841B}"/>
               </a:ext>
             </a:extLst>
           </p:cNvPr>
@@ -9504,7 +9548,7 @@
           <p:cNvPr id="20" name="모서리가 둥근 직사각형 18">
             <a:extLst>
               <a:ext uri="{FF2B5EF4-FFF2-40B4-BE49-F238E27FC236}">
-                <a16:creationId xmlns:a16="http://schemas.microsoft.com/office/drawing/2014/main" xmlns="" id="{BBDB48F7-2609-4D4C-B9AA-9CC2729E9183}"/>
+                <a16:creationId xmlns:a16="http://schemas.microsoft.com/office/drawing/2014/main" id="{BBDB48F7-2609-4D4C-B9AA-9CC2729E9183}"/>
               </a:ext>
             </a:extLst>
           </p:cNvPr>
@@ -9630,7 +9674,7 @@
           <p:cNvPr id="6" name="화살표: 아래쪽 5">
             <a:extLst>
               <a:ext uri="{FF2B5EF4-FFF2-40B4-BE49-F238E27FC236}">
-                <a16:creationId xmlns:a16="http://schemas.microsoft.com/office/drawing/2014/main" xmlns="" id="{9300BC3F-2AB6-4406-8D6C-C4BB77413C8E}"/>
+                <a16:creationId xmlns:a16="http://schemas.microsoft.com/office/drawing/2014/main" id="{9300BC3F-2AB6-4406-8D6C-C4BB77413C8E}"/>
               </a:ext>
             </a:extLst>
           </p:cNvPr>
@@ -9682,7 +9726,7 @@
           <p:cNvPr id="24" name="화살표: 아래쪽 23">
             <a:extLst>
               <a:ext uri="{FF2B5EF4-FFF2-40B4-BE49-F238E27FC236}">
-                <a16:creationId xmlns:a16="http://schemas.microsoft.com/office/drawing/2014/main" xmlns="" id="{85FD1B8F-F782-47B2-B2EF-45EC590170B3}"/>
+                <a16:creationId xmlns:a16="http://schemas.microsoft.com/office/drawing/2014/main" id="{85FD1B8F-F782-47B2-B2EF-45EC590170B3}"/>
               </a:ext>
             </a:extLst>
           </p:cNvPr>
@@ -9734,7 +9778,7 @@
           <p:cNvPr id="25" name="TextBox 24">
             <a:extLst>
               <a:ext uri="{FF2B5EF4-FFF2-40B4-BE49-F238E27FC236}">
-                <a16:creationId xmlns:a16="http://schemas.microsoft.com/office/drawing/2014/main" xmlns="" id="{82CFEC5E-6857-40C8-956B-A6ACB8C6E11B}"/>
+                <a16:creationId xmlns:a16="http://schemas.microsoft.com/office/drawing/2014/main" id="{82CFEC5E-6857-40C8-956B-A6ACB8C6E11B}"/>
               </a:ext>
             </a:extLst>
           </p:cNvPr>
@@ -9880,7 +9924,7 @@
           <p:cNvPr id="26" name="TextBox 25">
             <a:extLst>
               <a:ext uri="{FF2B5EF4-FFF2-40B4-BE49-F238E27FC236}">
-                <a16:creationId xmlns:a16="http://schemas.microsoft.com/office/drawing/2014/main" xmlns="" id="{5F3D41B7-553E-403B-8B1C-2A3712E94DFA}"/>
+                <a16:creationId xmlns:a16="http://schemas.microsoft.com/office/drawing/2014/main" id="{5F3D41B7-553E-403B-8B1C-2A3712E94DFA}"/>
               </a:ext>
             </a:extLst>
           </p:cNvPr>
@@ -10210,13 +10254,6 @@
                 <a:ea typeface="넥슨Lv1고딕 Light" panose="00000300000000000000" pitchFamily="2" charset="-127"/>
               </a:rPr>
               <a:t>Axios</a:t>
-            </a:r>
-            <a:r>
-              <a:rPr lang="en-US" altLang="ko-KR" sz="1800" dirty="0">
-                <a:latin typeface="넥슨Lv1고딕 Bold" panose="00000800000000000000" pitchFamily="2" charset="-127"/>
-                <a:ea typeface="넥슨Lv1고딕 Bold" panose="00000800000000000000" pitchFamily="2" charset="-127"/>
-              </a:rPr>
-              <a:t/>
             </a:r>
             <a:br>
               <a:rPr lang="en-US" altLang="ko-KR" sz="1800" dirty="0">
@@ -10355,7 +10392,7 @@
           <p:cNvPr id="5" name="그림 4" descr="스크린샷이(가) 표시된 사진&#10;&#10;자동 생성된 설명">
             <a:extLst>
               <a:ext uri="{FF2B5EF4-FFF2-40B4-BE49-F238E27FC236}">
-                <a16:creationId xmlns:a16="http://schemas.microsoft.com/office/drawing/2014/main" xmlns="" id="{ED7E08F9-2AEC-4CE3-83F7-09E5CD0AC48E}"/>
+                <a16:creationId xmlns:a16="http://schemas.microsoft.com/office/drawing/2014/main" id="{ED7E08F9-2AEC-4CE3-83F7-09E5CD0AC48E}"/>
               </a:ext>
             </a:extLst>
           </p:cNvPr>
@@ -10391,7 +10428,7 @@
           <p:cNvPr id="11" name="TextBox 10">
             <a:extLst>
               <a:ext uri="{FF2B5EF4-FFF2-40B4-BE49-F238E27FC236}">
-                <a16:creationId xmlns:a16="http://schemas.microsoft.com/office/drawing/2014/main" xmlns="" id="{9DF98A3E-CFB7-4AA0-97D8-7FA62BF88EAA}"/>
+                <a16:creationId xmlns:a16="http://schemas.microsoft.com/office/drawing/2014/main" id="{9DF98A3E-CFB7-4AA0-97D8-7FA62BF88EAA}"/>
               </a:ext>
             </a:extLst>
           </p:cNvPr>
@@ -10670,13 +10707,6 @@
                 <a:ea typeface="넥슨Lv1고딕 Light" panose="00000300000000000000" pitchFamily="2" charset="-127"/>
               </a:rPr>
               <a:t>Axios</a:t>
-            </a:r>
-            <a:r>
-              <a:rPr lang="en-US" altLang="ko-KR" sz="1800" dirty="0">
-                <a:latin typeface="넥슨Lv1고딕 Bold" panose="00000800000000000000" pitchFamily="2" charset="-127"/>
-                <a:ea typeface="넥슨Lv1고딕 Bold" panose="00000800000000000000" pitchFamily="2" charset="-127"/>
-              </a:rPr>
-              <a:t/>
             </a:r>
             <a:br>
               <a:rPr lang="en-US" altLang="ko-KR" sz="1800" dirty="0">
@@ -10815,7 +10845,7 @@
           <p:cNvPr id="11" name="TextBox 10">
             <a:extLst>
               <a:ext uri="{FF2B5EF4-FFF2-40B4-BE49-F238E27FC236}">
-                <a16:creationId xmlns:a16="http://schemas.microsoft.com/office/drawing/2014/main" xmlns="" id="{9DF98A3E-CFB7-4AA0-97D8-7FA62BF88EAA}"/>
+                <a16:creationId xmlns:a16="http://schemas.microsoft.com/office/drawing/2014/main" id="{9DF98A3E-CFB7-4AA0-97D8-7FA62BF88EAA}"/>
               </a:ext>
             </a:extLst>
           </p:cNvPr>
@@ -10858,7 +10888,7 @@
           <p:cNvPr id="6" name="그림 5" descr="스크린샷이(가) 표시된 사진&#10;&#10;자동 생성된 설명">
             <a:extLst>
               <a:ext uri="{FF2B5EF4-FFF2-40B4-BE49-F238E27FC236}">
-                <a16:creationId xmlns:a16="http://schemas.microsoft.com/office/drawing/2014/main" xmlns="" id="{6492D50F-AE0B-4786-AA75-38D6471A6610}"/>
+                <a16:creationId xmlns:a16="http://schemas.microsoft.com/office/drawing/2014/main" id="{6492D50F-AE0B-4786-AA75-38D6471A6610}"/>
               </a:ext>
             </a:extLst>
           </p:cNvPr>
@@ -10894,7 +10924,7 @@
           <p:cNvPr id="8" name="직사각형 7">
             <a:extLst>
               <a:ext uri="{FF2B5EF4-FFF2-40B4-BE49-F238E27FC236}">
-                <a16:creationId xmlns:a16="http://schemas.microsoft.com/office/drawing/2014/main" xmlns="" id="{82E93F99-662F-4C36-8AA1-1F1B1F6D8753}"/>
+                <a16:creationId xmlns:a16="http://schemas.microsoft.com/office/drawing/2014/main" id="{82E93F99-662F-4C36-8AA1-1F1B1F6D8753}"/>
               </a:ext>
             </a:extLst>
           </p:cNvPr>
@@ -11183,13 +11213,6 @@
                 <a:ea typeface="넥슨Lv1고딕 Light" panose="00000300000000000000" pitchFamily="2" charset="-127"/>
               </a:rPr>
               <a:t>Axios</a:t>
-            </a:r>
-            <a:r>
-              <a:rPr lang="en-US" altLang="ko-KR" sz="1800" dirty="0">
-                <a:latin typeface="넥슨Lv1고딕 Bold" panose="00000800000000000000" pitchFamily="2" charset="-127"/>
-                <a:ea typeface="넥슨Lv1고딕 Bold" panose="00000800000000000000" pitchFamily="2" charset="-127"/>
-              </a:rPr>
-              <a:t/>
             </a:r>
             <a:br>
               <a:rPr lang="en-US" altLang="ko-KR" sz="1800" dirty="0">
@@ -11328,7 +11351,7 @@
           <p:cNvPr id="11" name="TextBox 10">
             <a:extLst>
               <a:ext uri="{FF2B5EF4-FFF2-40B4-BE49-F238E27FC236}">
-                <a16:creationId xmlns:a16="http://schemas.microsoft.com/office/drawing/2014/main" xmlns="" id="{9DF98A3E-CFB7-4AA0-97D8-7FA62BF88EAA}"/>
+                <a16:creationId xmlns:a16="http://schemas.microsoft.com/office/drawing/2014/main" id="{9DF98A3E-CFB7-4AA0-97D8-7FA62BF88EAA}"/>
               </a:ext>
             </a:extLst>
           </p:cNvPr>
@@ -11371,7 +11394,7 @@
           <p:cNvPr id="9" name="그림 8" descr="스크린샷이(가) 표시된 사진&#10;&#10;자동 생성된 설명">
             <a:extLst>
               <a:ext uri="{FF2B5EF4-FFF2-40B4-BE49-F238E27FC236}">
-                <a16:creationId xmlns:a16="http://schemas.microsoft.com/office/drawing/2014/main" xmlns="" id="{9918B22E-7E37-4E6D-983F-6A36FDF214B5}"/>
+                <a16:creationId xmlns:a16="http://schemas.microsoft.com/office/drawing/2014/main" id="{9918B22E-7E37-4E6D-983F-6A36FDF214B5}"/>
               </a:ext>
             </a:extLst>
           </p:cNvPr>
@@ -11407,7 +11430,7 @@
           <p:cNvPr id="12" name="그림 11" descr="스크린샷이(가) 표시된 사진&#10;&#10;자동 생성된 설명">
             <a:extLst>
               <a:ext uri="{FF2B5EF4-FFF2-40B4-BE49-F238E27FC236}">
-                <a16:creationId xmlns:a16="http://schemas.microsoft.com/office/drawing/2014/main" xmlns="" id="{B1319822-36CE-4A08-8CE9-67B3D1EDE0B7}"/>
+                <a16:creationId xmlns:a16="http://schemas.microsoft.com/office/drawing/2014/main" id="{B1319822-36CE-4A08-8CE9-67B3D1EDE0B7}"/>
               </a:ext>
             </a:extLst>
           </p:cNvPr>
@@ -11443,7 +11466,7 @@
           <p:cNvPr id="17" name="직사각형 16">
             <a:extLst>
               <a:ext uri="{FF2B5EF4-FFF2-40B4-BE49-F238E27FC236}">
-                <a16:creationId xmlns:a16="http://schemas.microsoft.com/office/drawing/2014/main" xmlns="" id="{56E69088-EE55-4457-B5CB-D587F43439B9}"/>
+                <a16:creationId xmlns:a16="http://schemas.microsoft.com/office/drawing/2014/main" id="{56E69088-EE55-4457-B5CB-D587F43439B9}"/>
               </a:ext>
             </a:extLst>
           </p:cNvPr>
@@ -11496,7 +11519,7 @@
           <p:cNvPr id="18" name="모서리가 둥근 직사각형 18">
             <a:extLst>
               <a:ext uri="{FF2B5EF4-FFF2-40B4-BE49-F238E27FC236}">
-                <a16:creationId xmlns:a16="http://schemas.microsoft.com/office/drawing/2014/main" xmlns="" id="{2A98BBA6-D597-44A0-8BCD-BC9688126A63}"/>
+                <a16:creationId xmlns:a16="http://schemas.microsoft.com/office/drawing/2014/main" id="{2A98BBA6-D597-44A0-8BCD-BC9688126A63}"/>
               </a:ext>
             </a:extLst>
           </p:cNvPr>
@@ -11616,7 +11639,7 @@
           <p:cNvPr id="19" name="모서리가 둥근 직사각형 18">
             <a:extLst>
               <a:ext uri="{FF2B5EF4-FFF2-40B4-BE49-F238E27FC236}">
-                <a16:creationId xmlns:a16="http://schemas.microsoft.com/office/drawing/2014/main" xmlns="" id="{CA78C336-E67C-42EF-BB49-EC591AACD7CB}"/>
+                <a16:creationId xmlns:a16="http://schemas.microsoft.com/office/drawing/2014/main" id="{CA78C336-E67C-42EF-BB49-EC591AACD7CB}"/>
               </a:ext>
             </a:extLst>
           </p:cNvPr>
@@ -11726,7 +11749,7 @@
           <p:cNvPr id="5" name="그림 4" descr="스크린샷이(가) 표시된 사진&#10;&#10;자동 생성된 설명">
             <a:extLst>
               <a:ext uri="{FF2B5EF4-FFF2-40B4-BE49-F238E27FC236}">
-                <a16:creationId xmlns:a16="http://schemas.microsoft.com/office/drawing/2014/main" xmlns="" id="{BF628DB8-62D6-4207-BC69-A85CA6653DC9}"/>
+                <a16:creationId xmlns:a16="http://schemas.microsoft.com/office/drawing/2014/main" id="{BF628DB8-62D6-4207-BC69-A85CA6653DC9}"/>
               </a:ext>
             </a:extLst>
           </p:cNvPr>
@@ -11968,13 +11991,6 @@
                 <a:ea typeface="넥슨Lv1고딕 Light" panose="00000300000000000000" pitchFamily="2" charset="-127"/>
               </a:rPr>
               <a:t>Axios</a:t>
-            </a:r>
-            <a:r>
-              <a:rPr lang="en-US" altLang="ko-KR" sz="1800" dirty="0">
-                <a:latin typeface="넥슨Lv1고딕 Bold" panose="00000800000000000000" pitchFamily="2" charset="-127"/>
-                <a:ea typeface="넥슨Lv1고딕 Bold" panose="00000800000000000000" pitchFamily="2" charset="-127"/>
-              </a:rPr>
-              <a:t/>
             </a:r>
             <a:br>
               <a:rPr lang="en-US" altLang="ko-KR" sz="1800" dirty="0">
@@ -12113,7 +12129,7 @@
           <p:cNvPr id="11" name="TextBox 10">
             <a:extLst>
               <a:ext uri="{FF2B5EF4-FFF2-40B4-BE49-F238E27FC236}">
-                <a16:creationId xmlns:a16="http://schemas.microsoft.com/office/drawing/2014/main" xmlns="" id="{9DF98A3E-CFB7-4AA0-97D8-7FA62BF88EAA}"/>
+                <a16:creationId xmlns:a16="http://schemas.microsoft.com/office/drawing/2014/main" id="{9DF98A3E-CFB7-4AA0-97D8-7FA62BF88EAA}"/>
               </a:ext>
             </a:extLst>
           </p:cNvPr>
@@ -12156,7 +12172,7 @@
           <p:cNvPr id="17" name="직사각형 16">
             <a:extLst>
               <a:ext uri="{FF2B5EF4-FFF2-40B4-BE49-F238E27FC236}">
-                <a16:creationId xmlns:a16="http://schemas.microsoft.com/office/drawing/2014/main" xmlns="" id="{56E69088-EE55-4457-B5CB-D587F43439B9}"/>
+                <a16:creationId xmlns:a16="http://schemas.microsoft.com/office/drawing/2014/main" id="{56E69088-EE55-4457-B5CB-D587F43439B9}"/>
               </a:ext>
             </a:extLst>
           </p:cNvPr>
@@ -12209,7 +12225,7 @@
           <p:cNvPr id="18" name="모서리가 둥근 직사각형 18">
             <a:extLst>
               <a:ext uri="{FF2B5EF4-FFF2-40B4-BE49-F238E27FC236}">
-                <a16:creationId xmlns:a16="http://schemas.microsoft.com/office/drawing/2014/main" xmlns="" id="{2A98BBA6-D597-44A0-8BCD-BC9688126A63}"/>
+                <a16:creationId xmlns:a16="http://schemas.microsoft.com/office/drawing/2014/main" id="{2A98BBA6-D597-44A0-8BCD-BC9688126A63}"/>
               </a:ext>
             </a:extLst>
           </p:cNvPr>
@@ -12281,7 +12297,7 @@
           <p:cNvPr id="20" name="모서리가 둥근 직사각형 18">
             <a:extLst>
               <a:ext uri="{FF2B5EF4-FFF2-40B4-BE49-F238E27FC236}">
-                <a16:creationId xmlns:a16="http://schemas.microsoft.com/office/drawing/2014/main" xmlns="" id="{8FCA0B8F-7AF9-4262-BDEE-6435D7EB160C}"/>
+                <a16:creationId xmlns:a16="http://schemas.microsoft.com/office/drawing/2014/main" id="{8FCA0B8F-7AF9-4262-BDEE-6435D7EB160C}"/>
               </a:ext>
             </a:extLst>
           </p:cNvPr>
@@ -12450,7 +12466,7 @@
           <p:cNvPr id="6" name="그림 5" descr="스크린샷이(가) 표시된 사진&#10;&#10;자동 생성된 설명">
             <a:extLst>
               <a:ext uri="{FF2B5EF4-FFF2-40B4-BE49-F238E27FC236}">
-                <a16:creationId xmlns:a16="http://schemas.microsoft.com/office/drawing/2014/main" xmlns="" id="{F3BF1BBF-0D06-4D36-967B-3B72BE5FAAB0}"/>
+                <a16:creationId xmlns:a16="http://schemas.microsoft.com/office/drawing/2014/main" id="{F3BF1BBF-0D06-4D36-967B-3B72BE5FAAB0}"/>
               </a:ext>
             </a:extLst>
           </p:cNvPr>
@@ -12692,13 +12708,6 @@
                 <a:ea typeface="넥슨Lv1고딕 Light" panose="00000300000000000000" pitchFamily="2" charset="-127"/>
               </a:rPr>
               <a:t>Axios</a:t>
-            </a:r>
-            <a:r>
-              <a:rPr lang="en-US" altLang="ko-KR" sz="1800" dirty="0">
-                <a:latin typeface="넥슨Lv1고딕 Bold" panose="00000800000000000000" pitchFamily="2" charset="-127"/>
-                <a:ea typeface="넥슨Lv1고딕 Bold" panose="00000800000000000000" pitchFamily="2" charset="-127"/>
-              </a:rPr>
-              <a:t/>
             </a:r>
             <a:br>
               <a:rPr lang="en-US" altLang="ko-KR" sz="1800" dirty="0">
@@ -12837,7 +12846,7 @@
           <p:cNvPr id="11" name="TextBox 10">
             <a:extLst>
               <a:ext uri="{FF2B5EF4-FFF2-40B4-BE49-F238E27FC236}">
-                <a16:creationId xmlns:a16="http://schemas.microsoft.com/office/drawing/2014/main" xmlns="" id="{9DF98A3E-CFB7-4AA0-97D8-7FA62BF88EAA}"/>
+                <a16:creationId xmlns:a16="http://schemas.microsoft.com/office/drawing/2014/main" id="{9DF98A3E-CFB7-4AA0-97D8-7FA62BF88EAA}"/>
               </a:ext>
             </a:extLst>
           </p:cNvPr>
@@ -12880,7 +12889,7 @@
           <p:cNvPr id="17" name="직사각형 16">
             <a:extLst>
               <a:ext uri="{FF2B5EF4-FFF2-40B4-BE49-F238E27FC236}">
-                <a16:creationId xmlns:a16="http://schemas.microsoft.com/office/drawing/2014/main" xmlns="" id="{56E69088-EE55-4457-B5CB-D587F43439B9}"/>
+                <a16:creationId xmlns:a16="http://schemas.microsoft.com/office/drawing/2014/main" id="{56E69088-EE55-4457-B5CB-D587F43439B9}"/>
               </a:ext>
             </a:extLst>
           </p:cNvPr>
@@ -12933,7 +12942,7 @@
           <p:cNvPr id="20" name="모서리가 둥근 직사각형 18">
             <a:extLst>
               <a:ext uri="{FF2B5EF4-FFF2-40B4-BE49-F238E27FC236}">
-                <a16:creationId xmlns:a16="http://schemas.microsoft.com/office/drawing/2014/main" xmlns="" id="{8FCA0B8F-7AF9-4262-BDEE-6435D7EB160C}"/>
+                <a16:creationId xmlns:a16="http://schemas.microsoft.com/office/drawing/2014/main" id="{8FCA0B8F-7AF9-4262-BDEE-6435D7EB160C}"/>
               </a:ext>
             </a:extLst>
           </p:cNvPr>
@@ -13089,7 +13098,7 @@
           <p:cNvPr id="16" name="모서리가 둥근 직사각형 13">
             <a:extLst>
               <a:ext uri="{FF2B5EF4-FFF2-40B4-BE49-F238E27FC236}">
-                <a16:creationId xmlns:a16="http://schemas.microsoft.com/office/drawing/2014/main" xmlns="" id="{35FFE981-A81C-44DD-8836-7FAAEDDAFB8B}"/>
+                <a16:creationId xmlns:a16="http://schemas.microsoft.com/office/drawing/2014/main" id="{35FFE981-A81C-44DD-8836-7FAAEDDAFB8B}"/>
               </a:ext>
             </a:extLst>
           </p:cNvPr>
@@ -13434,7 +13443,7 @@
           <p:cNvPr id="14" name="TextBox 13">
             <a:extLst>
               <a:ext uri="{FF2B5EF4-FFF2-40B4-BE49-F238E27FC236}">
-                <a16:creationId xmlns:a16="http://schemas.microsoft.com/office/drawing/2014/main" xmlns="" id="{9F12D4E5-B109-4B80-B716-4AECBE0D5D67}"/>
+                <a16:creationId xmlns:a16="http://schemas.microsoft.com/office/drawing/2014/main" id="{9F12D4E5-B109-4B80-B716-4AECBE0D5D67}"/>
               </a:ext>
             </a:extLst>
           </p:cNvPr>
@@ -13985,13 +13994,6 @@
                 <a:ea typeface="넥슨Lv1고딕 Light" panose="00000300000000000000" pitchFamily="2" charset="-127"/>
               </a:rPr>
               <a:t>Axios</a:t>
-            </a:r>
-            <a:r>
-              <a:rPr lang="en-US" altLang="ko-KR" sz="1800" dirty="0">
-                <a:latin typeface="넥슨Lv1고딕 Bold" panose="00000800000000000000" pitchFamily="2" charset="-127"/>
-                <a:ea typeface="넥슨Lv1고딕 Bold" panose="00000800000000000000" pitchFamily="2" charset="-127"/>
-              </a:rPr>
-              <a:t/>
             </a:r>
             <a:br>
               <a:rPr lang="en-US" altLang="ko-KR" sz="1800" dirty="0">
@@ -14130,7 +14132,7 @@
           <p:cNvPr id="11" name="TextBox 10">
             <a:extLst>
               <a:ext uri="{FF2B5EF4-FFF2-40B4-BE49-F238E27FC236}">
-                <a16:creationId xmlns:a16="http://schemas.microsoft.com/office/drawing/2014/main" xmlns="" id="{9DF98A3E-CFB7-4AA0-97D8-7FA62BF88EAA}"/>
+                <a16:creationId xmlns:a16="http://schemas.microsoft.com/office/drawing/2014/main" id="{9DF98A3E-CFB7-4AA0-97D8-7FA62BF88EAA}"/>
               </a:ext>
             </a:extLst>
           </p:cNvPr>
@@ -14203,7 +14205,7 @@
           <p:cNvPr id="6" name="그림 5" descr="스크린샷이(가) 표시된 사진&#10;&#10;자동 생성된 설명">
             <a:extLst>
               <a:ext uri="{FF2B5EF4-FFF2-40B4-BE49-F238E27FC236}">
-                <a16:creationId xmlns:a16="http://schemas.microsoft.com/office/drawing/2014/main" xmlns="" id="{B3C25049-AF45-475D-BC44-EAAA69765411}"/>
+                <a16:creationId xmlns:a16="http://schemas.microsoft.com/office/drawing/2014/main" id="{B3C25049-AF45-475D-BC44-EAAA69765411}"/>
               </a:ext>
             </a:extLst>
           </p:cNvPr>
@@ -14433,13 +14435,6 @@
                 <a:ea typeface="넥슨Lv1고딕 Light" panose="00000300000000000000" pitchFamily="2" charset="-127"/>
               </a:rPr>
               <a:t>Axios</a:t>
-            </a:r>
-            <a:r>
-              <a:rPr lang="en-US" altLang="ko-KR" sz="1800" dirty="0">
-                <a:latin typeface="넥슨Lv1고딕 Bold" panose="00000800000000000000" pitchFamily="2" charset="-127"/>
-                <a:ea typeface="넥슨Lv1고딕 Bold" panose="00000800000000000000" pitchFamily="2" charset="-127"/>
-              </a:rPr>
-              <a:t/>
             </a:r>
             <a:br>
               <a:rPr lang="en-US" altLang="ko-KR" sz="1800" dirty="0">
@@ -14906,7 +14901,7 @@
           <p:cNvPr id="9" name="그림 8">
             <a:extLst>
               <a:ext uri="{FF2B5EF4-FFF2-40B4-BE49-F238E27FC236}">
-                <a16:creationId xmlns:a16="http://schemas.microsoft.com/office/drawing/2014/main" xmlns="" id="{F2486CAD-9AAF-46C4-8629-2755702FB631}"/>
+                <a16:creationId xmlns:a16="http://schemas.microsoft.com/office/drawing/2014/main" id="{F2486CAD-9AAF-46C4-8629-2755702FB631}"/>
               </a:ext>
             </a:extLst>
           </p:cNvPr>
@@ -14972,7 +14967,7 @@
           <p:cNvPr id="14" name="TextBox 13">
             <a:extLst>
               <a:ext uri="{FF2B5EF4-FFF2-40B4-BE49-F238E27FC236}">
-                <a16:creationId xmlns:a16="http://schemas.microsoft.com/office/drawing/2014/main" xmlns="" id="{9F12D4E5-B109-4B80-B716-4AECBE0D5D67}"/>
+                <a16:creationId xmlns:a16="http://schemas.microsoft.com/office/drawing/2014/main" id="{9F12D4E5-B109-4B80-B716-4AECBE0D5D67}"/>
               </a:ext>
             </a:extLst>
           </p:cNvPr>
@@ -15433,13 +15428,6 @@
                 <a:ea typeface="넥슨Lv1고딕 Light" panose="00000300000000000000" pitchFamily="2" charset="-127"/>
               </a:rPr>
               <a:t>Axios</a:t>
-            </a:r>
-            <a:r>
-              <a:rPr lang="en-US" altLang="ko-KR" sz="1800" dirty="0">
-                <a:latin typeface="넥슨Lv1고딕 Bold" panose="00000800000000000000" pitchFamily="2" charset="-127"/>
-                <a:ea typeface="넥슨Lv1고딕 Bold" panose="00000800000000000000" pitchFamily="2" charset="-127"/>
-              </a:rPr>
-              <a:t/>
             </a:r>
             <a:br>
               <a:rPr lang="en-US" altLang="ko-KR" sz="1800" dirty="0">
@@ -15578,7 +15566,7 @@
           <p:cNvPr id="5" name="그림 4">
             <a:extLst>
               <a:ext uri="{FF2B5EF4-FFF2-40B4-BE49-F238E27FC236}">
-                <a16:creationId xmlns:a16="http://schemas.microsoft.com/office/drawing/2014/main" xmlns="" id="{D58A0549-F676-4ECC-9114-93A40049E47B}"/>
+                <a16:creationId xmlns:a16="http://schemas.microsoft.com/office/drawing/2014/main" id="{D58A0549-F676-4ECC-9114-93A40049E47B}"/>
               </a:ext>
             </a:extLst>
           </p:cNvPr>
@@ -15613,7 +15601,7 @@
           <p:cNvPr id="15" name="직사각형 14">
             <a:extLst>
               <a:ext uri="{FF2B5EF4-FFF2-40B4-BE49-F238E27FC236}">
-                <a16:creationId xmlns:a16="http://schemas.microsoft.com/office/drawing/2014/main" xmlns="" id="{6BCF2C6F-DE96-44FB-AC9B-5B17AA7C127E}"/>
+                <a16:creationId xmlns:a16="http://schemas.microsoft.com/office/drawing/2014/main" id="{6BCF2C6F-DE96-44FB-AC9B-5B17AA7C127E}"/>
               </a:ext>
             </a:extLst>
           </p:cNvPr>
@@ -15666,7 +15654,7 @@
           <p:cNvPr id="17" name="모서리가 둥근 직사각형 18">
             <a:extLst>
               <a:ext uri="{FF2B5EF4-FFF2-40B4-BE49-F238E27FC236}">
-                <a16:creationId xmlns:a16="http://schemas.microsoft.com/office/drawing/2014/main" xmlns="" id="{3232FBF2-4E60-481E-BF83-CC24D588C368}"/>
+                <a16:creationId xmlns:a16="http://schemas.microsoft.com/office/drawing/2014/main" id="{3232FBF2-4E60-481E-BF83-CC24D588C368}"/>
               </a:ext>
             </a:extLst>
           </p:cNvPr>
@@ -16261,13 +16249,6 @@
               </a:rPr>
               <a:t>Axios</a:t>
             </a:r>
-            <a:r>
-              <a:rPr lang="en-US" altLang="ko-KR" sz="1800" dirty="0">
-                <a:latin typeface="넥슨Lv1고딕 Bold" panose="00000800000000000000" pitchFamily="2" charset="-127"/>
-                <a:ea typeface="넥슨Lv1고딕 Bold" panose="00000800000000000000" pitchFamily="2" charset="-127"/>
-              </a:rPr>
-              <a:t/>
-            </a:r>
             <a:br>
               <a:rPr lang="en-US" altLang="ko-KR" sz="1800" dirty="0">
                 <a:latin typeface="넥슨Lv1고딕 Bold" panose="00000800000000000000" pitchFamily="2" charset="-127"/>
@@ -16307,7 +16288,7 @@
           <p:cNvPr id="10" name="타원 9">
             <a:extLst>
               <a:ext uri="{FF2B5EF4-FFF2-40B4-BE49-F238E27FC236}">
-                <a16:creationId xmlns:a16="http://schemas.microsoft.com/office/drawing/2014/main" xmlns="" id="{1921A1E8-7073-4706-88DD-ED62A7279CDE}"/>
+                <a16:creationId xmlns:a16="http://schemas.microsoft.com/office/drawing/2014/main" id="{1921A1E8-7073-4706-88DD-ED62A7279CDE}"/>
               </a:ext>
             </a:extLst>
           </p:cNvPr>
@@ -16361,6 +16342,109 @@
             <a:endParaRPr lang="ko-KR" altLang="en-US" dirty="0">
               <a:ea typeface="넥슨Lv1고딕 Light" panose="00000300000000000000" pitchFamily="2" charset="-127"/>
             </a:endParaRPr>
+          </a:p>
+        </p:txBody>
+      </p:sp>
+      <p:pic>
+        <p:nvPicPr>
+          <p:cNvPr id="5" name="Picture 4" descr="A screen shot of a computer&#10;&#10;Description automatically generated">
+            <a:extLst>
+              <a:ext uri="{FF2B5EF4-FFF2-40B4-BE49-F238E27FC236}">
+                <a16:creationId xmlns:a16="http://schemas.microsoft.com/office/drawing/2014/main" id="{8277D3DE-E5A9-4084-A433-9FB509F030E2}"/>
+              </a:ext>
+            </a:extLst>
+          </p:cNvPr>
+          <p:cNvPicPr>
+            <a:picLocks noChangeAspect="1"/>
+          </p:cNvPicPr>
+          <p:nvPr/>
+        </p:nvPicPr>
+        <p:blipFill>
+          <a:blip r:embed="rId3">
+            <a:extLst>
+              <a:ext uri="{28A0092B-C50C-407E-A947-70E740481C1C}">
+                <a14:useLocalDpi xmlns:a14="http://schemas.microsoft.com/office/drawing/2010/main" val="0"/>
+              </a:ext>
+            </a:extLst>
+          </a:blip>
+          <a:stretch>
+            <a:fillRect/>
+          </a:stretch>
+        </p:blipFill>
+        <p:spPr>
+          <a:xfrm>
+            <a:off x="877529" y="2297532"/>
+            <a:ext cx="3000375" cy="2943225"/>
+          </a:xfrm>
+          <a:prstGeom prst="rect">
+            <a:avLst/>
+          </a:prstGeom>
+        </p:spPr>
+      </p:pic>
+      <p:sp>
+        <p:nvSpPr>
+          <p:cNvPr id="6" name="TextBox 5">
+            <a:extLst>
+              <a:ext uri="{FF2B5EF4-FFF2-40B4-BE49-F238E27FC236}">
+                <a16:creationId xmlns:a16="http://schemas.microsoft.com/office/drawing/2014/main" id="{7DF6D888-F42A-4158-A2DC-A51C3661993D}"/>
+              </a:ext>
+            </a:extLst>
+          </p:cNvPr>
+          <p:cNvSpPr txBox="1"/>
+          <p:nvPr/>
+        </p:nvSpPr>
+        <p:spPr>
+          <a:xfrm flipH="1">
+            <a:off x="4152281" y="2297532"/>
+            <a:ext cx="3800482" cy="830997"/>
+          </a:xfrm>
+          <a:prstGeom prst="rect">
+            <a:avLst/>
+          </a:prstGeom>
+          <a:noFill/>
+        </p:spPr>
+        <p:txBody>
+          <a:bodyPr wrap="square" rtlCol="0">
+            <a:spAutoFit/>
+          </a:bodyPr>
+          <a:lstStyle/>
+          <a:p>
+            <a:r>
+              <a:rPr lang="en-US" altLang="ko-KR" sz="1600" dirty="0"/>
+              <a:t>&lt;table&gt; </a:t>
+            </a:r>
+            <a:r>
+              <a:rPr lang="ko-KR" altLang="en-US" sz="1600" dirty="0"/>
+              <a:t>태그를 이용하여 </a:t>
+            </a:r>
+            <a:endParaRPr lang="en-US" altLang="ko-KR" sz="1600" dirty="0"/>
+          </a:p>
+          <a:p>
+            <a:r>
+              <a:rPr lang="ko-KR" altLang="en-US" sz="1600" dirty="0"/>
+              <a:t>영화 순위</a:t>
+            </a:r>
+            <a:r>
+              <a:rPr lang="en-US" altLang="ko-KR" sz="1600" dirty="0"/>
+              <a:t>, </a:t>
+            </a:r>
+            <a:r>
+              <a:rPr lang="ko-KR" altLang="en-US" sz="1600" dirty="0"/>
+              <a:t>제목</a:t>
+            </a:r>
+            <a:r>
+              <a:rPr lang="en-US" altLang="ko-KR" sz="1600" dirty="0"/>
+              <a:t>, </a:t>
+            </a:r>
+            <a:r>
+              <a:rPr lang="ko-KR" altLang="en-US" sz="1600" dirty="0"/>
+              <a:t>누적 관객 수를 보여 줄 마크업을 작성해 봅니다</a:t>
+            </a:r>
+            <a:r>
+              <a:rPr lang="en-US" altLang="ko-KR" sz="1600" dirty="0"/>
+              <a:t>.</a:t>
+            </a:r>
+            <a:endParaRPr lang="ko-KR" altLang="en-US" sz="1600" dirty="0"/>
           </a:p>
         </p:txBody>
       </p:sp>
@@ -16606,13 +16690,6 @@
               </a:rPr>
               <a:t>Axios</a:t>
             </a:r>
-            <a:r>
-              <a:rPr lang="en-US" altLang="ko-KR" sz="1800" dirty="0">
-                <a:latin typeface="넥슨Lv1고딕 Bold" panose="00000800000000000000" pitchFamily="2" charset="-127"/>
-                <a:ea typeface="넥슨Lv1고딕 Bold" panose="00000800000000000000" pitchFamily="2" charset="-127"/>
-              </a:rPr>
-              <a:t/>
-            </a:r>
             <a:br>
               <a:rPr lang="en-US" altLang="ko-KR" sz="1800" dirty="0">
                 <a:latin typeface="넥슨Lv1고딕 Bold" panose="00000800000000000000" pitchFamily="2" charset="-127"/>
@@ -16652,7 +16729,7 @@
           <p:cNvPr id="9" name="타원 8">
             <a:extLst>
               <a:ext uri="{FF2B5EF4-FFF2-40B4-BE49-F238E27FC236}">
-                <a16:creationId xmlns:a16="http://schemas.microsoft.com/office/drawing/2014/main" xmlns="" id="{C2826594-E15A-4E00-B804-341CF7FF751E}"/>
+                <a16:creationId xmlns:a16="http://schemas.microsoft.com/office/drawing/2014/main" id="{C2826594-E15A-4E00-B804-341CF7FF751E}"/>
               </a:ext>
             </a:extLst>
           </p:cNvPr>
@@ -16706,6 +16783,154 @@
             <a:endParaRPr lang="ko-KR" altLang="en-US" dirty="0">
               <a:ea typeface="넥슨Lv1고딕 Light" panose="00000300000000000000" pitchFamily="2" charset="-127"/>
             </a:endParaRPr>
+          </a:p>
+        </p:txBody>
+      </p:sp>
+      <p:pic>
+        <p:nvPicPr>
+          <p:cNvPr id="5" name="Picture 4" descr="A screenshot of a cell phone&#10;&#10;Description automatically generated">
+            <a:extLst>
+              <a:ext uri="{FF2B5EF4-FFF2-40B4-BE49-F238E27FC236}">
+                <a16:creationId xmlns:a16="http://schemas.microsoft.com/office/drawing/2014/main" id="{C81EECA2-BACA-489F-BD07-B1B6F957EBD7}"/>
+              </a:ext>
+            </a:extLst>
+          </p:cNvPr>
+          <p:cNvPicPr>
+            <a:picLocks noChangeAspect="1"/>
+          </p:cNvPicPr>
+          <p:nvPr/>
+        </p:nvPicPr>
+        <p:blipFill>
+          <a:blip r:embed="rId3">
+            <a:extLst>
+              <a:ext uri="{28A0092B-C50C-407E-A947-70E740481C1C}">
+                <a14:useLocalDpi xmlns:a14="http://schemas.microsoft.com/office/drawing/2010/main" val="0"/>
+              </a:ext>
+            </a:extLst>
+          </a:blip>
+          <a:stretch>
+            <a:fillRect/>
+          </a:stretch>
+        </p:blipFill>
+        <p:spPr>
+          <a:xfrm>
+            <a:off x="240320" y="2338333"/>
+            <a:ext cx="8663360" cy="1798553"/>
+          </a:xfrm>
+          <a:prstGeom prst="rect">
+            <a:avLst/>
+          </a:prstGeom>
+        </p:spPr>
+      </p:pic>
+      <p:sp>
+        <p:nvSpPr>
+          <p:cNvPr id="6" name="TextBox 5">
+            <a:extLst>
+              <a:ext uri="{FF2B5EF4-FFF2-40B4-BE49-F238E27FC236}">
+                <a16:creationId xmlns:a16="http://schemas.microsoft.com/office/drawing/2014/main" id="{52798BBE-4BD9-4B7C-9F50-08C4D31CFAD6}"/>
+              </a:ext>
+            </a:extLst>
+          </p:cNvPr>
+          <p:cNvSpPr txBox="1"/>
+          <p:nvPr/>
+        </p:nvSpPr>
+        <p:spPr>
+          <a:xfrm>
+            <a:off x="328108" y="4306223"/>
+            <a:ext cx="7592036" cy="954107"/>
+          </a:xfrm>
+          <a:prstGeom prst="rect">
+            <a:avLst/>
+          </a:prstGeom>
+          <a:noFill/>
+        </p:spPr>
+        <p:txBody>
+          <a:bodyPr wrap="square" rtlCol="0">
+            <a:spAutoFit/>
+          </a:bodyPr>
+          <a:lstStyle/>
+          <a:p>
+            <a:r>
+              <a:rPr lang="en-US" altLang="ko-KR" sz="1400" dirty="0" err="1"/>
+              <a:t>Jquery</a:t>
+            </a:r>
+            <a:r>
+              <a:rPr lang="ko-KR" altLang="en-US" sz="1400" dirty="0"/>
+              <a:t> </a:t>
+            </a:r>
+            <a:r>
+              <a:rPr lang="en-US" altLang="ko-KR" sz="1400" dirty="0"/>
+              <a:t>ajax</a:t>
+            </a:r>
+            <a:r>
+              <a:rPr lang="ko-KR" altLang="en-US" sz="1400" dirty="0"/>
+              <a:t>를 이용</a:t>
+            </a:r>
+            <a:endParaRPr lang="en-US" altLang="ko-KR" sz="1400" dirty="0"/>
+          </a:p>
+          <a:p>
+            <a:endParaRPr lang="en-US" altLang="ko-KR" sz="1400" dirty="0"/>
+          </a:p>
+          <a:p>
+            <a:r>
+              <a:rPr lang="en-US" altLang="ko-KR" sz="1400" dirty="0"/>
+              <a:t> - </a:t>
+            </a:r>
+            <a:r>
+              <a:rPr lang="ko-KR" altLang="en-US" sz="1400" dirty="0"/>
+              <a:t>서버에</a:t>
+            </a:r>
+            <a:r>
+              <a:rPr lang="en-US" altLang="ko-KR" sz="1400" dirty="0"/>
+              <a:t> GET </a:t>
+            </a:r>
+            <a:r>
+              <a:rPr lang="ko-KR" altLang="en-US" sz="1400" dirty="0"/>
+              <a:t>방식으로 데이터를 요청</a:t>
+            </a:r>
+            <a:r>
+              <a:rPr lang="en-US" altLang="ko-KR" sz="1400" dirty="0"/>
+              <a:t>.</a:t>
+            </a:r>
+          </a:p>
+          <a:p>
+            <a:r>
+              <a:rPr lang="en-US" altLang="ko-KR" sz="1400" dirty="0"/>
+              <a:t> - </a:t>
+            </a:r>
+            <a:r>
+              <a:rPr lang="ko-KR" altLang="en-US" sz="1400" dirty="0"/>
+              <a:t>데이터를 받아오는데 성공 한다면 </a:t>
+            </a:r>
+            <a:r>
+              <a:rPr lang="en-US" altLang="ko-KR" sz="1400" dirty="0"/>
+              <a:t>success </a:t>
+            </a:r>
+            <a:r>
+              <a:rPr lang="ko-KR" altLang="en-US" sz="1400" dirty="0"/>
+              <a:t>함수 실행</a:t>
+            </a:r>
+            <a:r>
+              <a:rPr lang="en-US" altLang="ko-KR" sz="1400" dirty="0"/>
+              <a:t>, </a:t>
+            </a:r>
+            <a:r>
+              <a:rPr lang="ko-KR" altLang="en-US" sz="1400" dirty="0"/>
+              <a:t>실패한다면 </a:t>
+            </a:r>
+            <a:r>
+              <a:rPr lang="en-US" altLang="ko-KR" sz="1400" dirty="0"/>
+              <a:t>error </a:t>
+            </a:r>
+            <a:r>
+              <a:rPr lang="ko-KR" altLang="en-US" sz="1400" dirty="0"/>
+              <a:t>함수가 실행됩니다</a:t>
+            </a:r>
+            <a:r>
+              <a:rPr lang="en-US" altLang="ko-KR" sz="1400" dirty="0"/>
+              <a:t>. </a:t>
+            </a:r>
+            <a:endParaRPr lang="ko-KR" altLang="en-US" sz="1400" dirty="0"/>
           </a:p>
         </p:txBody>
       </p:sp>
@@ -16915,13 +17140,6 @@
               </a:rPr>
               <a:t>Axios</a:t>
             </a:r>
-            <a:r>
-              <a:rPr lang="en-US" altLang="ko-KR" sz="1800" dirty="0">
-                <a:latin typeface="넥슨Lv1고딕 Bold" panose="00000800000000000000" pitchFamily="2" charset="-127"/>
-                <a:ea typeface="넥슨Lv1고딕 Bold" panose="00000800000000000000" pitchFamily="2" charset="-127"/>
-              </a:rPr>
-              <a:t/>
-            </a:r>
             <a:br>
               <a:rPr lang="en-US" altLang="ko-KR" sz="1800" dirty="0">
                 <a:latin typeface="넥슨Lv1고딕 Bold" panose="00000800000000000000" pitchFamily="2" charset="-127"/>
@@ -16961,7 +17179,7 @@
           <p:cNvPr id="9" name="타원 8">
             <a:extLst>
               <a:ext uri="{FF2B5EF4-FFF2-40B4-BE49-F238E27FC236}">
-                <a16:creationId xmlns:a16="http://schemas.microsoft.com/office/drawing/2014/main" xmlns="" id="{D2876406-D2B0-4617-B7F7-7F182D007665}"/>
+                <a16:creationId xmlns:a16="http://schemas.microsoft.com/office/drawing/2014/main" id="{D2876406-D2B0-4617-B7F7-7F182D007665}"/>
               </a:ext>
             </a:extLst>
           </p:cNvPr>
@@ -17015,6 +17233,445 @@
             <a:endParaRPr lang="ko-KR" altLang="en-US" dirty="0">
               <a:ea typeface="넥슨Lv1고딕 Light" panose="00000300000000000000" pitchFamily="2" charset="-127"/>
             </a:endParaRPr>
+          </a:p>
+        </p:txBody>
+      </p:sp>
+      <p:sp>
+        <p:nvSpPr>
+          <p:cNvPr id="6" name="TextBox 5">
+            <a:extLst>
+              <a:ext uri="{FF2B5EF4-FFF2-40B4-BE49-F238E27FC236}">
+                <a16:creationId xmlns:a16="http://schemas.microsoft.com/office/drawing/2014/main" id="{E406293A-0223-43A1-9511-0710712B27C6}"/>
+              </a:ext>
+            </a:extLst>
+          </p:cNvPr>
+          <p:cNvSpPr txBox="1"/>
+          <p:nvPr/>
+        </p:nvSpPr>
+        <p:spPr>
+          <a:xfrm flipH="1">
+            <a:off x="650663" y="4528013"/>
+            <a:ext cx="7269481" cy="646331"/>
+          </a:xfrm>
+          <a:prstGeom prst="rect">
+            <a:avLst/>
+          </a:prstGeom>
+          <a:noFill/>
+        </p:spPr>
+        <p:txBody>
+          <a:bodyPr wrap="square" rtlCol="0">
+            <a:spAutoFit/>
+          </a:bodyPr>
+          <a:lstStyle/>
+          <a:p>
+            <a:r>
+              <a:rPr lang="en-US" altLang="ko-KR" dirty="0" err="1"/>
+              <a:t>Api</a:t>
+            </a:r>
+            <a:r>
+              <a:rPr lang="en-US" altLang="ko-KR" dirty="0"/>
+              <a:t> </a:t>
+            </a:r>
+            <a:r>
+              <a:rPr lang="ko-KR" altLang="en-US" dirty="0"/>
+              <a:t>정보를 가져오는데 성공하면 </a:t>
+            </a:r>
+            <a:endParaRPr lang="en-US" altLang="ko-KR" dirty="0"/>
+          </a:p>
+          <a:p>
+            <a:r>
+              <a:rPr lang="en-US" altLang="ko-KR" dirty="0"/>
+              <a:t>Each </a:t>
+            </a:r>
+            <a:r>
+              <a:rPr lang="ko-KR" altLang="en-US" dirty="0"/>
+              <a:t>문을 이용하여 해당 </a:t>
+            </a:r>
+            <a:r>
+              <a:rPr lang="en-US" altLang="ko-KR" dirty="0"/>
+              <a:t>table </a:t>
+            </a:r>
+            <a:r>
+              <a:rPr lang="ko-KR" altLang="en-US" dirty="0"/>
+              <a:t>에 리스트 정보 갱신</a:t>
+            </a:r>
+          </a:p>
+        </p:txBody>
+      </p:sp>
+      <p:pic>
+        <p:nvPicPr>
+          <p:cNvPr id="11" name="그림 4">
+            <a:extLst>
+              <a:ext uri="{FF2B5EF4-FFF2-40B4-BE49-F238E27FC236}">
+                <a16:creationId xmlns:a16="http://schemas.microsoft.com/office/drawing/2014/main" id="{50720AB9-A278-446B-B2FF-B649F296C0A6}"/>
+              </a:ext>
+            </a:extLst>
+          </p:cNvPr>
+          <p:cNvPicPr>
+            <a:picLocks noChangeAspect="1"/>
+          </p:cNvPicPr>
+          <p:nvPr/>
+        </p:nvPicPr>
+        <p:blipFill rotWithShape="1">
+          <a:blip r:embed="rId3" cstate="print">
+            <a:extLst>
+              <a:ext uri="{28A0092B-C50C-407E-A947-70E740481C1C}">
+                <a14:useLocalDpi xmlns:a14="http://schemas.microsoft.com/office/drawing/2010/main" val="0"/>
+              </a:ext>
+            </a:extLst>
+          </a:blip>
+          <a:srcRect b="43282"/>
+          <a:stretch/>
+        </p:blipFill>
+        <p:spPr>
+          <a:xfrm>
+            <a:off x="304458" y="2322699"/>
+            <a:ext cx="5845308" cy="3622975"/>
+          </a:xfrm>
+          <a:prstGeom prst="rect">
+            <a:avLst/>
+          </a:prstGeom>
+        </p:spPr>
+      </p:pic>
+      <p:pic>
+        <p:nvPicPr>
+          <p:cNvPr id="12" name="Picture 11" descr="A screenshot of a cell phone&#10;&#10;Description automatically generated">
+            <a:extLst>
+              <a:ext uri="{FF2B5EF4-FFF2-40B4-BE49-F238E27FC236}">
+                <a16:creationId xmlns:a16="http://schemas.microsoft.com/office/drawing/2014/main" id="{27B2ACD5-7539-410C-9E58-3F646FD4B79D}"/>
+              </a:ext>
+            </a:extLst>
+          </p:cNvPr>
+          <p:cNvPicPr>
+            <a:picLocks noChangeAspect="1"/>
+          </p:cNvPicPr>
+          <p:nvPr/>
+        </p:nvPicPr>
+        <p:blipFill>
+          <a:blip r:embed="rId4">
+            <a:extLst>
+              <a:ext uri="{28A0092B-C50C-407E-A947-70E740481C1C}">
+                <a14:useLocalDpi xmlns:a14="http://schemas.microsoft.com/office/drawing/2010/main" val="0"/>
+              </a:ext>
+            </a:extLst>
+          </a:blip>
+          <a:stretch>
+            <a:fillRect/>
+          </a:stretch>
+        </p:blipFill>
+        <p:spPr>
+          <a:xfrm>
+            <a:off x="3067050" y="2540812"/>
+            <a:ext cx="6076950" cy="2438400"/>
+          </a:xfrm>
+          <a:prstGeom prst="rect">
+            <a:avLst/>
+          </a:prstGeom>
+        </p:spPr>
+      </p:pic>
+      <p:sp>
+        <p:nvSpPr>
+          <p:cNvPr id="14" name="Rectangle 13">
+            <a:extLst>
+              <a:ext uri="{FF2B5EF4-FFF2-40B4-BE49-F238E27FC236}">
+                <a16:creationId xmlns:a16="http://schemas.microsoft.com/office/drawing/2014/main" id="{F08E6CB6-41D9-4A79-935F-AA9482F69EFC}"/>
+              </a:ext>
+            </a:extLst>
+          </p:cNvPr>
+          <p:cNvSpPr/>
+          <p:nvPr/>
+        </p:nvSpPr>
+        <p:spPr>
+          <a:xfrm>
+            <a:off x="763398" y="2919369"/>
+            <a:ext cx="1048624" cy="143615"/>
+          </a:xfrm>
+          <a:prstGeom prst="rect">
+            <a:avLst/>
+          </a:prstGeom>
+          <a:noFill/>
+          <a:ln>
+            <a:solidFill>
+              <a:srgbClr val="FF0000"/>
+            </a:solidFill>
+          </a:ln>
+        </p:spPr>
+        <p:style>
+          <a:lnRef idx="2">
+            <a:schemeClr val="accent1">
+              <a:shade val="50000"/>
+            </a:schemeClr>
+          </a:lnRef>
+          <a:fillRef idx="1">
+            <a:schemeClr val="accent1"/>
+          </a:fillRef>
+          <a:effectRef idx="0">
+            <a:schemeClr val="accent1"/>
+          </a:effectRef>
+          <a:fontRef idx="minor">
+            <a:schemeClr val="lt1"/>
+          </a:fontRef>
+        </p:style>
+        <p:txBody>
+          <a:bodyPr rtlCol="0" anchor="ctr"/>
+          <a:lstStyle/>
+          <a:p>
+            <a:pPr algn="ctr"/>
+            <a:endParaRPr lang="ko-KR" altLang="en-US"/>
+          </a:p>
+        </p:txBody>
+      </p:sp>
+      <p:sp>
+        <p:nvSpPr>
+          <p:cNvPr id="15" name="Rectangle 14">
+            <a:extLst>
+              <a:ext uri="{FF2B5EF4-FFF2-40B4-BE49-F238E27FC236}">
+                <a16:creationId xmlns:a16="http://schemas.microsoft.com/office/drawing/2014/main" id="{3F93DF29-AA11-443C-8699-DD30C01C6C43}"/>
+              </a:ext>
+            </a:extLst>
+          </p:cNvPr>
+          <p:cNvSpPr/>
+          <p:nvPr/>
+        </p:nvSpPr>
+        <p:spPr>
+          <a:xfrm>
+            <a:off x="1240634" y="3360291"/>
+            <a:ext cx="302940" cy="143615"/>
+          </a:xfrm>
+          <a:prstGeom prst="rect">
+            <a:avLst/>
+          </a:prstGeom>
+          <a:noFill/>
+          <a:ln>
+            <a:solidFill>
+              <a:srgbClr val="FF0000"/>
+            </a:solidFill>
+          </a:ln>
+        </p:spPr>
+        <p:style>
+          <a:lnRef idx="2">
+            <a:schemeClr val="accent1">
+              <a:shade val="50000"/>
+            </a:schemeClr>
+          </a:lnRef>
+          <a:fillRef idx="1">
+            <a:schemeClr val="accent1"/>
+          </a:fillRef>
+          <a:effectRef idx="0">
+            <a:schemeClr val="accent1"/>
+          </a:effectRef>
+          <a:fontRef idx="minor">
+            <a:schemeClr val="lt1"/>
+          </a:fontRef>
+        </p:style>
+        <p:txBody>
+          <a:bodyPr rtlCol="0" anchor="ctr"/>
+          <a:lstStyle/>
+          <a:p>
+            <a:pPr algn="ctr"/>
+            <a:endParaRPr lang="ko-KR" altLang="en-US"/>
+          </a:p>
+        </p:txBody>
+      </p:sp>
+      <p:sp>
+        <p:nvSpPr>
+          <p:cNvPr id="16" name="Rectangle 15">
+            <a:extLst>
+              <a:ext uri="{FF2B5EF4-FFF2-40B4-BE49-F238E27FC236}">
+                <a16:creationId xmlns:a16="http://schemas.microsoft.com/office/drawing/2014/main" id="{3F89A0F4-ACA6-4054-88CC-44CCEDE03AB1}"/>
+              </a:ext>
+            </a:extLst>
+          </p:cNvPr>
+          <p:cNvSpPr/>
+          <p:nvPr/>
+        </p:nvSpPr>
+        <p:spPr>
+          <a:xfrm>
+            <a:off x="1191237" y="5368954"/>
+            <a:ext cx="587229" cy="155708"/>
+          </a:xfrm>
+          <a:prstGeom prst="rect">
+            <a:avLst/>
+          </a:prstGeom>
+          <a:noFill/>
+          <a:ln>
+            <a:solidFill>
+              <a:srgbClr val="FF0000"/>
+            </a:solidFill>
+          </a:ln>
+        </p:spPr>
+        <p:style>
+          <a:lnRef idx="2">
+            <a:schemeClr val="accent1">
+              <a:shade val="50000"/>
+            </a:schemeClr>
+          </a:lnRef>
+          <a:fillRef idx="1">
+            <a:schemeClr val="accent1"/>
+          </a:fillRef>
+          <a:effectRef idx="0">
+            <a:schemeClr val="accent1"/>
+          </a:effectRef>
+          <a:fontRef idx="minor">
+            <a:schemeClr val="lt1"/>
+          </a:fontRef>
+        </p:style>
+        <p:txBody>
+          <a:bodyPr rtlCol="0" anchor="ctr"/>
+          <a:lstStyle/>
+          <a:p>
+            <a:pPr algn="ctr"/>
+            <a:endParaRPr lang="ko-KR" altLang="en-US"/>
+          </a:p>
+        </p:txBody>
+      </p:sp>
+      <p:sp>
+        <p:nvSpPr>
+          <p:cNvPr id="17" name="Rectangle 16">
+            <a:extLst>
+              <a:ext uri="{FF2B5EF4-FFF2-40B4-BE49-F238E27FC236}">
+                <a16:creationId xmlns:a16="http://schemas.microsoft.com/office/drawing/2014/main" id="{3707A167-A75B-43E2-AFD8-87EF8E3A872A}"/>
+              </a:ext>
+            </a:extLst>
+          </p:cNvPr>
+          <p:cNvSpPr/>
+          <p:nvPr/>
+        </p:nvSpPr>
+        <p:spPr>
+          <a:xfrm>
+            <a:off x="1223856" y="3917659"/>
+            <a:ext cx="487498" cy="177821"/>
+          </a:xfrm>
+          <a:prstGeom prst="rect">
+            <a:avLst/>
+          </a:prstGeom>
+          <a:noFill/>
+          <a:ln>
+            <a:solidFill>
+              <a:srgbClr val="FF0000"/>
+            </a:solidFill>
+          </a:ln>
+        </p:spPr>
+        <p:style>
+          <a:lnRef idx="2">
+            <a:schemeClr val="accent1">
+              <a:shade val="50000"/>
+            </a:schemeClr>
+          </a:lnRef>
+          <a:fillRef idx="1">
+            <a:schemeClr val="accent1"/>
+          </a:fillRef>
+          <a:effectRef idx="0">
+            <a:schemeClr val="accent1"/>
+          </a:effectRef>
+          <a:fontRef idx="minor">
+            <a:schemeClr val="lt1"/>
+          </a:fontRef>
+        </p:style>
+        <p:txBody>
+          <a:bodyPr rtlCol="0" anchor="ctr"/>
+          <a:lstStyle/>
+          <a:p>
+            <a:pPr algn="ctr"/>
+            <a:endParaRPr lang="ko-KR" altLang="en-US"/>
+          </a:p>
+        </p:txBody>
+      </p:sp>
+      <p:cxnSp>
+        <p:nvCxnSpPr>
+          <p:cNvPr id="19" name="Straight Connector 18">
+            <a:extLst>
+              <a:ext uri="{FF2B5EF4-FFF2-40B4-BE49-F238E27FC236}">
+                <a16:creationId xmlns:a16="http://schemas.microsoft.com/office/drawing/2014/main" id="{4F6C1B33-3351-4AD7-B7A9-195C03F0D1B7}"/>
+              </a:ext>
+            </a:extLst>
+          </p:cNvPr>
+          <p:cNvCxnSpPr/>
+          <p:nvPr/>
+        </p:nvCxnSpPr>
+        <p:spPr>
+          <a:xfrm>
+            <a:off x="4513007" y="2919369"/>
+            <a:ext cx="2894472" cy="0"/>
+          </a:xfrm>
+          <a:prstGeom prst="line">
+            <a:avLst/>
+          </a:prstGeom>
+          <a:ln>
+            <a:solidFill>
+              <a:srgbClr val="FF0000"/>
+            </a:solidFill>
+          </a:ln>
+        </p:spPr>
+        <p:style>
+          <a:lnRef idx="1">
+            <a:schemeClr val="accent1"/>
+          </a:lnRef>
+          <a:fillRef idx="0">
+            <a:schemeClr val="accent1"/>
+          </a:fillRef>
+          <a:effectRef idx="0">
+            <a:schemeClr val="accent1"/>
+          </a:effectRef>
+          <a:fontRef idx="minor">
+            <a:schemeClr val="tx1"/>
+          </a:fontRef>
+        </p:style>
+      </p:cxnSp>
+      <p:sp>
+        <p:nvSpPr>
+          <p:cNvPr id="20" name="TextBox 19">
+            <a:extLst>
+              <a:ext uri="{FF2B5EF4-FFF2-40B4-BE49-F238E27FC236}">
+                <a16:creationId xmlns:a16="http://schemas.microsoft.com/office/drawing/2014/main" id="{45ED07E9-7452-4B4E-B0A9-F1C59CFF36D0}"/>
+              </a:ext>
+            </a:extLst>
+          </p:cNvPr>
+          <p:cNvSpPr txBox="1"/>
+          <p:nvPr/>
+        </p:nvSpPr>
+        <p:spPr>
+          <a:xfrm>
+            <a:off x="3067050" y="5284778"/>
+            <a:ext cx="5041783" cy="523220"/>
+          </a:xfrm>
+          <a:prstGeom prst="rect">
+            <a:avLst/>
+          </a:prstGeom>
+          <a:noFill/>
+        </p:spPr>
+        <p:txBody>
+          <a:bodyPr wrap="square" rtlCol="0">
+            <a:spAutoFit/>
+          </a:bodyPr>
+          <a:lstStyle/>
+          <a:p>
+            <a:r>
+              <a:rPr lang="ko-KR" altLang="en-US" sz="1400" dirty="0"/>
+              <a:t>데이터를 받아오는데 성공 한다면</a:t>
+            </a:r>
+            <a:r>
+              <a:rPr lang="en-US" altLang="ko-KR" sz="1400" dirty="0"/>
+              <a:t>,</a:t>
+            </a:r>
+          </a:p>
+          <a:p>
+            <a:r>
+              <a:rPr lang="en-US" altLang="ko-KR" sz="1400" dirty="0"/>
+              <a:t>Each</a:t>
+            </a:r>
+            <a:r>
+              <a:rPr lang="ko-KR" altLang="en-US" sz="1400" dirty="0"/>
+              <a:t>문을 이용하여 원하는 데이터를 마크업에 삽입해줍니다</a:t>
+            </a:r>
+            <a:r>
+              <a:rPr lang="en-US" altLang="ko-KR" sz="1400" dirty="0"/>
+              <a:t>.</a:t>
+            </a:r>
+            <a:r>
+              <a:rPr lang="ko-KR" altLang="en-US" sz="1400" dirty="0"/>
+              <a:t> </a:t>
+            </a:r>
           </a:p>
         </p:txBody>
       </p:sp>
@@ -17157,13 +17814,6 @@
               </a:rPr>
               <a:t>Axios</a:t>
             </a:r>
-            <a:r>
-              <a:rPr lang="en-US" altLang="ko-KR" sz="1800" dirty="0">
-                <a:latin typeface="넥슨Lv1고딕 Bold" panose="00000800000000000000" pitchFamily="2" charset="-127"/>
-                <a:ea typeface="넥슨Lv1고딕 Bold" panose="00000800000000000000" pitchFamily="2" charset="-127"/>
-              </a:rPr>
-              <a:t/>
-            </a:r>
             <a:br>
               <a:rPr lang="en-US" altLang="ko-KR" sz="1800" dirty="0">
                 <a:latin typeface="넥슨Lv1고딕 Bold" panose="00000800000000000000" pitchFamily="2" charset="-127"/>
@@ -17217,7 +17867,7 @@
           <p:cNvPr id="9" name="모서리가 둥근 직사각형 6">
             <a:extLst>
               <a:ext uri="{FF2B5EF4-FFF2-40B4-BE49-F238E27FC236}">
-                <a16:creationId xmlns:a16="http://schemas.microsoft.com/office/drawing/2014/main" xmlns="" id="{DD08E425-AA05-4C60-B4A2-A2F687DCE3CA}"/>
+                <a16:creationId xmlns:a16="http://schemas.microsoft.com/office/drawing/2014/main" id="{DD08E425-AA05-4C60-B4A2-A2F687DCE3CA}"/>
               </a:ext>
             </a:extLst>
           </p:cNvPr>
@@ -17341,7 +17991,7 @@
           <p:cNvPr id="10" name="타원 9">
             <a:extLst>
               <a:ext uri="{FF2B5EF4-FFF2-40B4-BE49-F238E27FC236}">
-                <a16:creationId xmlns:a16="http://schemas.microsoft.com/office/drawing/2014/main" xmlns="" id="{ED394ABA-9FED-4354-8061-F2AF5EDA8A5A}"/>
+                <a16:creationId xmlns:a16="http://schemas.microsoft.com/office/drawing/2014/main" id="{ED394ABA-9FED-4354-8061-F2AF5EDA8A5A}"/>
               </a:ext>
             </a:extLst>
           </p:cNvPr>
@@ -17403,7 +18053,7 @@
           <p:cNvPr id="7" name="TextBox 6">
             <a:extLst>
               <a:ext uri="{FF2B5EF4-FFF2-40B4-BE49-F238E27FC236}">
-                <a16:creationId xmlns:a16="http://schemas.microsoft.com/office/drawing/2014/main" xmlns="" id="{53B013B9-D5C2-4551-BF43-612D3C2EB443}"/>
+                <a16:creationId xmlns:a16="http://schemas.microsoft.com/office/drawing/2014/main" id="{53B013B9-D5C2-4551-BF43-612D3C2EB443}"/>
               </a:ext>
             </a:extLst>
           </p:cNvPr>
@@ -17600,7 +18250,7 @@
           <p:cNvPr id="8" name="모서리가 둥근 직사각형 1">
             <a:extLst>
               <a:ext uri="{FF2B5EF4-FFF2-40B4-BE49-F238E27FC236}">
-                <a16:creationId xmlns:a16="http://schemas.microsoft.com/office/drawing/2014/main" xmlns="" id="{A742F920-A18D-499C-8DAA-CBC518420C71}"/>
+                <a16:creationId xmlns:a16="http://schemas.microsoft.com/office/drawing/2014/main" id="{A742F920-A18D-499C-8DAA-CBC518420C71}"/>
               </a:ext>
             </a:extLst>
           </p:cNvPr>
@@ -17730,7 +18380,7 @@
           <p:cNvPr id="11" name="모서리가 둥근 직사각형 16">
             <a:extLst>
               <a:ext uri="{FF2B5EF4-FFF2-40B4-BE49-F238E27FC236}">
-                <a16:creationId xmlns:a16="http://schemas.microsoft.com/office/drawing/2014/main" xmlns="" id="{0D024D17-4A6C-4454-AD47-2273E4B52E3E}"/>
+                <a16:creationId xmlns:a16="http://schemas.microsoft.com/office/drawing/2014/main" id="{0D024D17-4A6C-4454-AD47-2273E4B52E3E}"/>
               </a:ext>
             </a:extLst>
           </p:cNvPr>
@@ -17808,7 +18458,7 @@
           <a:p>
             <a:pPr lvl="1"/>
             <a:r>
-              <a:rPr lang="fr-FR" altLang="ko-KR" sz="1000" dirty="0" smtClean="0">
+              <a:rPr lang="fr-FR" altLang="ko-KR" sz="1000" dirty="0">
                 <a:solidFill>
                   <a:schemeClr val="bg1">
                     <a:lumMod val="50000"/>
@@ -17837,68 +18487,21 @@
                 <a:latin typeface="Consolas" panose="020B0609020204030204" pitchFamily="49" charset="0"/>
                 <a:cs typeface="Consolas" panose="020B0609020204030204" pitchFamily="49" charset="0"/>
               </a:rPr>
-              <a:t>import </a:t>
-            </a:r>
-            <a:r>
-              <a:rPr lang="fr-FR" altLang="ko-KR" sz="1000" b="1" dirty="0" smtClean="0">
+              <a:t>import axios from 'axios'</a:t>
+            </a:r>
+          </a:p>
+          <a:p>
+            <a:pPr lvl="1"/>
+            <a:r>
+              <a:rPr lang="fr-FR" altLang="ko-KR" sz="1000" b="1" dirty="0">
                 <a:solidFill>
                   <a:schemeClr val="bg1"/>
                 </a:solidFill>
                 <a:latin typeface="Consolas" panose="020B0609020204030204" pitchFamily="49" charset="0"/>
                 <a:cs typeface="Consolas" panose="020B0609020204030204" pitchFamily="49" charset="0"/>
               </a:rPr>
-              <a:t>axios </a:t>
-            </a:r>
-            <a:r>
-              <a:rPr lang="fr-FR" altLang="ko-KR" sz="1000" b="1" dirty="0">
-                <a:solidFill>
-                  <a:schemeClr val="bg1"/>
-                </a:solidFill>
-                <a:latin typeface="Consolas" panose="020B0609020204030204" pitchFamily="49" charset="0"/>
-                <a:cs typeface="Consolas" panose="020B0609020204030204" pitchFamily="49" charset="0"/>
-              </a:rPr>
-              <a:t>from </a:t>
-            </a:r>
-            <a:r>
-              <a:rPr lang="fr-FR" altLang="ko-KR" sz="1000" b="1" dirty="0" smtClean="0">
-                <a:solidFill>
-                  <a:schemeClr val="bg1"/>
-                </a:solidFill>
-                <a:latin typeface="Consolas" panose="020B0609020204030204" pitchFamily="49" charset="0"/>
-                <a:cs typeface="Consolas" panose="020B0609020204030204" pitchFamily="49" charset="0"/>
-              </a:rPr>
-              <a:t>'axios'</a:t>
-            </a:r>
-          </a:p>
-          <a:p>
-            <a:pPr lvl="1"/>
-            <a:r>
-              <a:rPr lang="fr-FR" altLang="ko-KR" sz="1000" b="1" dirty="0">
-                <a:solidFill>
-                  <a:schemeClr val="bg1"/>
-                </a:solidFill>
-                <a:latin typeface="Consolas" panose="020B0609020204030204" pitchFamily="49" charset="0"/>
-                <a:cs typeface="Consolas" panose="020B0609020204030204" pitchFamily="49" charset="0"/>
-              </a:rPr>
-              <a:t>import axios from </a:t>
-            </a:r>
-            <a:r>
-              <a:rPr lang="fr-FR" altLang="ko-KR" sz="1000" b="1" dirty="0" smtClean="0">
-                <a:solidFill>
-                  <a:schemeClr val="bg1"/>
-                </a:solidFill>
-                <a:latin typeface="Consolas" panose="020B0609020204030204" pitchFamily="49" charset="0"/>
-                <a:cs typeface="Consolas" panose="020B0609020204030204" pitchFamily="49" charset="0"/>
-              </a:rPr>
-              <a:t>'vue-axios'</a:t>
-            </a:r>
-            <a:endParaRPr lang="fr-FR" altLang="ko-KR" sz="1000" b="1" dirty="0">
-              <a:solidFill>
-                <a:schemeClr val="bg1"/>
-              </a:solidFill>
-              <a:latin typeface="Consolas" panose="020B0609020204030204" pitchFamily="49" charset="0"/>
-              <a:cs typeface="Consolas" panose="020B0609020204030204" pitchFamily="49" charset="0"/>
-            </a:endParaRPr>
+              <a:t>import axios from 'vue-axios'</a:t>
+            </a:r>
           </a:p>
           <a:p>
             <a:pPr lvl="1"/>
@@ -17937,25 +18540,13 @@
                 <a:latin typeface="Consolas" panose="020B0609020204030204" pitchFamily="49" charset="0"/>
                 <a:cs typeface="Consolas" panose="020B0609020204030204" pitchFamily="49" charset="0"/>
               </a:rPr>
-              <a:t>Vue.use(ElementUI</a:t>
-            </a:r>
-            <a:r>
-              <a:rPr lang="fr-FR" altLang="ko-KR" sz="1000" dirty="0" smtClean="0">
-                <a:solidFill>
-                  <a:schemeClr val="bg1">
-                    <a:lumMod val="50000"/>
-                  </a:schemeClr>
-                </a:solidFill>
-                <a:latin typeface="Consolas" panose="020B0609020204030204" pitchFamily="49" charset="0"/>
-                <a:cs typeface="Consolas" panose="020B0609020204030204" pitchFamily="49" charset="0"/>
-              </a:rPr>
-              <a:t>)</a:t>
+              <a:t>Vue.use(ElementUI)</a:t>
             </a:r>
           </a:p>
           <a:p>
             <a:pPr lvl="1"/>
             <a:r>
-              <a:rPr lang="fr-FR" altLang="ko-KR" sz="1000" b="1" dirty="0" smtClean="0">
+              <a:rPr lang="fr-FR" altLang="ko-KR" sz="1000" b="1" dirty="0">
                 <a:solidFill>
                   <a:schemeClr val="bg1"/>
                 </a:solidFill>
@@ -18000,7 +18591,7 @@
           <a:p>
             <a:pPr lvl="2"/>
             <a:r>
-              <a:rPr lang="fr-FR" altLang="ko-KR" sz="1000" b="1" dirty="0" smtClean="0">
+              <a:rPr lang="fr-FR" altLang="ko-KR" sz="1000" b="1" dirty="0">
                 <a:solidFill>
                   <a:schemeClr val="accent4"/>
                 </a:solidFill>
@@ -18013,24 +18604,14 @@
           <a:p>
             <a:pPr lvl="2"/>
             <a:r>
-              <a:rPr lang="fr-FR" altLang="ko-KR" sz="1000" b="1" dirty="0" smtClean="0">
+              <a:rPr lang="fr-FR" altLang="ko-KR" sz="1000" b="1" dirty="0">
                 <a:solidFill>
                   <a:schemeClr val="accent4"/>
                 </a:solidFill>
                 <a:latin typeface="Consolas" panose="020B0609020204030204" pitchFamily="49" charset="0"/>
                 <a:cs typeface="Consolas" panose="020B0609020204030204" pitchFamily="49" charset="0"/>
               </a:rPr>
-              <a:t>router</a:t>
-            </a:r>
-            <a:r>
-              <a:rPr lang="fr-FR" altLang="ko-KR" sz="1000" b="1" dirty="0">
-                <a:solidFill>
-                  <a:schemeClr val="accent4"/>
-                </a:solidFill>
-                <a:latin typeface="Consolas" panose="020B0609020204030204" pitchFamily="49" charset="0"/>
-                <a:cs typeface="Consolas" panose="020B0609020204030204" pitchFamily="49" charset="0"/>
-              </a:rPr>
-              <a:t>,</a:t>
+              <a:t>router,</a:t>
             </a:r>
           </a:p>
           <a:p>
@@ -18066,7 +18647,7 @@
           <p:cNvPr id="12" name="TextBox 11">
             <a:extLst>
               <a:ext uri="{FF2B5EF4-FFF2-40B4-BE49-F238E27FC236}">
-                <a16:creationId xmlns:a16="http://schemas.microsoft.com/office/drawing/2014/main" xmlns="" id="{76A8717A-0AD1-493A-AA2F-5D4938DD6747}"/>
+                <a16:creationId xmlns:a16="http://schemas.microsoft.com/office/drawing/2014/main" id="{76A8717A-0AD1-493A-AA2F-5D4938DD6747}"/>
               </a:ext>
             </a:extLst>
           </p:cNvPr>
@@ -18090,49 +18671,49 @@
           <a:lstStyle/>
           <a:p>
             <a:r>
-              <a:rPr lang="en-US" altLang="ko-KR" sz="1100" spc="-50" dirty="0" smtClean="0">
+              <a:rPr lang="en-US" altLang="ko-KR" sz="1100" spc="-50" dirty="0">
                 <a:latin typeface="넥슨Lv1고딕 Light" panose="00000300000000000000" pitchFamily="2" charset="-127"/>
                 <a:ea typeface="넥슨Lv1고딕 Light" panose="00000300000000000000" pitchFamily="2" charset="-127"/>
               </a:rPr>
               <a:t>main.js</a:t>
             </a:r>
             <a:r>
-              <a:rPr lang="ko-KR" altLang="en-US" sz="1100" spc="-50" smtClean="0">
+              <a:rPr lang="ko-KR" altLang="en-US" sz="1100" spc="-50">
                 <a:latin typeface="넥슨Lv1고딕 Light" panose="00000300000000000000" pitchFamily="2" charset="-127"/>
                 <a:ea typeface="넥슨Lv1고딕 Light" panose="00000300000000000000" pitchFamily="2" charset="-127"/>
               </a:rPr>
               <a:t>에 </a:t>
             </a:r>
             <a:r>
-              <a:rPr lang="en-US" altLang="ko-KR" sz="1100" spc="-50" dirty="0" err="1" smtClean="0">
+              <a:rPr lang="en-US" altLang="ko-KR" sz="1100" spc="-50" dirty="0" err="1">
                 <a:latin typeface="넥슨Lv1고딕 Light" panose="00000300000000000000" pitchFamily="2" charset="-127"/>
                 <a:ea typeface="넥슨Lv1고딕 Light" panose="00000300000000000000" pitchFamily="2" charset="-127"/>
               </a:rPr>
               <a:t>axios</a:t>
             </a:r>
             <a:r>
-              <a:rPr lang="ko-KR" altLang="en-US" sz="1100" spc="-50" smtClean="0">
+              <a:rPr lang="ko-KR" altLang="en-US" sz="1100" spc="-50">
                 <a:latin typeface="넥슨Lv1고딕 Light" panose="00000300000000000000" pitchFamily="2" charset="-127"/>
                 <a:ea typeface="넥슨Lv1고딕 Light" panose="00000300000000000000" pitchFamily="2" charset="-127"/>
               </a:rPr>
               <a:t>와 </a:t>
             </a:r>
             <a:r>
-              <a:rPr lang="en-US" altLang="ko-KR" sz="1100" spc="-50" dirty="0" err="1" smtClean="0">
+              <a:rPr lang="en-US" altLang="ko-KR" sz="1100" spc="-50" dirty="0" err="1">
                 <a:latin typeface="넥슨Lv1고딕 Light" panose="00000300000000000000" pitchFamily="2" charset="-127"/>
                 <a:ea typeface="넥슨Lv1고딕 Light" panose="00000300000000000000" pitchFamily="2" charset="-127"/>
               </a:rPr>
               <a:t>vue-axios</a:t>
             </a:r>
             <a:r>
-              <a:rPr lang="ko-KR" altLang="en-US" sz="1100" spc="-50" smtClean="0">
+              <a:rPr lang="ko-KR" altLang="en-US" sz="1100" spc="-50">
                 <a:latin typeface="넥슨Lv1고딕 Light" panose="00000300000000000000" pitchFamily="2" charset="-127"/>
                 <a:ea typeface="넥슨Lv1고딕 Light" panose="00000300000000000000" pitchFamily="2" charset="-127"/>
               </a:rPr>
               <a:t>를 </a:t>
             </a:r>
             <a:r>
-              <a:rPr lang="en-US" altLang="ko-KR" sz="1100" spc="-50" dirty="0" smtClean="0">
+              <a:rPr lang="en-US" altLang="ko-KR" sz="1100" spc="-50" dirty="0">
                 <a:latin typeface="넥슨Lv1고딕 Light" panose="00000300000000000000" pitchFamily="2" charset="-127"/>
                 <a:ea typeface="넥슨Lv1고딕 Light" panose="00000300000000000000" pitchFamily="2" charset="-127"/>
               </a:rPr>
@@ -18153,7 +18734,7 @@
               <a:t>, </a:t>
             </a:r>
             <a:r>
-              <a:rPr lang="en-US" altLang="ko-KR" sz="1100" spc="-50" dirty="0" err="1" smtClean="0">
+              <a:rPr lang="en-US" altLang="ko-KR" sz="1100" spc="-50" dirty="0" err="1">
                 <a:latin typeface="넥슨Lv1고딕 Light" panose="00000300000000000000" pitchFamily="2" charset="-127"/>
                 <a:ea typeface="넥슨Lv1고딕 Light" panose="00000300000000000000" pitchFamily="2" charset="-127"/>
               </a:rPr>
@@ -18167,30 +18748,19 @@
               <a:t> </a:t>
             </a:r>
             <a:r>
-              <a:rPr lang="ko-KR" altLang="en-US" sz="1100" spc="-50" smtClean="0">
-                <a:latin typeface="넥슨Lv1고딕 Light" panose="00000300000000000000" pitchFamily="2" charset="-127"/>
-                <a:ea typeface="넥슨Lv1고딕 Light" panose="00000300000000000000" pitchFamily="2" charset="-127"/>
-              </a:rPr>
-              <a:t>메서드를 사용해 플러그인으로 등</a:t>
-            </a:r>
-            <a:r>
-              <a:rPr lang="ko-KR" altLang="en-US" sz="1100" spc="-50" smtClean="0">
-                <a:latin typeface="넥슨Lv1고딕 Light" panose="00000300000000000000" pitchFamily="2" charset="-127"/>
-                <a:ea typeface="넥슨Lv1고딕 Light" panose="00000300000000000000" pitchFamily="2" charset="-127"/>
-              </a:rPr>
-              <a:t>록하세요</a:t>
-            </a:r>
-            <a:r>
-              <a:rPr lang="en-US" altLang="ko-KR" sz="1100" spc="-50" dirty="0" smtClean="0">
+              <a:rPr lang="ko-KR" altLang="en-US" sz="1100" spc="-50">
+                <a:latin typeface="넥슨Lv1고딕 Light" panose="00000300000000000000" pitchFamily="2" charset="-127"/>
+                <a:ea typeface="넥슨Lv1고딕 Light" panose="00000300000000000000" pitchFamily="2" charset="-127"/>
+              </a:rPr>
+              <a:t>메서드를 사용해 플러그인으로 등록하세요</a:t>
+            </a:r>
+            <a:r>
+              <a:rPr lang="en-US" altLang="ko-KR" sz="1100" spc="-50" dirty="0">
                 <a:latin typeface="넥슨Lv1고딕 Light" panose="00000300000000000000" pitchFamily="2" charset="-127"/>
                 <a:ea typeface="넥슨Lv1고딕 Light" panose="00000300000000000000" pitchFamily="2" charset="-127"/>
               </a:rPr>
               <a:t>.</a:t>
             </a:r>
-            <a:endParaRPr lang="en-US" altLang="ko-KR" sz="1100" spc="-50" dirty="0">
-              <a:latin typeface="넥슨Lv1고딕 Light" panose="00000300000000000000" pitchFamily="2" charset="-127"/>
-              <a:ea typeface="넥슨Lv1고딕 Light" panose="00000300000000000000" pitchFamily="2" charset="-127"/>
-            </a:endParaRPr>
           </a:p>
         </p:txBody>
       </p:sp>
@@ -18333,13 +18903,6 @@
               </a:rPr>
               <a:t>Axios</a:t>
             </a:r>
-            <a:r>
-              <a:rPr lang="en-US" altLang="ko-KR" sz="1800" dirty="0">
-                <a:latin typeface="넥슨Lv1고딕 Bold" panose="00000800000000000000" pitchFamily="2" charset="-127"/>
-                <a:ea typeface="넥슨Lv1고딕 Bold" panose="00000800000000000000" pitchFamily="2" charset="-127"/>
-              </a:rPr>
-              <a:t/>
-            </a:r>
             <a:br>
               <a:rPr lang="en-US" altLang="ko-KR" sz="1800" dirty="0">
                 <a:latin typeface="넥슨Lv1고딕 Bold" panose="00000800000000000000" pitchFamily="2" charset="-127"/>
@@ -18393,7 +18956,7 @@
           <p:cNvPr id="9" name="모서리가 둥근 직사각형 6">
             <a:extLst>
               <a:ext uri="{FF2B5EF4-FFF2-40B4-BE49-F238E27FC236}">
-                <a16:creationId xmlns:a16="http://schemas.microsoft.com/office/drawing/2014/main" xmlns="" id="{DD08E425-AA05-4C60-B4A2-A2F687DCE3CA}"/>
+                <a16:creationId xmlns:a16="http://schemas.microsoft.com/office/drawing/2014/main" id="{DD08E425-AA05-4C60-B4A2-A2F687DCE3CA}"/>
               </a:ext>
             </a:extLst>
           </p:cNvPr>
@@ -18466,7 +19029,7 @@
           <p:cNvPr id="10" name="타원 9">
             <a:extLst>
               <a:ext uri="{FF2B5EF4-FFF2-40B4-BE49-F238E27FC236}">
-                <a16:creationId xmlns:a16="http://schemas.microsoft.com/office/drawing/2014/main" xmlns="" id="{ED394ABA-9FED-4354-8061-F2AF5EDA8A5A}"/>
+                <a16:creationId xmlns:a16="http://schemas.microsoft.com/office/drawing/2014/main" id="{ED394ABA-9FED-4354-8061-F2AF5EDA8A5A}"/>
               </a:ext>
             </a:extLst>
           </p:cNvPr>
@@ -18523,6 +19086,174 @@
           </a:p>
         </p:txBody>
       </p:sp>
+      <p:pic>
+        <p:nvPicPr>
+          <p:cNvPr id="5" name="Picture 4" descr="A screen shot of a computer&#10;&#10;Description automatically generated">
+            <a:extLst>
+              <a:ext uri="{FF2B5EF4-FFF2-40B4-BE49-F238E27FC236}">
+                <a16:creationId xmlns:a16="http://schemas.microsoft.com/office/drawing/2014/main" id="{E3DB0C54-1D97-482B-9F89-7076D543349C}"/>
+              </a:ext>
+            </a:extLst>
+          </p:cNvPr>
+          <p:cNvPicPr>
+            <a:picLocks noChangeAspect="1"/>
+          </p:cNvPicPr>
+          <p:nvPr/>
+        </p:nvPicPr>
+        <p:blipFill>
+          <a:blip r:embed="rId3">
+            <a:extLst>
+              <a:ext uri="{28A0092B-C50C-407E-A947-70E740481C1C}">
+                <a14:useLocalDpi xmlns:a14="http://schemas.microsoft.com/office/drawing/2010/main" val="0"/>
+              </a:ext>
+            </a:extLst>
+          </a:blip>
+          <a:stretch>
+            <a:fillRect/>
+          </a:stretch>
+        </p:blipFill>
+        <p:spPr>
+          <a:xfrm>
+            <a:off x="1547768" y="2104093"/>
+            <a:ext cx="3200400" cy="2943225"/>
+          </a:xfrm>
+          <a:prstGeom prst="rect">
+            <a:avLst/>
+          </a:prstGeom>
+        </p:spPr>
+      </p:pic>
+      <p:sp>
+        <p:nvSpPr>
+          <p:cNvPr id="12" name="Rectangle 11">
+            <a:extLst>
+              <a:ext uri="{FF2B5EF4-FFF2-40B4-BE49-F238E27FC236}">
+                <a16:creationId xmlns:a16="http://schemas.microsoft.com/office/drawing/2014/main" id="{0EEB3089-C26C-4A4C-A29B-684A2C95D342}"/>
+              </a:ext>
+            </a:extLst>
+          </p:cNvPr>
+          <p:cNvSpPr/>
+          <p:nvPr/>
+        </p:nvSpPr>
+        <p:spPr>
+          <a:xfrm>
+            <a:off x="1740885" y="5198499"/>
+            <a:ext cx="5544244" cy="584775"/>
+          </a:xfrm>
+          <a:prstGeom prst="rect">
+            <a:avLst/>
+          </a:prstGeom>
+        </p:spPr>
+        <p:txBody>
+          <a:bodyPr wrap="square">
+            <a:spAutoFit/>
+          </a:bodyPr>
+          <a:lstStyle/>
+          <a:p>
+            <a:r>
+              <a:rPr lang="en-US" altLang="ko-KR" sz="1600" dirty="0">
+                <a:latin typeface="넥슨Lv1고딕" panose="020B0600000101010101" charset="-127"/>
+                <a:ea typeface="넥슨Lv1고딕" panose="020B0600000101010101" charset="-127"/>
+              </a:rPr>
+              <a:t>&lt;table&gt; </a:t>
+            </a:r>
+            <a:r>
+              <a:rPr lang="ko-KR" altLang="en-US" sz="1600" dirty="0">
+                <a:latin typeface="넥슨Lv1고딕" panose="020B0600000101010101" charset="-127"/>
+                <a:ea typeface="넥슨Lv1고딕" panose="020B0600000101010101" charset="-127"/>
+              </a:rPr>
+              <a:t>태그를 이용하여 </a:t>
+            </a:r>
+            <a:endParaRPr lang="en-US" altLang="ko-KR" sz="1600" dirty="0">
+              <a:latin typeface="넥슨Lv1고딕" panose="020B0600000101010101" charset="-127"/>
+              <a:ea typeface="넥슨Lv1고딕" panose="020B0600000101010101" charset="-127"/>
+            </a:endParaRPr>
+          </a:p>
+          <a:p>
+            <a:r>
+              <a:rPr lang="ko-KR" altLang="en-US" sz="1600" dirty="0">
+                <a:latin typeface="넥슨Lv1고딕" panose="020B0600000101010101" charset="-127"/>
+                <a:ea typeface="넥슨Lv1고딕" panose="020B0600000101010101" charset="-127"/>
+              </a:rPr>
+              <a:t>영화 순위</a:t>
+            </a:r>
+            <a:r>
+              <a:rPr lang="en-US" altLang="ko-KR" sz="1600" dirty="0">
+                <a:latin typeface="넥슨Lv1고딕" panose="020B0600000101010101" charset="-127"/>
+                <a:ea typeface="넥슨Lv1고딕" panose="020B0600000101010101" charset="-127"/>
+              </a:rPr>
+              <a:t>, </a:t>
+            </a:r>
+            <a:r>
+              <a:rPr lang="ko-KR" altLang="en-US" sz="1600" dirty="0">
+                <a:latin typeface="넥슨Lv1고딕" panose="020B0600000101010101" charset="-127"/>
+                <a:ea typeface="넥슨Lv1고딕" panose="020B0600000101010101" charset="-127"/>
+              </a:rPr>
+              <a:t>제목</a:t>
+            </a:r>
+            <a:r>
+              <a:rPr lang="en-US" altLang="ko-KR" sz="1600" dirty="0">
+                <a:latin typeface="넥슨Lv1고딕" panose="020B0600000101010101" charset="-127"/>
+                <a:ea typeface="넥슨Lv1고딕" panose="020B0600000101010101" charset="-127"/>
+              </a:rPr>
+              <a:t>, </a:t>
+            </a:r>
+            <a:r>
+              <a:rPr lang="ko-KR" altLang="en-US" sz="1600" dirty="0">
+                <a:latin typeface="넥슨Lv1고딕" panose="020B0600000101010101" charset="-127"/>
+                <a:ea typeface="넥슨Lv1고딕" panose="020B0600000101010101" charset="-127"/>
+              </a:rPr>
+              <a:t>누적 관객 수를 보여 줄 마크업을 작성합니다</a:t>
+            </a:r>
+            <a:r>
+              <a:rPr lang="en-US" altLang="ko-KR" sz="1600" dirty="0">
+                <a:latin typeface="넥슨Lv1고딕" panose="020B0600000101010101" charset="-127"/>
+                <a:ea typeface="넥슨Lv1고딕" panose="020B0600000101010101" charset="-127"/>
+              </a:rPr>
+              <a:t>.</a:t>
+            </a:r>
+            <a:endParaRPr lang="ko-KR" altLang="en-US" sz="1600" dirty="0">
+              <a:latin typeface="넥슨Lv1고딕" panose="020B0600000101010101" charset="-127"/>
+              <a:ea typeface="넥슨Lv1고딕" panose="020B0600000101010101" charset="-127"/>
+            </a:endParaRPr>
+          </a:p>
+        </p:txBody>
+      </p:sp>
+      <p:pic>
+        <p:nvPicPr>
+          <p:cNvPr id="15" name="Picture 14" descr="A screenshot of a cell phone&#10;&#10;Description automatically generated">
+            <a:extLst>
+              <a:ext uri="{FF2B5EF4-FFF2-40B4-BE49-F238E27FC236}">
+                <a16:creationId xmlns:a16="http://schemas.microsoft.com/office/drawing/2014/main" id="{05DE788C-928C-4BF8-8EDD-16C51830B8E4}"/>
+              </a:ext>
+            </a:extLst>
+          </p:cNvPr>
+          <p:cNvPicPr>
+            <a:picLocks noChangeAspect="1"/>
+          </p:cNvPicPr>
+          <p:nvPr/>
+        </p:nvPicPr>
+        <p:blipFill>
+          <a:blip r:embed="rId4">
+            <a:extLst>
+              <a:ext uri="{28A0092B-C50C-407E-A947-70E740481C1C}">
+                <a14:useLocalDpi xmlns:a14="http://schemas.microsoft.com/office/drawing/2010/main" val="0"/>
+              </a:ext>
+            </a:extLst>
+          </a:blip>
+          <a:stretch>
+            <a:fillRect/>
+          </a:stretch>
+        </p:blipFill>
+        <p:spPr>
+          <a:xfrm>
+            <a:off x="4910225" y="2104093"/>
+            <a:ext cx="2276475" cy="2828925"/>
+          </a:xfrm>
+          <a:prstGeom prst="rect">
+            <a:avLst/>
+          </a:prstGeom>
+        </p:spPr>
+      </p:pic>
     </p:spTree>
     <p:extLst>
       <p:ext uri="{BB962C8B-B14F-4D97-AF65-F5344CB8AC3E}">
@@ -18765,13 +19496,6 @@
               </a:rPr>
               <a:t>Axios</a:t>
             </a:r>
-            <a:r>
-              <a:rPr lang="en-US" altLang="ko-KR" sz="1800" dirty="0">
-                <a:latin typeface="넥슨Lv1고딕 Bold" panose="00000800000000000000" pitchFamily="2" charset="-127"/>
-                <a:ea typeface="넥슨Lv1고딕 Bold" panose="00000800000000000000" pitchFamily="2" charset="-127"/>
-              </a:rPr>
-              <a:t/>
-            </a:r>
             <a:br>
               <a:rPr lang="en-US" altLang="ko-KR" sz="1800" dirty="0">
                 <a:latin typeface="넥슨Lv1고딕 Bold" panose="00000800000000000000" pitchFamily="2" charset="-127"/>
@@ -18825,7 +19549,7 @@
           <p:cNvPr id="9" name="타원 8">
             <a:extLst>
               <a:ext uri="{FF2B5EF4-FFF2-40B4-BE49-F238E27FC236}">
-                <a16:creationId xmlns:a16="http://schemas.microsoft.com/office/drawing/2014/main" xmlns="" id="{50BED8AE-0875-450C-818E-29934DDC0736}"/>
+                <a16:creationId xmlns:a16="http://schemas.microsoft.com/office/drawing/2014/main" id="{50BED8AE-0875-450C-818E-29934DDC0736}"/>
               </a:ext>
             </a:extLst>
           </p:cNvPr>
@@ -18879,6 +19603,146 @@
             <a:endParaRPr lang="ko-KR" altLang="en-US" dirty="0">
               <a:ea typeface="넥슨Lv1고딕 Light" panose="00000300000000000000" pitchFamily="2" charset="-127"/>
             </a:endParaRPr>
+          </a:p>
+        </p:txBody>
+      </p:sp>
+      <p:pic>
+        <p:nvPicPr>
+          <p:cNvPr id="11" name="Picture 10" descr="A screenshot of a cell phone&#10;&#10;Description automatically generated">
+            <a:extLst>
+              <a:ext uri="{FF2B5EF4-FFF2-40B4-BE49-F238E27FC236}">
+                <a16:creationId xmlns:a16="http://schemas.microsoft.com/office/drawing/2014/main" id="{88C8959C-BC66-41B7-95E5-F3EB5B9C7153}"/>
+              </a:ext>
+            </a:extLst>
+          </p:cNvPr>
+          <p:cNvPicPr>
+            <a:picLocks noChangeAspect="1"/>
+          </p:cNvPicPr>
+          <p:nvPr/>
+        </p:nvPicPr>
+        <p:blipFill>
+          <a:blip r:embed="rId3">
+            <a:extLst>
+              <a:ext uri="{28A0092B-C50C-407E-A947-70E740481C1C}">
+                <a14:useLocalDpi xmlns:a14="http://schemas.microsoft.com/office/drawing/2010/main" val="0"/>
+              </a:ext>
+            </a:extLst>
+          </a:blip>
+          <a:stretch>
+            <a:fillRect/>
+          </a:stretch>
+        </p:blipFill>
+        <p:spPr>
+          <a:xfrm>
+            <a:off x="0" y="2498173"/>
+            <a:ext cx="9144000" cy="1861653"/>
+          </a:xfrm>
+          <a:prstGeom prst="rect">
+            <a:avLst/>
+          </a:prstGeom>
+        </p:spPr>
+      </p:pic>
+      <p:sp>
+        <p:nvSpPr>
+          <p:cNvPr id="10" name="TextBox 9">
+            <a:extLst>
+              <a:ext uri="{FF2B5EF4-FFF2-40B4-BE49-F238E27FC236}">
+                <a16:creationId xmlns:a16="http://schemas.microsoft.com/office/drawing/2014/main" id="{9D354C01-0239-40D0-8E56-8EBE3F4E3893}"/>
+              </a:ext>
+            </a:extLst>
+          </p:cNvPr>
+          <p:cNvSpPr txBox="1"/>
+          <p:nvPr/>
+        </p:nvSpPr>
+        <p:spPr>
+          <a:xfrm>
+            <a:off x="328108" y="4665028"/>
+            <a:ext cx="7592036" cy="954107"/>
+          </a:xfrm>
+          <a:prstGeom prst="rect">
+            <a:avLst/>
+          </a:prstGeom>
+          <a:noFill/>
+        </p:spPr>
+        <p:txBody>
+          <a:bodyPr wrap="square" rtlCol="0">
+            <a:spAutoFit/>
+          </a:bodyPr>
+          <a:lstStyle/>
+          <a:p>
+            <a:r>
+              <a:rPr lang="en-US" altLang="ko-KR" sz="1400" dirty="0" err="1"/>
+              <a:t>Axios</a:t>
+            </a:r>
+            <a:r>
+              <a:rPr lang="ko-KR" altLang="en-US" sz="1400" dirty="0"/>
+              <a:t>를 이용</a:t>
+            </a:r>
+            <a:endParaRPr lang="en-US" altLang="ko-KR" sz="1400" dirty="0"/>
+          </a:p>
+          <a:p>
+            <a:endParaRPr lang="en-US" altLang="ko-KR" sz="1400" dirty="0"/>
+          </a:p>
+          <a:p>
+            <a:r>
+              <a:rPr lang="en-US" altLang="ko-KR" sz="1400" dirty="0"/>
+              <a:t> - </a:t>
+            </a:r>
+            <a:r>
+              <a:rPr lang="ko-KR" altLang="en-US" sz="1400" dirty="0"/>
+              <a:t>서버에</a:t>
+            </a:r>
+            <a:r>
+              <a:rPr lang="en-US" altLang="ko-KR" sz="1400" dirty="0"/>
+              <a:t> GET </a:t>
+            </a:r>
+            <a:r>
+              <a:rPr lang="ko-KR" altLang="en-US" sz="1400" dirty="0"/>
+              <a:t>방식으로 데이터를 요청</a:t>
+            </a:r>
+            <a:r>
+              <a:rPr lang="en-US" altLang="ko-KR" sz="1400" dirty="0"/>
+              <a:t>.</a:t>
+            </a:r>
+          </a:p>
+          <a:p>
+            <a:r>
+              <a:rPr lang="en-US" altLang="ko-KR" sz="1400" dirty="0"/>
+              <a:t> - </a:t>
+            </a:r>
+            <a:r>
+              <a:rPr lang="ko-KR" altLang="en-US" sz="1400" dirty="0"/>
+              <a:t>데이터를 받아오는데 성공 한다면 </a:t>
+            </a:r>
+            <a:r>
+              <a:rPr lang="en-US" altLang="ko-KR" sz="1400" dirty="0"/>
+              <a:t>then </a:t>
+            </a:r>
+            <a:r>
+              <a:rPr lang="ko-KR" altLang="en-US" sz="1400" dirty="0"/>
+              <a:t>함수 실행</a:t>
+            </a:r>
+            <a:r>
+              <a:rPr lang="en-US" altLang="ko-KR" sz="1400" dirty="0"/>
+              <a:t>, </a:t>
+            </a:r>
+            <a:r>
+              <a:rPr lang="ko-KR" altLang="en-US" sz="1400" dirty="0"/>
+              <a:t>실패한다면 </a:t>
+            </a:r>
+            <a:r>
+              <a:rPr lang="en-US" altLang="ko-KR" sz="1400" dirty="0"/>
+              <a:t>catch </a:t>
+            </a:r>
+            <a:r>
+              <a:rPr lang="ko-KR" altLang="en-US" sz="1400" dirty="0"/>
+              <a:t>함수가 실행됩니다</a:t>
+            </a:r>
+            <a:r>
+              <a:rPr lang="en-US" altLang="ko-KR" sz="1400" dirty="0"/>
+              <a:t>. </a:t>
+            </a:r>
+            <a:endParaRPr lang="ko-KR" altLang="en-US" sz="1400" dirty="0"/>
           </a:p>
         </p:txBody>
       </p:sp>
@@ -19088,13 +19952,6 @@
               </a:rPr>
               <a:t>Axios</a:t>
             </a:r>
-            <a:r>
-              <a:rPr lang="en-US" altLang="ko-KR" sz="1800" dirty="0">
-                <a:latin typeface="넥슨Lv1고딕 Bold" panose="00000800000000000000" pitchFamily="2" charset="-127"/>
-                <a:ea typeface="넥슨Lv1고딕 Bold" panose="00000800000000000000" pitchFamily="2" charset="-127"/>
-              </a:rPr>
-              <a:t/>
-            </a:r>
             <a:br>
               <a:rPr lang="en-US" altLang="ko-KR" sz="1800" dirty="0">
                 <a:latin typeface="넥슨Lv1고딕 Bold" panose="00000800000000000000" pitchFamily="2" charset="-127"/>
@@ -19148,7 +20005,7 @@
           <p:cNvPr id="9" name="타원 8">
             <a:extLst>
               <a:ext uri="{FF2B5EF4-FFF2-40B4-BE49-F238E27FC236}">
-                <a16:creationId xmlns:a16="http://schemas.microsoft.com/office/drawing/2014/main" xmlns="" id="{731CCCE5-901D-432C-BEAC-F936CBC6BB25}"/>
+                <a16:creationId xmlns:a16="http://schemas.microsoft.com/office/drawing/2014/main" id="{731CCCE5-901D-432C-BEAC-F936CBC6BB25}"/>
               </a:ext>
             </a:extLst>
           </p:cNvPr>
@@ -19205,6 +20062,335 @@
           </a:p>
         </p:txBody>
       </p:sp>
+      <p:pic>
+        <p:nvPicPr>
+          <p:cNvPr id="24" name="Picture 23" descr="A picture containing screen, room, holding, table&#10;&#10;Description automatically generated">
+            <a:extLst>
+              <a:ext uri="{FF2B5EF4-FFF2-40B4-BE49-F238E27FC236}">
+                <a16:creationId xmlns:a16="http://schemas.microsoft.com/office/drawing/2014/main" id="{592EC2D9-D869-4F37-8547-F807BC5AE57E}"/>
+              </a:ext>
+            </a:extLst>
+          </p:cNvPr>
+          <p:cNvPicPr>
+            <a:picLocks noChangeAspect="1"/>
+          </p:cNvPicPr>
+          <p:nvPr/>
+        </p:nvPicPr>
+        <p:blipFill>
+          <a:blip r:embed="rId3">
+            <a:extLst>
+              <a:ext uri="{28A0092B-C50C-407E-A947-70E740481C1C}">
+                <a14:useLocalDpi xmlns:a14="http://schemas.microsoft.com/office/drawing/2010/main" val="0"/>
+              </a:ext>
+            </a:extLst>
+          </a:blip>
+          <a:stretch>
+            <a:fillRect/>
+          </a:stretch>
+        </p:blipFill>
+        <p:spPr>
+          <a:xfrm>
+            <a:off x="702653" y="2666554"/>
+            <a:ext cx="4895850" cy="1800225"/>
+          </a:xfrm>
+          <a:prstGeom prst="rect">
+            <a:avLst/>
+          </a:prstGeom>
+        </p:spPr>
+      </p:pic>
+      <p:sp>
+        <p:nvSpPr>
+          <p:cNvPr id="25" name="Rectangle 24">
+            <a:extLst>
+              <a:ext uri="{FF2B5EF4-FFF2-40B4-BE49-F238E27FC236}">
+                <a16:creationId xmlns:a16="http://schemas.microsoft.com/office/drawing/2014/main" id="{16AB0BC0-6E31-494E-8423-36C6D9798249}"/>
+              </a:ext>
+            </a:extLst>
+          </p:cNvPr>
+          <p:cNvSpPr/>
+          <p:nvPr/>
+        </p:nvSpPr>
+        <p:spPr>
+          <a:xfrm>
+            <a:off x="2223082" y="3219276"/>
+            <a:ext cx="3296874" cy="209724"/>
+          </a:xfrm>
+          <a:prstGeom prst="rect">
+            <a:avLst/>
+          </a:prstGeom>
+          <a:noFill/>
+          <a:ln>
+            <a:solidFill>
+              <a:srgbClr val="FF0000"/>
+            </a:solidFill>
+          </a:ln>
+        </p:spPr>
+        <p:style>
+          <a:lnRef idx="2">
+            <a:schemeClr val="accent1">
+              <a:shade val="50000"/>
+            </a:schemeClr>
+          </a:lnRef>
+          <a:fillRef idx="1">
+            <a:schemeClr val="accent1"/>
+          </a:fillRef>
+          <a:effectRef idx="0">
+            <a:schemeClr val="accent1"/>
+          </a:effectRef>
+          <a:fontRef idx="minor">
+            <a:schemeClr val="lt1"/>
+          </a:fontRef>
+        </p:style>
+        <p:txBody>
+          <a:bodyPr rtlCol="0" anchor="ctr"/>
+          <a:lstStyle/>
+          <a:p>
+            <a:pPr algn="ctr"/>
+            <a:endParaRPr lang="ko-KR" altLang="en-US"/>
+          </a:p>
+        </p:txBody>
+      </p:sp>
+      <p:pic>
+        <p:nvPicPr>
+          <p:cNvPr id="27" name="Picture 26" descr="A screenshot of a cell phone&#10;&#10;Description automatically generated">
+            <a:extLst>
+              <a:ext uri="{FF2B5EF4-FFF2-40B4-BE49-F238E27FC236}">
+                <a16:creationId xmlns:a16="http://schemas.microsoft.com/office/drawing/2014/main" id="{7192F588-E3AA-4AD5-ACF1-CD157B03A87D}"/>
+              </a:ext>
+            </a:extLst>
+          </p:cNvPr>
+          <p:cNvPicPr>
+            <a:picLocks noChangeAspect="1"/>
+          </p:cNvPicPr>
+          <p:nvPr/>
+        </p:nvPicPr>
+        <p:blipFill>
+          <a:blip r:embed="rId4">
+            <a:extLst>
+              <a:ext uri="{28A0092B-C50C-407E-A947-70E740481C1C}">
+                <a14:useLocalDpi xmlns:a14="http://schemas.microsoft.com/office/drawing/2010/main" val="0"/>
+              </a:ext>
+            </a:extLst>
+          </a:blip>
+          <a:stretch>
+            <a:fillRect/>
+          </a:stretch>
+        </p:blipFill>
+        <p:spPr>
+          <a:xfrm>
+            <a:off x="5796485" y="1610380"/>
+            <a:ext cx="2352675" cy="4171950"/>
+          </a:xfrm>
+          <a:prstGeom prst="rect">
+            <a:avLst/>
+          </a:prstGeom>
+        </p:spPr>
+      </p:pic>
+      <p:sp>
+        <p:nvSpPr>
+          <p:cNvPr id="28" name="Rectangle 27">
+            <a:extLst>
+              <a:ext uri="{FF2B5EF4-FFF2-40B4-BE49-F238E27FC236}">
+                <a16:creationId xmlns:a16="http://schemas.microsoft.com/office/drawing/2014/main" id="{205D9E7C-15F0-49AE-AAA0-15267D5D08A3}"/>
+              </a:ext>
+            </a:extLst>
+          </p:cNvPr>
+          <p:cNvSpPr/>
+          <p:nvPr/>
+        </p:nvSpPr>
+        <p:spPr>
+          <a:xfrm>
+            <a:off x="5964572" y="1952267"/>
+            <a:ext cx="494951" cy="170148"/>
+          </a:xfrm>
+          <a:prstGeom prst="rect">
+            <a:avLst/>
+          </a:prstGeom>
+          <a:noFill/>
+          <a:ln>
+            <a:solidFill>
+              <a:srgbClr val="FF0000"/>
+            </a:solidFill>
+          </a:ln>
+        </p:spPr>
+        <p:style>
+          <a:lnRef idx="2">
+            <a:schemeClr val="accent1">
+              <a:shade val="50000"/>
+            </a:schemeClr>
+          </a:lnRef>
+          <a:fillRef idx="1">
+            <a:schemeClr val="accent1"/>
+          </a:fillRef>
+          <a:effectRef idx="0">
+            <a:schemeClr val="accent1"/>
+          </a:effectRef>
+          <a:fontRef idx="minor">
+            <a:schemeClr val="lt1"/>
+          </a:fontRef>
+        </p:style>
+        <p:txBody>
+          <a:bodyPr rtlCol="0" anchor="ctr"/>
+          <a:lstStyle/>
+          <a:p>
+            <a:pPr algn="ctr"/>
+            <a:endParaRPr lang="ko-KR" altLang="en-US"/>
+          </a:p>
+        </p:txBody>
+      </p:sp>
+      <p:sp>
+        <p:nvSpPr>
+          <p:cNvPr id="29" name="Rectangle 28">
+            <a:extLst>
+              <a:ext uri="{FF2B5EF4-FFF2-40B4-BE49-F238E27FC236}">
+                <a16:creationId xmlns:a16="http://schemas.microsoft.com/office/drawing/2014/main" id="{E5F53782-419F-4BBD-8274-3BDEA36C7106}"/>
+              </a:ext>
+            </a:extLst>
+          </p:cNvPr>
+          <p:cNvSpPr/>
+          <p:nvPr/>
+        </p:nvSpPr>
+        <p:spPr>
+          <a:xfrm>
+            <a:off x="6157519" y="2122414"/>
+            <a:ext cx="1107395" cy="170149"/>
+          </a:xfrm>
+          <a:prstGeom prst="rect">
+            <a:avLst/>
+          </a:prstGeom>
+          <a:noFill/>
+          <a:ln>
+            <a:solidFill>
+              <a:srgbClr val="FF0000"/>
+            </a:solidFill>
+          </a:ln>
+        </p:spPr>
+        <p:style>
+          <a:lnRef idx="2">
+            <a:schemeClr val="accent1">
+              <a:shade val="50000"/>
+            </a:schemeClr>
+          </a:lnRef>
+          <a:fillRef idx="1">
+            <a:schemeClr val="accent1"/>
+          </a:fillRef>
+          <a:effectRef idx="0">
+            <a:schemeClr val="accent1"/>
+          </a:effectRef>
+          <a:fontRef idx="minor">
+            <a:schemeClr val="lt1"/>
+          </a:fontRef>
+        </p:style>
+        <p:txBody>
+          <a:bodyPr rtlCol="0" anchor="ctr"/>
+          <a:lstStyle/>
+          <a:p>
+            <a:pPr algn="ctr"/>
+            <a:endParaRPr lang="ko-KR" altLang="en-US"/>
+          </a:p>
+        </p:txBody>
+      </p:sp>
+      <p:sp>
+        <p:nvSpPr>
+          <p:cNvPr id="30" name="Rectangle 29">
+            <a:extLst>
+              <a:ext uri="{FF2B5EF4-FFF2-40B4-BE49-F238E27FC236}">
+                <a16:creationId xmlns:a16="http://schemas.microsoft.com/office/drawing/2014/main" id="{DF2425C9-C17F-487B-ACD9-D0567A66BB4E}"/>
+              </a:ext>
+            </a:extLst>
+          </p:cNvPr>
+          <p:cNvSpPr/>
+          <p:nvPr/>
+        </p:nvSpPr>
+        <p:spPr>
+          <a:xfrm>
+            <a:off x="6274965" y="2424418"/>
+            <a:ext cx="1258349" cy="170149"/>
+          </a:xfrm>
+          <a:prstGeom prst="rect">
+            <a:avLst/>
+          </a:prstGeom>
+          <a:noFill/>
+          <a:ln>
+            <a:solidFill>
+              <a:srgbClr val="FF0000"/>
+            </a:solidFill>
+          </a:ln>
+        </p:spPr>
+        <p:style>
+          <a:lnRef idx="2">
+            <a:schemeClr val="accent1">
+              <a:shade val="50000"/>
+            </a:schemeClr>
+          </a:lnRef>
+          <a:fillRef idx="1">
+            <a:schemeClr val="accent1"/>
+          </a:fillRef>
+          <a:effectRef idx="0">
+            <a:schemeClr val="accent1"/>
+          </a:effectRef>
+          <a:fontRef idx="minor">
+            <a:schemeClr val="lt1"/>
+          </a:fontRef>
+        </p:style>
+        <p:txBody>
+          <a:bodyPr rtlCol="0" anchor="ctr"/>
+          <a:lstStyle/>
+          <a:p>
+            <a:pPr algn="ctr"/>
+            <a:endParaRPr lang="ko-KR" altLang="en-US"/>
+          </a:p>
+        </p:txBody>
+      </p:sp>
+      <p:sp>
+        <p:nvSpPr>
+          <p:cNvPr id="34" name="Rectangle 33">
+            <a:extLst>
+              <a:ext uri="{FF2B5EF4-FFF2-40B4-BE49-F238E27FC236}">
+                <a16:creationId xmlns:a16="http://schemas.microsoft.com/office/drawing/2014/main" id="{C7DAD7E1-682E-4CBC-9AF5-15C6AFA4DF7A}"/>
+              </a:ext>
+            </a:extLst>
+          </p:cNvPr>
+          <p:cNvSpPr/>
+          <p:nvPr/>
+        </p:nvSpPr>
+        <p:spPr>
+          <a:xfrm>
+            <a:off x="628650" y="4757891"/>
+            <a:ext cx="4630320" cy="523220"/>
+          </a:xfrm>
+          <a:prstGeom prst="rect">
+            <a:avLst/>
+          </a:prstGeom>
+        </p:spPr>
+        <p:txBody>
+          <a:bodyPr wrap="square">
+            <a:spAutoFit/>
+          </a:bodyPr>
+          <a:lstStyle/>
+          <a:p>
+            <a:r>
+              <a:rPr lang="ko-KR" altLang="en-US" sz="1400" dirty="0"/>
+              <a:t>데이터를 받아오는데 성공 한다면</a:t>
+            </a:r>
+            <a:r>
+              <a:rPr lang="en-US" altLang="ko-KR" sz="1400" dirty="0"/>
+              <a:t>, </a:t>
+            </a:r>
+          </a:p>
+          <a:p>
+            <a:r>
+              <a:rPr lang="ko-KR" altLang="en-US" sz="1400" dirty="0"/>
+              <a:t>원하는 데이터를 마크업에 삽입해 줍니다</a:t>
+            </a:r>
+            <a:r>
+              <a:rPr lang="en-US" altLang="ko-KR" sz="1400" dirty="0"/>
+              <a:t>.</a:t>
+            </a:r>
+            <a:endParaRPr lang="ko-KR" altLang="en-US" sz="1400" dirty="0"/>
+          </a:p>
+        </p:txBody>
+      </p:sp>
     </p:spTree>
     <p:extLst>
       <p:ext uri="{BB962C8B-B14F-4D97-AF65-F5344CB8AC3E}">
@@ -19219,6 +20405,413 @@
 </file>
 
 <file path=ppt/slides/slide28.xml><?xml version="1.0" encoding="utf-8"?>
+<p:sld xmlns:a="http://schemas.openxmlformats.org/drawingml/2006/main" xmlns:r="http://schemas.openxmlformats.org/officeDocument/2006/relationships" xmlns:p="http://schemas.openxmlformats.org/presentationml/2006/main">
+  <p:cSld>
+    <p:spTree>
+      <p:nvGrpSpPr>
+        <p:cNvPr id="1" name=""/>
+        <p:cNvGrpSpPr/>
+        <p:nvPr/>
+      </p:nvGrpSpPr>
+      <p:grpSpPr>
+        <a:xfrm>
+          <a:off x="0" y="0"/>
+          <a:ext cx="0" cy="0"/>
+          <a:chOff x="0" y="0"/>
+          <a:chExt cx="0" cy="0"/>
+        </a:xfrm>
+      </p:grpSpPr>
+      <p:sp>
+        <p:nvSpPr>
+          <p:cNvPr id="7" name="모서리가 둥근 직사각형 6"/>
+          <p:cNvSpPr/>
+          <p:nvPr/>
+        </p:nvSpPr>
+        <p:spPr>
+          <a:xfrm>
+            <a:off x="1109817" y="1610380"/>
+            <a:ext cx="3872888" cy="350275"/>
+          </a:xfrm>
+          <a:prstGeom prst="roundRect">
+            <a:avLst/>
+          </a:prstGeom>
+          <a:solidFill>
+            <a:schemeClr val="bg1">
+              <a:lumMod val="95000"/>
+            </a:schemeClr>
+          </a:solidFill>
+          <a:ln>
+            <a:noFill/>
+          </a:ln>
+        </p:spPr>
+        <p:style>
+          <a:lnRef idx="2">
+            <a:schemeClr val="accent1">
+              <a:shade val="50000"/>
+            </a:schemeClr>
+          </a:lnRef>
+          <a:fillRef idx="1">
+            <a:schemeClr val="accent1"/>
+          </a:fillRef>
+          <a:effectRef idx="0">
+            <a:schemeClr val="accent1"/>
+          </a:effectRef>
+          <a:fontRef idx="minor">
+            <a:schemeClr val="lt1"/>
+          </a:fontRef>
+        </p:style>
+        <p:txBody>
+          <a:bodyPr lIns="360000" rtlCol="0" anchor="ctr"/>
+          <a:lstStyle/>
+          <a:p>
+            <a:r>
+              <a:rPr lang="ko-KR" altLang="en-US" sz="1200" spc="-50" dirty="0">
+                <a:solidFill>
+                  <a:schemeClr val="accent1">
+                    <a:lumMod val="50000"/>
+                  </a:schemeClr>
+                </a:solidFill>
+                <a:latin typeface="넥슨Lv1고딕 Bold" panose="00000800000000000000" pitchFamily="2" charset="-127"/>
+                <a:ea typeface="넥슨Lv1고딕 Bold" panose="00000800000000000000" pitchFamily="2" charset="-127"/>
+              </a:rPr>
+              <a:t>서버에서 받은 데이터를 바탕으로 화면 갱신</a:t>
+            </a:r>
+            <a:endParaRPr lang="en-US" altLang="ko-KR" sz="1200" spc="-50" dirty="0">
+              <a:solidFill>
+                <a:schemeClr val="accent1">
+                  <a:lumMod val="50000"/>
+                </a:schemeClr>
+              </a:solidFill>
+              <a:latin typeface="넥슨Lv1고딕 Bold" panose="00000800000000000000" pitchFamily="2" charset="-127"/>
+              <a:ea typeface="넥슨Lv1고딕 Bold" panose="00000800000000000000" pitchFamily="2" charset="-127"/>
+            </a:endParaRPr>
+          </a:p>
+        </p:txBody>
+      </p:sp>
+      <p:cxnSp>
+        <p:nvCxnSpPr>
+          <p:cNvPr id="13" name="직선 연결선 12"/>
+          <p:cNvCxnSpPr/>
+          <p:nvPr/>
+        </p:nvCxnSpPr>
+        <p:spPr>
+          <a:xfrm>
+            <a:off x="689488" y="1238865"/>
+            <a:ext cx="7647038" cy="0"/>
+          </a:xfrm>
+          <a:prstGeom prst="line">
+            <a:avLst/>
+          </a:prstGeom>
+          <a:ln>
+            <a:solidFill>
+              <a:schemeClr val="bg1">
+                <a:lumMod val="85000"/>
+              </a:schemeClr>
+            </a:solidFill>
+          </a:ln>
+        </p:spPr>
+        <p:style>
+          <a:lnRef idx="1">
+            <a:schemeClr val="accent1"/>
+          </a:lnRef>
+          <a:fillRef idx="0">
+            <a:schemeClr val="accent1"/>
+          </a:fillRef>
+          <a:effectRef idx="0">
+            <a:schemeClr val="accent1"/>
+          </a:effectRef>
+          <a:fontRef idx="minor">
+            <a:schemeClr val="tx1"/>
+          </a:fontRef>
+        </p:style>
+      </p:cxnSp>
+      <p:sp>
+        <p:nvSpPr>
+          <p:cNvPr id="3" name="슬라이드 번호 개체 틀 2"/>
+          <p:cNvSpPr>
+            <a:spLocks noGrp="1"/>
+          </p:cNvSpPr>
+          <p:nvPr>
+            <p:ph type="sldNum" sz="quarter" idx="12"/>
+          </p:nvPr>
+        </p:nvSpPr>
+        <p:spPr/>
+        <p:txBody>
+          <a:bodyPr/>
+          <a:lstStyle/>
+          <a:p>
+            <a:fld id="{8D0AD3C7-B26A-41BF-81F8-CAF4A9564849}" type="slidenum">
+              <a:rPr lang="ko-KR" altLang="en-US" smtClean="0"/>
+              <a:pPr/>
+              <a:t>27</a:t>
+            </a:fld>
+            <a:endParaRPr lang="ko-KR" altLang="en-US" dirty="0"/>
+          </a:p>
+        </p:txBody>
+      </p:sp>
+      <p:sp>
+        <p:nvSpPr>
+          <p:cNvPr id="4" name="제목 3"/>
+          <p:cNvSpPr>
+            <a:spLocks noGrp="1"/>
+          </p:cNvSpPr>
+          <p:nvPr>
+            <p:ph type="title"/>
+          </p:nvPr>
+        </p:nvSpPr>
+        <p:spPr>
+          <a:xfrm>
+            <a:off x="628650" y="551713"/>
+            <a:ext cx="7886700" cy="721790"/>
+          </a:xfrm>
+        </p:spPr>
+        <p:txBody>
+          <a:bodyPr>
+            <a:normAutofit/>
+          </a:bodyPr>
+          <a:lstStyle/>
+          <a:p>
+            <a:pPr>
+              <a:lnSpc>
+                <a:spcPct val="110000"/>
+              </a:lnSpc>
+            </a:pPr>
+            <a:r>
+              <a:rPr lang="en-US" altLang="ko-KR" sz="1000" dirty="0">
+                <a:latin typeface="넥슨Lv1고딕 Light" panose="00000300000000000000" pitchFamily="2" charset="-127"/>
+                <a:ea typeface="넥슨Lv1고딕 Light" panose="00000300000000000000" pitchFamily="2" charset="-127"/>
+              </a:rPr>
+              <a:t>HTTP </a:t>
+            </a:r>
+            <a:r>
+              <a:rPr lang="ko-KR" altLang="en-US" sz="1000" dirty="0">
+                <a:latin typeface="넥슨Lv1고딕 Light" panose="00000300000000000000" pitchFamily="2" charset="-127"/>
+                <a:ea typeface="넥슨Lv1고딕 Light" panose="00000300000000000000" pitchFamily="2" charset="-127"/>
+              </a:rPr>
+              <a:t>클라이언트 라이브러리 </a:t>
+            </a:r>
+            <a:r>
+              <a:rPr lang="en-US" altLang="ko-KR" sz="1000" dirty="0" err="1">
+                <a:latin typeface="넥슨Lv1고딕 Light" panose="00000300000000000000" pitchFamily="2" charset="-127"/>
+                <a:ea typeface="넥슨Lv1고딕 Light" panose="00000300000000000000" pitchFamily="2" charset="-127"/>
+              </a:rPr>
+              <a:t>Axios</a:t>
+            </a:r>
+            <a:br>
+              <a:rPr lang="en-US" altLang="ko-KR" sz="1800" dirty="0">
+                <a:latin typeface="넥슨Lv1고딕 Bold" panose="00000800000000000000" pitchFamily="2" charset="-127"/>
+                <a:ea typeface="넥슨Lv1고딕 Bold" panose="00000800000000000000" pitchFamily="2" charset="-127"/>
+              </a:rPr>
+            </a:br>
+            <a:r>
+              <a:rPr lang="ko-KR" altLang="en-US" sz="1800" dirty="0">
+                <a:latin typeface="넥슨Lv1고딕 Bold" panose="00000800000000000000" pitchFamily="2" charset="-127"/>
+                <a:ea typeface="넥슨Lv1고딕 Bold" panose="00000800000000000000" pitchFamily="2" charset="-127"/>
+              </a:rPr>
+              <a:t>일별 박스오피스 리스트 만들기</a:t>
+            </a:r>
+            <a:r>
+              <a:rPr lang="en-US" altLang="ko-KR" sz="1800" dirty="0">
+                <a:latin typeface="넥슨Lv1고딕 Bold" panose="00000800000000000000" pitchFamily="2" charset="-127"/>
+                <a:ea typeface="넥슨Lv1고딕 Bold" panose="00000800000000000000" pitchFamily="2" charset="-127"/>
+              </a:rPr>
+              <a:t>_Vue + </a:t>
+            </a:r>
+            <a:r>
+              <a:rPr lang="en-US" altLang="ko-KR" sz="1800" dirty="0" err="1">
+                <a:latin typeface="넥슨Lv1고딕 Bold" panose="00000800000000000000" pitchFamily="2" charset="-127"/>
+                <a:ea typeface="넥슨Lv1고딕 Bold" panose="00000800000000000000" pitchFamily="2" charset="-127"/>
+              </a:rPr>
+              <a:t>Axios</a:t>
+            </a:r>
+            <a:r>
+              <a:rPr lang="en-US" altLang="ko-KR" sz="1800" dirty="0">
+                <a:latin typeface="넥슨Lv1고딕 Bold" panose="00000800000000000000" pitchFamily="2" charset="-127"/>
+                <a:ea typeface="넥슨Lv1고딕 Bold" panose="00000800000000000000" pitchFamily="2" charset="-127"/>
+              </a:rPr>
+              <a:t> </a:t>
+            </a:r>
+            <a:r>
+              <a:rPr lang="ko-KR" altLang="en-US" sz="1800" dirty="0">
+                <a:latin typeface="넥슨Lv1고딕 Bold" panose="00000800000000000000" pitchFamily="2" charset="-127"/>
+                <a:ea typeface="넥슨Lv1고딕 Bold" panose="00000800000000000000" pitchFamily="2" charset="-127"/>
+              </a:rPr>
+              <a:t>버전</a:t>
+            </a:r>
+            <a:endParaRPr lang="ko-KR" altLang="en-US" sz="2200" dirty="0">
+              <a:latin typeface="넥슨Lv1고딕 Bold" panose="00000800000000000000" pitchFamily="2" charset="-127"/>
+              <a:ea typeface="넥슨Lv1고딕 Bold" panose="00000800000000000000" pitchFamily="2" charset="-127"/>
+            </a:endParaRPr>
+          </a:p>
+        </p:txBody>
+      </p:sp>
+      <p:sp>
+        <p:nvSpPr>
+          <p:cNvPr id="9" name="타원 8">
+            <a:extLst>
+              <a:ext uri="{FF2B5EF4-FFF2-40B4-BE49-F238E27FC236}">
+                <a16:creationId xmlns:a16="http://schemas.microsoft.com/office/drawing/2014/main" id="{731CCCE5-901D-432C-BEAC-F936CBC6BB25}"/>
+              </a:ext>
+            </a:extLst>
+          </p:cNvPr>
+          <p:cNvSpPr/>
+          <p:nvPr/>
+        </p:nvSpPr>
+        <p:spPr>
+          <a:xfrm>
+            <a:off x="877529" y="1588501"/>
+            <a:ext cx="412955" cy="412955"/>
+          </a:xfrm>
+          <a:prstGeom prst="ellipse">
+            <a:avLst/>
+          </a:prstGeom>
+          <a:solidFill>
+            <a:srgbClr val="298DBF"/>
+          </a:solidFill>
+          <a:ln w="57150">
+            <a:solidFill>
+              <a:schemeClr val="bg1"/>
+            </a:solidFill>
+          </a:ln>
+        </p:spPr>
+        <p:style>
+          <a:lnRef idx="2">
+            <a:schemeClr val="accent1">
+              <a:shade val="50000"/>
+            </a:schemeClr>
+          </a:lnRef>
+          <a:fillRef idx="1">
+            <a:schemeClr val="accent1"/>
+          </a:fillRef>
+          <a:effectRef idx="0">
+            <a:schemeClr val="accent1"/>
+          </a:effectRef>
+          <a:fontRef idx="minor">
+            <a:schemeClr val="lt1"/>
+          </a:fontRef>
+        </p:style>
+        <p:txBody>
+          <a:bodyPr rtlCol="0" anchor="ctr"/>
+          <a:lstStyle/>
+          <a:p>
+            <a:pPr algn="ctr"/>
+            <a:r>
+              <a:rPr lang="en-US" altLang="ko-KR" dirty="0">
+                <a:ea typeface="넥슨Lv1고딕 Light" panose="00000300000000000000" pitchFamily="2" charset="-127"/>
+              </a:rPr>
+              <a:t>3</a:t>
+            </a:r>
+            <a:endParaRPr lang="ko-KR" altLang="en-US" dirty="0">
+              <a:ea typeface="넥슨Lv1고딕 Light" panose="00000300000000000000" pitchFamily="2" charset="-127"/>
+            </a:endParaRPr>
+          </a:p>
+        </p:txBody>
+      </p:sp>
+      <p:pic>
+        <p:nvPicPr>
+          <p:cNvPr id="8" name="Picture 7" descr="A screen shot of a computer&#10;&#10;Description automatically generated">
+            <a:extLst>
+              <a:ext uri="{FF2B5EF4-FFF2-40B4-BE49-F238E27FC236}">
+                <a16:creationId xmlns:a16="http://schemas.microsoft.com/office/drawing/2014/main" id="{507792FE-35B6-4C29-AF3D-1069137775FC}"/>
+              </a:ext>
+            </a:extLst>
+          </p:cNvPr>
+          <p:cNvPicPr>
+            <a:picLocks noChangeAspect="1"/>
+          </p:cNvPicPr>
+          <p:nvPr/>
+        </p:nvPicPr>
+        <p:blipFill>
+          <a:blip r:embed="rId3">
+            <a:extLst>
+              <a:ext uri="{28A0092B-C50C-407E-A947-70E740481C1C}">
+                <a14:useLocalDpi xmlns:a14="http://schemas.microsoft.com/office/drawing/2010/main" val="0"/>
+              </a:ext>
+            </a:extLst>
+          </a:blip>
+          <a:stretch>
+            <a:fillRect/>
+          </a:stretch>
+        </p:blipFill>
+        <p:spPr>
+          <a:xfrm>
+            <a:off x="2314295" y="2261336"/>
+            <a:ext cx="4515409" cy="2733700"/>
+          </a:xfrm>
+          <a:prstGeom prst="rect">
+            <a:avLst/>
+          </a:prstGeom>
+        </p:spPr>
+      </p:pic>
+      <p:sp>
+        <p:nvSpPr>
+          <p:cNvPr id="2" name="Rectangle 1">
+            <a:extLst>
+              <a:ext uri="{FF2B5EF4-FFF2-40B4-BE49-F238E27FC236}">
+                <a16:creationId xmlns:a16="http://schemas.microsoft.com/office/drawing/2014/main" id="{9214EC33-D4F1-430E-857E-EE73B3146320}"/>
+              </a:ext>
+            </a:extLst>
+          </p:cNvPr>
+          <p:cNvSpPr/>
+          <p:nvPr/>
+        </p:nvSpPr>
+        <p:spPr>
+          <a:xfrm>
+            <a:off x="1344140" y="5247620"/>
+            <a:ext cx="6667346" cy="523220"/>
+          </a:xfrm>
+          <a:prstGeom prst="rect">
+            <a:avLst/>
+          </a:prstGeom>
+        </p:spPr>
+        <p:txBody>
+          <a:bodyPr wrap="square">
+            <a:spAutoFit/>
+          </a:bodyPr>
+          <a:lstStyle/>
+          <a:p>
+            <a:r>
+              <a:rPr lang="ko-KR" altLang="en-US" sz="1400" dirty="0"/>
+              <a:t>데이터를 받아오는데 성공 한다면</a:t>
+            </a:r>
+            <a:r>
+              <a:rPr lang="en-US" altLang="ko-KR" sz="1400" dirty="0"/>
+              <a:t>, v-for</a:t>
+            </a:r>
+            <a:r>
+              <a:rPr lang="ko-KR" altLang="en-US" sz="1400" dirty="0"/>
+              <a:t>를 이용하여</a:t>
+            </a:r>
+            <a:r>
+              <a:rPr lang="en-US" altLang="ko-KR" sz="1400" dirty="0"/>
+              <a:t> </a:t>
+            </a:r>
+            <a:r>
+              <a:rPr lang="ko-KR" altLang="en-US" sz="1400" dirty="0"/>
+              <a:t>원하는 데이터를 가지고 화면을 갱신해 줍니다</a:t>
+            </a:r>
+            <a:r>
+              <a:rPr lang="en-US" altLang="ko-KR" sz="1400" dirty="0"/>
+              <a:t>.</a:t>
+            </a:r>
+            <a:endParaRPr lang="ko-KR" altLang="en-US" sz="1400" dirty="0"/>
+          </a:p>
+        </p:txBody>
+      </p:sp>
+    </p:spTree>
+    <p:extLst>
+      <p:ext uri="{BB962C8B-B14F-4D97-AF65-F5344CB8AC3E}">
+        <p14:creationId xmlns:p14="http://schemas.microsoft.com/office/powerpoint/2010/main" val="3579362648"/>
+      </p:ext>
+    </p:extLst>
+  </p:cSld>
+  <p:clrMapOvr>
+    <a:masterClrMapping/>
+  </p:clrMapOvr>
+</p:sld>
+</file>
+
+<file path=ppt/slides/slide29.xml><?xml version="1.0" encoding="utf-8"?>
 <p:sld xmlns:a="http://schemas.openxmlformats.org/drawingml/2006/main" xmlns:r="http://schemas.openxmlformats.org/officeDocument/2006/relationships" xmlns:p="http://schemas.openxmlformats.org/presentationml/2006/main">
   <p:cSld>
     <p:spTree>
@@ -19286,7 +20879,7 @@
           <p:cNvPr id="7" name="TextBox 6">
             <a:extLst>
               <a:ext uri="{FF2B5EF4-FFF2-40B4-BE49-F238E27FC236}">
-                <a16:creationId xmlns:a16="http://schemas.microsoft.com/office/drawing/2014/main" xmlns="" id="{CFFDF735-62F4-42D8-9EE1-93610BFD171F}"/>
+                <a16:creationId xmlns:a16="http://schemas.microsoft.com/office/drawing/2014/main" id="{CFFDF735-62F4-42D8-9EE1-93610BFD171F}"/>
               </a:ext>
             </a:extLst>
           </p:cNvPr>
@@ -19554,7 +21147,7 @@
           <p:cNvPr id="31" name="모서리가 둥근 직사각형 18">
             <a:extLst>
               <a:ext uri="{FF2B5EF4-FFF2-40B4-BE49-F238E27FC236}">
-                <a16:creationId xmlns:a16="http://schemas.microsoft.com/office/drawing/2014/main" xmlns="" id="{E2EB3284-B04D-47D8-BEC4-9757F1E20152}"/>
+                <a16:creationId xmlns:a16="http://schemas.microsoft.com/office/drawing/2014/main" id="{E2EB3284-B04D-47D8-BEC4-9757F1E20152}"/>
               </a:ext>
             </a:extLst>
           </p:cNvPr>
@@ -19646,7 +21239,7 @@
           <p:cNvPr id="17" name="모서리가 둥근 직사각형 18">
             <a:extLst>
               <a:ext uri="{FF2B5EF4-FFF2-40B4-BE49-F238E27FC236}">
-                <a16:creationId xmlns:a16="http://schemas.microsoft.com/office/drawing/2014/main" xmlns="" id="{850D30CD-96EB-4C16-A5A1-BA3E6B59464E}"/>
+                <a16:creationId xmlns:a16="http://schemas.microsoft.com/office/drawing/2014/main" id="{850D30CD-96EB-4C16-A5A1-BA3E6B59464E}"/>
               </a:ext>
             </a:extLst>
           </p:cNvPr>
@@ -19946,13 +21539,6 @@
                 <a:ea typeface="넥슨Lv1고딕 Light" panose="00000300000000000000" pitchFamily="2" charset="-127"/>
               </a:rPr>
               <a:t>Axios</a:t>
-            </a:r>
-            <a:r>
-              <a:rPr lang="en-US" altLang="ko-KR" sz="1800" dirty="0">
-                <a:latin typeface="넥슨Lv1고딕 Bold" panose="00000800000000000000" pitchFamily="2" charset="-127"/>
-                <a:ea typeface="넥슨Lv1고딕 Bold" panose="00000800000000000000" pitchFamily="2" charset="-127"/>
-              </a:rPr>
-              <a:t/>
             </a:r>
             <a:br>
               <a:rPr lang="en-US" altLang="ko-KR" sz="1800" dirty="0">
@@ -20119,7 +21705,7 @@
           <p:cNvPr id="11" name="모서리가 둥근 직사각형 18">
             <a:extLst>
               <a:ext uri="{FF2B5EF4-FFF2-40B4-BE49-F238E27FC236}">
-                <a16:creationId xmlns:a16="http://schemas.microsoft.com/office/drawing/2014/main" xmlns="" id="{E9585C23-07FC-45A2-AC2A-8A09E1548EB5}"/>
+                <a16:creationId xmlns:a16="http://schemas.microsoft.com/office/drawing/2014/main" id="{E9585C23-07FC-45A2-AC2A-8A09E1548EB5}"/>
               </a:ext>
             </a:extLst>
           </p:cNvPr>
@@ -20183,7 +21769,7 @@
           <p:cNvPr id="16" name="TextBox 15">
             <a:extLst>
               <a:ext uri="{FF2B5EF4-FFF2-40B4-BE49-F238E27FC236}">
-                <a16:creationId xmlns:a16="http://schemas.microsoft.com/office/drawing/2014/main" xmlns="" id="{C2346D07-6416-49B5-953F-0E48A5E94486}"/>
+                <a16:creationId xmlns:a16="http://schemas.microsoft.com/office/drawing/2014/main" id="{C2346D07-6416-49B5-953F-0E48A5E94486}"/>
               </a:ext>
             </a:extLst>
           </p:cNvPr>
@@ -20368,7 +21954,7 @@
           <p:cNvPr id="14" name="화살표: 아래쪽 13">
             <a:extLst>
               <a:ext uri="{FF2B5EF4-FFF2-40B4-BE49-F238E27FC236}">
-                <a16:creationId xmlns:a16="http://schemas.microsoft.com/office/drawing/2014/main" xmlns="" id="{DF870A8A-BDCA-492F-ADE4-6D4D7453EC17}"/>
+                <a16:creationId xmlns:a16="http://schemas.microsoft.com/office/drawing/2014/main" id="{DF870A8A-BDCA-492F-ADE4-6D4D7453EC17}"/>
               </a:ext>
             </a:extLst>
           </p:cNvPr>
@@ -20420,7 +22006,7 @@
           <p:cNvPr id="18" name="모서리가 둥근 직사각형 18">
             <a:extLst>
               <a:ext uri="{FF2B5EF4-FFF2-40B4-BE49-F238E27FC236}">
-                <a16:creationId xmlns:a16="http://schemas.microsoft.com/office/drawing/2014/main" xmlns="" id="{0C8F3D83-E81C-4FD6-B3DB-C885B4853C80}"/>
+                <a16:creationId xmlns:a16="http://schemas.microsoft.com/office/drawing/2014/main" id="{0C8F3D83-E81C-4FD6-B3DB-C885B4853C80}"/>
               </a:ext>
             </a:extLst>
           </p:cNvPr>
@@ -20484,7 +22070,7 @@
           <p:cNvPr id="19" name="화살표: 아래쪽 18">
             <a:extLst>
               <a:ext uri="{FF2B5EF4-FFF2-40B4-BE49-F238E27FC236}">
-                <a16:creationId xmlns:a16="http://schemas.microsoft.com/office/drawing/2014/main" xmlns="" id="{F96A66D2-F42B-4527-B6EE-CBFA6AC55C96}"/>
+                <a16:creationId xmlns:a16="http://schemas.microsoft.com/office/drawing/2014/main" id="{F96A66D2-F42B-4527-B6EE-CBFA6AC55C96}"/>
               </a:ext>
             </a:extLst>
           </p:cNvPr>
@@ -20536,7 +22122,7 @@
           <p:cNvPr id="20" name="TextBox 19">
             <a:extLst>
               <a:ext uri="{FF2B5EF4-FFF2-40B4-BE49-F238E27FC236}">
-                <a16:creationId xmlns:a16="http://schemas.microsoft.com/office/drawing/2014/main" xmlns="" id="{42EADF7E-747D-4E61-AF06-523F39DE892F}"/>
+                <a16:creationId xmlns:a16="http://schemas.microsoft.com/office/drawing/2014/main" id="{42EADF7E-747D-4E61-AF06-523F39DE892F}"/>
               </a:ext>
             </a:extLst>
           </p:cNvPr>
@@ -20621,7 +22207,7 @@
           <p:cNvPr id="24" name="TextBox 23">
             <a:extLst>
               <a:ext uri="{FF2B5EF4-FFF2-40B4-BE49-F238E27FC236}">
-                <a16:creationId xmlns:a16="http://schemas.microsoft.com/office/drawing/2014/main" xmlns="" id="{1753E084-8D4B-4F3C-9073-D00D2C3ECAAC}"/>
+                <a16:creationId xmlns:a16="http://schemas.microsoft.com/office/drawing/2014/main" id="{1753E084-8D4B-4F3C-9073-D00D2C3ECAAC}"/>
               </a:ext>
             </a:extLst>
           </p:cNvPr>
@@ -20688,7 +22274,7 @@
           <p:cNvPr id="27" name="화살표: 아래쪽 26">
             <a:extLst>
               <a:ext uri="{FF2B5EF4-FFF2-40B4-BE49-F238E27FC236}">
-                <a16:creationId xmlns:a16="http://schemas.microsoft.com/office/drawing/2014/main" xmlns="" id="{B2889BCE-092A-4B6E-805F-EFAE6A038C1D}"/>
+                <a16:creationId xmlns:a16="http://schemas.microsoft.com/office/drawing/2014/main" id="{B2889BCE-092A-4B6E-805F-EFAE6A038C1D}"/>
               </a:ext>
             </a:extLst>
           </p:cNvPr>
@@ -20740,7 +22326,7 @@
           <p:cNvPr id="28" name="모서리가 둥근 직사각형 18">
             <a:extLst>
               <a:ext uri="{FF2B5EF4-FFF2-40B4-BE49-F238E27FC236}">
-                <a16:creationId xmlns:a16="http://schemas.microsoft.com/office/drawing/2014/main" xmlns="" id="{514C4D24-C312-4053-A353-9E449F0DE83C}"/>
+                <a16:creationId xmlns:a16="http://schemas.microsoft.com/office/drawing/2014/main" id="{514C4D24-C312-4053-A353-9E449F0DE83C}"/>
               </a:ext>
             </a:extLst>
           </p:cNvPr>
@@ -20801,7 +22387,7 @@
           <p:cNvPr id="29" name="모서리가 둥근 직사각형 18">
             <a:extLst>
               <a:ext uri="{FF2B5EF4-FFF2-40B4-BE49-F238E27FC236}">
-                <a16:creationId xmlns:a16="http://schemas.microsoft.com/office/drawing/2014/main" xmlns="" id="{7A65E19A-DB93-48C6-805A-2362FD64F033}"/>
+                <a16:creationId xmlns:a16="http://schemas.microsoft.com/office/drawing/2014/main" id="{7A65E19A-DB93-48C6-805A-2362FD64F033}"/>
               </a:ext>
             </a:extLst>
           </p:cNvPr>
@@ -20865,7 +22451,7 @@
           <p:cNvPr id="32" name="화살표: 아래쪽 31">
             <a:extLst>
               <a:ext uri="{FF2B5EF4-FFF2-40B4-BE49-F238E27FC236}">
-                <a16:creationId xmlns:a16="http://schemas.microsoft.com/office/drawing/2014/main" xmlns="" id="{3126B787-0197-4A26-B637-077380FF47AC}"/>
+                <a16:creationId xmlns:a16="http://schemas.microsoft.com/office/drawing/2014/main" id="{3126B787-0197-4A26-B637-077380FF47AC}"/>
               </a:ext>
             </a:extLst>
           </p:cNvPr>
@@ -20917,7 +22503,7 @@
           <p:cNvPr id="33" name="TextBox 32">
             <a:extLst>
               <a:ext uri="{FF2B5EF4-FFF2-40B4-BE49-F238E27FC236}">
-                <a16:creationId xmlns:a16="http://schemas.microsoft.com/office/drawing/2014/main" xmlns="" id="{60572C7E-7FE3-47B3-B785-8EB7009BE5BA}"/>
+                <a16:creationId xmlns:a16="http://schemas.microsoft.com/office/drawing/2014/main" id="{60572C7E-7FE3-47B3-B785-8EB7009BE5BA}"/>
               </a:ext>
             </a:extLst>
           </p:cNvPr>
@@ -21183,13 +22769,6 @@
               </a:rPr>
               <a:t>Axios</a:t>
             </a:r>
-            <a:r>
-              <a:rPr lang="en-US" altLang="ko-KR" sz="1800" dirty="0">
-                <a:latin typeface="넥슨Lv1고딕 Bold" panose="00000800000000000000" pitchFamily="2" charset="-127"/>
-                <a:ea typeface="넥슨Lv1고딕 Bold" panose="00000800000000000000" pitchFamily="2" charset="-127"/>
-              </a:rPr>
-              <a:t/>
-            </a:r>
             <a:br>
               <a:rPr lang="en-US" altLang="ko-KR" sz="1800" dirty="0">
                 <a:latin typeface="넥슨Lv1고딕 Bold" panose="00000800000000000000" pitchFamily="2" charset="-127"/>
@@ -21222,7 +22801,7 @@
           <p:cNvPr id="5" name="그림 4" descr="텍스트, 화면, 모니터, 테이블이(가) 표시된 사진&#10;&#10;자동 생성된 설명">
             <a:extLst>
               <a:ext uri="{FF2B5EF4-FFF2-40B4-BE49-F238E27FC236}">
-                <a16:creationId xmlns:a16="http://schemas.microsoft.com/office/drawing/2014/main" xmlns="" id="{1EAB609A-2615-4FA8-AD85-37095A1AB8A8}"/>
+                <a16:creationId xmlns:a16="http://schemas.microsoft.com/office/drawing/2014/main" id="{1EAB609A-2615-4FA8-AD85-37095A1AB8A8}"/>
               </a:ext>
             </a:extLst>
           </p:cNvPr>
@@ -21258,7 +22837,7 @@
           <p:cNvPr id="26" name="TextBox 25">
             <a:extLst>
               <a:ext uri="{FF2B5EF4-FFF2-40B4-BE49-F238E27FC236}">
-                <a16:creationId xmlns:a16="http://schemas.microsoft.com/office/drawing/2014/main" xmlns="" id="{D2F62D15-235C-43B5-9AE9-C66866859394}"/>
+                <a16:creationId xmlns:a16="http://schemas.microsoft.com/office/drawing/2014/main" id="{D2F62D15-235C-43B5-9AE9-C66866859394}"/>
               </a:ext>
             </a:extLst>
           </p:cNvPr>
@@ -21699,13 +23278,6 @@
               </a:rPr>
               <a:t>Axios</a:t>
             </a:r>
-            <a:r>
-              <a:rPr lang="en-US" altLang="ko-KR" sz="1800" dirty="0">
-                <a:latin typeface="넥슨Lv1고딕 Bold" panose="00000800000000000000" pitchFamily="2" charset="-127"/>
-                <a:ea typeface="넥슨Lv1고딕 Bold" panose="00000800000000000000" pitchFamily="2" charset="-127"/>
-              </a:rPr>
-              <a:t/>
-            </a:r>
             <a:br>
               <a:rPr lang="en-US" altLang="ko-KR" sz="1800" dirty="0">
                 <a:latin typeface="넥슨Lv1고딕 Bold" panose="00000800000000000000" pitchFamily="2" charset="-127"/>
@@ -21752,7 +23324,7 @@
           <p:cNvPr id="16" name="TextBox 15">
             <a:extLst>
               <a:ext uri="{FF2B5EF4-FFF2-40B4-BE49-F238E27FC236}">
-                <a16:creationId xmlns:a16="http://schemas.microsoft.com/office/drawing/2014/main" xmlns="" id="{C2346D07-6416-49B5-953F-0E48A5E94486}"/>
+                <a16:creationId xmlns:a16="http://schemas.microsoft.com/office/drawing/2014/main" id="{C2346D07-6416-49B5-953F-0E48A5E94486}"/>
               </a:ext>
             </a:extLst>
           </p:cNvPr>
@@ -21776,35 +23348,35 @@
           <a:lstStyle/>
           <a:p>
             <a:r>
-              <a:rPr lang="en-US" altLang="ko-KR" sz="1100" spc="-50" dirty="0" err="1" smtClean="0">
+              <a:rPr lang="en-US" altLang="ko-KR" sz="1100" spc="-50" dirty="0" err="1">
                 <a:latin typeface="넥슨Lv1고딕 Light" panose="00000300000000000000" pitchFamily="2" charset="-127"/>
                 <a:ea typeface="넥슨Lv1고딕 Light" panose="00000300000000000000" pitchFamily="2" charset="-127"/>
               </a:rPr>
               <a:t>Axios</a:t>
             </a:r>
             <a:r>
-              <a:rPr lang="ko-KR" altLang="en-US" sz="1100" spc="-50" smtClean="0">
+              <a:rPr lang="ko-KR" altLang="en-US" sz="1100" spc="-50">
                 <a:latin typeface="넥슨Lv1고딕 Light" panose="00000300000000000000" pitchFamily="2" charset="-127"/>
                 <a:ea typeface="넥슨Lv1고딕 Light" panose="00000300000000000000" pitchFamily="2" charset="-127"/>
               </a:rPr>
               <a:t>는 </a:t>
             </a:r>
             <a:r>
-              <a:rPr lang="en-US" altLang="ko-KR" sz="1100" spc="-50" dirty="0" smtClean="0">
+              <a:rPr lang="en-US" altLang="ko-KR" sz="1100" spc="-50" dirty="0">
                 <a:latin typeface="넥슨Lv1고딕 Light" panose="00000300000000000000" pitchFamily="2" charset="-127"/>
                 <a:ea typeface="넥슨Lv1고딕 Light" panose="00000300000000000000" pitchFamily="2" charset="-127"/>
               </a:rPr>
               <a:t>Promise </a:t>
             </a:r>
             <a:r>
-              <a:rPr lang="ko-KR" altLang="en-US" sz="1100" spc="-50" smtClean="0">
+              <a:rPr lang="ko-KR" altLang="en-US" sz="1100" spc="-50">
                 <a:latin typeface="넥슨Lv1고딕 Light" panose="00000300000000000000" pitchFamily="2" charset="-127"/>
                 <a:ea typeface="넥슨Lv1고딕 Light" panose="00000300000000000000" pitchFamily="2" charset="-127"/>
               </a:rPr>
               <a:t>기반의 자바스크립트 비동기 처리방식을 사용합니다</a:t>
             </a:r>
             <a:r>
-              <a:rPr lang="en-US" altLang="ko-KR" sz="1100" spc="-50" dirty="0" smtClean="0">
+              <a:rPr lang="en-US" altLang="ko-KR" sz="1100" spc="-50" dirty="0">
                 <a:latin typeface="넥슨Lv1고딕 Light" panose="00000300000000000000" pitchFamily="2" charset="-127"/>
                 <a:ea typeface="넥슨Lv1고딕 Light" panose="00000300000000000000" pitchFamily="2" charset="-127"/>
               </a:rPr>
@@ -21813,49 +23385,49 @@
           </a:p>
           <a:p>
             <a:r>
-              <a:rPr lang="en-US" altLang="ko-KR" sz="1100" spc="-50" dirty="0" smtClean="0">
+              <a:rPr lang="en-US" altLang="ko-KR" sz="1100" spc="-50" dirty="0">
                 <a:latin typeface="넥슨Lv1고딕 Light" panose="00000300000000000000" pitchFamily="2" charset="-127"/>
                 <a:ea typeface="넥슨Lv1고딕 Light" panose="00000300000000000000" pitchFamily="2" charset="-127"/>
               </a:rPr>
               <a:t>jQuery</a:t>
             </a:r>
             <a:r>
-              <a:rPr lang="ko-KR" altLang="en-US" sz="1100" spc="-50" smtClean="0">
+              <a:rPr lang="ko-KR" altLang="en-US" sz="1100" spc="-50">
                 <a:latin typeface="넥슨Lv1고딕 Light" panose="00000300000000000000" pitchFamily="2" charset="-127"/>
                 <a:ea typeface="넥슨Lv1고딕 Light" panose="00000300000000000000" pitchFamily="2" charset="-127"/>
               </a:rPr>
               <a:t>에서 </a:t>
             </a:r>
             <a:r>
-              <a:rPr lang="en-US" altLang="ko-KR" sz="1100" spc="-50" dirty="0" smtClean="0">
+              <a:rPr lang="en-US" altLang="ko-KR" sz="1100" spc="-50" dirty="0">
                 <a:latin typeface="넥슨Lv1고딕 Light" panose="00000300000000000000" pitchFamily="2" charset="-127"/>
                 <a:ea typeface="넥슨Lv1고딕 Light" panose="00000300000000000000" pitchFamily="2" charset="-127"/>
               </a:rPr>
               <a:t>success, error </a:t>
             </a:r>
             <a:r>
-              <a:rPr lang="ko-KR" altLang="en-US" sz="1100" spc="-50" smtClean="0">
+              <a:rPr lang="ko-KR" altLang="en-US" sz="1100" spc="-50">
                 <a:latin typeface="넥슨Lv1고딕 Light" panose="00000300000000000000" pitchFamily="2" charset="-127"/>
                 <a:ea typeface="넥슨Lv1고딕 Light" panose="00000300000000000000" pitchFamily="2" charset="-127"/>
               </a:rPr>
               <a:t>콜백을 사용하는 것과 다르게 </a:t>
             </a:r>
             <a:r>
-              <a:rPr lang="en-US" altLang="ko-KR" sz="1100" spc="-50" dirty="0" smtClean="0">
+              <a:rPr lang="en-US" altLang="ko-KR" sz="1100" spc="-50" dirty="0">
                 <a:latin typeface="넥슨Lv1고딕 Light" panose="00000300000000000000" pitchFamily="2" charset="-127"/>
                 <a:ea typeface="넥슨Lv1고딕 Light" panose="00000300000000000000" pitchFamily="2" charset="-127"/>
               </a:rPr>
               <a:t>then(), catch()</a:t>
             </a:r>
             <a:r>
-              <a:rPr lang="ko-KR" altLang="en-US" sz="1100" spc="-50" smtClean="0">
+              <a:rPr lang="ko-KR" altLang="en-US" sz="1100" spc="-50">
                 <a:latin typeface="넥슨Lv1고딕 Light" panose="00000300000000000000" pitchFamily="2" charset="-127"/>
                 <a:ea typeface="넥슨Lv1고딕 Light" panose="00000300000000000000" pitchFamily="2" charset="-127"/>
               </a:rPr>
               <a:t>로 통신 결과를 처리합니다</a:t>
             </a:r>
             <a:r>
-              <a:rPr lang="en-US" altLang="ko-KR" sz="1100" spc="-50" dirty="0" smtClean="0">
+              <a:rPr lang="en-US" altLang="ko-KR" sz="1100" spc="-50" dirty="0">
                 <a:latin typeface="넥슨Lv1고딕 Light" panose="00000300000000000000" pitchFamily="2" charset="-127"/>
                 <a:ea typeface="넥슨Lv1고딕 Light" panose="00000300000000000000" pitchFamily="2" charset="-127"/>
               </a:rPr>
@@ -21893,7 +23465,7 @@
               <a:t>참고 </a:t>
             </a:r>
             <a:r>
-              <a:rPr lang="en-US" altLang="ko-KR" sz="1000" spc="-50" dirty="0" smtClean="0">
+              <a:rPr lang="en-US" altLang="ko-KR" sz="1000" spc="-50" dirty="0">
                 <a:solidFill>
                   <a:prstClr val="black"/>
                 </a:solidFill>
@@ -21903,7 +23475,7 @@
               <a:t>URL] </a:t>
             </a:r>
             <a:r>
-              <a:rPr lang="en-US" altLang="ko-KR" sz="1000" spc="-50" dirty="0" smtClean="0">
+              <a:rPr lang="en-US" altLang="ko-KR" sz="1000" spc="-50" dirty="0">
                 <a:solidFill>
                   <a:prstClr val="black"/>
                 </a:solidFill>
@@ -21948,18 +23520,24 @@
                 <a:tableStyleId>{3B4B98B0-60AC-42C2-AFA5-B58CD77FA1E5}</a:tableStyleId>
               </a:tblPr>
               <a:tblGrid>
-                <a:gridCol w="728304"/>
+                <a:gridCol w="728304">
+                  <a:extLst>
+                    <a:ext uri="{9D8B030D-6E8A-4147-A177-3AD203B41FA5}">
+                      <a16:colId xmlns:a16="http://schemas.microsoft.com/office/drawing/2014/main" val="20002"/>
+                    </a:ext>
+                  </a:extLst>
+                </a:gridCol>
                 <a:gridCol w="2510853">
                   <a:extLst>
                     <a:ext uri="{9D8B030D-6E8A-4147-A177-3AD203B41FA5}">
-                      <a16:colId xmlns:a16="http://schemas.microsoft.com/office/drawing/2014/main" xmlns="" val="20000"/>
+                      <a16:colId xmlns:a16="http://schemas.microsoft.com/office/drawing/2014/main" val="20000"/>
                     </a:ext>
                   </a:extLst>
                 </a:gridCol>
                 <a:gridCol w="3575154">
                   <a:extLst>
                     <a:ext uri="{9D8B030D-6E8A-4147-A177-3AD203B41FA5}">
-                      <a16:colId xmlns:a16="http://schemas.microsoft.com/office/drawing/2014/main" xmlns="" val="20001"/>
+                      <a16:colId xmlns:a16="http://schemas.microsoft.com/office/drawing/2014/main" val="20001"/>
                     </a:ext>
                   </a:extLst>
                 </a:gridCol>
@@ -21972,16 +23550,12 @@
                     <a:p>
                       <a:pPr algn="ctr" latinLnBrk="1"/>
                       <a:r>
-                        <a:rPr lang="ko-KR" altLang="en-US" sz="1000" b="0" dirty="0" smtClean="0">
+                        <a:rPr lang="ko-KR" altLang="en-US" sz="1000" b="0" dirty="0">
                           <a:latin typeface="넥슨Lv1고딕 Bold" panose="00000800000000000000" pitchFamily="2" charset="-127"/>
                           <a:ea typeface="넥슨Lv1고딕 Bold" panose="00000800000000000000" pitchFamily="2" charset="-127"/>
                         </a:rPr>
                         <a:t>방식</a:t>
                       </a:r>
-                      <a:endParaRPr lang="ko-KR" altLang="en-US" sz="1000" b="0" dirty="0">
-                        <a:latin typeface="넥슨Lv1고딕 Bold" panose="00000800000000000000" pitchFamily="2" charset="-127"/>
-                        <a:ea typeface="넥슨Lv1고딕 Bold" panose="00000800000000000000" pitchFamily="2" charset="-127"/>
-                      </a:endParaRPr>
                     </a:p>
                   </a:txBody>
                   <a:tcPr anchor="ctr"/>
@@ -22026,7 +23600,7 @@
                 </a:tc>
                 <a:extLst>
                   <a:ext uri="{0D108BD9-81ED-4DB2-BD59-A6C34878D82A}">
-                    <a16:rowId xmlns:a16="http://schemas.microsoft.com/office/drawing/2014/main" xmlns="" val="10000"/>
+                    <a16:rowId xmlns:a16="http://schemas.microsoft.com/office/drawing/2014/main" val="10000"/>
                   </a:ext>
                 </a:extLst>
               </a:tr>
@@ -22038,7 +23612,7 @@
                     <a:p>
                       <a:pPr algn="ctr" latinLnBrk="1"/>
                       <a:r>
-                        <a:rPr lang="en-US" altLang="ko-KR" sz="1000" dirty="0" smtClean="0">
+                        <a:rPr lang="en-US" altLang="ko-KR" sz="1000" dirty="0">
                           <a:latin typeface="넥슨Lv1고딕 Light" panose="00000300000000000000" pitchFamily="2" charset="-127"/>
                           <a:ea typeface="넥슨Lv1고딕 Light" panose="00000300000000000000" pitchFamily="2" charset="-127"/>
                         </a:rPr>
@@ -22066,14 +23640,14 @@
                         <a:t>  </a:t>
                       </a:r>
                       <a:r>
-                        <a:rPr lang="en-US" altLang="ko-KR" sz="1000" dirty="0" err="1" smtClean="0">
+                        <a:rPr lang="en-US" altLang="ko-KR" sz="1000" dirty="0" err="1">
                           <a:latin typeface="넥슨Lv1고딕 Light" panose="00000300000000000000" pitchFamily="2" charset="-127"/>
                           <a:ea typeface="넥슨Lv1고딕 Light" panose="00000300000000000000" pitchFamily="2" charset="-127"/>
                         </a:rPr>
                         <a:t>this.axios.</a:t>
                       </a:r>
                       <a:r>
-                        <a:rPr lang="en-US" altLang="ko-KR" sz="1000" dirty="0" err="1" smtClean="0">
+                        <a:rPr lang="en-US" altLang="ko-KR" sz="1000" dirty="0" err="1">
                           <a:solidFill>
                             <a:srgbClr val="FF0000"/>
                           </a:solidFill>
@@ -22083,35 +23657,35 @@
                         <a:t>get</a:t>
                       </a:r>
                       <a:r>
-                        <a:rPr lang="en-US" altLang="ko-KR" sz="1000" dirty="0" smtClean="0">
+                        <a:rPr lang="en-US" altLang="ko-KR" sz="1000" dirty="0">
                           <a:latin typeface="넥슨Lv1고딕 Light" panose="00000300000000000000" pitchFamily="2" charset="-127"/>
                           <a:ea typeface="넥슨Lv1고딕 Light" panose="00000300000000000000" pitchFamily="2" charset="-127"/>
                         </a:rPr>
                         <a:t>(</a:t>
                       </a:r>
                       <a:r>
-                        <a:rPr lang="en-US" altLang="ko-KR" sz="1000" dirty="0" err="1" smtClean="0">
+                        <a:rPr lang="en-US" altLang="ko-KR" sz="1000" dirty="0" err="1">
                           <a:latin typeface="넥슨Lv1고딕 Light" panose="00000300000000000000" pitchFamily="2" charset="-127"/>
                           <a:ea typeface="넥슨Lv1고딕 Light" panose="00000300000000000000" pitchFamily="2" charset="-127"/>
                         </a:rPr>
                         <a:t>url</a:t>
                       </a:r>
                       <a:r>
-                        <a:rPr lang="en-US" altLang="ko-KR" sz="1000" dirty="0" smtClean="0">
+                        <a:rPr lang="en-US" altLang="ko-KR" sz="1000" dirty="0">
                           <a:latin typeface="넥슨Lv1고딕 Light" panose="00000300000000000000" pitchFamily="2" charset="-127"/>
                           <a:ea typeface="넥슨Lv1고딕 Light" panose="00000300000000000000" pitchFamily="2" charset="-127"/>
                         </a:rPr>
                         <a:t> [, </a:t>
                       </a:r>
                       <a:r>
-                        <a:rPr lang="en-US" altLang="ko-KR" sz="1000" dirty="0" err="1" smtClean="0">
+                        <a:rPr lang="en-US" altLang="ko-KR" sz="1000" dirty="0" err="1">
                           <a:latin typeface="넥슨Lv1고딕 Light" panose="00000300000000000000" pitchFamily="2" charset="-127"/>
                           <a:ea typeface="넥슨Lv1고딕 Light" panose="00000300000000000000" pitchFamily="2" charset="-127"/>
                         </a:rPr>
                         <a:t>config</a:t>
                       </a:r>
                       <a:r>
-                        <a:rPr lang="en-US" altLang="ko-KR" sz="1000" dirty="0" smtClean="0">
+                        <a:rPr lang="en-US" altLang="ko-KR" sz="1000" dirty="0">
                           <a:latin typeface="넥슨Lv1고딕 Light" panose="00000300000000000000" pitchFamily="2" charset="-127"/>
                           <a:ea typeface="넥슨Lv1고딕 Light" panose="00000300000000000000" pitchFamily="2" charset="-127"/>
                         </a:rPr>
@@ -22136,17 +23710,10 @@
                           <a:latin typeface="넥슨Lv1고딕 Light" panose="00000300000000000000" pitchFamily="2" charset="-127"/>
                           <a:ea typeface="넥슨Lv1고딕 Light" panose="00000300000000000000" pitchFamily="2" charset="-127"/>
                         </a:rPr>
-                        <a:t>  </a:t>
+                        <a:t>  서버에서 데이터를 가져옵니다</a:t>
                       </a:r>
                       <a:r>
-                        <a:rPr lang="ko-KR" altLang="en-US" sz="1000" baseline="0" dirty="0" smtClean="0">
-                          <a:latin typeface="넥슨Lv1고딕 Light" panose="00000300000000000000" pitchFamily="2" charset="-127"/>
-                          <a:ea typeface="넥슨Lv1고딕 Light" panose="00000300000000000000" pitchFamily="2" charset="-127"/>
-                        </a:rPr>
-                        <a:t>서버에서 데이터를 가져옵니다</a:t>
-                      </a:r>
-                      <a:r>
-                        <a:rPr lang="en-US" altLang="ko-KR" sz="1000" baseline="0" dirty="0" smtClean="0">
+                        <a:rPr lang="en-US" altLang="ko-KR" sz="1000" baseline="0" dirty="0">
                           <a:latin typeface="넥슨Lv1고딕 Light" panose="00000300000000000000" pitchFamily="2" charset="-127"/>
                           <a:ea typeface="넥슨Lv1고딕 Light" panose="00000300000000000000" pitchFamily="2" charset="-127"/>
                         </a:rPr>
@@ -22162,7 +23729,7 @@
                 </a:tc>
                 <a:extLst>
                   <a:ext uri="{0D108BD9-81ED-4DB2-BD59-A6C34878D82A}">
-                    <a16:rowId xmlns:a16="http://schemas.microsoft.com/office/drawing/2014/main" xmlns="" val="10001"/>
+                    <a16:rowId xmlns:a16="http://schemas.microsoft.com/office/drawing/2014/main" val="10001"/>
                   </a:ext>
                 </a:extLst>
               </a:tr>
@@ -22190,7 +23757,7 @@
                         <a:defRPr/>
                       </a:pPr>
                       <a:r>
-                        <a:rPr lang="en-US" altLang="ko-KR" sz="1000" dirty="0" smtClean="0">
+                        <a:rPr lang="en-US" altLang="ko-KR" sz="1000" dirty="0">
                           <a:latin typeface="넥슨Lv1고딕 Light" panose="00000300000000000000" pitchFamily="2" charset="-127"/>
                           <a:ea typeface="넥슨Lv1고딕 Light" panose="00000300000000000000" pitchFamily="2" charset="-127"/>
                         </a:rPr>
@@ -22227,21 +23794,21 @@
                         <a:defRPr/>
                       </a:pPr>
                       <a:r>
-                        <a:rPr lang="en-US" altLang="ko-KR" sz="1000" dirty="0" smtClean="0">
+                        <a:rPr lang="en-US" altLang="ko-KR" sz="1000" dirty="0">
                           <a:latin typeface="넥슨Lv1고딕 Light" panose="00000300000000000000" pitchFamily="2" charset="-127"/>
                           <a:ea typeface="넥슨Lv1고딕 Light" panose="00000300000000000000" pitchFamily="2" charset="-127"/>
                         </a:rPr>
                         <a:t>  </a:t>
                       </a:r>
                       <a:r>
-                        <a:rPr lang="en-US" altLang="ko-KR" sz="1000" dirty="0" err="1" smtClean="0">
+                        <a:rPr lang="en-US" altLang="ko-KR" sz="1000" dirty="0" err="1">
                           <a:latin typeface="넥슨Lv1고딕 Light" panose="00000300000000000000" pitchFamily="2" charset="-127"/>
                           <a:ea typeface="넥슨Lv1고딕 Light" panose="00000300000000000000" pitchFamily="2" charset="-127"/>
                         </a:rPr>
                         <a:t>this.axios.</a:t>
                       </a:r>
                       <a:r>
-                        <a:rPr lang="en-US" altLang="ko-KR" sz="1000" dirty="0" err="1" smtClean="0">
+                        <a:rPr lang="en-US" altLang="ko-KR" sz="1000" dirty="0" err="1">
                           <a:solidFill>
                             <a:srgbClr val="FF0000"/>
                           </a:solidFill>
@@ -22251,35 +23818,35 @@
                         <a:t>post</a:t>
                       </a:r>
                       <a:r>
-                        <a:rPr lang="en-US" altLang="ko-KR" sz="1000" dirty="0" smtClean="0">
+                        <a:rPr lang="en-US" altLang="ko-KR" sz="1000" dirty="0">
                           <a:latin typeface="넥슨Lv1고딕 Light" panose="00000300000000000000" pitchFamily="2" charset="-127"/>
                           <a:ea typeface="넥슨Lv1고딕 Light" panose="00000300000000000000" pitchFamily="2" charset="-127"/>
                         </a:rPr>
                         <a:t>(</a:t>
                       </a:r>
                       <a:r>
-                        <a:rPr lang="en-US" altLang="ko-KR" sz="1000" dirty="0" err="1" smtClean="0">
+                        <a:rPr lang="en-US" altLang="ko-KR" sz="1000" dirty="0" err="1">
                           <a:latin typeface="넥슨Lv1고딕 Light" panose="00000300000000000000" pitchFamily="2" charset="-127"/>
                           <a:ea typeface="넥슨Lv1고딕 Light" panose="00000300000000000000" pitchFamily="2" charset="-127"/>
                         </a:rPr>
                         <a:t>url</a:t>
                       </a:r>
                       <a:r>
-                        <a:rPr lang="en-US" altLang="ko-KR" sz="1000" dirty="0" smtClean="0">
+                        <a:rPr lang="en-US" altLang="ko-KR" sz="1000" dirty="0">
                           <a:latin typeface="넥슨Lv1고딕 Light" panose="00000300000000000000" pitchFamily="2" charset="-127"/>
                           <a:ea typeface="넥슨Lv1고딕 Light" panose="00000300000000000000" pitchFamily="2" charset="-127"/>
                         </a:rPr>
                         <a:t> [, data[, </a:t>
                       </a:r>
                       <a:r>
-                        <a:rPr lang="en-US" altLang="ko-KR" sz="1000" dirty="0" err="1" smtClean="0">
+                        <a:rPr lang="en-US" altLang="ko-KR" sz="1000" dirty="0" err="1">
                           <a:latin typeface="넥슨Lv1고딕 Light" panose="00000300000000000000" pitchFamily="2" charset="-127"/>
                           <a:ea typeface="넥슨Lv1고딕 Light" panose="00000300000000000000" pitchFamily="2" charset="-127"/>
                         </a:rPr>
                         <a:t>config</a:t>
                       </a:r>
                       <a:r>
-                        <a:rPr lang="en-US" altLang="ko-KR" sz="1000" dirty="0" smtClean="0">
+                        <a:rPr lang="en-US" altLang="ko-KR" sz="1000" dirty="0">
                           <a:latin typeface="넥슨Lv1고딕 Light" panose="00000300000000000000" pitchFamily="2" charset="-127"/>
                           <a:ea typeface="넥슨Lv1고딕 Light" panose="00000300000000000000" pitchFamily="2" charset="-127"/>
                         </a:rPr>
@@ -22304,17 +23871,10 @@
                           <a:latin typeface="넥슨Lv1고딕 Light" panose="00000300000000000000" pitchFamily="2" charset="-127"/>
                           <a:ea typeface="넥슨Lv1고딕 Light" panose="00000300000000000000" pitchFamily="2" charset="-127"/>
                         </a:rPr>
-                        <a:t>  </a:t>
+                        <a:t>  서버에 새로운 데이터를 전달합니다</a:t>
                       </a:r>
                       <a:r>
-                        <a:rPr lang="ko-KR" altLang="en-US" sz="1000" baseline="0" dirty="0" smtClean="0">
-                          <a:latin typeface="넥슨Lv1고딕 Light" panose="00000300000000000000" pitchFamily="2" charset="-127"/>
-                          <a:ea typeface="넥슨Lv1고딕 Light" panose="00000300000000000000" pitchFamily="2" charset="-127"/>
-                        </a:rPr>
-                        <a:t>서버에 새로운 데이터를 전달합니다</a:t>
-                      </a:r>
-                      <a:r>
-                        <a:rPr lang="en-US" altLang="ko-KR" sz="1000" baseline="0" dirty="0" smtClean="0">
+                        <a:rPr lang="en-US" altLang="ko-KR" sz="1000" baseline="0" dirty="0">
                           <a:latin typeface="넥슨Lv1고딕 Light" panose="00000300000000000000" pitchFamily="2" charset="-127"/>
                           <a:ea typeface="넥슨Lv1고딕 Light" panose="00000300000000000000" pitchFamily="2" charset="-127"/>
                         </a:rPr>
@@ -22324,7 +23884,7 @@
                     <a:p>
                       <a:pPr algn="l" latinLnBrk="1"/>
                       <a:r>
-                        <a:rPr lang="en-US" altLang="ko-KR" sz="1000" baseline="0" dirty="0" smtClean="0">
+                        <a:rPr lang="en-US" altLang="ko-KR" sz="1000" baseline="0" dirty="0">
                           <a:solidFill>
                             <a:srgbClr val="FF0000"/>
                           </a:solidFill>
@@ -22334,7 +23894,7 @@
                         <a:t>  </a:t>
                       </a:r>
                       <a:r>
-                        <a:rPr lang="ko-KR" altLang="en-US" sz="1000" baseline="0" smtClean="0">
+                        <a:rPr lang="ko-KR" altLang="en-US" sz="1000" baseline="0">
                           <a:solidFill>
                             <a:srgbClr val="FF0000"/>
                           </a:solidFill>
@@ -22344,7 +23904,7 @@
                         <a:t>새 글을 작성하거나</a:t>
                       </a:r>
                       <a:r>
-                        <a:rPr lang="en-US" altLang="ko-KR" sz="1000" baseline="0" dirty="0" smtClean="0">
+                        <a:rPr lang="en-US" altLang="ko-KR" sz="1000" baseline="0" dirty="0">
                           <a:solidFill>
                             <a:srgbClr val="FF0000"/>
                           </a:solidFill>
@@ -22354,7 +23914,7 @@
                         <a:t>, </a:t>
                       </a:r>
                       <a:r>
-                        <a:rPr lang="ko-KR" altLang="en-US" sz="1000" baseline="0" smtClean="0">
+                        <a:rPr lang="ko-KR" altLang="en-US" sz="1000" baseline="0">
                           <a:solidFill>
                             <a:srgbClr val="FF0000"/>
                           </a:solidFill>
@@ -22364,7 +23924,7 @@
                         <a:t>회원 정보를 보낼 때 주로 사용합니다</a:t>
                       </a:r>
                       <a:r>
-                        <a:rPr lang="en-US" altLang="ko-KR" sz="1000" baseline="0" dirty="0" smtClean="0">
+                        <a:rPr lang="en-US" altLang="ko-KR" sz="1000" baseline="0" dirty="0">
                           <a:solidFill>
                             <a:srgbClr val="FF0000"/>
                           </a:solidFill>
@@ -22386,7 +23946,7 @@
                 </a:tc>
                 <a:extLst>
                   <a:ext uri="{0D108BD9-81ED-4DB2-BD59-A6C34878D82A}">
-                    <a16:rowId xmlns:a16="http://schemas.microsoft.com/office/drawing/2014/main" xmlns="" val="10002"/>
+                    <a16:rowId xmlns:a16="http://schemas.microsoft.com/office/drawing/2014/main" val="10002"/>
                   </a:ext>
                 </a:extLst>
               </a:tr>
@@ -22398,7 +23958,7 @@
                     <a:p>
                       <a:pPr algn="ctr" latinLnBrk="1"/>
                       <a:r>
-                        <a:rPr lang="en-US" altLang="ko-KR" sz="1000" dirty="0" smtClean="0">
+                        <a:rPr lang="en-US" altLang="ko-KR" sz="1000" dirty="0">
                           <a:latin typeface="넥슨Lv1고딕 Light" panose="00000300000000000000" pitchFamily="2" charset="-127"/>
                           <a:ea typeface="넥슨Lv1고딕 Light" panose="00000300000000000000" pitchFamily="2" charset="-127"/>
                         </a:rPr>
@@ -22419,21 +23979,21 @@
                     <a:p>
                       <a:pPr algn="l" latinLnBrk="1"/>
                       <a:r>
-                        <a:rPr lang="en-US" altLang="ko-KR" sz="1000" dirty="0" smtClean="0">
+                        <a:rPr lang="en-US" altLang="ko-KR" sz="1000" dirty="0">
                           <a:latin typeface="넥슨Lv1고딕 Light" panose="00000300000000000000" pitchFamily="2" charset="-127"/>
                           <a:ea typeface="넥슨Lv1고딕 Light" panose="00000300000000000000" pitchFamily="2" charset="-127"/>
                         </a:rPr>
                         <a:t>  </a:t>
                       </a:r>
                       <a:r>
-                        <a:rPr lang="en-US" altLang="ko-KR" sz="1000" dirty="0" err="1" smtClean="0">
+                        <a:rPr lang="en-US" altLang="ko-KR" sz="1000" dirty="0" err="1">
                           <a:latin typeface="넥슨Lv1고딕 Light" panose="00000300000000000000" pitchFamily="2" charset="-127"/>
                           <a:ea typeface="넥슨Lv1고딕 Light" panose="00000300000000000000" pitchFamily="2" charset="-127"/>
                         </a:rPr>
                         <a:t>this.axios.</a:t>
                       </a:r>
                       <a:r>
-                        <a:rPr lang="en-US" altLang="ko-KR" sz="1000" dirty="0" err="1" smtClean="0">
+                        <a:rPr lang="en-US" altLang="ko-KR" sz="1000" dirty="0" err="1">
                           <a:solidFill>
                             <a:srgbClr val="FF0000"/>
                           </a:solidFill>
@@ -22443,42 +24003,42 @@
                         <a:t>patch</a:t>
                       </a:r>
                       <a:r>
-                        <a:rPr lang="en-US" altLang="ko-KR" sz="1000" dirty="0" smtClean="0">
+                        <a:rPr lang="en-US" altLang="ko-KR" sz="1000" dirty="0">
                           <a:latin typeface="넥슨Lv1고딕 Light" panose="00000300000000000000" pitchFamily="2" charset="-127"/>
                           <a:ea typeface="넥슨Lv1고딕 Light" panose="00000300000000000000" pitchFamily="2" charset="-127"/>
                         </a:rPr>
                         <a:t>(</a:t>
                       </a:r>
                       <a:r>
-                        <a:rPr lang="en-US" altLang="ko-KR" sz="1000" dirty="0" err="1" smtClean="0">
+                        <a:rPr lang="en-US" altLang="ko-KR" sz="1000" dirty="0" err="1">
                           <a:latin typeface="넥슨Lv1고딕 Light" panose="00000300000000000000" pitchFamily="2" charset="-127"/>
                           <a:ea typeface="넥슨Lv1고딕 Light" panose="00000300000000000000" pitchFamily="2" charset="-127"/>
                         </a:rPr>
                         <a:t>url</a:t>
                       </a:r>
                       <a:r>
-                        <a:rPr lang="en-US" altLang="ko-KR" sz="1000" baseline="0" dirty="0" smtClean="0">
+                        <a:rPr lang="en-US" altLang="ko-KR" sz="1000" baseline="0" dirty="0">
                           <a:latin typeface="넥슨Lv1고딕 Light" panose="00000300000000000000" pitchFamily="2" charset="-127"/>
                           <a:ea typeface="넥슨Lv1고딕 Light" panose="00000300000000000000" pitchFamily="2" charset="-127"/>
                         </a:rPr>
                         <a:t> [, data</a:t>
                       </a:r>
                       <a:r>
-                        <a:rPr lang="en-US" altLang="ko-KR" sz="1000" dirty="0" smtClean="0">
+                        <a:rPr lang="en-US" altLang="ko-KR" sz="1000" dirty="0">
                           <a:latin typeface="넥슨Lv1고딕 Light" panose="00000300000000000000" pitchFamily="2" charset="-127"/>
                           <a:ea typeface="넥슨Lv1고딕 Light" panose="00000300000000000000" pitchFamily="2" charset="-127"/>
                         </a:rPr>
                         <a:t>[, </a:t>
                       </a:r>
                       <a:r>
-                        <a:rPr lang="en-US" altLang="ko-KR" sz="1000" dirty="0" err="1" smtClean="0">
+                        <a:rPr lang="en-US" altLang="ko-KR" sz="1000" dirty="0" err="1">
                           <a:latin typeface="넥슨Lv1고딕 Light" panose="00000300000000000000" pitchFamily="2" charset="-127"/>
                           <a:ea typeface="넥슨Lv1고딕 Light" panose="00000300000000000000" pitchFamily="2" charset="-127"/>
                         </a:rPr>
                         <a:t>config</a:t>
                       </a:r>
                       <a:r>
-                        <a:rPr lang="en-US" altLang="ko-KR" sz="1000" dirty="0" smtClean="0">
+                        <a:rPr lang="en-US" altLang="ko-KR" sz="1000" dirty="0">
                           <a:latin typeface="넥슨Lv1고딕 Light" panose="00000300000000000000" pitchFamily="2" charset="-127"/>
                           <a:ea typeface="넥슨Lv1고딕 Light" panose="00000300000000000000" pitchFamily="2" charset="-127"/>
                         </a:rPr>
@@ -22506,14 +24066,14 @@
                         <a:t>  </a:t>
                       </a:r>
                       <a:r>
-                        <a:rPr lang="ko-KR" altLang="en-US" sz="1000" smtClean="0">
+                        <a:rPr lang="ko-KR" altLang="en-US" sz="1000">
                           <a:latin typeface="넥슨Lv1고딕 Light" panose="00000300000000000000" pitchFamily="2" charset="-127"/>
                           <a:ea typeface="넥슨Lv1고딕 Light" panose="00000300000000000000" pitchFamily="2" charset="-127"/>
                         </a:rPr>
                         <a:t>서버에 데이터를 전달해 특정 값을 수정합니다</a:t>
                       </a:r>
                       <a:r>
-                        <a:rPr lang="en-US" altLang="ko-KR" sz="1000" dirty="0" smtClean="0">
+                        <a:rPr lang="en-US" altLang="ko-KR" sz="1000" dirty="0">
                           <a:latin typeface="넥슨Lv1고딕 Light" panose="00000300000000000000" pitchFamily="2" charset="-127"/>
                           <a:ea typeface="넥슨Lv1고딕 Light" panose="00000300000000000000" pitchFamily="2" charset="-127"/>
                         </a:rPr>
@@ -22523,14 +24083,14 @@
                     <a:p>
                       <a:pPr algn="l" latinLnBrk="1"/>
                       <a:r>
-                        <a:rPr lang="en-US" altLang="ko-KR" sz="1000" dirty="0" smtClean="0">
+                        <a:rPr lang="en-US" altLang="ko-KR" sz="1000" dirty="0">
                           <a:latin typeface="넥슨Lv1고딕 Light" panose="00000300000000000000" pitchFamily="2" charset="-127"/>
                           <a:ea typeface="넥슨Lv1고딕 Light" panose="00000300000000000000" pitchFamily="2" charset="-127"/>
                         </a:rPr>
                         <a:t>  </a:t>
                       </a:r>
                       <a:r>
-                        <a:rPr lang="ko-KR" altLang="en-US" sz="1000" smtClean="0">
+                        <a:rPr lang="ko-KR" altLang="en-US" sz="1000">
                           <a:solidFill>
                             <a:srgbClr val="FF0000"/>
                           </a:solidFill>
@@ -22540,7 +24100,7 @@
                         <a:t>이미 작성된 </a:t>
                       </a:r>
                       <a:r>
-                        <a:rPr lang="en-US" altLang="ko-KR" sz="1000" dirty="0" smtClean="0">
+                        <a:rPr lang="en-US" altLang="ko-KR" sz="1000" dirty="0">
                           <a:solidFill>
                             <a:srgbClr val="FF0000"/>
                           </a:solidFill>
@@ -22550,7 +24110,7 @@
                         <a:t>DB</a:t>
                       </a:r>
                       <a:r>
-                        <a:rPr lang="ko-KR" altLang="en-US" sz="1000" smtClean="0">
+                        <a:rPr lang="ko-KR" altLang="en-US" sz="1000">
                           <a:solidFill>
                             <a:srgbClr val="FF0000"/>
                           </a:solidFill>
@@ -22560,7 +24120,7 @@
                         <a:t>의 내용을 수정할 때 주로 사용합니다</a:t>
                       </a:r>
                       <a:r>
-                        <a:rPr lang="en-US" altLang="ko-KR" sz="1000" dirty="0" smtClean="0">
+                        <a:rPr lang="en-US" altLang="ko-KR" sz="1000" dirty="0">
                           <a:solidFill>
                             <a:srgbClr val="FF0000"/>
                           </a:solidFill>
@@ -22582,7 +24142,7 @@
                 </a:tc>
                 <a:extLst>
                   <a:ext uri="{0D108BD9-81ED-4DB2-BD59-A6C34878D82A}">
-                    <a16:rowId xmlns:a16="http://schemas.microsoft.com/office/drawing/2014/main" xmlns="" val="10003"/>
+                    <a16:rowId xmlns:a16="http://schemas.microsoft.com/office/drawing/2014/main" val="10003"/>
                   </a:ext>
                 </a:extLst>
               </a:tr>
@@ -22594,7 +24154,7 @@
                     <a:p>
                       <a:pPr algn="ctr" latinLnBrk="1"/>
                       <a:r>
-                        <a:rPr lang="en-US" altLang="ko-KR" sz="1000" dirty="0" smtClean="0">
+                        <a:rPr lang="en-US" altLang="ko-KR" sz="1000" dirty="0">
                           <a:latin typeface="넥슨Lv1고딕 Light" panose="00000300000000000000" pitchFamily="2" charset="-127"/>
                           <a:ea typeface="넥슨Lv1고딕 Light" panose="00000300000000000000" pitchFamily="2" charset="-127"/>
                         </a:rPr>
@@ -22615,21 +24175,21 @@
                     <a:p>
                       <a:pPr algn="l" latinLnBrk="1"/>
                       <a:r>
-                        <a:rPr lang="en-US" altLang="ko-KR" sz="1000" dirty="0" smtClean="0">
+                        <a:rPr lang="en-US" altLang="ko-KR" sz="1000" dirty="0">
                           <a:latin typeface="넥슨Lv1고딕 Light" panose="00000300000000000000" pitchFamily="2" charset="-127"/>
                           <a:ea typeface="넥슨Lv1고딕 Light" panose="00000300000000000000" pitchFamily="2" charset="-127"/>
                         </a:rPr>
                         <a:t>  </a:t>
                       </a:r>
                       <a:r>
-                        <a:rPr lang="en-US" altLang="ko-KR" sz="1000" dirty="0" err="1" smtClean="0">
+                        <a:rPr lang="en-US" altLang="ko-KR" sz="1000" dirty="0" err="1">
                           <a:latin typeface="넥슨Lv1고딕 Light" panose="00000300000000000000" pitchFamily="2" charset="-127"/>
                           <a:ea typeface="넥슨Lv1고딕 Light" panose="00000300000000000000" pitchFamily="2" charset="-127"/>
                         </a:rPr>
                         <a:t>this.axios.</a:t>
                       </a:r>
                       <a:r>
-                        <a:rPr lang="en-US" altLang="ko-KR" sz="1000" dirty="0" err="1" smtClean="0">
+                        <a:rPr lang="en-US" altLang="ko-KR" sz="1000" dirty="0" err="1">
                           <a:solidFill>
                             <a:srgbClr val="FF0000"/>
                           </a:solidFill>
@@ -22639,35 +24199,35 @@
                         <a:t>delete</a:t>
                       </a:r>
                       <a:r>
-                        <a:rPr lang="en-US" altLang="ko-KR" sz="1000" dirty="0" smtClean="0">
+                        <a:rPr lang="en-US" altLang="ko-KR" sz="1000" dirty="0">
                           <a:latin typeface="넥슨Lv1고딕 Light" panose="00000300000000000000" pitchFamily="2" charset="-127"/>
                           <a:ea typeface="넥슨Lv1고딕 Light" panose="00000300000000000000" pitchFamily="2" charset="-127"/>
                         </a:rPr>
                         <a:t>(</a:t>
                       </a:r>
                       <a:r>
-                        <a:rPr lang="en-US" altLang="ko-KR" sz="1000" dirty="0" err="1" smtClean="0">
+                        <a:rPr lang="en-US" altLang="ko-KR" sz="1000" dirty="0" err="1">
                           <a:latin typeface="넥슨Lv1고딕 Light" panose="00000300000000000000" pitchFamily="2" charset="-127"/>
                           <a:ea typeface="넥슨Lv1고딕 Light" panose="00000300000000000000" pitchFamily="2" charset="-127"/>
                         </a:rPr>
                         <a:t>url</a:t>
                       </a:r>
                       <a:r>
-                        <a:rPr lang="en-US" altLang="ko-KR" sz="1000" dirty="0" smtClean="0">
+                        <a:rPr lang="en-US" altLang="ko-KR" sz="1000" dirty="0">
                           <a:latin typeface="넥슨Lv1고딕 Light" panose="00000300000000000000" pitchFamily="2" charset="-127"/>
                           <a:ea typeface="넥슨Lv1고딕 Light" panose="00000300000000000000" pitchFamily="2" charset="-127"/>
                         </a:rPr>
                         <a:t> [, </a:t>
                       </a:r>
                       <a:r>
-                        <a:rPr lang="en-US" altLang="ko-KR" sz="1000" dirty="0" err="1" smtClean="0">
+                        <a:rPr lang="en-US" altLang="ko-KR" sz="1000" dirty="0" err="1">
                           <a:latin typeface="넥슨Lv1고딕 Light" panose="00000300000000000000" pitchFamily="2" charset="-127"/>
                           <a:ea typeface="넥슨Lv1고딕 Light" panose="00000300000000000000" pitchFamily="2" charset="-127"/>
                         </a:rPr>
                         <a:t>config</a:t>
                       </a:r>
                       <a:r>
-                        <a:rPr lang="en-US" altLang="ko-KR" sz="1000" dirty="0" smtClean="0">
+                        <a:rPr lang="en-US" altLang="ko-KR" sz="1000" dirty="0">
                           <a:latin typeface="넥슨Lv1고딕 Light" panose="00000300000000000000" pitchFamily="2" charset="-127"/>
                           <a:ea typeface="넥슨Lv1고딕 Light" panose="00000300000000000000" pitchFamily="2" charset="-127"/>
                         </a:rPr>
@@ -22695,14 +24255,14 @@
                         <a:t>  </a:t>
                       </a:r>
                       <a:r>
-                        <a:rPr lang="ko-KR" altLang="en-US" sz="1000" smtClean="0">
+                        <a:rPr lang="ko-KR" altLang="en-US" sz="1000">
                           <a:latin typeface="넥슨Lv1고딕 Light" panose="00000300000000000000" pitchFamily="2" charset="-127"/>
                           <a:ea typeface="넥슨Lv1고딕 Light" panose="00000300000000000000" pitchFamily="2" charset="-127"/>
                         </a:rPr>
                         <a:t>서버에 데이터를 전달해 특정 값을 삭제합니다</a:t>
                       </a:r>
                       <a:r>
-                        <a:rPr lang="en-US" altLang="ko-KR" sz="1000" dirty="0" smtClean="0">
+                        <a:rPr lang="en-US" altLang="ko-KR" sz="1000" dirty="0">
                           <a:latin typeface="넥슨Lv1고딕 Light" panose="00000300000000000000" pitchFamily="2" charset="-127"/>
                           <a:ea typeface="넥슨Lv1고딕 Light" panose="00000300000000000000" pitchFamily="2" charset="-127"/>
                         </a:rPr>
@@ -22712,14 +24272,14 @@
                     <a:p>
                       <a:pPr algn="l" latinLnBrk="1"/>
                       <a:r>
-                        <a:rPr lang="en-US" altLang="ko-KR" sz="1000" dirty="0" smtClean="0">
+                        <a:rPr lang="en-US" altLang="ko-KR" sz="1000" dirty="0">
                           <a:latin typeface="넥슨Lv1고딕 Light" panose="00000300000000000000" pitchFamily="2" charset="-127"/>
                           <a:ea typeface="넥슨Lv1고딕 Light" panose="00000300000000000000" pitchFamily="2" charset="-127"/>
                         </a:rPr>
                         <a:t>  </a:t>
                       </a:r>
                       <a:r>
-                        <a:rPr lang="ko-KR" altLang="en-US" sz="1000" smtClean="0">
+                        <a:rPr lang="ko-KR" altLang="en-US" sz="1000">
                           <a:solidFill>
                             <a:srgbClr val="FF0000"/>
                           </a:solidFill>
@@ -22729,7 +24289,7 @@
                         <a:t>이미 작성된 </a:t>
                       </a:r>
                       <a:r>
-                        <a:rPr lang="en-US" altLang="ko-KR" sz="1000" dirty="0" smtClean="0">
+                        <a:rPr lang="en-US" altLang="ko-KR" sz="1000" dirty="0">
                           <a:solidFill>
                             <a:srgbClr val="FF0000"/>
                           </a:solidFill>
@@ -22739,7 +24299,7 @@
                         <a:t>DB</a:t>
                       </a:r>
                       <a:r>
-                        <a:rPr lang="ko-KR" altLang="en-US" sz="1000" smtClean="0">
+                        <a:rPr lang="ko-KR" altLang="en-US" sz="1000">
                           <a:solidFill>
                             <a:srgbClr val="FF0000"/>
                           </a:solidFill>
@@ -22749,7 +24309,7 @@
                         <a:t>의 내용을 삭제할 때 주로 사용합니다</a:t>
                       </a:r>
                       <a:r>
-                        <a:rPr lang="en-US" altLang="ko-KR" sz="1000" dirty="0" smtClean="0">
+                        <a:rPr lang="en-US" altLang="ko-KR" sz="1000" dirty="0">
                           <a:solidFill>
                             <a:srgbClr val="FF0000"/>
                           </a:solidFill>
@@ -22771,7 +24331,7 @@
                 </a:tc>
                 <a:extLst>
                   <a:ext uri="{0D108BD9-81ED-4DB2-BD59-A6C34878D82A}">
-                    <a16:rowId xmlns:a16="http://schemas.microsoft.com/office/drawing/2014/main" xmlns="" val="10004"/>
+                    <a16:rowId xmlns:a16="http://schemas.microsoft.com/office/drawing/2014/main" val="10004"/>
                   </a:ext>
                 </a:extLst>
               </a:tr>
@@ -22996,22 +24556,10 @@
                 <a:latin typeface="넥슨Lv1고딕 Bold" panose="00000800000000000000" pitchFamily="2" charset="-127"/>
                 <a:ea typeface="넥슨Lv1고딕 Bold" panose="00000800000000000000" pitchFamily="2" charset="-127"/>
               </a:rPr>
-              <a:t>기본 </a:t>
-            </a:r>
-            <a:r>
-              <a:rPr lang="ko-KR" altLang="en-US" sz="1200" spc="-50" smtClean="0">
-                <a:solidFill>
-                  <a:schemeClr val="accent1">
-                    <a:lumMod val="50000"/>
-                  </a:schemeClr>
-                </a:solidFill>
-                <a:latin typeface="넥슨Lv1고딕 Bold" panose="00000800000000000000" pitchFamily="2" charset="-127"/>
-                <a:ea typeface="넥슨Lv1고딕 Bold" panose="00000800000000000000" pitchFamily="2" charset="-127"/>
-              </a:rPr>
-              <a:t>사용법</a:t>
-            </a:r>
-            <a:r>
-              <a:rPr lang="en-US" altLang="ko-KR" sz="1200" spc="-50" dirty="0" smtClean="0">
+              <a:t>기본 사용법</a:t>
+            </a:r>
+            <a:r>
+              <a:rPr lang="en-US" altLang="ko-KR" sz="1200" spc="-50" dirty="0">
                 <a:solidFill>
                   <a:schemeClr val="accent1">
                     <a:lumMod val="50000"/>
@@ -23143,13 +24691,6 @@
               </a:rPr>
               <a:t>Axios</a:t>
             </a:r>
-            <a:r>
-              <a:rPr lang="en-US" altLang="ko-KR" sz="1800" dirty="0">
-                <a:latin typeface="넥슨Lv1고딕 Bold" panose="00000800000000000000" pitchFamily="2" charset="-127"/>
-                <a:ea typeface="넥슨Lv1고딕 Bold" panose="00000800000000000000" pitchFamily="2" charset="-127"/>
-              </a:rPr>
-              <a:t/>
-            </a:r>
             <a:br>
               <a:rPr lang="en-US" altLang="ko-KR" sz="1800" dirty="0">
                 <a:latin typeface="넥슨Lv1고딕 Bold" panose="00000800000000000000" pitchFamily="2" charset="-127"/>
@@ -23196,7 +24737,7 @@
           <p:cNvPr id="16" name="TextBox 15">
             <a:extLst>
               <a:ext uri="{FF2B5EF4-FFF2-40B4-BE49-F238E27FC236}">
-                <a16:creationId xmlns:a16="http://schemas.microsoft.com/office/drawing/2014/main" xmlns="" id="{C2346D07-6416-49B5-953F-0E48A5E94486}"/>
+                <a16:creationId xmlns:a16="http://schemas.microsoft.com/office/drawing/2014/main" id="{C2346D07-6416-49B5-953F-0E48A5E94486}"/>
               </a:ext>
             </a:extLst>
           </p:cNvPr>
@@ -23220,35 +24761,35 @@
           <a:lstStyle/>
           <a:p>
             <a:r>
-              <a:rPr lang="en-US" altLang="ko-KR" sz="1100" spc="-50" dirty="0" err="1" smtClean="0">
+              <a:rPr lang="en-US" altLang="ko-KR" sz="1100" spc="-50" dirty="0" err="1">
                 <a:latin typeface="넥슨Lv1고딕 Light" panose="00000300000000000000" pitchFamily="2" charset="-127"/>
                 <a:ea typeface="넥슨Lv1고딕 Light" panose="00000300000000000000" pitchFamily="2" charset="-127"/>
               </a:rPr>
               <a:t>url</a:t>
             </a:r>
             <a:r>
-              <a:rPr lang="ko-KR" altLang="en-US" sz="1100" spc="-50" smtClean="0">
+              <a:rPr lang="ko-KR" altLang="en-US" sz="1100" spc="-50">
                 <a:latin typeface="넥슨Lv1고딕 Light" panose="00000300000000000000" pitchFamily="2" charset="-127"/>
                 <a:ea typeface="넥슨Lv1고딕 Light" panose="00000300000000000000" pitchFamily="2" charset="-127"/>
               </a:rPr>
               <a:t>과</a:t>
             </a:r>
             <a:r>
-              <a:rPr lang="en-US" altLang="ko-KR" sz="1100" spc="-50" dirty="0" smtClean="0">
+              <a:rPr lang="en-US" altLang="ko-KR" sz="1100" spc="-50" dirty="0">
                 <a:latin typeface="넥슨Lv1고딕 Light" panose="00000300000000000000" pitchFamily="2" charset="-127"/>
                 <a:ea typeface="넥슨Lv1고딕 Light" panose="00000300000000000000" pitchFamily="2" charset="-127"/>
               </a:rPr>
               <a:t> </a:t>
             </a:r>
             <a:r>
-              <a:rPr lang="ko-KR" altLang="en-US" sz="1100" spc="-50" smtClean="0">
+              <a:rPr lang="ko-KR" altLang="en-US" sz="1100" spc="-50">
                 <a:latin typeface="넥슨Lv1고딕 Light" panose="00000300000000000000" pitchFamily="2" charset="-127"/>
                 <a:ea typeface="넥슨Lv1고딕 Light" panose="00000300000000000000" pitchFamily="2" charset="-127"/>
               </a:rPr>
               <a:t>객체 형태 </a:t>
             </a:r>
             <a:r>
-              <a:rPr lang="en-US" altLang="ko-KR" sz="1100" spc="-50" dirty="0" err="1" smtClean="0">
+              <a:rPr lang="en-US" altLang="ko-KR" sz="1100" spc="-50" dirty="0" err="1">
                 <a:latin typeface="넥슨Lv1고딕 Light" panose="00000300000000000000" pitchFamily="2" charset="-127"/>
                 <a:ea typeface="넥슨Lv1고딕 Light" panose="00000300000000000000" pitchFamily="2" charset="-127"/>
               </a:rPr>
@@ -23574,22 +25115,10 @@
                 <a:latin typeface="넥슨Lv1고딕 Bold" panose="00000800000000000000" pitchFamily="2" charset="-127"/>
                 <a:ea typeface="넥슨Lv1고딕 Bold" panose="00000800000000000000" pitchFamily="2" charset="-127"/>
               </a:rPr>
-              <a:t>기본 </a:t>
-            </a:r>
-            <a:r>
-              <a:rPr lang="ko-KR" altLang="en-US" sz="1200" spc="-50" smtClean="0">
-                <a:solidFill>
-                  <a:schemeClr val="accent1">
-                    <a:lumMod val="50000"/>
-                  </a:schemeClr>
-                </a:solidFill>
-                <a:latin typeface="넥슨Lv1고딕 Bold" panose="00000800000000000000" pitchFamily="2" charset="-127"/>
-                <a:ea typeface="넥슨Lv1고딕 Bold" panose="00000800000000000000" pitchFamily="2" charset="-127"/>
-              </a:rPr>
-              <a:t>사용법</a:t>
-            </a:r>
-            <a:r>
-              <a:rPr lang="en-US" altLang="ko-KR" sz="1200" spc="-50" dirty="0" smtClean="0">
+              <a:t>기본 사용법</a:t>
+            </a:r>
+            <a:r>
+              <a:rPr lang="en-US" altLang="ko-KR" sz="1200" spc="-50" dirty="0">
                 <a:solidFill>
                   <a:schemeClr val="accent1">
                     <a:lumMod val="50000"/>
@@ -23721,13 +25250,6 @@
               </a:rPr>
               <a:t>Axios</a:t>
             </a:r>
-            <a:r>
-              <a:rPr lang="en-US" altLang="ko-KR" sz="1800" dirty="0">
-                <a:latin typeface="넥슨Lv1고딕 Bold" panose="00000800000000000000" pitchFamily="2" charset="-127"/>
-                <a:ea typeface="넥슨Lv1고딕 Bold" panose="00000800000000000000" pitchFamily="2" charset="-127"/>
-              </a:rPr>
-              <a:t/>
-            </a:r>
             <a:br>
               <a:rPr lang="en-US" altLang="ko-KR" sz="1800" dirty="0">
                 <a:latin typeface="넥슨Lv1고딕 Bold" panose="00000800000000000000" pitchFamily="2" charset="-127"/>
@@ -23774,7 +25296,7 @@
           <p:cNvPr id="16" name="TextBox 15">
             <a:extLst>
               <a:ext uri="{FF2B5EF4-FFF2-40B4-BE49-F238E27FC236}">
-                <a16:creationId xmlns:a16="http://schemas.microsoft.com/office/drawing/2014/main" xmlns="" id="{C2346D07-6416-49B5-953F-0E48A5E94486}"/>
+                <a16:creationId xmlns:a16="http://schemas.microsoft.com/office/drawing/2014/main" id="{C2346D07-6416-49B5-953F-0E48A5E94486}"/>
               </a:ext>
             </a:extLst>
           </p:cNvPr>
@@ -23798,42 +25320,42 @@
           <a:lstStyle/>
           <a:p>
             <a:r>
-              <a:rPr lang="en-US" altLang="ko-KR" sz="1100" spc="-50" dirty="0" err="1" smtClean="0">
+              <a:rPr lang="en-US" altLang="ko-KR" sz="1100" spc="-50" dirty="0" err="1">
                 <a:latin typeface="넥슨Lv1고딕 Light" panose="00000300000000000000" pitchFamily="2" charset="-127"/>
                 <a:ea typeface="넥슨Lv1고딕 Light" panose="00000300000000000000" pitchFamily="2" charset="-127"/>
               </a:rPr>
               <a:t>url</a:t>
             </a:r>
             <a:r>
-              <a:rPr lang="ko-KR" altLang="en-US" sz="1100" spc="-50" smtClean="0">
+              <a:rPr lang="ko-KR" altLang="en-US" sz="1100" spc="-50">
                 <a:latin typeface="넥슨Lv1고딕 Light" panose="00000300000000000000" pitchFamily="2" charset="-127"/>
                 <a:ea typeface="넥슨Lv1고딕 Light" panose="00000300000000000000" pitchFamily="2" charset="-127"/>
               </a:rPr>
               <a:t>과 신규로 삽입할 데이터를 객체 형식으로 보내고</a:t>
             </a:r>
             <a:r>
-              <a:rPr lang="en-US" altLang="ko-KR" sz="1100" spc="-50" dirty="0" smtClean="0">
+              <a:rPr lang="en-US" altLang="ko-KR" sz="1100" spc="-50" dirty="0">
                 <a:latin typeface="넥슨Lv1고딕 Light" panose="00000300000000000000" pitchFamily="2" charset="-127"/>
                 <a:ea typeface="넥슨Lv1고딕 Light" panose="00000300000000000000" pitchFamily="2" charset="-127"/>
               </a:rPr>
               <a:t>(</a:t>
             </a:r>
             <a:r>
-              <a:rPr lang="ko-KR" altLang="en-US" sz="1100" spc="-50" smtClean="0">
+              <a:rPr lang="ko-KR" altLang="en-US" sz="1100" spc="-50">
                 <a:latin typeface="넥슨Lv1고딕 Light" panose="00000300000000000000" pitchFamily="2" charset="-127"/>
                 <a:ea typeface="넥슨Lv1고딕 Light" panose="00000300000000000000" pitchFamily="2" charset="-127"/>
               </a:rPr>
               <a:t>필수</a:t>
             </a:r>
             <a:r>
-              <a:rPr lang="en-US" altLang="ko-KR" sz="1100" spc="-50" dirty="0" smtClean="0">
+              <a:rPr lang="en-US" altLang="ko-KR" sz="1100" spc="-50" dirty="0">
                 <a:latin typeface="넥슨Lv1고딕 Light" panose="00000300000000000000" pitchFamily="2" charset="-127"/>
                 <a:ea typeface="넥슨Lv1고딕 Light" panose="00000300000000000000" pitchFamily="2" charset="-127"/>
               </a:rPr>
               <a:t>)</a:t>
             </a:r>
             <a:r>
-              <a:rPr lang="ko-KR" altLang="en-US" sz="1100" spc="-50" smtClean="0">
+              <a:rPr lang="ko-KR" altLang="en-US" sz="1100" spc="-50">
                 <a:latin typeface="넥슨Lv1고딕 Light" panose="00000300000000000000" pitchFamily="2" charset="-127"/>
                 <a:ea typeface="넥슨Lv1고딕 Light" panose="00000300000000000000" pitchFamily="2" charset="-127"/>
               </a:rPr>
@@ -24168,22 +25690,10 @@
                 <a:latin typeface="넥슨Lv1고딕 Bold" panose="00000800000000000000" pitchFamily="2" charset="-127"/>
                 <a:ea typeface="넥슨Lv1고딕 Bold" panose="00000800000000000000" pitchFamily="2" charset="-127"/>
               </a:rPr>
-              <a:t>기본 </a:t>
-            </a:r>
-            <a:r>
-              <a:rPr lang="ko-KR" altLang="en-US" sz="1200" spc="-50" smtClean="0">
-                <a:solidFill>
-                  <a:schemeClr val="accent1">
-                    <a:lumMod val="50000"/>
-                  </a:schemeClr>
-                </a:solidFill>
-                <a:latin typeface="넥슨Lv1고딕 Bold" panose="00000800000000000000" pitchFamily="2" charset="-127"/>
-                <a:ea typeface="넥슨Lv1고딕 Bold" panose="00000800000000000000" pitchFamily="2" charset="-127"/>
-              </a:rPr>
-              <a:t>사용법</a:t>
-            </a:r>
-            <a:r>
-              <a:rPr lang="en-US" altLang="ko-KR" sz="1200" spc="-50" dirty="0" smtClean="0">
+              <a:t>기본 사용법</a:t>
+            </a:r>
+            <a:r>
+              <a:rPr lang="en-US" altLang="ko-KR" sz="1200" spc="-50" dirty="0">
                 <a:solidFill>
                   <a:schemeClr val="accent1">
                     <a:lumMod val="50000"/>
@@ -24314,13 +25824,6 @@
                 <a:ea typeface="넥슨Lv1고딕 Light" panose="00000300000000000000" pitchFamily="2" charset="-127"/>
               </a:rPr>
               <a:t>Axios</a:t>
-            </a:r>
-            <a:r>
-              <a:rPr lang="en-US" altLang="ko-KR" sz="1800" dirty="0">
-                <a:latin typeface="넥슨Lv1고딕 Bold" panose="00000800000000000000" pitchFamily="2" charset="-127"/>
-                <a:ea typeface="넥슨Lv1고딕 Bold" panose="00000800000000000000" pitchFamily="2" charset="-127"/>
-              </a:rPr>
-              <a:t/>
             </a:r>
             <a:br>
               <a:rPr lang="en-US" altLang="ko-KR" sz="1800" dirty="0">
@@ -24466,7 +25969,7 @@
           <p:cNvPr id="17" name="TextBox 16">
             <a:extLst>
               <a:ext uri="{FF2B5EF4-FFF2-40B4-BE49-F238E27FC236}">
-                <a16:creationId xmlns:a16="http://schemas.microsoft.com/office/drawing/2014/main" xmlns="" id="{C2346D07-6416-49B5-953F-0E48A5E94486}"/>
+                <a16:creationId xmlns:a16="http://schemas.microsoft.com/office/drawing/2014/main" id="{C2346D07-6416-49B5-953F-0E48A5E94486}"/>
               </a:ext>
             </a:extLst>
           </p:cNvPr>
@@ -24490,42 +25993,42 @@
           <a:lstStyle/>
           <a:p>
             <a:r>
-              <a:rPr lang="en-US" altLang="ko-KR" sz="1100" spc="-50" dirty="0" err="1" smtClean="0">
+              <a:rPr lang="en-US" altLang="ko-KR" sz="1100" spc="-50" dirty="0" err="1">
                 <a:latin typeface="넥슨Lv1고딕 Light" panose="00000300000000000000" pitchFamily="2" charset="-127"/>
                 <a:ea typeface="넥슨Lv1고딕 Light" panose="00000300000000000000" pitchFamily="2" charset="-127"/>
               </a:rPr>
               <a:t>url</a:t>
             </a:r>
             <a:r>
-              <a:rPr lang="ko-KR" altLang="en-US" sz="1100" spc="-50" smtClean="0">
+              <a:rPr lang="ko-KR" altLang="en-US" sz="1100" spc="-50">
                 <a:latin typeface="넥슨Lv1고딕 Light" panose="00000300000000000000" pitchFamily="2" charset="-127"/>
                 <a:ea typeface="넥슨Lv1고딕 Light" panose="00000300000000000000" pitchFamily="2" charset="-127"/>
               </a:rPr>
               <a:t>과 수정할 데이터를 객체 형식으로 보내고</a:t>
             </a:r>
             <a:r>
-              <a:rPr lang="en-US" altLang="ko-KR" sz="1100" spc="-50" dirty="0" smtClean="0">
+              <a:rPr lang="en-US" altLang="ko-KR" sz="1100" spc="-50" dirty="0">
                 <a:latin typeface="넥슨Lv1고딕 Light" panose="00000300000000000000" pitchFamily="2" charset="-127"/>
                 <a:ea typeface="넥슨Lv1고딕 Light" panose="00000300000000000000" pitchFamily="2" charset="-127"/>
               </a:rPr>
               <a:t>(</a:t>
             </a:r>
             <a:r>
-              <a:rPr lang="ko-KR" altLang="en-US" sz="1100" spc="-50" smtClean="0">
+              <a:rPr lang="ko-KR" altLang="en-US" sz="1100" spc="-50">
                 <a:latin typeface="넥슨Lv1고딕 Light" panose="00000300000000000000" pitchFamily="2" charset="-127"/>
                 <a:ea typeface="넥슨Lv1고딕 Light" panose="00000300000000000000" pitchFamily="2" charset="-127"/>
               </a:rPr>
               <a:t>필수</a:t>
             </a:r>
             <a:r>
-              <a:rPr lang="en-US" altLang="ko-KR" sz="1100" spc="-50" dirty="0" smtClean="0">
+              <a:rPr lang="en-US" altLang="ko-KR" sz="1100" spc="-50" dirty="0">
                 <a:latin typeface="넥슨Lv1고딕 Light" panose="00000300000000000000" pitchFamily="2" charset="-127"/>
                 <a:ea typeface="넥슨Lv1고딕 Light" panose="00000300000000000000" pitchFamily="2" charset="-127"/>
               </a:rPr>
               <a:t>)</a:t>
             </a:r>
             <a:r>
-              <a:rPr lang="ko-KR" altLang="en-US" sz="1100" spc="-50" smtClean="0">
+              <a:rPr lang="ko-KR" altLang="en-US" sz="1100" spc="-50">
                 <a:latin typeface="넥슨Lv1고딕 Light" panose="00000300000000000000" pitchFamily="2" charset="-127"/>
                 <a:ea typeface="넥슨Lv1고딕 Light" panose="00000300000000000000" pitchFamily="2" charset="-127"/>
               </a:rPr>
@@ -24702,22 +26205,10 @@
                 <a:latin typeface="넥슨Lv1고딕 Bold" panose="00000800000000000000" pitchFamily="2" charset="-127"/>
                 <a:ea typeface="넥슨Lv1고딕 Bold" panose="00000800000000000000" pitchFamily="2" charset="-127"/>
               </a:rPr>
-              <a:t>기본 </a:t>
-            </a:r>
-            <a:r>
-              <a:rPr lang="ko-KR" altLang="en-US" sz="1200" spc="-50" smtClean="0">
-                <a:solidFill>
-                  <a:schemeClr val="accent1">
-                    <a:lumMod val="50000"/>
-                  </a:schemeClr>
-                </a:solidFill>
-                <a:latin typeface="넥슨Lv1고딕 Bold" panose="00000800000000000000" pitchFamily="2" charset="-127"/>
-                <a:ea typeface="넥슨Lv1고딕 Bold" panose="00000800000000000000" pitchFamily="2" charset="-127"/>
-              </a:rPr>
-              <a:t>사용법</a:t>
-            </a:r>
-            <a:r>
-              <a:rPr lang="en-US" altLang="ko-KR" sz="1200" spc="-50" dirty="0" smtClean="0">
+              <a:t>기본 사용법</a:t>
+            </a:r>
+            <a:r>
+              <a:rPr lang="en-US" altLang="ko-KR" sz="1200" spc="-50" dirty="0">
                 <a:solidFill>
                   <a:schemeClr val="accent1">
                     <a:lumMod val="50000"/>
@@ -24848,13 +26339,6 @@
                 <a:ea typeface="넥슨Lv1고딕 Light" panose="00000300000000000000" pitchFamily="2" charset="-127"/>
               </a:rPr>
               <a:t>Axios</a:t>
-            </a:r>
-            <a:r>
-              <a:rPr lang="en-US" altLang="ko-KR" sz="1800" dirty="0">
-                <a:latin typeface="넥슨Lv1고딕 Bold" panose="00000800000000000000" pitchFamily="2" charset="-127"/>
-                <a:ea typeface="넥슨Lv1고딕 Bold" panose="00000800000000000000" pitchFamily="2" charset="-127"/>
-              </a:rPr>
-              <a:t/>
             </a:r>
             <a:br>
               <a:rPr lang="en-US" altLang="ko-KR" sz="1800" dirty="0">
@@ -25000,7 +26484,7 @@
           <p:cNvPr id="17" name="TextBox 16">
             <a:extLst>
               <a:ext uri="{FF2B5EF4-FFF2-40B4-BE49-F238E27FC236}">
-                <a16:creationId xmlns:a16="http://schemas.microsoft.com/office/drawing/2014/main" xmlns="" id="{C2346D07-6416-49B5-953F-0E48A5E94486}"/>
+                <a16:creationId xmlns:a16="http://schemas.microsoft.com/office/drawing/2014/main" id="{C2346D07-6416-49B5-953F-0E48A5E94486}"/>
               </a:ext>
             </a:extLst>
           </p:cNvPr>
@@ -25024,46 +26508,39 @@
           <a:lstStyle/>
           <a:p>
             <a:r>
-              <a:rPr lang="en-US" altLang="ko-KR" sz="1100" spc="-50" dirty="0" err="1" smtClean="0">
+              <a:rPr lang="en-US" altLang="ko-KR" sz="1100" spc="-50" dirty="0" err="1">
                 <a:latin typeface="넥슨Lv1고딕 Light" panose="00000300000000000000" pitchFamily="2" charset="-127"/>
                 <a:ea typeface="넥슨Lv1고딕 Light" panose="00000300000000000000" pitchFamily="2" charset="-127"/>
               </a:rPr>
               <a:t>url</a:t>
             </a:r>
             <a:r>
-              <a:rPr lang="en-US" altLang="ko-KR" sz="1100" spc="-50" dirty="0" smtClean="0">
+              <a:rPr lang="en-US" altLang="ko-KR" sz="1100" spc="-50" dirty="0">
                 <a:latin typeface="넥슨Lv1고딕 Light" panose="00000300000000000000" pitchFamily="2" charset="-127"/>
                 <a:ea typeface="넥슨Lv1고딕 Light" panose="00000300000000000000" pitchFamily="2" charset="-127"/>
               </a:rPr>
               <a:t>(</a:t>
             </a:r>
             <a:r>
-              <a:rPr lang="ko-KR" altLang="en-US" sz="1100" spc="-50" smtClean="0">
+              <a:rPr lang="ko-KR" altLang="en-US" sz="1100" spc="-50">
                 <a:latin typeface="넥슨Lv1고딕 Light" panose="00000300000000000000" pitchFamily="2" charset="-127"/>
                 <a:ea typeface="넥슨Lv1고딕 Light" panose="00000300000000000000" pitchFamily="2" charset="-127"/>
               </a:rPr>
               <a:t>서버에서 제공받은 삭제 </a:t>
             </a:r>
             <a:r>
-              <a:rPr lang="en-US" altLang="ko-KR" sz="1100" spc="-50" dirty="0" smtClean="0">
+              <a:rPr lang="en-US" altLang="ko-KR" sz="1100" spc="-50" dirty="0">
                 <a:latin typeface="넥슨Lv1고딕 Light" panose="00000300000000000000" pitchFamily="2" charset="-127"/>
                 <a:ea typeface="넥슨Lv1고딕 Light" panose="00000300000000000000" pitchFamily="2" charset="-127"/>
               </a:rPr>
               <a:t>URL)</a:t>
             </a:r>
             <a:r>
-              <a:rPr lang="ko-KR" altLang="en-US" sz="1100" spc="-50" smtClean="0">
-                <a:latin typeface="넥슨Lv1고딕 Light" panose="00000300000000000000" pitchFamily="2" charset="-127"/>
-                <a:ea typeface="넥슨Lv1고딕 Light" panose="00000300000000000000" pitchFamily="2" charset="-127"/>
-              </a:rPr>
-              <a:t>을 </a:t>
-            </a:r>
-            <a:r>
               <a:rPr lang="ko-KR" altLang="en-US" sz="1100" spc="-50">
                 <a:latin typeface="넥슨Lv1고딕 Light" panose="00000300000000000000" pitchFamily="2" charset="-127"/>
                 <a:ea typeface="넥슨Lv1고딕 Light" panose="00000300000000000000" pitchFamily="2" charset="-127"/>
               </a:rPr>
-              <a:t>보내고 서버에서 응답</a:t>
+              <a:t>을 보내고 서버에서 응답</a:t>
             </a:r>
             <a:r>
               <a:rPr lang="en-US" altLang="ko-KR" sz="1100" spc="-50" dirty="0">

--- a/01.참고자료/191104_HTTP 클라이언트 라이브러리 Axios.pptx
+++ b/01.참고자료/191104_HTTP 클라이언트 라이브러리 Axios.pptx
@@ -42,40 +42,40 @@
   <p:notesSz cx="6858000" cy="9144000"/>
   <p:embeddedFontLst>
     <p:embeddedFont>
-      <p:font typeface="넥슨Lv1고딕" panose="020B0600000101010101" charset="-127"/>
-      <p:regular r:id="rId32"/>
+      <p:font typeface="넥슨Lv1고딕 Bold" panose="00000800000000000000" pitchFamily="2" charset="-127"/>
+      <p:bold r:id="rId32"/>
     </p:embeddedFont>
     <p:embeddedFont>
-      <p:font typeface="넥슨Lv1고딕 Bold" panose="020B0600000101010101" charset="-127"/>
-      <p:bold r:id="rId33"/>
+      <p:font typeface="넥슨Lv1고딕" panose="00000500000000000000" pitchFamily="2" charset="-127"/>
+      <p:regular r:id="rId33"/>
     </p:embeddedFont>
     <p:embeddedFont>
-      <p:font typeface="넥슨Lv1고딕 Light" panose="020B0600000101010101" charset="-127"/>
+      <p:font typeface="넥슨Lv1고딕 Light" panose="00000300000000000000" pitchFamily="2" charset="-127"/>
       <p:regular r:id="rId34"/>
     </p:embeddedFont>
     <p:embeddedFont>
-      <p:font typeface="Calibri" panose="020F0502020204030204" pitchFamily="34" charset="0"/>
+      <p:font typeface="Calibri Light" panose="020F0302020204030204" pitchFamily="34" charset="0"/>
       <p:regular r:id="rId35"/>
-      <p:bold r:id="rId36"/>
-      <p:italic r:id="rId37"/>
-      <p:boldItalic r:id="rId38"/>
+      <p:italic r:id="rId36"/>
     </p:embeddedFont>
     <p:embeddedFont>
-      <p:font typeface="Calibri Light" panose="020F0302020204030204" pitchFamily="34" charset="0"/>
-      <p:regular r:id="rId39"/>
-      <p:italic r:id="rId40"/>
+      <p:font typeface="맑은 고딕" panose="020B0503020000020004" pitchFamily="50" charset="-127"/>
+      <p:regular r:id="rId37"/>
+      <p:bold r:id="rId38"/>
     </p:embeddedFont>
     <p:embeddedFont>
       <p:font typeface="Consolas" panose="020B0609020204030204" pitchFamily="49" charset="0"/>
-      <p:regular r:id="rId41"/>
-      <p:bold r:id="rId42"/>
-      <p:italic r:id="rId43"/>
-      <p:boldItalic r:id="rId44"/>
+      <p:regular r:id="rId39"/>
+      <p:bold r:id="rId40"/>
+      <p:italic r:id="rId41"/>
+      <p:boldItalic r:id="rId42"/>
     </p:embeddedFont>
     <p:embeddedFont>
-      <p:font typeface="맑은 고딕" panose="020B0503020000020004" pitchFamily="50" charset="-127"/>
-      <p:regular r:id="rId45"/>
-      <p:bold r:id="rId46"/>
+      <p:font typeface="Calibri" panose="020F0502020204030204" pitchFamily="34" charset="0"/>
+      <p:regular r:id="rId43"/>
+      <p:bold r:id="rId44"/>
+      <p:italic r:id="rId45"/>
+      <p:boldItalic r:id="rId46"/>
     </p:embeddedFont>
   </p:embeddedFontLst>
   <p:defaultTextStyle>
@@ -308,7 +308,7 @@
           <a:p>
             <a:fld id="{F6FDBE08-7F47-4987-9F93-804BC9BF4C4D}" type="datetimeFigureOut">
               <a:rPr lang="ko-KR" altLang="en-US" smtClean="0"/>
-              <a:t>2019-11-05</a:t>
+              <a:t>2019-11-07</a:t>
             </a:fld>
             <a:endParaRPr lang="ko-KR" altLang="en-US"/>
           </a:p>
@@ -2974,7 +2974,7 @@
           <a:p>
             <a:fld id="{1FE4C637-EB85-4CFD-86D0-A8886F020EA8}" type="datetime1">
               <a:rPr lang="ko-KR" altLang="en-US" smtClean="0"/>
-              <a:t>2019-11-05</a:t>
+              <a:t>2019-11-07</a:t>
             </a:fld>
             <a:endParaRPr lang="ko-KR" altLang="en-US"/>
           </a:p>
@@ -3249,7 +3249,7 @@
           <a:p>
             <a:fld id="{F2B705D9-2E09-43D7-9A35-F563146D3CB4}" type="datetime1">
               <a:rPr lang="ko-KR" altLang="en-US" smtClean="0"/>
-              <a:t>2019-11-05</a:t>
+              <a:t>2019-11-07</a:t>
             </a:fld>
             <a:endParaRPr lang="ko-KR" altLang="en-US"/>
           </a:p>
@@ -3429,7 +3429,7 @@
           <a:p>
             <a:fld id="{49534E30-3936-4775-8B54-6BAAA95B1992}" type="datetime1">
               <a:rPr lang="ko-KR" altLang="en-US" smtClean="0"/>
-              <a:t>2019-11-05</a:t>
+              <a:t>2019-11-07</a:t>
             </a:fld>
             <a:endParaRPr lang="ko-KR" altLang="en-US"/>
           </a:p>
@@ -3599,7 +3599,7 @@
           <a:p>
             <a:fld id="{F118FE1B-3E79-4A4A-872D-75650BCC1C86}" type="datetime1">
               <a:rPr lang="ko-KR" altLang="en-US" smtClean="0"/>
-              <a:t>2019-11-05</a:t>
+              <a:t>2019-11-07</a:t>
             </a:fld>
             <a:endParaRPr lang="ko-KR" altLang="en-US"/>
           </a:p>
@@ -3960,7 +3960,7 @@
           <a:p>
             <a:fld id="{9CB0BFB1-E0DD-4C55-B58A-05B97B933D5A}" type="datetime1">
               <a:rPr lang="ko-KR" altLang="en-US" smtClean="0"/>
-              <a:t>2019-11-05</a:t>
+              <a:t>2019-11-07</a:t>
             </a:fld>
             <a:endParaRPr lang="ko-KR" altLang="en-US"/>
           </a:p>
@@ -4199,7 +4199,7 @@
           <a:p>
             <a:fld id="{EC1BAE79-E887-4BEA-AB3B-E56F52C1BBB2}" type="datetime1">
               <a:rPr lang="ko-KR" altLang="en-US" smtClean="0"/>
-              <a:t>2019-11-05</a:t>
+              <a:t>2019-11-07</a:t>
             </a:fld>
             <a:endParaRPr lang="ko-KR" altLang="en-US"/>
           </a:p>
@@ -4566,7 +4566,7 @@
           <a:p>
             <a:fld id="{F9B76080-ECAA-401B-8263-2E43FECA4E80}" type="datetime1">
               <a:rPr lang="ko-KR" altLang="en-US" smtClean="0"/>
-              <a:t>2019-11-05</a:t>
+              <a:t>2019-11-07</a:t>
             </a:fld>
             <a:endParaRPr lang="ko-KR" altLang="en-US"/>
           </a:p>
@@ -4684,7 +4684,7 @@
           <a:p>
             <a:fld id="{9EBE0658-A779-465A-A3F7-3DF734018C74}" type="datetime1">
               <a:rPr lang="ko-KR" altLang="en-US" smtClean="0"/>
-              <a:t>2019-11-05</a:t>
+              <a:t>2019-11-07</a:t>
             </a:fld>
             <a:endParaRPr lang="ko-KR" altLang="en-US"/>
           </a:p>
@@ -4779,7 +4779,7 @@
           <a:p>
             <a:fld id="{F0E25338-95D2-4179-9A46-224B3BB66FE5}" type="datetime1">
               <a:rPr lang="ko-KR" altLang="en-US" smtClean="0"/>
-              <a:t>2019-11-05</a:t>
+              <a:t>2019-11-07</a:t>
             </a:fld>
             <a:endParaRPr lang="ko-KR" altLang="en-US"/>
           </a:p>
@@ -5056,7 +5056,7 @@
           <a:p>
             <a:fld id="{F78904E9-32E6-44C5-B986-724316F31060}" type="datetime1">
               <a:rPr lang="ko-KR" altLang="en-US" smtClean="0"/>
-              <a:t>2019-11-05</a:t>
+              <a:t>2019-11-07</a:t>
             </a:fld>
             <a:endParaRPr lang="ko-KR" altLang="en-US"/>
           </a:p>
@@ -5313,7 +5313,7 @@
           <a:p>
             <a:fld id="{5B60377E-B8D0-45BD-B414-1A76DA1A8022}" type="datetime1">
               <a:rPr lang="ko-KR" altLang="en-US" smtClean="0"/>
-              <a:t>2019-11-05</a:t>
+              <a:t>2019-11-07</a:t>
             </a:fld>
             <a:endParaRPr lang="ko-KR" altLang="en-US"/>
           </a:p>
@@ -5526,7 +5526,7 @@
           <a:p>
             <a:fld id="{2136196C-DFE3-4B2C-A981-468C566CCAA8}" type="datetime1">
               <a:rPr lang="ko-KR" altLang="en-US" smtClean="0"/>
-              <a:t>2019-11-05</a:t>
+              <a:t>2019-11-07</a:t>
             </a:fld>
             <a:endParaRPr lang="ko-KR" altLang="en-US"/>
           </a:p>
@@ -6055,7 +6055,7 @@
         <p:spPr>
           <a:xfrm>
             <a:off x="763491" y="1791106"/>
-            <a:ext cx="2005136" cy="553998"/>
+            <a:ext cx="2005136" cy="707886"/>
           </a:xfrm>
           <a:prstGeom prst="rect">
             <a:avLst/>
@@ -6091,8 +6091,42 @@
                 <a:latin typeface="넥슨Lv1고딕 Light" panose="00000300000000000000" pitchFamily="2" charset="-127"/>
                 <a:ea typeface="넥슨Lv1고딕 Light" panose="00000300000000000000" pitchFamily="2" charset="-127"/>
               </a:rPr>
-              <a:t>2019-11-03	v0.2</a:t>
-            </a:r>
+              <a:t>2019-11-03	</a:t>
+            </a:r>
+            <a:r>
+              <a:rPr lang="en-US" altLang="ko-KR" sz="1000" dirty="0" smtClean="0">
+                <a:latin typeface="넥슨Lv1고딕 Light" panose="00000300000000000000" pitchFamily="2" charset="-127"/>
+                <a:ea typeface="넥슨Lv1고딕 Light" panose="00000300000000000000" pitchFamily="2" charset="-127"/>
+              </a:rPr>
+              <a:t>v0.2</a:t>
+            </a:r>
+          </a:p>
+          <a:p>
+            <a:r>
+              <a:rPr lang="en-US" altLang="ko-KR" sz="1000" dirty="0" smtClean="0">
+                <a:latin typeface="넥슨Lv1고딕 Light" panose="00000300000000000000" pitchFamily="2" charset="-127"/>
+                <a:ea typeface="넥슨Lv1고딕 Light" panose="00000300000000000000" pitchFamily="2" charset="-127"/>
+              </a:rPr>
+              <a:t>2019-11-06</a:t>
+            </a:r>
+            <a:r>
+              <a:rPr lang="en-US" altLang="ko-KR" sz="1000" dirty="0">
+                <a:latin typeface="넥슨Lv1고딕 Light" panose="00000300000000000000" pitchFamily="2" charset="-127"/>
+                <a:ea typeface="넥슨Lv1고딕 Light" panose="00000300000000000000" pitchFamily="2" charset="-127"/>
+              </a:rPr>
+              <a:t>	</a:t>
+            </a:r>
+            <a:r>
+              <a:rPr lang="en-US" altLang="ko-KR" sz="1000" dirty="0" smtClean="0">
+                <a:latin typeface="넥슨Lv1고딕 Light" panose="00000300000000000000" pitchFamily="2" charset="-127"/>
+                <a:ea typeface="넥슨Lv1고딕 Light" panose="00000300000000000000" pitchFamily="2" charset="-127"/>
+              </a:rPr>
+              <a:t>v0.3</a:t>
+            </a:r>
+            <a:endParaRPr lang="en-US" altLang="ko-KR" sz="1000" dirty="0">
+              <a:latin typeface="넥슨Lv1고딕 Light" panose="00000300000000000000" pitchFamily="2" charset="-127"/>
+              <a:ea typeface="넥슨Lv1고딕 Light" panose="00000300000000000000" pitchFamily="2" charset="-127"/>
+            </a:endParaRPr>
           </a:p>
         </p:txBody>
       </p:sp>
@@ -6137,7 +6171,7 @@
           <p:nvPr>
             <p:extLst>
               <p:ext uri="{D42A27DB-BD31-4B8C-83A1-F6EECF244321}">
-                <p14:modId xmlns:p14="http://schemas.microsoft.com/office/powerpoint/2010/main" val="2614454951"/>
+                <p14:modId xmlns:p14="http://schemas.microsoft.com/office/powerpoint/2010/main" val="968318499"/>
               </p:ext>
             </p:extLst>
           </p:nvPr>
@@ -6156,21 +6190,21 @@
                 <a:gridCol w="865363">
                   <a:extLst>
                     <a:ext uri="{9D8B030D-6E8A-4147-A177-3AD203B41FA5}">
-                      <a16:colId xmlns:a16="http://schemas.microsoft.com/office/drawing/2014/main" val="20000"/>
+                      <a16:colId xmlns:a16="http://schemas.microsoft.com/office/drawing/2014/main" xmlns="" val="20000"/>
                     </a:ext>
                   </a:extLst>
                 </a:gridCol>
                 <a:gridCol w="5582265">
                   <a:extLst>
                     <a:ext uri="{9D8B030D-6E8A-4147-A177-3AD203B41FA5}">
-                      <a16:colId xmlns:a16="http://schemas.microsoft.com/office/drawing/2014/main" val="20001"/>
+                      <a16:colId xmlns:a16="http://schemas.microsoft.com/office/drawing/2014/main" xmlns="" val="20001"/>
                     </a:ext>
                   </a:extLst>
                 </a:gridCol>
                 <a:gridCol w="1004372">
                   <a:extLst>
                     <a:ext uri="{9D8B030D-6E8A-4147-A177-3AD203B41FA5}">
-                      <a16:colId xmlns:a16="http://schemas.microsoft.com/office/drawing/2014/main" val="20002"/>
+                      <a16:colId xmlns:a16="http://schemas.microsoft.com/office/drawing/2014/main" xmlns="" val="20002"/>
                     </a:ext>
                   </a:extLst>
                 </a:gridCol>
@@ -6229,7 +6263,105 @@
                 </a:tc>
                 <a:extLst>
                   <a:ext uri="{0D108BD9-81ED-4DB2-BD59-A6C34878D82A}">
-                    <a16:rowId xmlns:a16="http://schemas.microsoft.com/office/drawing/2014/main" val="10000"/>
+                    <a16:rowId xmlns:a16="http://schemas.microsoft.com/office/drawing/2014/main" xmlns="" val="10000"/>
+                  </a:ext>
+                </a:extLst>
+              </a:tr>
+              <a:tr h="216000">
+                <a:tc>
+                  <a:txBody>
+                    <a:bodyPr/>
+                    <a:lstStyle/>
+                    <a:p>
+                      <a:pPr algn="ctr" latinLnBrk="1"/>
+                      <a:r>
+                        <a:rPr lang="en-US" altLang="ko-KR" sz="900" spc="-50" baseline="0" dirty="0" smtClean="0">
+                          <a:latin typeface="넥슨Lv1고딕 Light" panose="00000300000000000000" pitchFamily="2" charset="-127"/>
+                          <a:ea typeface="넥슨Lv1고딕 Light" panose="00000300000000000000" pitchFamily="2" charset="-127"/>
+                        </a:rPr>
+                        <a:t>2019.11.06</a:t>
+                      </a:r>
+                      <a:endParaRPr lang="ko-KR" altLang="en-US" sz="900" spc="-50" baseline="0" dirty="0">
+                        <a:latin typeface="넥슨Lv1고딕 Light" panose="00000300000000000000" pitchFamily="2" charset="-127"/>
+                        <a:ea typeface="넥슨Lv1고딕 Light" panose="00000300000000000000" pitchFamily="2" charset="-127"/>
+                      </a:endParaRPr>
+                    </a:p>
+                  </a:txBody>
+                  <a:tcPr marL="45720" marR="45720"/>
+                </a:tc>
+                <a:tc>
+                  <a:txBody>
+                    <a:bodyPr/>
+                    <a:lstStyle/>
+                    <a:p>
+                      <a:pPr latinLnBrk="1"/>
+                      <a:r>
+                        <a:rPr lang="ko-KR" altLang="en-US" sz="900" spc="-50" baseline="0" dirty="0" smtClean="0">
+                          <a:latin typeface="넥슨Lv1고딕 Light" panose="00000300000000000000" pitchFamily="2" charset="-127"/>
+                          <a:ea typeface="넥슨Lv1고딕 Light" panose="00000300000000000000" pitchFamily="2" charset="-127"/>
+                        </a:rPr>
+                        <a:t>기본 일별 박스오피스 리스트 </a:t>
+                      </a:r>
+                      <a:r>
+                        <a:rPr lang="ko-KR" altLang="en-US" sz="900" spc="-50" baseline="0" dirty="0" err="1" smtClean="0">
+                          <a:latin typeface="넥슨Lv1고딕 Light" panose="00000300000000000000" pitchFamily="2" charset="-127"/>
+                          <a:ea typeface="넥슨Lv1고딕 Light" panose="00000300000000000000" pitchFamily="2" charset="-127"/>
+                        </a:rPr>
+                        <a:t>렌더링</a:t>
+                      </a:r>
+                      <a:r>
+                        <a:rPr lang="ko-KR" altLang="en-US" sz="900" spc="-50" baseline="0" dirty="0" smtClean="0">
+                          <a:latin typeface="넥슨Lv1고딕 Light" panose="00000300000000000000" pitchFamily="2" charset="-127"/>
+                          <a:ea typeface="넥슨Lv1고딕 Light" panose="00000300000000000000" pitchFamily="2" charset="-127"/>
+                        </a:rPr>
+                        <a:t> </a:t>
+                      </a:r>
+                      <a:r>
+                        <a:rPr lang="ko-KR" altLang="en-US" sz="900" spc="-50" baseline="0" dirty="0" err="1" smtClean="0">
+                          <a:latin typeface="넥슨Lv1고딕 Light" panose="00000300000000000000" pitchFamily="2" charset="-127"/>
+                          <a:ea typeface="넥슨Lv1고딕 Light" panose="00000300000000000000" pitchFamily="2" charset="-127"/>
+                        </a:rPr>
+                        <a:t>튜토리얼</a:t>
+                      </a:r>
+                      <a:r>
+                        <a:rPr lang="ko-KR" altLang="en-US" sz="900" spc="-50" baseline="0" dirty="0" smtClean="0">
+                          <a:latin typeface="넥슨Lv1고딕 Light" panose="00000300000000000000" pitchFamily="2" charset="-127"/>
+                          <a:ea typeface="넥슨Lv1고딕 Light" panose="00000300000000000000" pitchFamily="2" charset="-127"/>
+                        </a:rPr>
+                        <a:t> 추가</a:t>
+                      </a:r>
+                      <a:endParaRPr lang="ko-KR" altLang="en-US" sz="900" spc="-50" baseline="0" dirty="0">
+                        <a:latin typeface="넥슨Lv1고딕 Light" panose="00000300000000000000" pitchFamily="2" charset="-127"/>
+                        <a:ea typeface="넥슨Lv1고딕 Light" panose="00000300000000000000" pitchFamily="2" charset="-127"/>
+                      </a:endParaRPr>
+                    </a:p>
+                  </a:txBody>
+                  <a:tcPr marL="45720" marR="45720"/>
+                </a:tc>
+                <a:tc>
+                  <a:txBody>
+                    <a:bodyPr/>
+                    <a:lstStyle/>
+                    <a:p>
+                      <a:pPr algn="ctr" latinLnBrk="1"/>
+                      <a:r>
+                        <a:rPr lang="ko-KR" altLang="en-US" sz="900" spc="-50" baseline="0" dirty="0" smtClean="0">
+                          <a:latin typeface="넥슨Lv1고딕 Light" panose="00000300000000000000" pitchFamily="2" charset="-127"/>
+                          <a:ea typeface="넥슨Lv1고딕 Light" panose="00000300000000000000" pitchFamily="2" charset="-127"/>
+                        </a:rPr>
+                        <a:t>김도원</a:t>
+                      </a:r>
+                      <a:endParaRPr lang="ko-KR" altLang="en-US" sz="900" spc="-50" baseline="0" dirty="0">
+                        <a:latin typeface="넥슨Lv1고딕 Light" panose="00000300000000000000" pitchFamily="2" charset="-127"/>
+                        <a:ea typeface="넥슨Lv1고딕 Light" panose="00000300000000000000" pitchFamily="2" charset="-127"/>
+                      </a:endParaRPr>
+                    </a:p>
+                  </a:txBody>
+                  <a:tcPr marL="45720" marR="45720"/>
+                </a:tc>
+                <a:extLst>
+                  <a:ext uri="{0D108BD9-81ED-4DB2-BD59-A6C34878D82A}">
+                    <a16:rowId xmlns:a16="http://schemas.microsoft.com/office/drawing/2014/main" xmlns="" val="10001"/>
                   </a:ext>
                 </a:extLst>
               </a:tr>
@@ -6312,7 +6444,7 @@
                 </a:tc>
                 <a:extLst>
                   <a:ext uri="{0D108BD9-81ED-4DB2-BD59-A6C34878D82A}">
-                    <a16:rowId xmlns:a16="http://schemas.microsoft.com/office/drawing/2014/main" val="10001"/>
+                    <a16:rowId xmlns:a16="http://schemas.microsoft.com/office/drawing/2014/main" xmlns="" val="10002"/>
                   </a:ext>
                 </a:extLst>
               </a:tr>
@@ -6381,7 +6513,7 @@
                 </a:tc>
                 <a:extLst>
                   <a:ext uri="{0D108BD9-81ED-4DB2-BD59-A6C34878D82A}">
-                    <a16:rowId xmlns:a16="http://schemas.microsoft.com/office/drawing/2014/main" val="10002"/>
+                    <a16:rowId xmlns:a16="http://schemas.microsoft.com/office/drawing/2014/main" xmlns="" val="10003"/>
                   </a:ext>
                 </a:extLst>
               </a:tr>
@@ -6430,56 +6562,7 @@
                 </a:tc>
                 <a:extLst>
                   <a:ext uri="{0D108BD9-81ED-4DB2-BD59-A6C34878D82A}">
-                    <a16:rowId xmlns:a16="http://schemas.microsoft.com/office/drawing/2014/main" val="10003"/>
-                  </a:ext>
-                </a:extLst>
-              </a:tr>
-              <a:tr h="216000">
-                <a:tc>
-                  <a:txBody>
-                    <a:bodyPr/>
-                    <a:lstStyle/>
-                    <a:p>
-                      <a:pPr algn="ctr" latinLnBrk="1"/>
-                      <a:endParaRPr lang="ko-KR" altLang="en-US" sz="900" spc="-50" baseline="0" dirty="0">
-                        <a:latin typeface="넥슨Lv1고딕 Light" panose="00000300000000000000" pitchFamily="2" charset="-127"/>
-                        <a:ea typeface="넥슨Lv1고딕 Light" panose="00000300000000000000" pitchFamily="2" charset="-127"/>
-                      </a:endParaRPr>
-                    </a:p>
-                  </a:txBody>
-                  <a:tcPr marL="45720" marR="45720"/>
-                </a:tc>
-                <a:tc>
-                  <a:txBody>
-                    <a:bodyPr/>
-                    <a:lstStyle/>
-                    <a:p>
-                      <a:pPr latinLnBrk="1"/>
-                      <a:endParaRPr lang="ko-KR" altLang="en-US" sz="900" spc="-50" baseline="0" dirty="0">
-                        <a:latin typeface="넥슨Lv1고딕 Light" panose="00000300000000000000" pitchFamily="2" charset="-127"/>
-                        <a:ea typeface="넥슨Lv1고딕 Light" panose="00000300000000000000" pitchFamily="2" charset="-127"/>
-                      </a:endParaRPr>
-                    </a:p>
-                  </a:txBody>
-                  <a:tcPr marL="45720" marR="45720"/>
-                </a:tc>
-                <a:tc>
-                  <a:txBody>
-                    <a:bodyPr/>
-                    <a:lstStyle/>
-                    <a:p>
-                      <a:pPr algn="ctr" latinLnBrk="1"/>
-                      <a:endParaRPr lang="ko-KR" altLang="en-US" sz="900" spc="-50" baseline="0" dirty="0">
-                        <a:latin typeface="넥슨Lv1고딕 Light" panose="00000300000000000000" pitchFamily="2" charset="-127"/>
-                        <a:ea typeface="넥슨Lv1고딕 Light" panose="00000300000000000000" pitchFamily="2" charset="-127"/>
-                      </a:endParaRPr>
-                    </a:p>
-                  </a:txBody>
-                  <a:tcPr marL="45720" marR="45720"/>
-                </a:tc>
-                <a:extLst>
-                  <a:ext uri="{0D108BD9-81ED-4DB2-BD59-A6C34878D82A}">
-                    <a16:rowId xmlns:a16="http://schemas.microsoft.com/office/drawing/2014/main" val="10004"/>
+                    <a16:rowId xmlns:a16="http://schemas.microsoft.com/office/drawing/2014/main" xmlns="" val="10004"/>
                   </a:ext>
                 </a:extLst>
               </a:tr>
@@ -6519,7 +6602,7 @@
                 </a:tc>
                 <a:extLst>
                   <a:ext uri="{0D108BD9-81ED-4DB2-BD59-A6C34878D82A}">
-                    <a16:rowId xmlns:a16="http://schemas.microsoft.com/office/drawing/2014/main" val="10005"/>
+                    <a16:rowId xmlns:a16="http://schemas.microsoft.com/office/drawing/2014/main" xmlns="" val="10005"/>
                   </a:ext>
                 </a:extLst>
               </a:tr>
@@ -6559,7 +6642,7 @@
                 </a:tc>
                 <a:extLst>
                   <a:ext uri="{0D108BD9-81ED-4DB2-BD59-A6C34878D82A}">
-                    <a16:rowId xmlns:a16="http://schemas.microsoft.com/office/drawing/2014/main" val="10006"/>
+                    <a16:rowId xmlns:a16="http://schemas.microsoft.com/office/drawing/2014/main" xmlns="" val="10006"/>
                   </a:ext>
                 </a:extLst>
               </a:tr>
@@ -6808,6 +6891,13 @@
                 <a:ea typeface="넥슨Lv1고딕 Light" panose="00000300000000000000" pitchFamily="2" charset="-127"/>
               </a:rPr>
               <a:t>Axios</a:t>
+            </a:r>
+            <a:r>
+              <a:rPr lang="en-US" altLang="ko-KR" sz="1800" dirty="0">
+                <a:latin typeface="넥슨Lv1고딕 Bold" panose="00000800000000000000" pitchFamily="2" charset="-127"/>
+                <a:ea typeface="넥슨Lv1고딕 Bold" panose="00000800000000000000" pitchFamily="2" charset="-127"/>
+              </a:rPr>
+              <a:t/>
             </a:r>
             <a:br>
               <a:rPr lang="en-US" altLang="ko-KR" sz="1800" dirty="0">
@@ -7042,7 +7132,7 @@
           <p:cNvPr id="5" name="그림 4" descr="실내, 하얀색, 사진, 검은색이(가) 표시된 사진&#10;&#10;자동 생성된 설명">
             <a:extLst>
               <a:ext uri="{FF2B5EF4-FFF2-40B4-BE49-F238E27FC236}">
-                <a16:creationId xmlns:a16="http://schemas.microsoft.com/office/drawing/2014/main" id="{E5C2B2F3-F633-4D58-BFBD-8132886B7895}"/>
+                <a16:creationId xmlns:a16="http://schemas.microsoft.com/office/drawing/2014/main" xmlns="" id="{E5C2B2F3-F633-4D58-BFBD-8132886B7895}"/>
               </a:ext>
             </a:extLst>
           </p:cNvPr>
@@ -7108,7 +7198,7 @@
           <p:cNvPr id="21" name="TextBox 20">
             <a:extLst>
               <a:ext uri="{FF2B5EF4-FFF2-40B4-BE49-F238E27FC236}">
-                <a16:creationId xmlns:a16="http://schemas.microsoft.com/office/drawing/2014/main" id="{6D77A4DA-A915-446B-9F5B-61CB6178B8A8}"/>
+                <a16:creationId xmlns:a16="http://schemas.microsoft.com/office/drawing/2014/main" xmlns="" id="{6D77A4DA-A915-446B-9F5B-61CB6178B8A8}"/>
               </a:ext>
             </a:extLst>
           </p:cNvPr>
@@ -7244,7 +7334,7 @@
           <p:cNvPr id="17" name="모서리가 둥근 직사각형 18">
             <a:extLst>
               <a:ext uri="{FF2B5EF4-FFF2-40B4-BE49-F238E27FC236}">
-                <a16:creationId xmlns:a16="http://schemas.microsoft.com/office/drawing/2014/main" id="{850D30CD-96EB-4C16-A5A1-BA3E6B59464E}"/>
+                <a16:creationId xmlns:a16="http://schemas.microsoft.com/office/drawing/2014/main" xmlns="" id="{850D30CD-96EB-4C16-A5A1-BA3E6B59464E}"/>
               </a:ext>
             </a:extLst>
           </p:cNvPr>
@@ -7639,6 +7729,13 @@
                 <a:ea typeface="넥슨Lv1고딕 Light" panose="00000300000000000000" pitchFamily="2" charset="-127"/>
               </a:rPr>
               <a:t>Axios</a:t>
+            </a:r>
+            <a:r>
+              <a:rPr lang="en-US" altLang="ko-KR" sz="1800" dirty="0">
+                <a:latin typeface="넥슨Lv1고딕 Bold" panose="00000800000000000000" pitchFamily="2" charset="-127"/>
+                <a:ea typeface="넥슨Lv1고딕 Bold" panose="00000800000000000000" pitchFamily="2" charset="-127"/>
+              </a:rPr>
+              <a:t/>
             </a:r>
             <a:br>
               <a:rPr lang="en-US" altLang="ko-KR" sz="1800" dirty="0">
@@ -7763,7 +7860,7 @@
           <p:cNvPr id="11" name="모서리가 둥근 직사각형 18">
             <a:extLst>
               <a:ext uri="{FF2B5EF4-FFF2-40B4-BE49-F238E27FC236}">
-                <a16:creationId xmlns:a16="http://schemas.microsoft.com/office/drawing/2014/main" id="{E9585C23-07FC-45A2-AC2A-8A09E1548EB5}"/>
+                <a16:creationId xmlns:a16="http://schemas.microsoft.com/office/drawing/2014/main" xmlns="" id="{E9585C23-07FC-45A2-AC2A-8A09E1548EB5}"/>
               </a:ext>
             </a:extLst>
           </p:cNvPr>
@@ -7827,7 +7924,7 @@
           <p:cNvPr id="15" name="모서리가 둥근 직사각형 13">
             <a:extLst>
               <a:ext uri="{FF2B5EF4-FFF2-40B4-BE49-F238E27FC236}">
-                <a16:creationId xmlns:a16="http://schemas.microsoft.com/office/drawing/2014/main" id="{36B89A6C-68CE-4EC8-BC77-C345BB0791C1}"/>
+                <a16:creationId xmlns:a16="http://schemas.microsoft.com/office/drawing/2014/main" xmlns="" id="{36B89A6C-68CE-4EC8-BC77-C345BB0791C1}"/>
               </a:ext>
             </a:extLst>
           </p:cNvPr>
@@ -8171,7 +8268,7 @@
           <p:cNvPr id="16" name="TextBox 15">
             <a:extLst>
               <a:ext uri="{FF2B5EF4-FFF2-40B4-BE49-F238E27FC236}">
-                <a16:creationId xmlns:a16="http://schemas.microsoft.com/office/drawing/2014/main" id="{C2346D07-6416-49B5-953F-0E48A5E94486}"/>
+                <a16:creationId xmlns:a16="http://schemas.microsoft.com/office/drawing/2014/main" xmlns="" id="{C2346D07-6416-49B5-953F-0E48A5E94486}"/>
               </a:ext>
             </a:extLst>
           </p:cNvPr>
@@ -8628,7 +8725,7 @@
           <p:cNvPr id="5" name="그림 4" descr="개체, 시계, 앉아있는, 하얀색이(가) 표시된 사진&#10;&#10;자동 생성된 설명">
             <a:extLst>
               <a:ext uri="{FF2B5EF4-FFF2-40B4-BE49-F238E27FC236}">
-                <a16:creationId xmlns:a16="http://schemas.microsoft.com/office/drawing/2014/main" id="{04F3D26C-A65C-4D15-BCD2-84FE403EEB73}"/>
+                <a16:creationId xmlns:a16="http://schemas.microsoft.com/office/drawing/2014/main" xmlns="" id="{04F3D26C-A65C-4D15-BCD2-84FE403EEB73}"/>
               </a:ext>
             </a:extLst>
           </p:cNvPr>
@@ -8664,7 +8761,7 @@
           <p:cNvPr id="6" name="직사각형 5">
             <a:extLst>
               <a:ext uri="{FF2B5EF4-FFF2-40B4-BE49-F238E27FC236}">
-                <a16:creationId xmlns:a16="http://schemas.microsoft.com/office/drawing/2014/main" id="{38AB32E0-5C67-4FB4-A1B2-E8B62C7F4282}"/>
+                <a16:creationId xmlns:a16="http://schemas.microsoft.com/office/drawing/2014/main" xmlns="" id="{38AB32E0-5C67-4FB4-A1B2-E8B62C7F4282}"/>
               </a:ext>
             </a:extLst>
           </p:cNvPr>
@@ -8752,7 +8849,7 @@
           <p:cNvPr id="14" name="TextBox 13">
             <a:extLst>
               <a:ext uri="{FF2B5EF4-FFF2-40B4-BE49-F238E27FC236}">
-                <a16:creationId xmlns:a16="http://schemas.microsoft.com/office/drawing/2014/main" id="{59F273E5-B722-446D-9FBD-2C825C215017}"/>
+                <a16:creationId xmlns:a16="http://schemas.microsoft.com/office/drawing/2014/main" xmlns="" id="{59F273E5-B722-446D-9FBD-2C825C215017}"/>
               </a:ext>
             </a:extLst>
           </p:cNvPr>
@@ -8824,7 +8921,7 @@
           <p:cNvPr id="11" name="제목 3">
             <a:extLst>
               <a:ext uri="{FF2B5EF4-FFF2-40B4-BE49-F238E27FC236}">
-                <a16:creationId xmlns:a16="http://schemas.microsoft.com/office/drawing/2014/main" id="{BA9640DE-49BB-4E2B-8677-4A0ADEB1A2DF}"/>
+                <a16:creationId xmlns:a16="http://schemas.microsoft.com/office/drawing/2014/main" xmlns="" id="{BA9640DE-49BB-4E2B-8677-4A0ADEB1A2DF}"/>
               </a:ext>
             </a:extLst>
           </p:cNvPr>
@@ -8872,6 +8969,13 @@
                 <a:ea typeface="넥슨Lv1고딕 Light" panose="00000300000000000000" pitchFamily="2" charset="-127"/>
               </a:rPr>
               <a:t>Axios</a:t>
+            </a:r>
+            <a:r>
+              <a:rPr lang="en-US" altLang="ko-KR" sz="1800" dirty="0">
+                <a:latin typeface="넥슨Lv1고딕 Bold" panose="00000800000000000000" pitchFamily="2" charset="-127"/>
+                <a:ea typeface="넥슨Lv1고딕 Bold" panose="00000800000000000000" pitchFamily="2" charset="-127"/>
+              </a:rPr>
+              <a:t/>
             </a:r>
             <a:br>
               <a:rPr lang="en-US" altLang="ko-KR" sz="1800" dirty="0">
@@ -9089,6 +9193,13 @@
               </a:rPr>
               <a:t>Axios</a:t>
             </a:r>
+            <a:r>
+              <a:rPr lang="en-US" altLang="ko-KR" sz="1800" dirty="0">
+                <a:latin typeface="넥슨Lv1고딕 Bold" panose="00000800000000000000" pitchFamily="2" charset="-127"/>
+                <a:ea typeface="넥슨Lv1고딕 Bold" panose="00000800000000000000" pitchFamily="2" charset="-127"/>
+              </a:rPr>
+              <a:t/>
+            </a:r>
             <a:br>
               <a:rPr lang="en-US" altLang="ko-KR" sz="1800" dirty="0">
                 <a:latin typeface="넥슨Lv1고딕 Bold" panose="00000800000000000000" pitchFamily="2" charset="-127"/>
@@ -9128,7 +9239,7 @@
           <p:cNvPr id="14" name="모서리가 둥근 직사각형 18">
             <a:extLst>
               <a:ext uri="{FF2B5EF4-FFF2-40B4-BE49-F238E27FC236}">
-                <a16:creationId xmlns:a16="http://schemas.microsoft.com/office/drawing/2014/main" id="{9CA422C6-FCF4-464B-B393-5F24A68ECA16}"/>
+                <a16:creationId xmlns:a16="http://schemas.microsoft.com/office/drawing/2014/main" xmlns="" id="{9CA422C6-FCF4-464B-B393-5F24A68ECA16}"/>
               </a:ext>
             </a:extLst>
           </p:cNvPr>
@@ -9332,7 +9443,7 @@
           <p:cNvPr id="18" name="모서리가 둥근 직사각형 18">
             <a:extLst>
               <a:ext uri="{FF2B5EF4-FFF2-40B4-BE49-F238E27FC236}">
-                <a16:creationId xmlns:a16="http://schemas.microsoft.com/office/drawing/2014/main" id="{90982F06-A123-4DB8-9254-59CF6AC55F26}"/>
+                <a16:creationId xmlns:a16="http://schemas.microsoft.com/office/drawing/2014/main" xmlns="" id="{90982F06-A123-4DB8-9254-59CF6AC55F26}"/>
               </a:ext>
             </a:extLst>
           </p:cNvPr>
@@ -9448,7 +9559,7 @@
           <p:cNvPr id="19" name="모서리가 둥근 직사각형 18">
             <a:extLst>
               <a:ext uri="{FF2B5EF4-FFF2-40B4-BE49-F238E27FC236}">
-                <a16:creationId xmlns:a16="http://schemas.microsoft.com/office/drawing/2014/main" id="{868A2914-52B9-4088-805C-AE5D27AB841B}"/>
+                <a16:creationId xmlns:a16="http://schemas.microsoft.com/office/drawing/2014/main" xmlns="" id="{868A2914-52B9-4088-805C-AE5D27AB841B}"/>
               </a:ext>
             </a:extLst>
           </p:cNvPr>
@@ -9548,7 +9659,7 @@
           <p:cNvPr id="20" name="모서리가 둥근 직사각형 18">
             <a:extLst>
               <a:ext uri="{FF2B5EF4-FFF2-40B4-BE49-F238E27FC236}">
-                <a16:creationId xmlns:a16="http://schemas.microsoft.com/office/drawing/2014/main" id="{BBDB48F7-2609-4D4C-B9AA-9CC2729E9183}"/>
+                <a16:creationId xmlns:a16="http://schemas.microsoft.com/office/drawing/2014/main" xmlns="" id="{BBDB48F7-2609-4D4C-B9AA-9CC2729E9183}"/>
               </a:ext>
             </a:extLst>
           </p:cNvPr>
@@ -9674,7 +9785,7 @@
           <p:cNvPr id="6" name="화살표: 아래쪽 5">
             <a:extLst>
               <a:ext uri="{FF2B5EF4-FFF2-40B4-BE49-F238E27FC236}">
-                <a16:creationId xmlns:a16="http://schemas.microsoft.com/office/drawing/2014/main" id="{9300BC3F-2AB6-4406-8D6C-C4BB77413C8E}"/>
+                <a16:creationId xmlns:a16="http://schemas.microsoft.com/office/drawing/2014/main" xmlns="" id="{9300BC3F-2AB6-4406-8D6C-C4BB77413C8E}"/>
               </a:ext>
             </a:extLst>
           </p:cNvPr>
@@ -9726,7 +9837,7 @@
           <p:cNvPr id="24" name="화살표: 아래쪽 23">
             <a:extLst>
               <a:ext uri="{FF2B5EF4-FFF2-40B4-BE49-F238E27FC236}">
-                <a16:creationId xmlns:a16="http://schemas.microsoft.com/office/drawing/2014/main" id="{85FD1B8F-F782-47B2-B2EF-45EC590170B3}"/>
+                <a16:creationId xmlns:a16="http://schemas.microsoft.com/office/drawing/2014/main" xmlns="" id="{85FD1B8F-F782-47B2-B2EF-45EC590170B3}"/>
               </a:ext>
             </a:extLst>
           </p:cNvPr>
@@ -9778,7 +9889,7 @@
           <p:cNvPr id="25" name="TextBox 24">
             <a:extLst>
               <a:ext uri="{FF2B5EF4-FFF2-40B4-BE49-F238E27FC236}">
-                <a16:creationId xmlns:a16="http://schemas.microsoft.com/office/drawing/2014/main" id="{82CFEC5E-6857-40C8-956B-A6ACB8C6E11B}"/>
+                <a16:creationId xmlns:a16="http://schemas.microsoft.com/office/drawing/2014/main" xmlns="" id="{82CFEC5E-6857-40C8-956B-A6ACB8C6E11B}"/>
               </a:ext>
             </a:extLst>
           </p:cNvPr>
@@ -9924,7 +10035,7 @@
           <p:cNvPr id="26" name="TextBox 25">
             <a:extLst>
               <a:ext uri="{FF2B5EF4-FFF2-40B4-BE49-F238E27FC236}">
-                <a16:creationId xmlns:a16="http://schemas.microsoft.com/office/drawing/2014/main" id="{5F3D41B7-553E-403B-8B1C-2A3712E94DFA}"/>
+                <a16:creationId xmlns:a16="http://schemas.microsoft.com/office/drawing/2014/main" xmlns="" id="{5F3D41B7-553E-403B-8B1C-2A3712E94DFA}"/>
               </a:ext>
             </a:extLst>
           </p:cNvPr>
@@ -10254,6 +10365,13 @@
                 <a:ea typeface="넥슨Lv1고딕 Light" panose="00000300000000000000" pitchFamily="2" charset="-127"/>
               </a:rPr>
               <a:t>Axios</a:t>
+            </a:r>
+            <a:r>
+              <a:rPr lang="en-US" altLang="ko-KR" sz="1800" dirty="0">
+                <a:latin typeface="넥슨Lv1고딕 Bold" panose="00000800000000000000" pitchFamily="2" charset="-127"/>
+                <a:ea typeface="넥슨Lv1고딕 Bold" panose="00000800000000000000" pitchFamily="2" charset="-127"/>
+              </a:rPr>
+              <a:t/>
             </a:r>
             <a:br>
               <a:rPr lang="en-US" altLang="ko-KR" sz="1800" dirty="0">
@@ -10392,7 +10510,7 @@
           <p:cNvPr id="5" name="그림 4" descr="스크린샷이(가) 표시된 사진&#10;&#10;자동 생성된 설명">
             <a:extLst>
               <a:ext uri="{FF2B5EF4-FFF2-40B4-BE49-F238E27FC236}">
-                <a16:creationId xmlns:a16="http://schemas.microsoft.com/office/drawing/2014/main" id="{ED7E08F9-2AEC-4CE3-83F7-09E5CD0AC48E}"/>
+                <a16:creationId xmlns:a16="http://schemas.microsoft.com/office/drawing/2014/main" xmlns="" id="{ED7E08F9-2AEC-4CE3-83F7-09E5CD0AC48E}"/>
               </a:ext>
             </a:extLst>
           </p:cNvPr>
@@ -10428,7 +10546,7 @@
           <p:cNvPr id="11" name="TextBox 10">
             <a:extLst>
               <a:ext uri="{FF2B5EF4-FFF2-40B4-BE49-F238E27FC236}">
-                <a16:creationId xmlns:a16="http://schemas.microsoft.com/office/drawing/2014/main" id="{9DF98A3E-CFB7-4AA0-97D8-7FA62BF88EAA}"/>
+                <a16:creationId xmlns:a16="http://schemas.microsoft.com/office/drawing/2014/main" xmlns="" id="{9DF98A3E-CFB7-4AA0-97D8-7FA62BF88EAA}"/>
               </a:ext>
             </a:extLst>
           </p:cNvPr>
@@ -10707,6 +10825,13 @@
                 <a:ea typeface="넥슨Lv1고딕 Light" panose="00000300000000000000" pitchFamily="2" charset="-127"/>
               </a:rPr>
               <a:t>Axios</a:t>
+            </a:r>
+            <a:r>
+              <a:rPr lang="en-US" altLang="ko-KR" sz="1800" dirty="0">
+                <a:latin typeface="넥슨Lv1고딕 Bold" panose="00000800000000000000" pitchFamily="2" charset="-127"/>
+                <a:ea typeface="넥슨Lv1고딕 Bold" panose="00000800000000000000" pitchFamily="2" charset="-127"/>
+              </a:rPr>
+              <a:t/>
             </a:r>
             <a:br>
               <a:rPr lang="en-US" altLang="ko-KR" sz="1800" dirty="0">
@@ -10845,7 +10970,7 @@
           <p:cNvPr id="11" name="TextBox 10">
             <a:extLst>
               <a:ext uri="{FF2B5EF4-FFF2-40B4-BE49-F238E27FC236}">
-                <a16:creationId xmlns:a16="http://schemas.microsoft.com/office/drawing/2014/main" id="{9DF98A3E-CFB7-4AA0-97D8-7FA62BF88EAA}"/>
+                <a16:creationId xmlns:a16="http://schemas.microsoft.com/office/drawing/2014/main" xmlns="" id="{9DF98A3E-CFB7-4AA0-97D8-7FA62BF88EAA}"/>
               </a:ext>
             </a:extLst>
           </p:cNvPr>
@@ -10888,7 +11013,7 @@
           <p:cNvPr id="6" name="그림 5" descr="스크린샷이(가) 표시된 사진&#10;&#10;자동 생성된 설명">
             <a:extLst>
               <a:ext uri="{FF2B5EF4-FFF2-40B4-BE49-F238E27FC236}">
-                <a16:creationId xmlns:a16="http://schemas.microsoft.com/office/drawing/2014/main" id="{6492D50F-AE0B-4786-AA75-38D6471A6610}"/>
+                <a16:creationId xmlns:a16="http://schemas.microsoft.com/office/drawing/2014/main" xmlns="" id="{6492D50F-AE0B-4786-AA75-38D6471A6610}"/>
               </a:ext>
             </a:extLst>
           </p:cNvPr>
@@ -10924,7 +11049,7 @@
           <p:cNvPr id="8" name="직사각형 7">
             <a:extLst>
               <a:ext uri="{FF2B5EF4-FFF2-40B4-BE49-F238E27FC236}">
-                <a16:creationId xmlns:a16="http://schemas.microsoft.com/office/drawing/2014/main" id="{82E93F99-662F-4C36-8AA1-1F1B1F6D8753}"/>
+                <a16:creationId xmlns:a16="http://schemas.microsoft.com/office/drawing/2014/main" xmlns="" id="{82E93F99-662F-4C36-8AA1-1F1B1F6D8753}"/>
               </a:ext>
             </a:extLst>
           </p:cNvPr>
@@ -11213,6 +11338,13 @@
                 <a:ea typeface="넥슨Lv1고딕 Light" panose="00000300000000000000" pitchFamily="2" charset="-127"/>
               </a:rPr>
               <a:t>Axios</a:t>
+            </a:r>
+            <a:r>
+              <a:rPr lang="en-US" altLang="ko-KR" sz="1800" dirty="0">
+                <a:latin typeface="넥슨Lv1고딕 Bold" panose="00000800000000000000" pitchFamily="2" charset="-127"/>
+                <a:ea typeface="넥슨Lv1고딕 Bold" panose="00000800000000000000" pitchFamily="2" charset="-127"/>
+              </a:rPr>
+              <a:t/>
             </a:r>
             <a:br>
               <a:rPr lang="en-US" altLang="ko-KR" sz="1800" dirty="0">
@@ -11351,7 +11483,7 @@
           <p:cNvPr id="11" name="TextBox 10">
             <a:extLst>
               <a:ext uri="{FF2B5EF4-FFF2-40B4-BE49-F238E27FC236}">
-                <a16:creationId xmlns:a16="http://schemas.microsoft.com/office/drawing/2014/main" id="{9DF98A3E-CFB7-4AA0-97D8-7FA62BF88EAA}"/>
+                <a16:creationId xmlns:a16="http://schemas.microsoft.com/office/drawing/2014/main" xmlns="" id="{9DF98A3E-CFB7-4AA0-97D8-7FA62BF88EAA}"/>
               </a:ext>
             </a:extLst>
           </p:cNvPr>
@@ -11394,7 +11526,7 @@
           <p:cNvPr id="9" name="그림 8" descr="스크린샷이(가) 표시된 사진&#10;&#10;자동 생성된 설명">
             <a:extLst>
               <a:ext uri="{FF2B5EF4-FFF2-40B4-BE49-F238E27FC236}">
-                <a16:creationId xmlns:a16="http://schemas.microsoft.com/office/drawing/2014/main" id="{9918B22E-7E37-4E6D-983F-6A36FDF214B5}"/>
+                <a16:creationId xmlns:a16="http://schemas.microsoft.com/office/drawing/2014/main" xmlns="" id="{9918B22E-7E37-4E6D-983F-6A36FDF214B5}"/>
               </a:ext>
             </a:extLst>
           </p:cNvPr>
@@ -11430,7 +11562,7 @@
           <p:cNvPr id="12" name="그림 11" descr="스크린샷이(가) 표시된 사진&#10;&#10;자동 생성된 설명">
             <a:extLst>
               <a:ext uri="{FF2B5EF4-FFF2-40B4-BE49-F238E27FC236}">
-                <a16:creationId xmlns:a16="http://schemas.microsoft.com/office/drawing/2014/main" id="{B1319822-36CE-4A08-8CE9-67B3D1EDE0B7}"/>
+                <a16:creationId xmlns:a16="http://schemas.microsoft.com/office/drawing/2014/main" xmlns="" id="{B1319822-36CE-4A08-8CE9-67B3D1EDE0B7}"/>
               </a:ext>
             </a:extLst>
           </p:cNvPr>
@@ -11466,7 +11598,7 @@
           <p:cNvPr id="17" name="직사각형 16">
             <a:extLst>
               <a:ext uri="{FF2B5EF4-FFF2-40B4-BE49-F238E27FC236}">
-                <a16:creationId xmlns:a16="http://schemas.microsoft.com/office/drawing/2014/main" id="{56E69088-EE55-4457-B5CB-D587F43439B9}"/>
+                <a16:creationId xmlns:a16="http://schemas.microsoft.com/office/drawing/2014/main" xmlns="" id="{56E69088-EE55-4457-B5CB-D587F43439B9}"/>
               </a:ext>
             </a:extLst>
           </p:cNvPr>
@@ -11519,7 +11651,7 @@
           <p:cNvPr id="18" name="모서리가 둥근 직사각형 18">
             <a:extLst>
               <a:ext uri="{FF2B5EF4-FFF2-40B4-BE49-F238E27FC236}">
-                <a16:creationId xmlns:a16="http://schemas.microsoft.com/office/drawing/2014/main" id="{2A98BBA6-D597-44A0-8BCD-BC9688126A63}"/>
+                <a16:creationId xmlns:a16="http://schemas.microsoft.com/office/drawing/2014/main" xmlns="" id="{2A98BBA6-D597-44A0-8BCD-BC9688126A63}"/>
               </a:ext>
             </a:extLst>
           </p:cNvPr>
@@ -11639,7 +11771,7 @@
           <p:cNvPr id="19" name="모서리가 둥근 직사각형 18">
             <a:extLst>
               <a:ext uri="{FF2B5EF4-FFF2-40B4-BE49-F238E27FC236}">
-                <a16:creationId xmlns:a16="http://schemas.microsoft.com/office/drawing/2014/main" id="{CA78C336-E67C-42EF-BB49-EC591AACD7CB}"/>
+                <a16:creationId xmlns:a16="http://schemas.microsoft.com/office/drawing/2014/main" xmlns="" id="{CA78C336-E67C-42EF-BB49-EC591AACD7CB}"/>
               </a:ext>
             </a:extLst>
           </p:cNvPr>
@@ -11749,7 +11881,7 @@
           <p:cNvPr id="5" name="그림 4" descr="스크린샷이(가) 표시된 사진&#10;&#10;자동 생성된 설명">
             <a:extLst>
               <a:ext uri="{FF2B5EF4-FFF2-40B4-BE49-F238E27FC236}">
-                <a16:creationId xmlns:a16="http://schemas.microsoft.com/office/drawing/2014/main" id="{BF628DB8-62D6-4207-BC69-A85CA6653DC9}"/>
+                <a16:creationId xmlns:a16="http://schemas.microsoft.com/office/drawing/2014/main" xmlns="" id="{BF628DB8-62D6-4207-BC69-A85CA6653DC9}"/>
               </a:ext>
             </a:extLst>
           </p:cNvPr>
@@ -11991,6 +12123,13 @@
                 <a:ea typeface="넥슨Lv1고딕 Light" panose="00000300000000000000" pitchFamily="2" charset="-127"/>
               </a:rPr>
               <a:t>Axios</a:t>
+            </a:r>
+            <a:r>
+              <a:rPr lang="en-US" altLang="ko-KR" sz="1800" dirty="0">
+                <a:latin typeface="넥슨Lv1고딕 Bold" panose="00000800000000000000" pitchFamily="2" charset="-127"/>
+                <a:ea typeface="넥슨Lv1고딕 Bold" panose="00000800000000000000" pitchFamily="2" charset="-127"/>
+              </a:rPr>
+              <a:t/>
             </a:r>
             <a:br>
               <a:rPr lang="en-US" altLang="ko-KR" sz="1800" dirty="0">
@@ -12129,7 +12268,7 @@
           <p:cNvPr id="11" name="TextBox 10">
             <a:extLst>
               <a:ext uri="{FF2B5EF4-FFF2-40B4-BE49-F238E27FC236}">
-                <a16:creationId xmlns:a16="http://schemas.microsoft.com/office/drawing/2014/main" id="{9DF98A3E-CFB7-4AA0-97D8-7FA62BF88EAA}"/>
+                <a16:creationId xmlns:a16="http://schemas.microsoft.com/office/drawing/2014/main" xmlns="" id="{9DF98A3E-CFB7-4AA0-97D8-7FA62BF88EAA}"/>
               </a:ext>
             </a:extLst>
           </p:cNvPr>
@@ -12172,7 +12311,7 @@
           <p:cNvPr id="17" name="직사각형 16">
             <a:extLst>
               <a:ext uri="{FF2B5EF4-FFF2-40B4-BE49-F238E27FC236}">
-                <a16:creationId xmlns:a16="http://schemas.microsoft.com/office/drawing/2014/main" id="{56E69088-EE55-4457-B5CB-D587F43439B9}"/>
+                <a16:creationId xmlns:a16="http://schemas.microsoft.com/office/drawing/2014/main" xmlns="" id="{56E69088-EE55-4457-B5CB-D587F43439B9}"/>
               </a:ext>
             </a:extLst>
           </p:cNvPr>
@@ -12225,7 +12364,7 @@
           <p:cNvPr id="18" name="모서리가 둥근 직사각형 18">
             <a:extLst>
               <a:ext uri="{FF2B5EF4-FFF2-40B4-BE49-F238E27FC236}">
-                <a16:creationId xmlns:a16="http://schemas.microsoft.com/office/drawing/2014/main" id="{2A98BBA6-D597-44A0-8BCD-BC9688126A63}"/>
+                <a16:creationId xmlns:a16="http://schemas.microsoft.com/office/drawing/2014/main" xmlns="" id="{2A98BBA6-D597-44A0-8BCD-BC9688126A63}"/>
               </a:ext>
             </a:extLst>
           </p:cNvPr>
@@ -12297,7 +12436,7 @@
           <p:cNvPr id="20" name="모서리가 둥근 직사각형 18">
             <a:extLst>
               <a:ext uri="{FF2B5EF4-FFF2-40B4-BE49-F238E27FC236}">
-                <a16:creationId xmlns:a16="http://schemas.microsoft.com/office/drawing/2014/main" id="{8FCA0B8F-7AF9-4262-BDEE-6435D7EB160C}"/>
+                <a16:creationId xmlns:a16="http://schemas.microsoft.com/office/drawing/2014/main" xmlns="" id="{8FCA0B8F-7AF9-4262-BDEE-6435D7EB160C}"/>
               </a:ext>
             </a:extLst>
           </p:cNvPr>
@@ -12466,7 +12605,7 @@
           <p:cNvPr id="6" name="그림 5" descr="스크린샷이(가) 표시된 사진&#10;&#10;자동 생성된 설명">
             <a:extLst>
               <a:ext uri="{FF2B5EF4-FFF2-40B4-BE49-F238E27FC236}">
-                <a16:creationId xmlns:a16="http://schemas.microsoft.com/office/drawing/2014/main" id="{F3BF1BBF-0D06-4D36-967B-3B72BE5FAAB0}"/>
+                <a16:creationId xmlns:a16="http://schemas.microsoft.com/office/drawing/2014/main" xmlns="" id="{F3BF1BBF-0D06-4D36-967B-3B72BE5FAAB0}"/>
               </a:ext>
             </a:extLst>
           </p:cNvPr>
@@ -12708,6 +12847,13 @@
                 <a:ea typeface="넥슨Lv1고딕 Light" panose="00000300000000000000" pitchFamily="2" charset="-127"/>
               </a:rPr>
               <a:t>Axios</a:t>
+            </a:r>
+            <a:r>
+              <a:rPr lang="en-US" altLang="ko-KR" sz="1800" dirty="0">
+                <a:latin typeface="넥슨Lv1고딕 Bold" panose="00000800000000000000" pitchFamily="2" charset="-127"/>
+                <a:ea typeface="넥슨Lv1고딕 Bold" panose="00000800000000000000" pitchFamily="2" charset="-127"/>
+              </a:rPr>
+              <a:t/>
             </a:r>
             <a:br>
               <a:rPr lang="en-US" altLang="ko-KR" sz="1800" dirty="0">
@@ -12846,7 +12992,7 @@
           <p:cNvPr id="11" name="TextBox 10">
             <a:extLst>
               <a:ext uri="{FF2B5EF4-FFF2-40B4-BE49-F238E27FC236}">
-                <a16:creationId xmlns:a16="http://schemas.microsoft.com/office/drawing/2014/main" id="{9DF98A3E-CFB7-4AA0-97D8-7FA62BF88EAA}"/>
+                <a16:creationId xmlns:a16="http://schemas.microsoft.com/office/drawing/2014/main" xmlns="" id="{9DF98A3E-CFB7-4AA0-97D8-7FA62BF88EAA}"/>
               </a:ext>
             </a:extLst>
           </p:cNvPr>
@@ -12889,7 +13035,7 @@
           <p:cNvPr id="17" name="직사각형 16">
             <a:extLst>
               <a:ext uri="{FF2B5EF4-FFF2-40B4-BE49-F238E27FC236}">
-                <a16:creationId xmlns:a16="http://schemas.microsoft.com/office/drawing/2014/main" id="{56E69088-EE55-4457-B5CB-D587F43439B9}"/>
+                <a16:creationId xmlns:a16="http://schemas.microsoft.com/office/drawing/2014/main" xmlns="" id="{56E69088-EE55-4457-B5CB-D587F43439B9}"/>
               </a:ext>
             </a:extLst>
           </p:cNvPr>
@@ -12942,7 +13088,7 @@
           <p:cNvPr id="20" name="모서리가 둥근 직사각형 18">
             <a:extLst>
               <a:ext uri="{FF2B5EF4-FFF2-40B4-BE49-F238E27FC236}">
-                <a16:creationId xmlns:a16="http://schemas.microsoft.com/office/drawing/2014/main" id="{8FCA0B8F-7AF9-4262-BDEE-6435D7EB160C}"/>
+                <a16:creationId xmlns:a16="http://schemas.microsoft.com/office/drawing/2014/main" xmlns="" id="{8FCA0B8F-7AF9-4262-BDEE-6435D7EB160C}"/>
               </a:ext>
             </a:extLst>
           </p:cNvPr>
@@ -13098,7 +13244,7 @@
           <p:cNvPr id="16" name="모서리가 둥근 직사각형 13">
             <a:extLst>
               <a:ext uri="{FF2B5EF4-FFF2-40B4-BE49-F238E27FC236}">
-                <a16:creationId xmlns:a16="http://schemas.microsoft.com/office/drawing/2014/main" id="{35FFE981-A81C-44DD-8836-7FAAEDDAFB8B}"/>
+                <a16:creationId xmlns:a16="http://schemas.microsoft.com/office/drawing/2014/main" xmlns="" id="{35FFE981-A81C-44DD-8836-7FAAEDDAFB8B}"/>
               </a:ext>
             </a:extLst>
           </p:cNvPr>
@@ -13443,7 +13589,7 @@
           <p:cNvPr id="14" name="TextBox 13">
             <a:extLst>
               <a:ext uri="{FF2B5EF4-FFF2-40B4-BE49-F238E27FC236}">
-                <a16:creationId xmlns:a16="http://schemas.microsoft.com/office/drawing/2014/main" id="{9F12D4E5-B109-4B80-B716-4AECBE0D5D67}"/>
+                <a16:creationId xmlns:a16="http://schemas.microsoft.com/office/drawing/2014/main" xmlns="" id="{9F12D4E5-B109-4B80-B716-4AECBE0D5D67}"/>
               </a:ext>
             </a:extLst>
           </p:cNvPr>
@@ -13994,6 +14140,13 @@
                 <a:ea typeface="넥슨Lv1고딕 Light" panose="00000300000000000000" pitchFamily="2" charset="-127"/>
               </a:rPr>
               <a:t>Axios</a:t>
+            </a:r>
+            <a:r>
+              <a:rPr lang="en-US" altLang="ko-KR" sz="1800" dirty="0">
+                <a:latin typeface="넥슨Lv1고딕 Bold" panose="00000800000000000000" pitchFamily="2" charset="-127"/>
+                <a:ea typeface="넥슨Lv1고딕 Bold" panose="00000800000000000000" pitchFamily="2" charset="-127"/>
+              </a:rPr>
+              <a:t/>
             </a:r>
             <a:br>
               <a:rPr lang="en-US" altLang="ko-KR" sz="1800" dirty="0">
@@ -14132,7 +14285,7 @@
           <p:cNvPr id="11" name="TextBox 10">
             <a:extLst>
               <a:ext uri="{FF2B5EF4-FFF2-40B4-BE49-F238E27FC236}">
-                <a16:creationId xmlns:a16="http://schemas.microsoft.com/office/drawing/2014/main" id="{9DF98A3E-CFB7-4AA0-97D8-7FA62BF88EAA}"/>
+                <a16:creationId xmlns:a16="http://schemas.microsoft.com/office/drawing/2014/main" xmlns="" id="{9DF98A3E-CFB7-4AA0-97D8-7FA62BF88EAA}"/>
               </a:ext>
             </a:extLst>
           </p:cNvPr>
@@ -14205,7 +14358,7 @@
           <p:cNvPr id="6" name="그림 5" descr="스크린샷이(가) 표시된 사진&#10;&#10;자동 생성된 설명">
             <a:extLst>
               <a:ext uri="{FF2B5EF4-FFF2-40B4-BE49-F238E27FC236}">
-                <a16:creationId xmlns:a16="http://schemas.microsoft.com/office/drawing/2014/main" id="{B3C25049-AF45-475D-BC44-EAAA69765411}"/>
+                <a16:creationId xmlns:a16="http://schemas.microsoft.com/office/drawing/2014/main" xmlns="" id="{B3C25049-AF45-475D-BC44-EAAA69765411}"/>
               </a:ext>
             </a:extLst>
           </p:cNvPr>
@@ -14435,6 +14588,13 @@
                 <a:ea typeface="넥슨Lv1고딕 Light" panose="00000300000000000000" pitchFamily="2" charset="-127"/>
               </a:rPr>
               <a:t>Axios</a:t>
+            </a:r>
+            <a:r>
+              <a:rPr lang="en-US" altLang="ko-KR" sz="1800" dirty="0">
+                <a:latin typeface="넥슨Lv1고딕 Bold" panose="00000800000000000000" pitchFamily="2" charset="-127"/>
+                <a:ea typeface="넥슨Lv1고딕 Bold" panose="00000800000000000000" pitchFamily="2" charset="-127"/>
+              </a:rPr>
+              <a:t/>
             </a:r>
             <a:br>
               <a:rPr lang="en-US" altLang="ko-KR" sz="1800" dirty="0">
@@ -14901,7 +15061,7 @@
           <p:cNvPr id="9" name="그림 8">
             <a:extLst>
               <a:ext uri="{FF2B5EF4-FFF2-40B4-BE49-F238E27FC236}">
-                <a16:creationId xmlns:a16="http://schemas.microsoft.com/office/drawing/2014/main" id="{F2486CAD-9AAF-46C4-8629-2755702FB631}"/>
+                <a16:creationId xmlns:a16="http://schemas.microsoft.com/office/drawing/2014/main" xmlns="" id="{F2486CAD-9AAF-46C4-8629-2755702FB631}"/>
               </a:ext>
             </a:extLst>
           </p:cNvPr>
@@ -14967,7 +15127,7 @@
           <p:cNvPr id="14" name="TextBox 13">
             <a:extLst>
               <a:ext uri="{FF2B5EF4-FFF2-40B4-BE49-F238E27FC236}">
-                <a16:creationId xmlns:a16="http://schemas.microsoft.com/office/drawing/2014/main" id="{9F12D4E5-B109-4B80-B716-4AECBE0D5D67}"/>
+                <a16:creationId xmlns:a16="http://schemas.microsoft.com/office/drawing/2014/main" xmlns="" id="{9F12D4E5-B109-4B80-B716-4AECBE0D5D67}"/>
               </a:ext>
             </a:extLst>
           </p:cNvPr>
@@ -15428,6 +15588,13 @@
                 <a:ea typeface="넥슨Lv1고딕 Light" panose="00000300000000000000" pitchFamily="2" charset="-127"/>
               </a:rPr>
               <a:t>Axios</a:t>
+            </a:r>
+            <a:r>
+              <a:rPr lang="en-US" altLang="ko-KR" sz="1800" dirty="0">
+                <a:latin typeface="넥슨Lv1고딕 Bold" panose="00000800000000000000" pitchFamily="2" charset="-127"/>
+                <a:ea typeface="넥슨Lv1고딕 Bold" panose="00000800000000000000" pitchFamily="2" charset="-127"/>
+              </a:rPr>
+              <a:t/>
             </a:r>
             <a:br>
               <a:rPr lang="en-US" altLang="ko-KR" sz="1800" dirty="0">
@@ -15566,7 +15733,7 @@
           <p:cNvPr id="5" name="그림 4">
             <a:extLst>
               <a:ext uri="{FF2B5EF4-FFF2-40B4-BE49-F238E27FC236}">
-                <a16:creationId xmlns:a16="http://schemas.microsoft.com/office/drawing/2014/main" id="{D58A0549-F676-4ECC-9114-93A40049E47B}"/>
+                <a16:creationId xmlns:a16="http://schemas.microsoft.com/office/drawing/2014/main" xmlns="" id="{D58A0549-F676-4ECC-9114-93A40049E47B}"/>
               </a:ext>
             </a:extLst>
           </p:cNvPr>
@@ -15601,7 +15768,7 @@
           <p:cNvPr id="15" name="직사각형 14">
             <a:extLst>
               <a:ext uri="{FF2B5EF4-FFF2-40B4-BE49-F238E27FC236}">
-                <a16:creationId xmlns:a16="http://schemas.microsoft.com/office/drawing/2014/main" id="{6BCF2C6F-DE96-44FB-AC9B-5B17AA7C127E}"/>
+                <a16:creationId xmlns:a16="http://schemas.microsoft.com/office/drawing/2014/main" xmlns="" id="{6BCF2C6F-DE96-44FB-AC9B-5B17AA7C127E}"/>
               </a:ext>
             </a:extLst>
           </p:cNvPr>
@@ -15654,7 +15821,7 @@
           <p:cNvPr id="17" name="모서리가 둥근 직사각형 18">
             <a:extLst>
               <a:ext uri="{FF2B5EF4-FFF2-40B4-BE49-F238E27FC236}">
-                <a16:creationId xmlns:a16="http://schemas.microsoft.com/office/drawing/2014/main" id="{3232FBF2-4E60-481E-BF83-CC24D588C368}"/>
+                <a16:creationId xmlns:a16="http://schemas.microsoft.com/office/drawing/2014/main" xmlns="" id="{3232FBF2-4E60-481E-BF83-CC24D588C368}"/>
               </a:ext>
             </a:extLst>
           </p:cNvPr>
@@ -16249,6 +16416,13 @@
               </a:rPr>
               <a:t>Axios</a:t>
             </a:r>
+            <a:r>
+              <a:rPr lang="en-US" altLang="ko-KR" sz="1800" dirty="0">
+                <a:latin typeface="넥슨Lv1고딕 Bold" panose="00000800000000000000" pitchFamily="2" charset="-127"/>
+                <a:ea typeface="넥슨Lv1고딕 Bold" panose="00000800000000000000" pitchFamily="2" charset="-127"/>
+              </a:rPr>
+              <a:t/>
+            </a:r>
             <a:br>
               <a:rPr lang="en-US" altLang="ko-KR" sz="1800" dirty="0">
                 <a:latin typeface="넥슨Lv1고딕 Bold" panose="00000800000000000000" pitchFamily="2" charset="-127"/>
@@ -16288,7 +16462,7 @@
           <p:cNvPr id="10" name="타원 9">
             <a:extLst>
               <a:ext uri="{FF2B5EF4-FFF2-40B4-BE49-F238E27FC236}">
-                <a16:creationId xmlns:a16="http://schemas.microsoft.com/office/drawing/2014/main" id="{1921A1E8-7073-4706-88DD-ED62A7279CDE}"/>
+                <a16:creationId xmlns:a16="http://schemas.microsoft.com/office/drawing/2014/main" xmlns="" id="{1921A1E8-7073-4706-88DD-ED62A7279CDE}"/>
               </a:ext>
             </a:extLst>
           </p:cNvPr>
@@ -16350,7 +16524,7 @@
           <p:cNvPr id="5" name="Picture 4" descr="A screen shot of a computer&#10;&#10;Description automatically generated">
             <a:extLst>
               <a:ext uri="{FF2B5EF4-FFF2-40B4-BE49-F238E27FC236}">
-                <a16:creationId xmlns:a16="http://schemas.microsoft.com/office/drawing/2014/main" id="{8277D3DE-E5A9-4084-A433-9FB509F030E2}"/>
+                <a16:creationId xmlns:a16="http://schemas.microsoft.com/office/drawing/2014/main" xmlns="" id="{8277D3DE-E5A9-4084-A433-9FB509F030E2}"/>
               </a:ext>
             </a:extLst>
           </p:cNvPr>
@@ -16373,7 +16547,7 @@
         </p:blipFill>
         <p:spPr>
           <a:xfrm>
-            <a:off x="877529" y="2297532"/>
+            <a:off x="1549425" y="2421785"/>
             <a:ext cx="3000375" cy="2943225"/>
           </a:xfrm>
           <a:prstGeom prst="rect">
@@ -16383,10 +16557,10 @@
       </p:pic>
       <p:sp>
         <p:nvSpPr>
-          <p:cNvPr id="6" name="TextBox 5">
+          <p:cNvPr id="9" name="TextBox 8">
             <a:extLst>
               <a:ext uri="{FF2B5EF4-FFF2-40B4-BE49-F238E27FC236}">
-                <a16:creationId xmlns:a16="http://schemas.microsoft.com/office/drawing/2014/main" id="{7DF6D888-F42A-4158-A2DC-A51C3661993D}"/>
+                <a16:creationId xmlns:a16="http://schemas.microsoft.com/office/drawing/2014/main" xmlns="" id="{9F12D4E5-B109-4B80-B716-4AECBE0D5D67}"/>
               </a:ext>
             </a:extLst>
           </p:cNvPr>
@@ -16394,9 +16568,9 @@
           <p:nvPr/>
         </p:nvSpPr>
         <p:spPr>
-          <a:xfrm flipH="1">
-            <a:off x="4152281" y="2297532"/>
-            <a:ext cx="3800482" cy="830997"/>
+          <a:xfrm>
+            <a:off x="1415846" y="2061361"/>
+            <a:ext cx="6858204" cy="261610"/>
           </a:xfrm>
           <a:prstGeom prst="rect">
             <a:avLst/>
@@ -16410,41 +16584,521 @@
           <a:lstStyle/>
           <a:p>
             <a:r>
-              <a:rPr lang="en-US" altLang="ko-KR" sz="1600" dirty="0"/>
-              <a:t>&lt;table&gt; </a:t>
-            </a:r>
-            <a:r>
-              <a:rPr lang="ko-KR" altLang="en-US" sz="1600" dirty="0"/>
-              <a:t>태그를 이용하여 </a:t>
-            </a:r>
-            <a:endParaRPr lang="en-US" altLang="ko-KR" sz="1600" dirty="0"/>
-          </a:p>
-          <a:p>
-            <a:r>
-              <a:rPr lang="ko-KR" altLang="en-US" sz="1600" dirty="0"/>
-              <a:t>영화 순위</a:t>
-            </a:r>
-            <a:r>
-              <a:rPr lang="en-US" altLang="ko-KR" sz="1600" dirty="0"/>
+              <a:rPr lang="en-US" altLang="ko-KR" sz="1100" spc="-50" dirty="0" smtClean="0">
+                <a:latin typeface="넥슨Lv1고딕 Light" panose="00000300000000000000" pitchFamily="2" charset="-127"/>
+                <a:ea typeface="넥슨Lv1고딕 Light" panose="00000300000000000000" pitchFamily="2" charset="-127"/>
+              </a:rPr>
+              <a:t>&lt;</a:t>
+            </a:r>
+            <a:r>
+              <a:rPr lang="en-US" altLang="ko-KR" sz="1100" spc="-50" dirty="0">
+                <a:latin typeface="넥슨Lv1고딕 Light" panose="00000300000000000000" pitchFamily="2" charset="-127"/>
+                <a:ea typeface="넥슨Lv1고딕 Light" panose="00000300000000000000" pitchFamily="2" charset="-127"/>
+              </a:rPr>
+              <a:t>table&gt; </a:t>
+            </a:r>
+            <a:r>
+              <a:rPr lang="ko-KR" altLang="en-US" sz="1100" spc="-50">
+                <a:latin typeface="넥슨Lv1고딕 Light" panose="00000300000000000000" pitchFamily="2" charset="-127"/>
+                <a:ea typeface="넥슨Lv1고딕 Light" panose="00000300000000000000" pitchFamily="2" charset="-127"/>
+              </a:rPr>
+              <a:t>태그를 </a:t>
+            </a:r>
+            <a:r>
+              <a:rPr lang="ko-KR" altLang="en-US" sz="1100" spc="-50" smtClean="0">
+                <a:latin typeface="넥슨Lv1고딕 Light" panose="00000300000000000000" pitchFamily="2" charset="-127"/>
+                <a:ea typeface="넥슨Lv1고딕 Light" panose="00000300000000000000" pitchFamily="2" charset="-127"/>
+              </a:rPr>
+              <a:t>이용하여 일별 박스오피스 리스트 마크업</a:t>
+            </a:r>
+            <a:r>
+              <a:rPr lang="en-US" altLang="ko-KR" sz="1100" spc="-50" dirty="0" smtClean="0">
+                <a:latin typeface="넥슨Lv1고딕 Light" panose="00000300000000000000" pitchFamily="2" charset="-127"/>
+                <a:ea typeface="넥슨Lv1고딕 Light" panose="00000300000000000000" pitchFamily="2" charset="-127"/>
+              </a:rPr>
+              <a:t>(</a:t>
+            </a:r>
+            <a:r>
+              <a:rPr lang="ko-KR" altLang="en-US" sz="1100" spc="-50">
+                <a:latin typeface="넥슨Lv1고딕 Light" panose="00000300000000000000" pitchFamily="2" charset="-127"/>
+                <a:ea typeface="넥슨Lv1고딕 Light" panose="00000300000000000000" pitchFamily="2" charset="-127"/>
+              </a:rPr>
+              <a:t>순위</a:t>
+            </a:r>
+            <a:r>
+              <a:rPr lang="en-US" altLang="ko-KR" sz="1100" spc="-50" dirty="0">
+                <a:latin typeface="넥슨Lv1고딕 Light" panose="00000300000000000000" pitchFamily="2" charset="-127"/>
+                <a:ea typeface="넥슨Lv1고딕 Light" panose="00000300000000000000" pitchFamily="2" charset="-127"/>
+              </a:rPr>
               <a:t>, </a:t>
             </a:r>
             <a:r>
-              <a:rPr lang="ko-KR" altLang="en-US" sz="1600" dirty="0"/>
+              <a:rPr lang="ko-KR" altLang="en-US" sz="1100" spc="-50">
+                <a:latin typeface="넥슨Lv1고딕 Light" panose="00000300000000000000" pitchFamily="2" charset="-127"/>
+                <a:ea typeface="넥슨Lv1고딕 Light" panose="00000300000000000000" pitchFamily="2" charset="-127"/>
+              </a:rPr>
               <a:t>제목</a:t>
             </a:r>
             <a:r>
-              <a:rPr lang="en-US" altLang="ko-KR" sz="1600" dirty="0"/>
+              <a:rPr lang="en-US" altLang="ko-KR" sz="1100" spc="-50" dirty="0">
+                <a:latin typeface="넥슨Lv1고딕 Light" panose="00000300000000000000" pitchFamily="2" charset="-127"/>
+                <a:ea typeface="넥슨Lv1고딕 Light" panose="00000300000000000000" pitchFamily="2" charset="-127"/>
+              </a:rPr>
               <a:t>, </a:t>
             </a:r>
             <a:r>
-              <a:rPr lang="ko-KR" altLang="en-US" sz="1600" dirty="0"/>
-              <a:t>누적 관객 수를 보여 줄 마크업을 작성해 봅니다</a:t>
-            </a:r>
-            <a:r>
-              <a:rPr lang="en-US" altLang="ko-KR" sz="1600" dirty="0"/>
+              <a:rPr lang="ko-KR" altLang="en-US" sz="1100" spc="-50">
+                <a:latin typeface="넥슨Lv1고딕 Light" panose="00000300000000000000" pitchFamily="2" charset="-127"/>
+                <a:ea typeface="넥슨Lv1고딕 Light" panose="00000300000000000000" pitchFamily="2" charset="-127"/>
+              </a:rPr>
+              <a:t>누적 </a:t>
+            </a:r>
+            <a:r>
+              <a:rPr lang="ko-KR" altLang="en-US" sz="1100" spc="-50" smtClean="0">
+                <a:latin typeface="넥슨Lv1고딕 Light" panose="00000300000000000000" pitchFamily="2" charset="-127"/>
+                <a:ea typeface="넥슨Lv1고딕 Light" panose="00000300000000000000" pitchFamily="2" charset="-127"/>
+              </a:rPr>
+              <a:t>관객수</a:t>
+            </a:r>
+            <a:r>
+              <a:rPr lang="en-US" altLang="ko-KR" sz="1100" spc="-50" dirty="0" smtClean="0">
+                <a:latin typeface="넥슨Lv1고딕 Light" panose="00000300000000000000" pitchFamily="2" charset="-127"/>
+                <a:ea typeface="넥슨Lv1고딕 Light" panose="00000300000000000000" pitchFamily="2" charset="-127"/>
+              </a:rPr>
+              <a:t>)</a:t>
+            </a:r>
+            <a:r>
+              <a:rPr lang="ko-KR" altLang="en-US" sz="1100" spc="-50" smtClean="0">
+                <a:latin typeface="넥슨Lv1고딕 Light" panose="00000300000000000000" pitchFamily="2" charset="-127"/>
+                <a:ea typeface="넥슨Lv1고딕 Light" panose="00000300000000000000" pitchFamily="2" charset="-127"/>
+              </a:rPr>
+              <a:t>을 작성합니다</a:t>
+            </a:r>
+            <a:r>
+              <a:rPr lang="en-US" altLang="ko-KR" sz="1100" spc="-50" dirty="0">
+                <a:latin typeface="넥슨Lv1고딕 Light" panose="00000300000000000000" pitchFamily="2" charset="-127"/>
+                <a:ea typeface="넥슨Lv1고딕 Light" panose="00000300000000000000" pitchFamily="2" charset="-127"/>
+              </a:rPr>
               <a:t>.</a:t>
             </a:r>
-            <a:endParaRPr lang="ko-KR" altLang="en-US" sz="1600" dirty="0"/>
+            <a:endParaRPr lang="en-US" altLang="ko-KR" sz="1100" spc="-50" dirty="0" smtClean="0">
+              <a:latin typeface="넥슨Lv1고딕 Light" panose="00000300000000000000" pitchFamily="2" charset="-127"/>
+              <a:ea typeface="넥슨Lv1고딕 Light" panose="00000300000000000000" pitchFamily="2" charset="-127"/>
+            </a:endParaRPr>
+          </a:p>
+        </p:txBody>
+      </p:sp>
+      <p:sp>
+        <p:nvSpPr>
+          <p:cNvPr id="12" name="직사각형 11">
+            <a:extLst>
+              <a:ext uri="{FF2B5EF4-FFF2-40B4-BE49-F238E27FC236}">
+                <a16:creationId xmlns:a16="http://schemas.microsoft.com/office/drawing/2014/main" xmlns="" id="{6BCF2C6F-DE96-44FB-AC9B-5B17AA7C127E}"/>
+              </a:ext>
+            </a:extLst>
+          </p:cNvPr>
+          <p:cNvSpPr/>
+          <p:nvPr/>
+        </p:nvSpPr>
+        <p:spPr>
+          <a:xfrm>
+            <a:off x="2516499" y="4254605"/>
+            <a:ext cx="1927032" cy="566777"/>
+          </a:xfrm>
+          <a:prstGeom prst="rect">
+            <a:avLst/>
+          </a:prstGeom>
+          <a:noFill/>
+          <a:ln>
+            <a:solidFill>
+              <a:srgbClr val="FF0000"/>
+            </a:solidFill>
+            <a:prstDash val="dash"/>
+          </a:ln>
+        </p:spPr>
+        <p:style>
+          <a:lnRef idx="2">
+            <a:schemeClr val="accent1">
+              <a:shade val="50000"/>
+            </a:schemeClr>
+          </a:lnRef>
+          <a:fillRef idx="1">
+            <a:schemeClr val="accent1"/>
+          </a:fillRef>
+          <a:effectRef idx="0">
+            <a:schemeClr val="accent1"/>
+          </a:effectRef>
+          <a:fontRef idx="minor">
+            <a:schemeClr val="lt1"/>
+          </a:fontRef>
+        </p:style>
+        <p:txBody>
+          <a:bodyPr rtlCol="0" anchor="ctr"/>
+          <a:lstStyle/>
+          <a:p>
+            <a:pPr algn="ctr"/>
+            <a:endParaRPr lang="ko-KR" altLang="en-US"/>
+          </a:p>
+        </p:txBody>
+      </p:sp>
+      <p:sp>
+        <p:nvSpPr>
+          <p:cNvPr id="14" name="화살표: 아래쪽 26">
+            <a:extLst>
+              <a:ext uri="{FF2B5EF4-FFF2-40B4-BE49-F238E27FC236}">
+                <a16:creationId xmlns:a16="http://schemas.microsoft.com/office/drawing/2014/main" xmlns="" id="{B2889BCE-092A-4B6E-805F-EFAE6A038C1D}"/>
+              </a:ext>
+            </a:extLst>
+          </p:cNvPr>
+          <p:cNvSpPr/>
+          <p:nvPr/>
+        </p:nvSpPr>
+        <p:spPr>
+          <a:xfrm rot="14296037">
+            <a:off x="4532969" y="3574307"/>
+            <a:ext cx="137295" cy="797323"/>
+          </a:xfrm>
+          <a:prstGeom prst="downArrow">
+            <a:avLst>
+              <a:gd name="adj1" fmla="val 36374"/>
+              <a:gd name="adj2" fmla="val 80138"/>
+            </a:avLst>
+          </a:prstGeom>
+          <a:solidFill>
+            <a:srgbClr val="FF0000"/>
+          </a:solidFill>
+          <a:ln>
+            <a:noFill/>
+          </a:ln>
+        </p:spPr>
+        <p:style>
+          <a:lnRef idx="2">
+            <a:schemeClr val="accent1">
+              <a:shade val="50000"/>
+            </a:schemeClr>
+          </a:lnRef>
+          <a:fillRef idx="1">
+            <a:schemeClr val="accent1"/>
+          </a:fillRef>
+          <a:effectRef idx="0">
+            <a:schemeClr val="accent1"/>
+          </a:effectRef>
+          <a:fontRef idx="minor">
+            <a:schemeClr val="lt1"/>
+          </a:fontRef>
+        </p:style>
+        <p:txBody>
+          <a:bodyPr rtlCol="0" anchor="ctr"/>
+          <a:lstStyle/>
+          <a:p>
+            <a:pPr algn="ctr"/>
+            <a:endParaRPr lang="ko-KR" altLang="en-US"/>
+          </a:p>
+        </p:txBody>
+      </p:sp>
+      <p:sp>
+        <p:nvSpPr>
+          <p:cNvPr id="15" name="모서리가 둥근 직사각형 18">
+            <a:extLst>
+              <a:ext uri="{FF2B5EF4-FFF2-40B4-BE49-F238E27FC236}">
+                <a16:creationId xmlns:a16="http://schemas.microsoft.com/office/drawing/2014/main" xmlns="" id="{3232FBF2-4E60-481E-BF83-CC24D588C368}"/>
+              </a:ext>
+            </a:extLst>
+          </p:cNvPr>
+          <p:cNvSpPr/>
+          <p:nvPr/>
+        </p:nvSpPr>
+        <p:spPr>
+          <a:xfrm>
+            <a:off x="5029244" y="3251156"/>
+            <a:ext cx="3307281" cy="983696"/>
+          </a:xfrm>
+          <a:prstGeom prst="roundRect">
+            <a:avLst>
+              <a:gd name="adj" fmla="val 5887"/>
+            </a:avLst>
+          </a:prstGeom>
+          <a:solidFill>
+            <a:srgbClr val="B5DC11"/>
+          </a:solidFill>
+          <a:ln>
+            <a:noFill/>
+          </a:ln>
+        </p:spPr>
+        <p:style>
+          <a:lnRef idx="2">
+            <a:schemeClr val="accent1">
+              <a:shade val="50000"/>
+            </a:schemeClr>
+          </a:lnRef>
+          <a:fillRef idx="1">
+            <a:schemeClr val="accent1"/>
+          </a:fillRef>
+          <a:effectRef idx="0">
+            <a:schemeClr val="accent1"/>
+          </a:effectRef>
+          <a:fontRef idx="minor">
+            <a:schemeClr val="lt1"/>
+          </a:fontRef>
+        </p:style>
+        <p:txBody>
+          <a:bodyPr rtlCol="0" anchor="ctr"/>
+          <a:lstStyle/>
+          <a:p>
+            <a:pPr algn="ctr"/>
+            <a:r>
+              <a:rPr lang="en-US" altLang="ko-KR" sz="1000" dirty="0" smtClean="0">
+                <a:solidFill>
+                  <a:schemeClr val="tx1">
+                    <a:lumMod val="85000"/>
+                    <a:lumOff val="15000"/>
+                  </a:schemeClr>
+                </a:solidFill>
+                <a:latin typeface="넥슨Lv1고딕 Bold" panose="00000800000000000000" pitchFamily="2" charset="-127"/>
+                <a:ea typeface="넥슨Lv1고딕 Bold" panose="00000800000000000000" pitchFamily="2" charset="-127"/>
+              </a:rPr>
+              <a:t>API</a:t>
+            </a:r>
+            <a:r>
+              <a:rPr lang="ko-KR" altLang="en-US" sz="1000" smtClean="0">
+                <a:solidFill>
+                  <a:schemeClr val="tx1">
+                    <a:lumMod val="85000"/>
+                    <a:lumOff val="15000"/>
+                  </a:schemeClr>
+                </a:solidFill>
+                <a:latin typeface="넥슨Lv1고딕 Bold" panose="00000800000000000000" pitchFamily="2" charset="-127"/>
+                <a:ea typeface="넥슨Lv1고딕 Bold" panose="00000800000000000000" pitchFamily="2" charset="-127"/>
+              </a:rPr>
+              <a:t>에서 성공적으로 데이터를 불러온 후</a:t>
+            </a:r>
+            <a:r>
+              <a:rPr lang="en-US" altLang="ko-KR" sz="1000" dirty="0" smtClean="0">
+                <a:solidFill>
+                  <a:schemeClr val="tx1">
+                    <a:lumMod val="85000"/>
+                    <a:lumOff val="15000"/>
+                  </a:schemeClr>
+                </a:solidFill>
+                <a:latin typeface="넥슨Lv1고딕 Bold" panose="00000800000000000000" pitchFamily="2" charset="-127"/>
+                <a:ea typeface="넥슨Lv1고딕 Bold" panose="00000800000000000000" pitchFamily="2" charset="-127"/>
+              </a:rPr>
+              <a:t>,</a:t>
+            </a:r>
+          </a:p>
+          <a:p>
+            <a:pPr algn="ctr"/>
+            <a:r>
+              <a:rPr lang="ko-KR" altLang="en-US" sz="1000" dirty="0" smtClean="0">
+                <a:solidFill>
+                  <a:schemeClr val="tx1">
+                    <a:lumMod val="85000"/>
+                    <a:lumOff val="15000"/>
+                  </a:schemeClr>
+                </a:solidFill>
+                <a:latin typeface="넥슨Lv1고딕 Bold" panose="00000800000000000000" pitchFamily="2" charset="-127"/>
+                <a:ea typeface="넥슨Lv1고딕 Bold" panose="00000800000000000000" pitchFamily="2" charset="-127"/>
+              </a:rPr>
+              <a:t>각 </a:t>
+            </a:r>
+            <a:r>
+              <a:rPr lang="en-US" altLang="ko-KR" sz="1000" dirty="0" smtClean="0">
+                <a:solidFill>
+                  <a:schemeClr val="tx1">
+                    <a:lumMod val="85000"/>
+                    <a:lumOff val="15000"/>
+                  </a:schemeClr>
+                </a:solidFill>
+                <a:latin typeface="넥슨Lv1고딕 Bold" panose="00000800000000000000" pitchFamily="2" charset="-127"/>
+                <a:ea typeface="넥슨Lv1고딕 Bold" panose="00000800000000000000" pitchFamily="2" charset="-127"/>
+              </a:rPr>
+              <a:t>&lt;td&gt;</a:t>
+            </a:r>
+            <a:r>
+              <a:rPr lang="ko-KR" altLang="en-US" sz="1000" smtClean="0">
+                <a:solidFill>
+                  <a:schemeClr val="tx1">
+                    <a:lumMod val="85000"/>
+                    <a:lumOff val="15000"/>
+                  </a:schemeClr>
+                </a:solidFill>
+                <a:latin typeface="넥슨Lv1고딕 Bold" panose="00000800000000000000" pitchFamily="2" charset="-127"/>
+                <a:ea typeface="넥슨Lv1고딕 Bold" panose="00000800000000000000" pitchFamily="2" charset="-127"/>
+              </a:rPr>
+              <a:t>에 순위</a:t>
+            </a:r>
+            <a:r>
+              <a:rPr lang="en-US" altLang="ko-KR" sz="1000" dirty="0" smtClean="0">
+                <a:solidFill>
+                  <a:schemeClr val="tx1">
+                    <a:lumMod val="85000"/>
+                    <a:lumOff val="15000"/>
+                  </a:schemeClr>
+                </a:solidFill>
+                <a:latin typeface="넥슨Lv1고딕 Bold" panose="00000800000000000000" pitchFamily="2" charset="-127"/>
+                <a:ea typeface="넥슨Lv1고딕 Bold" panose="00000800000000000000" pitchFamily="2" charset="-127"/>
+              </a:rPr>
+              <a:t>, </a:t>
+            </a:r>
+            <a:r>
+              <a:rPr lang="ko-KR" altLang="en-US" sz="1000" smtClean="0">
+                <a:solidFill>
+                  <a:schemeClr val="tx1">
+                    <a:lumMod val="85000"/>
+                    <a:lumOff val="15000"/>
+                  </a:schemeClr>
+                </a:solidFill>
+                <a:latin typeface="넥슨Lv1고딕 Bold" panose="00000800000000000000" pitchFamily="2" charset="-127"/>
+                <a:ea typeface="넥슨Lv1고딕 Bold" panose="00000800000000000000" pitchFamily="2" charset="-127"/>
+              </a:rPr>
+              <a:t>제목</a:t>
+            </a:r>
+            <a:r>
+              <a:rPr lang="en-US" altLang="ko-KR" sz="1000" dirty="0" smtClean="0">
+                <a:solidFill>
+                  <a:schemeClr val="tx1">
+                    <a:lumMod val="85000"/>
+                    <a:lumOff val="15000"/>
+                  </a:schemeClr>
+                </a:solidFill>
+                <a:latin typeface="넥슨Lv1고딕 Bold" panose="00000800000000000000" pitchFamily="2" charset="-127"/>
+                <a:ea typeface="넥슨Lv1고딕 Bold" panose="00000800000000000000" pitchFamily="2" charset="-127"/>
+              </a:rPr>
+              <a:t>, </a:t>
+            </a:r>
+            <a:r>
+              <a:rPr lang="ko-KR" altLang="en-US" sz="1000" smtClean="0">
+                <a:solidFill>
+                  <a:schemeClr val="tx1">
+                    <a:lumMod val="85000"/>
+                    <a:lumOff val="15000"/>
+                  </a:schemeClr>
+                </a:solidFill>
+                <a:latin typeface="넥슨Lv1고딕 Bold" panose="00000800000000000000" pitchFamily="2" charset="-127"/>
+                <a:ea typeface="넥슨Lv1고딕 Bold" panose="00000800000000000000" pitchFamily="2" charset="-127"/>
+              </a:rPr>
+              <a:t>누적 관객수를 삽입합니다</a:t>
+            </a:r>
+            <a:r>
+              <a:rPr lang="en-US" altLang="ko-KR" sz="1000" dirty="0" smtClean="0">
+                <a:solidFill>
+                  <a:schemeClr val="tx1">
+                    <a:lumMod val="85000"/>
+                    <a:lumOff val="15000"/>
+                  </a:schemeClr>
+                </a:solidFill>
+                <a:latin typeface="넥슨Lv1고딕 Bold" panose="00000800000000000000" pitchFamily="2" charset="-127"/>
+                <a:ea typeface="넥슨Lv1고딕 Bold" panose="00000800000000000000" pitchFamily="2" charset="-127"/>
+              </a:rPr>
+              <a:t>.</a:t>
+            </a:r>
+          </a:p>
+          <a:p>
+            <a:pPr algn="ctr"/>
+            <a:endParaRPr lang="en-US" altLang="ko-KR" sz="1000" dirty="0">
+              <a:solidFill>
+                <a:schemeClr val="tx1">
+                  <a:lumMod val="85000"/>
+                  <a:lumOff val="15000"/>
+                </a:schemeClr>
+              </a:solidFill>
+              <a:latin typeface="넥슨Lv1고딕 Bold" panose="00000800000000000000" pitchFamily="2" charset="-127"/>
+              <a:ea typeface="넥슨Lv1고딕 Bold" panose="00000800000000000000" pitchFamily="2" charset="-127"/>
+            </a:endParaRPr>
+          </a:p>
+          <a:p>
+            <a:pPr algn="ctr"/>
+            <a:r>
+              <a:rPr lang="en-US" altLang="ko-KR" sz="1000" dirty="0" smtClean="0">
+                <a:solidFill>
+                  <a:schemeClr val="tx1">
+                    <a:lumMod val="85000"/>
+                    <a:lumOff val="15000"/>
+                  </a:schemeClr>
+                </a:solidFill>
+                <a:latin typeface="넥슨Lv1고딕 Bold" panose="00000800000000000000" pitchFamily="2" charset="-127"/>
+                <a:ea typeface="넥슨Lv1고딕 Bold" panose="00000800000000000000" pitchFamily="2" charset="-127"/>
+              </a:rPr>
+              <a:t>jQuery</a:t>
+            </a:r>
+            <a:r>
+              <a:rPr lang="ko-KR" altLang="en-US" sz="1000" smtClean="0">
+                <a:solidFill>
+                  <a:schemeClr val="tx1">
+                    <a:lumMod val="85000"/>
+                    <a:lumOff val="15000"/>
+                  </a:schemeClr>
+                </a:solidFill>
+                <a:latin typeface="넥슨Lv1고딕 Bold" panose="00000800000000000000" pitchFamily="2" charset="-127"/>
+                <a:ea typeface="넥슨Lv1고딕 Bold" panose="00000800000000000000" pitchFamily="2" charset="-127"/>
+              </a:rPr>
+              <a:t>이니 </a:t>
+            </a:r>
+            <a:r>
+              <a:rPr lang="en-US" altLang="ko-KR" sz="1000" dirty="0" smtClean="0">
+                <a:solidFill>
+                  <a:schemeClr val="tx1">
+                    <a:lumMod val="85000"/>
+                    <a:lumOff val="15000"/>
+                  </a:schemeClr>
+                </a:solidFill>
+                <a:latin typeface="넥슨Lv1고딕 Bold" panose="00000800000000000000" pitchFamily="2" charset="-127"/>
+                <a:ea typeface="넥슨Lv1고딕 Bold" panose="00000800000000000000" pitchFamily="2" charset="-127"/>
+              </a:rPr>
+              <a:t>$(‘.rank’).html(</a:t>
+            </a:r>
+            <a:r>
+              <a:rPr lang="ko-KR" altLang="en-US" sz="1000" smtClean="0">
+                <a:solidFill>
+                  <a:schemeClr val="tx1">
+                    <a:lumMod val="85000"/>
+                    <a:lumOff val="15000"/>
+                  </a:schemeClr>
+                </a:solidFill>
+                <a:latin typeface="넥슨Lv1고딕 Bold" panose="00000800000000000000" pitchFamily="2" charset="-127"/>
+                <a:ea typeface="넥슨Lv1고딕 Bold" panose="00000800000000000000" pitchFamily="2" charset="-127"/>
+              </a:rPr>
+              <a:t>순위 데이터</a:t>
+            </a:r>
+            <a:r>
+              <a:rPr lang="en-US" altLang="ko-KR" sz="1000" dirty="0" smtClean="0">
+                <a:solidFill>
+                  <a:schemeClr val="tx1">
+                    <a:lumMod val="85000"/>
+                    <a:lumOff val="15000"/>
+                  </a:schemeClr>
+                </a:solidFill>
+                <a:latin typeface="넥슨Lv1고딕 Bold" panose="00000800000000000000" pitchFamily="2" charset="-127"/>
+                <a:ea typeface="넥슨Lv1고딕 Bold" panose="00000800000000000000" pitchFamily="2" charset="-127"/>
+              </a:rPr>
+              <a:t>); </a:t>
+            </a:r>
+            <a:r>
+              <a:rPr lang="ko-KR" altLang="en-US" sz="1000" smtClean="0">
+                <a:solidFill>
+                  <a:schemeClr val="tx1">
+                    <a:lumMod val="85000"/>
+                    <a:lumOff val="15000"/>
+                  </a:schemeClr>
+                </a:solidFill>
+                <a:latin typeface="넥슨Lv1고딕 Bold" panose="00000800000000000000" pitchFamily="2" charset="-127"/>
+                <a:ea typeface="넥슨Lv1고딕 Bold" panose="00000800000000000000" pitchFamily="2" charset="-127"/>
+              </a:rPr>
+              <a:t>가 되겠네요</a:t>
+            </a:r>
+            <a:r>
+              <a:rPr lang="en-US" altLang="ko-KR" sz="1000" dirty="0" smtClean="0">
+                <a:solidFill>
+                  <a:schemeClr val="tx1">
+                    <a:lumMod val="85000"/>
+                    <a:lumOff val="15000"/>
+                  </a:schemeClr>
+                </a:solidFill>
+                <a:latin typeface="넥슨Lv1고딕 Bold" panose="00000800000000000000" pitchFamily="2" charset="-127"/>
+                <a:ea typeface="넥슨Lv1고딕 Bold" panose="00000800000000000000" pitchFamily="2" charset="-127"/>
+              </a:rPr>
+              <a:t>.</a:t>
+            </a:r>
           </a:p>
         </p:txBody>
       </p:sp>
@@ -16690,6 +17344,13 @@
               </a:rPr>
               <a:t>Axios</a:t>
             </a:r>
+            <a:r>
+              <a:rPr lang="en-US" altLang="ko-KR" sz="1800" dirty="0">
+                <a:latin typeface="넥슨Lv1고딕 Bold" panose="00000800000000000000" pitchFamily="2" charset="-127"/>
+                <a:ea typeface="넥슨Lv1고딕 Bold" panose="00000800000000000000" pitchFamily="2" charset="-127"/>
+              </a:rPr>
+              <a:t/>
+            </a:r>
             <a:br>
               <a:rPr lang="en-US" altLang="ko-KR" sz="1800" dirty="0">
                 <a:latin typeface="넥슨Lv1고딕 Bold" panose="00000800000000000000" pitchFamily="2" charset="-127"/>
@@ -16729,7 +17390,7 @@
           <p:cNvPr id="9" name="타원 8">
             <a:extLst>
               <a:ext uri="{FF2B5EF4-FFF2-40B4-BE49-F238E27FC236}">
-                <a16:creationId xmlns:a16="http://schemas.microsoft.com/office/drawing/2014/main" id="{C2826594-E15A-4E00-B804-341CF7FF751E}"/>
+                <a16:creationId xmlns:a16="http://schemas.microsoft.com/office/drawing/2014/main" xmlns="" id="{C2826594-E15A-4E00-B804-341CF7FF751E}"/>
               </a:ext>
             </a:extLst>
           </p:cNvPr>
@@ -16791,7 +17452,7 @@
           <p:cNvPr id="5" name="Picture 4" descr="A screenshot of a cell phone&#10;&#10;Description automatically generated">
             <a:extLst>
               <a:ext uri="{FF2B5EF4-FFF2-40B4-BE49-F238E27FC236}">
-                <a16:creationId xmlns:a16="http://schemas.microsoft.com/office/drawing/2014/main" id="{C81EECA2-BACA-489F-BD07-B1B6F957EBD7}"/>
+                <a16:creationId xmlns:a16="http://schemas.microsoft.com/office/drawing/2014/main" xmlns="" id="{C81EECA2-BACA-489F-BD07-B1B6F957EBD7}"/>
               </a:ext>
             </a:extLst>
           </p:cNvPr>
@@ -16800,7 +17461,7 @@
           </p:cNvPicPr>
           <p:nvPr/>
         </p:nvPicPr>
-        <p:blipFill>
+        <p:blipFill rotWithShape="1">
           <a:blip r:embed="rId3">
             <a:extLst>
               <a:ext uri="{28A0092B-C50C-407E-A947-70E740481C1C}">
@@ -16808,14 +17469,13 @@
               </a:ext>
             </a:extLst>
           </a:blip>
-          <a:stretch>
-            <a:fillRect/>
-          </a:stretch>
+          <a:srcRect t="1117"/>
+          <a:stretch/>
         </p:blipFill>
         <p:spPr>
           <a:xfrm>
-            <a:off x="240320" y="2338333"/>
-            <a:ext cx="8663360" cy="1798553"/>
+            <a:off x="240320" y="2586997"/>
+            <a:ext cx="8663360" cy="1778465"/>
           </a:xfrm>
           <a:prstGeom prst="rect">
             <a:avLst/>
@@ -16824,10 +17484,10 @@
       </p:pic>
       <p:sp>
         <p:nvSpPr>
-          <p:cNvPr id="6" name="TextBox 5">
+          <p:cNvPr id="10" name="TextBox 9">
             <a:extLst>
               <a:ext uri="{FF2B5EF4-FFF2-40B4-BE49-F238E27FC236}">
-                <a16:creationId xmlns:a16="http://schemas.microsoft.com/office/drawing/2014/main" id="{52798BBE-4BD9-4B7C-9F50-08C4D31CFAD6}"/>
+                <a16:creationId xmlns:a16="http://schemas.microsoft.com/office/drawing/2014/main" xmlns="" id="{9F12D4E5-B109-4B80-B716-4AECBE0D5D67}"/>
               </a:ext>
             </a:extLst>
           </p:cNvPr>
@@ -16836,8 +17496,8 @@
         </p:nvSpPr>
         <p:spPr>
           <a:xfrm>
-            <a:off x="328108" y="4306223"/>
-            <a:ext cx="7592036" cy="954107"/>
+            <a:off x="1415846" y="2061361"/>
+            <a:ext cx="6858204" cy="430887"/>
           </a:xfrm>
           <a:prstGeom prst="rect">
             <a:avLst/>
@@ -16851,86 +17511,663 @@
           <a:lstStyle/>
           <a:p>
             <a:r>
-              <a:rPr lang="en-US" altLang="ko-KR" sz="1400" dirty="0" err="1"/>
-              <a:t>Jquery</a:t>
-            </a:r>
-            <a:r>
-              <a:rPr lang="ko-KR" altLang="en-US" sz="1400" dirty="0"/>
-              <a:t> </a:t>
-            </a:r>
-            <a:r>
-              <a:rPr lang="en-US" altLang="ko-KR" sz="1400" dirty="0"/>
-              <a:t>ajax</a:t>
-            </a:r>
-            <a:r>
-              <a:rPr lang="ko-KR" altLang="en-US" sz="1400" dirty="0"/>
-              <a:t>를 이용</a:t>
-            </a:r>
-            <a:endParaRPr lang="en-US" altLang="ko-KR" sz="1400" dirty="0"/>
-          </a:p>
-          <a:p>
-            <a:endParaRPr lang="en-US" altLang="ko-KR" sz="1400" dirty="0"/>
-          </a:p>
-          <a:p>
-            <a:r>
-              <a:rPr lang="en-US" altLang="ko-KR" sz="1400" dirty="0"/>
-              <a:t> - </a:t>
-            </a:r>
-            <a:r>
-              <a:rPr lang="ko-KR" altLang="en-US" sz="1400" dirty="0"/>
-              <a:t>서버에</a:t>
-            </a:r>
-            <a:r>
-              <a:rPr lang="en-US" altLang="ko-KR" sz="1400" dirty="0"/>
-              <a:t> GET </a:t>
-            </a:r>
-            <a:r>
-              <a:rPr lang="ko-KR" altLang="en-US" sz="1400" dirty="0"/>
-              <a:t>방식으로 데이터를 요청</a:t>
-            </a:r>
-            <a:r>
-              <a:rPr lang="en-US" altLang="ko-KR" sz="1400" dirty="0"/>
+              <a:rPr lang="ko-KR" altLang="en-US" sz="1100" spc="-50" dirty="0" smtClean="0">
+                <a:latin typeface="넥슨Lv1고딕 Light" panose="00000300000000000000" pitchFamily="2" charset="-127"/>
+                <a:ea typeface="넥슨Lv1고딕 Light" panose="00000300000000000000" pitchFamily="2" charset="-127"/>
+              </a:rPr>
+              <a:t>영화진흥위원회에서 제공하는 </a:t>
+            </a:r>
+            <a:r>
+              <a:rPr lang="en-US" altLang="ko-KR" sz="1100" spc="-50" dirty="0" smtClean="0">
+                <a:latin typeface="넥슨Lv1고딕 Light" panose="00000300000000000000" pitchFamily="2" charset="-127"/>
+                <a:ea typeface="넥슨Lv1고딕 Light" panose="00000300000000000000" pitchFamily="2" charset="-127"/>
+              </a:rPr>
+              <a:t>API</a:t>
+            </a:r>
+            <a:r>
+              <a:rPr lang="ko-KR" altLang="en-US" sz="1100" spc="-50" smtClean="0">
+                <a:latin typeface="넥슨Lv1고딕 Light" panose="00000300000000000000" pitchFamily="2" charset="-127"/>
+                <a:ea typeface="넥슨Lv1고딕 Light" panose="00000300000000000000" pitchFamily="2" charset="-127"/>
+              </a:rPr>
+              <a:t>에 </a:t>
+            </a:r>
+            <a:r>
+              <a:rPr lang="en-US" altLang="ko-KR" sz="1100" spc="-50" dirty="0" smtClean="0">
+                <a:latin typeface="넥슨Lv1고딕 Light" panose="00000300000000000000" pitchFamily="2" charset="-127"/>
+                <a:ea typeface="넥슨Lv1고딕 Light" panose="00000300000000000000" pitchFamily="2" charset="-127"/>
+              </a:rPr>
+              <a:t>GET </a:t>
+            </a:r>
+            <a:r>
+              <a:rPr lang="ko-KR" altLang="en-US" sz="1100" spc="-50" smtClean="0">
+                <a:latin typeface="넥슨Lv1고딕 Light" panose="00000300000000000000" pitchFamily="2" charset="-127"/>
+                <a:ea typeface="넥슨Lv1고딕 Light" panose="00000300000000000000" pitchFamily="2" charset="-127"/>
+              </a:rPr>
+              <a:t>방식으로 일별 박스오피스 데이터를 요청합니다</a:t>
+            </a:r>
+            <a:r>
+              <a:rPr lang="en-US" altLang="ko-KR" sz="1100" spc="-50" dirty="0" smtClean="0">
+                <a:latin typeface="넥슨Lv1고딕 Light" panose="00000300000000000000" pitchFamily="2" charset="-127"/>
+                <a:ea typeface="넥슨Lv1고딕 Light" panose="00000300000000000000" pitchFamily="2" charset="-127"/>
+              </a:rPr>
               <a:t>.</a:t>
             </a:r>
           </a:p>
           <a:p>
             <a:r>
-              <a:rPr lang="en-US" altLang="ko-KR" sz="1400" dirty="0"/>
-              <a:t> - </a:t>
-            </a:r>
-            <a:r>
-              <a:rPr lang="ko-KR" altLang="en-US" sz="1400" dirty="0"/>
-              <a:t>데이터를 받아오는데 성공 한다면 </a:t>
-            </a:r>
-            <a:r>
-              <a:rPr lang="en-US" altLang="ko-KR" sz="1400" dirty="0"/>
+              <a:rPr lang="en-US" altLang="ko-KR" sz="1100" spc="-50" dirty="0" smtClean="0">
+                <a:latin typeface="넥슨Lv1고딕 Light" panose="00000300000000000000" pitchFamily="2" charset="-127"/>
+                <a:ea typeface="넥슨Lv1고딕 Light" panose="00000300000000000000" pitchFamily="2" charset="-127"/>
+              </a:rPr>
+              <a:t>GET </a:t>
+            </a:r>
+            <a:r>
+              <a:rPr lang="ko-KR" altLang="en-US" sz="1100" spc="-50" smtClean="0">
+                <a:latin typeface="넥슨Lv1고딕 Light" panose="00000300000000000000" pitchFamily="2" charset="-127"/>
+                <a:ea typeface="넥슨Lv1고딕 Light" panose="00000300000000000000" pitchFamily="2" charset="-127"/>
+              </a:rPr>
+              <a:t>요청이 성공적으로 수행되면 </a:t>
+            </a:r>
+            <a:r>
+              <a:rPr lang="en-US" altLang="ko-KR" sz="1100" spc="-50" dirty="0" smtClean="0">
+                <a:latin typeface="넥슨Lv1고딕 Light" panose="00000300000000000000" pitchFamily="2" charset="-127"/>
+                <a:ea typeface="넥슨Lv1고딕 Light" panose="00000300000000000000" pitchFamily="2" charset="-127"/>
+              </a:rPr>
               <a:t>success </a:t>
             </a:r>
             <a:r>
-              <a:rPr lang="ko-KR" altLang="en-US" sz="1400" dirty="0"/>
-              <a:t>함수 실행</a:t>
-            </a:r>
-            <a:r>
-              <a:rPr lang="en-US" altLang="ko-KR" sz="1400" dirty="0"/>
+              <a:rPr lang="ko-KR" altLang="en-US" sz="1100" spc="-50" smtClean="0">
+                <a:latin typeface="넥슨Lv1고딕 Light" panose="00000300000000000000" pitchFamily="2" charset="-127"/>
+                <a:ea typeface="넥슨Lv1고딕 Light" panose="00000300000000000000" pitchFamily="2" charset="-127"/>
+              </a:rPr>
+              <a:t>콜백 함수를 실행</a:t>
+            </a:r>
+            <a:r>
+              <a:rPr lang="en-US" altLang="ko-KR" sz="1100" spc="-50" dirty="0" smtClean="0">
+                <a:latin typeface="넥슨Lv1고딕 Light" panose="00000300000000000000" pitchFamily="2" charset="-127"/>
+                <a:ea typeface="넥슨Lv1고딕 Light" panose="00000300000000000000" pitchFamily="2" charset="-127"/>
+              </a:rPr>
               <a:t>, </a:t>
             </a:r>
             <a:r>
-              <a:rPr lang="ko-KR" altLang="en-US" sz="1400" dirty="0"/>
-              <a:t>실패한다면 </a:t>
-            </a:r>
-            <a:r>
-              <a:rPr lang="en-US" altLang="ko-KR" sz="1400" dirty="0"/>
+              <a:rPr lang="ko-KR" altLang="en-US" sz="1100" spc="-50" smtClean="0">
+                <a:latin typeface="넥슨Lv1고딕 Light" panose="00000300000000000000" pitchFamily="2" charset="-127"/>
+                <a:ea typeface="넥슨Lv1고딕 Light" panose="00000300000000000000" pitchFamily="2" charset="-127"/>
+              </a:rPr>
+              <a:t>에러가 발생하면 </a:t>
+            </a:r>
+            <a:r>
+              <a:rPr lang="en-US" altLang="ko-KR" sz="1100" spc="-50" dirty="0" smtClean="0">
+                <a:latin typeface="넥슨Lv1고딕 Light" panose="00000300000000000000" pitchFamily="2" charset="-127"/>
+                <a:ea typeface="넥슨Lv1고딕 Light" panose="00000300000000000000" pitchFamily="2" charset="-127"/>
+              </a:rPr>
               <a:t>error </a:t>
             </a:r>
             <a:r>
-              <a:rPr lang="ko-KR" altLang="en-US" sz="1400" dirty="0"/>
-              <a:t>함수가 실행됩니다</a:t>
-            </a:r>
-            <a:r>
-              <a:rPr lang="en-US" altLang="ko-KR" sz="1400" dirty="0"/>
-              <a:t>. </a:t>
-            </a:r>
-            <a:endParaRPr lang="ko-KR" altLang="en-US" sz="1400" dirty="0"/>
+              <a:rPr lang="ko-KR" altLang="en-US" sz="1100" spc="-50" smtClean="0">
+                <a:latin typeface="넥슨Lv1고딕 Light" panose="00000300000000000000" pitchFamily="2" charset="-127"/>
+                <a:ea typeface="넥슨Lv1고딕 Light" panose="00000300000000000000" pitchFamily="2" charset="-127"/>
+              </a:rPr>
+              <a:t>콜백 함수를 실행합니다</a:t>
+            </a:r>
+            <a:r>
+              <a:rPr lang="en-US" altLang="ko-KR" sz="1100" spc="-50" dirty="0" smtClean="0">
+                <a:latin typeface="넥슨Lv1고딕 Light" panose="00000300000000000000" pitchFamily="2" charset="-127"/>
+                <a:ea typeface="넥슨Lv1고딕 Light" panose="00000300000000000000" pitchFamily="2" charset="-127"/>
+              </a:rPr>
+              <a:t>.</a:t>
+            </a:r>
+          </a:p>
+        </p:txBody>
+      </p:sp>
+      <p:sp>
+        <p:nvSpPr>
+          <p:cNvPr id="15" name="직사각형 14">
+            <a:extLst>
+              <a:ext uri="{FF2B5EF4-FFF2-40B4-BE49-F238E27FC236}">
+                <a16:creationId xmlns:a16="http://schemas.microsoft.com/office/drawing/2014/main" xmlns="" id="{6BCF2C6F-DE96-44FB-AC9B-5B17AA7C127E}"/>
+              </a:ext>
+            </a:extLst>
+          </p:cNvPr>
+          <p:cNvSpPr/>
+          <p:nvPr/>
+        </p:nvSpPr>
+        <p:spPr>
+          <a:xfrm>
+            <a:off x="896579" y="3206091"/>
+            <a:ext cx="1687871" cy="369071"/>
+          </a:xfrm>
+          <a:prstGeom prst="rect">
+            <a:avLst/>
+          </a:prstGeom>
+          <a:noFill/>
+          <a:ln>
+            <a:solidFill>
+              <a:srgbClr val="298DBF"/>
+            </a:solidFill>
+            <a:prstDash val="dash"/>
+          </a:ln>
+        </p:spPr>
+        <p:style>
+          <a:lnRef idx="2">
+            <a:schemeClr val="accent1">
+              <a:shade val="50000"/>
+            </a:schemeClr>
+          </a:lnRef>
+          <a:fillRef idx="1">
+            <a:schemeClr val="accent1"/>
+          </a:fillRef>
+          <a:effectRef idx="0">
+            <a:schemeClr val="accent1"/>
+          </a:effectRef>
+          <a:fontRef idx="minor">
+            <a:schemeClr val="lt1"/>
+          </a:fontRef>
+        </p:style>
+        <p:txBody>
+          <a:bodyPr rtlCol="0" anchor="ctr"/>
+          <a:lstStyle/>
+          <a:p>
+            <a:pPr algn="ctr"/>
+            <a:endParaRPr lang="ko-KR" altLang="en-US"/>
+          </a:p>
+        </p:txBody>
+      </p:sp>
+      <p:sp>
+        <p:nvSpPr>
+          <p:cNvPr id="16" name="모서리가 둥근 직사각형 18">
+            <a:extLst>
+              <a:ext uri="{FF2B5EF4-FFF2-40B4-BE49-F238E27FC236}">
+                <a16:creationId xmlns:a16="http://schemas.microsoft.com/office/drawing/2014/main" xmlns="" id="{E2EB3284-B04D-47D8-BEC4-9757F1E20152}"/>
+              </a:ext>
+            </a:extLst>
+          </p:cNvPr>
+          <p:cNvSpPr/>
+          <p:nvPr/>
+        </p:nvSpPr>
+        <p:spPr>
+          <a:xfrm>
+            <a:off x="3309136" y="4780057"/>
+            <a:ext cx="2774447" cy="627883"/>
+          </a:xfrm>
+          <a:prstGeom prst="roundRect">
+            <a:avLst>
+              <a:gd name="adj" fmla="val 6863"/>
+            </a:avLst>
+          </a:prstGeom>
+          <a:solidFill>
+            <a:schemeClr val="accent1">
+              <a:lumMod val="20000"/>
+              <a:lumOff val="80000"/>
+            </a:schemeClr>
+          </a:solidFill>
+          <a:ln>
+            <a:noFill/>
+          </a:ln>
+        </p:spPr>
+        <p:style>
+          <a:lnRef idx="2">
+            <a:schemeClr val="accent1">
+              <a:shade val="50000"/>
+            </a:schemeClr>
+          </a:lnRef>
+          <a:fillRef idx="1">
+            <a:schemeClr val="accent1"/>
+          </a:fillRef>
+          <a:effectRef idx="0">
+            <a:schemeClr val="accent1"/>
+          </a:effectRef>
+          <a:fontRef idx="minor">
+            <a:schemeClr val="lt1"/>
+          </a:fontRef>
+        </p:style>
+        <p:txBody>
+          <a:bodyPr rtlCol="0" anchor="ctr"/>
+          <a:lstStyle/>
+          <a:p>
+            <a:pPr algn="ctr"/>
+            <a:endParaRPr lang="en-US" altLang="ko-KR" sz="1000" dirty="0">
+              <a:solidFill>
+                <a:schemeClr val="tx1">
+                  <a:lumMod val="85000"/>
+                  <a:lumOff val="15000"/>
+                </a:schemeClr>
+              </a:solidFill>
+              <a:latin typeface="넥슨Lv1고딕 Bold" panose="00000800000000000000" pitchFamily="2" charset="-127"/>
+              <a:ea typeface="넥슨Lv1고딕 Bold" panose="00000800000000000000" pitchFamily="2" charset="-127"/>
+            </a:endParaRPr>
+          </a:p>
+          <a:p>
+            <a:pPr algn="ctr"/>
+            <a:r>
+              <a:rPr lang="ko-KR" altLang="en-US" sz="1000" dirty="0">
+                <a:solidFill>
+                  <a:schemeClr val="tx1">
+                    <a:lumMod val="85000"/>
+                    <a:lumOff val="15000"/>
+                  </a:schemeClr>
+                </a:solidFill>
+                <a:latin typeface="넥슨Lv1고딕 Bold" panose="00000800000000000000" pitchFamily="2" charset="-127"/>
+                <a:ea typeface="넥슨Lv1고딕 Bold" panose="00000800000000000000" pitchFamily="2" charset="-127"/>
+              </a:rPr>
+              <a:t>에러 메시지 처리</a:t>
+            </a:r>
+            <a:endParaRPr lang="en-US" altLang="ko-KR" sz="1000" dirty="0">
+              <a:solidFill>
+                <a:schemeClr val="tx1">
+                  <a:lumMod val="85000"/>
+                  <a:lumOff val="15000"/>
+                </a:schemeClr>
+              </a:solidFill>
+              <a:latin typeface="넥슨Lv1고딕 Bold" panose="00000800000000000000" pitchFamily="2" charset="-127"/>
+              <a:ea typeface="넥슨Lv1고딕 Bold" panose="00000800000000000000" pitchFamily="2" charset="-127"/>
+            </a:endParaRPr>
+          </a:p>
+        </p:txBody>
+      </p:sp>
+      <p:sp>
+        <p:nvSpPr>
+          <p:cNvPr id="17" name="모서리가 둥근 직사각형 18">
+            <a:extLst>
+              <a:ext uri="{FF2B5EF4-FFF2-40B4-BE49-F238E27FC236}">
+                <a16:creationId xmlns:a16="http://schemas.microsoft.com/office/drawing/2014/main" xmlns="" id="{850D30CD-96EB-4C16-A5A1-BA3E6B59464E}"/>
+              </a:ext>
+            </a:extLst>
+          </p:cNvPr>
+          <p:cNvSpPr/>
+          <p:nvPr/>
+        </p:nvSpPr>
+        <p:spPr>
+          <a:xfrm>
+            <a:off x="3309136" y="3696861"/>
+            <a:ext cx="2684854" cy="627883"/>
+          </a:xfrm>
+          <a:prstGeom prst="roundRect">
+            <a:avLst>
+              <a:gd name="adj" fmla="val 6863"/>
+            </a:avLst>
+          </a:prstGeom>
+          <a:solidFill>
+            <a:schemeClr val="accent1">
+              <a:lumMod val="20000"/>
+              <a:lumOff val="80000"/>
+            </a:schemeClr>
+          </a:solidFill>
+          <a:ln>
+            <a:noFill/>
+          </a:ln>
+        </p:spPr>
+        <p:style>
+          <a:lnRef idx="2">
+            <a:schemeClr val="accent1">
+              <a:shade val="50000"/>
+            </a:schemeClr>
+          </a:lnRef>
+          <a:fillRef idx="1">
+            <a:schemeClr val="accent1"/>
+          </a:fillRef>
+          <a:effectRef idx="0">
+            <a:schemeClr val="accent1"/>
+          </a:effectRef>
+          <a:fontRef idx="minor">
+            <a:schemeClr val="lt1"/>
+          </a:fontRef>
+        </p:style>
+        <p:txBody>
+          <a:bodyPr rtlCol="0" anchor="ctr"/>
+          <a:lstStyle/>
+          <a:p>
+            <a:pPr algn="ctr"/>
+            <a:endParaRPr lang="en-US" altLang="ko-KR" sz="1000" dirty="0">
+              <a:solidFill>
+                <a:schemeClr val="tx1">
+                  <a:lumMod val="85000"/>
+                  <a:lumOff val="15000"/>
+                </a:schemeClr>
+              </a:solidFill>
+              <a:latin typeface="넥슨Lv1고딕 Bold" panose="00000800000000000000" pitchFamily="2" charset="-127"/>
+              <a:ea typeface="넥슨Lv1고딕 Bold" panose="00000800000000000000" pitchFamily="2" charset="-127"/>
+            </a:endParaRPr>
+          </a:p>
+          <a:p>
+            <a:pPr algn="ctr"/>
+            <a:r>
+              <a:rPr lang="ko-KR" altLang="en-US" sz="1000" dirty="0">
+                <a:solidFill>
+                  <a:schemeClr val="tx1">
+                    <a:lumMod val="85000"/>
+                    <a:lumOff val="15000"/>
+                  </a:schemeClr>
+                </a:solidFill>
+                <a:latin typeface="넥슨Lv1고딕 Bold" panose="00000800000000000000" pitchFamily="2" charset="-127"/>
+                <a:ea typeface="넥슨Lv1고딕 Bold" panose="00000800000000000000" pitchFamily="2" charset="-127"/>
+              </a:rPr>
+              <a:t>리스트 렌더링</a:t>
+            </a:r>
+            <a:r>
+              <a:rPr lang="en-US" altLang="ko-KR" sz="1000" dirty="0">
+                <a:solidFill>
+                  <a:schemeClr val="tx1">
+                    <a:lumMod val="85000"/>
+                    <a:lumOff val="15000"/>
+                  </a:schemeClr>
+                </a:solidFill>
+                <a:latin typeface="넥슨Lv1고딕 Bold" panose="00000800000000000000" pitchFamily="2" charset="-127"/>
+                <a:ea typeface="넥슨Lv1고딕 Bold" panose="00000800000000000000" pitchFamily="2" charset="-127"/>
+              </a:rPr>
+              <a:t>, </a:t>
+            </a:r>
+            <a:r>
+              <a:rPr lang="ko-KR" altLang="en-US" sz="1000" dirty="0">
+                <a:solidFill>
+                  <a:schemeClr val="tx1">
+                    <a:lumMod val="85000"/>
+                    <a:lumOff val="15000"/>
+                  </a:schemeClr>
+                </a:solidFill>
+                <a:latin typeface="넥슨Lv1고딕 Bold" panose="00000800000000000000" pitchFamily="2" charset="-127"/>
+                <a:ea typeface="넥슨Lv1고딕 Bold" panose="00000800000000000000" pitchFamily="2" charset="-127"/>
+              </a:rPr>
+              <a:t>슬라이더 삽입 등 화면 갱신</a:t>
+            </a:r>
+            <a:endParaRPr lang="en-US" altLang="ko-KR" sz="1000" dirty="0">
+              <a:solidFill>
+                <a:schemeClr val="tx1">
+                  <a:lumMod val="85000"/>
+                  <a:lumOff val="15000"/>
+                </a:schemeClr>
+              </a:solidFill>
+              <a:latin typeface="넥슨Lv1고딕 Bold" panose="00000800000000000000" pitchFamily="2" charset="-127"/>
+              <a:ea typeface="넥슨Lv1고딕 Bold" panose="00000800000000000000" pitchFamily="2" charset="-127"/>
+            </a:endParaRPr>
+          </a:p>
+        </p:txBody>
+      </p:sp>
+      <p:sp>
+        <p:nvSpPr>
+          <p:cNvPr id="18" name="모서리가 둥근 직사각형 18">
+            <a:extLst>
+              <a:ext uri="{FF2B5EF4-FFF2-40B4-BE49-F238E27FC236}">
+                <a16:creationId xmlns:a16="http://schemas.microsoft.com/office/drawing/2014/main" xmlns="" id="{514C4D24-C312-4053-A353-9E449F0DE83C}"/>
+              </a:ext>
+            </a:extLst>
+          </p:cNvPr>
+          <p:cNvSpPr/>
+          <p:nvPr/>
+        </p:nvSpPr>
+        <p:spPr>
+          <a:xfrm>
+            <a:off x="3309136" y="3503791"/>
+            <a:ext cx="1047705" cy="412443"/>
+          </a:xfrm>
+          <a:prstGeom prst="roundRect">
+            <a:avLst/>
+          </a:prstGeom>
+          <a:solidFill>
+            <a:srgbClr val="00B0F0"/>
+          </a:solidFill>
+          <a:ln>
+            <a:noFill/>
+          </a:ln>
+        </p:spPr>
+        <p:style>
+          <a:lnRef idx="2">
+            <a:schemeClr val="accent1">
+              <a:shade val="50000"/>
+            </a:schemeClr>
+          </a:lnRef>
+          <a:fillRef idx="1">
+            <a:schemeClr val="accent1"/>
+          </a:fillRef>
+          <a:effectRef idx="0">
+            <a:schemeClr val="accent1"/>
+          </a:effectRef>
+          <a:fontRef idx="minor">
+            <a:schemeClr val="lt1"/>
+          </a:fontRef>
+        </p:style>
+        <p:txBody>
+          <a:bodyPr rtlCol="0" anchor="ctr"/>
+          <a:lstStyle/>
+          <a:p>
+            <a:pPr algn="ctr"/>
+            <a:r>
+              <a:rPr lang="ko-KR" altLang="en-US" sz="1400" dirty="0">
+                <a:solidFill>
+                  <a:schemeClr val="tx1"/>
+                </a:solidFill>
+                <a:latin typeface="넥슨Lv1고딕 Bold" panose="00000800000000000000" pitchFamily="2" charset="-127"/>
+                <a:ea typeface="넥슨Lv1고딕 Bold" panose="00000800000000000000" pitchFamily="2" charset="-127"/>
+              </a:rPr>
+              <a:t>성공</a:t>
+            </a:r>
+          </a:p>
+        </p:txBody>
+      </p:sp>
+      <p:sp>
+        <p:nvSpPr>
+          <p:cNvPr id="19" name="모서리가 둥근 직사각형 18">
+            <a:extLst>
+              <a:ext uri="{FF2B5EF4-FFF2-40B4-BE49-F238E27FC236}">
+                <a16:creationId xmlns:a16="http://schemas.microsoft.com/office/drawing/2014/main" xmlns="" id="{7A65E19A-DB93-48C6-805A-2362FD64F033}"/>
+              </a:ext>
+            </a:extLst>
+          </p:cNvPr>
+          <p:cNvSpPr/>
+          <p:nvPr/>
+        </p:nvSpPr>
+        <p:spPr>
+          <a:xfrm>
+            <a:off x="3309136" y="4586988"/>
+            <a:ext cx="1047705" cy="412443"/>
+          </a:xfrm>
+          <a:prstGeom prst="roundRect">
+            <a:avLst/>
+          </a:prstGeom>
+          <a:solidFill>
+            <a:srgbClr val="FFC000"/>
+          </a:solidFill>
+          <a:ln>
+            <a:noFill/>
+          </a:ln>
+        </p:spPr>
+        <p:style>
+          <a:lnRef idx="2">
+            <a:schemeClr val="accent1">
+              <a:shade val="50000"/>
+            </a:schemeClr>
+          </a:lnRef>
+          <a:fillRef idx="1">
+            <a:schemeClr val="accent1"/>
+          </a:fillRef>
+          <a:effectRef idx="0">
+            <a:schemeClr val="accent1"/>
+          </a:effectRef>
+          <a:fontRef idx="minor">
+            <a:schemeClr val="lt1"/>
+          </a:fontRef>
+        </p:style>
+        <p:txBody>
+          <a:bodyPr rtlCol="0" anchor="ctr"/>
+          <a:lstStyle/>
+          <a:p>
+            <a:pPr algn="ctr"/>
+            <a:r>
+              <a:rPr lang="ko-KR" altLang="en-US" sz="1400" dirty="0">
+                <a:solidFill>
+                  <a:schemeClr val="tx1">
+                    <a:lumMod val="85000"/>
+                    <a:lumOff val="15000"/>
+                  </a:schemeClr>
+                </a:solidFill>
+                <a:latin typeface="넥슨Lv1고딕 Bold" panose="00000800000000000000" pitchFamily="2" charset="-127"/>
+                <a:ea typeface="넥슨Lv1고딕 Bold" panose="00000800000000000000" pitchFamily="2" charset="-127"/>
+              </a:rPr>
+              <a:t>실패</a:t>
+            </a:r>
+          </a:p>
+        </p:txBody>
+      </p:sp>
+      <p:sp>
+        <p:nvSpPr>
+          <p:cNvPr id="20" name="직사각형 19">
+            <a:extLst>
+              <a:ext uri="{FF2B5EF4-FFF2-40B4-BE49-F238E27FC236}">
+                <a16:creationId xmlns:a16="http://schemas.microsoft.com/office/drawing/2014/main" xmlns="" id="{6BCF2C6F-DE96-44FB-AC9B-5B17AA7C127E}"/>
+              </a:ext>
+            </a:extLst>
+          </p:cNvPr>
+          <p:cNvSpPr/>
+          <p:nvPr/>
+        </p:nvSpPr>
+        <p:spPr>
+          <a:xfrm>
+            <a:off x="896579" y="3591715"/>
+            <a:ext cx="1687871" cy="369071"/>
+          </a:xfrm>
+          <a:prstGeom prst="rect">
+            <a:avLst/>
+          </a:prstGeom>
+          <a:noFill/>
+          <a:ln>
+            <a:solidFill>
+              <a:srgbClr val="FFC000"/>
+            </a:solidFill>
+            <a:prstDash val="dash"/>
+          </a:ln>
+        </p:spPr>
+        <p:style>
+          <a:lnRef idx="2">
+            <a:schemeClr val="accent1">
+              <a:shade val="50000"/>
+            </a:schemeClr>
+          </a:lnRef>
+          <a:fillRef idx="1">
+            <a:schemeClr val="accent1"/>
+          </a:fillRef>
+          <a:effectRef idx="0">
+            <a:schemeClr val="accent1"/>
+          </a:effectRef>
+          <a:fontRef idx="minor">
+            <a:schemeClr val="lt1"/>
+          </a:fontRef>
+        </p:style>
+        <p:txBody>
+          <a:bodyPr rtlCol="0" anchor="ctr"/>
+          <a:lstStyle/>
+          <a:p>
+            <a:pPr algn="ctr"/>
+            <a:endParaRPr lang="ko-KR" altLang="en-US"/>
+          </a:p>
+        </p:txBody>
+      </p:sp>
+      <p:sp>
+        <p:nvSpPr>
+          <p:cNvPr id="21" name="화살표: 아래쪽 26">
+            <a:extLst>
+              <a:ext uri="{FF2B5EF4-FFF2-40B4-BE49-F238E27FC236}">
+                <a16:creationId xmlns:a16="http://schemas.microsoft.com/office/drawing/2014/main" xmlns="" id="{B2889BCE-092A-4B6E-805F-EFAE6A038C1D}"/>
+              </a:ext>
+            </a:extLst>
+          </p:cNvPr>
+          <p:cNvSpPr/>
+          <p:nvPr/>
+        </p:nvSpPr>
+        <p:spPr>
+          <a:xfrm rot="17715746">
+            <a:off x="2850189" y="3190978"/>
+            <a:ext cx="137295" cy="674707"/>
+          </a:xfrm>
+          <a:prstGeom prst="downArrow">
+            <a:avLst>
+              <a:gd name="adj1" fmla="val 36374"/>
+              <a:gd name="adj2" fmla="val 80138"/>
+            </a:avLst>
+          </a:prstGeom>
+          <a:solidFill>
+            <a:srgbClr val="298DBF"/>
+          </a:solidFill>
+          <a:ln>
+            <a:noFill/>
+          </a:ln>
+        </p:spPr>
+        <p:style>
+          <a:lnRef idx="2">
+            <a:schemeClr val="accent1">
+              <a:shade val="50000"/>
+            </a:schemeClr>
+          </a:lnRef>
+          <a:fillRef idx="1">
+            <a:schemeClr val="accent1"/>
+          </a:fillRef>
+          <a:effectRef idx="0">
+            <a:schemeClr val="accent1"/>
+          </a:effectRef>
+          <a:fontRef idx="minor">
+            <a:schemeClr val="lt1"/>
+          </a:fontRef>
+        </p:style>
+        <p:txBody>
+          <a:bodyPr rtlCol="0" anchor="ctr"/>
+          <a:lstStyle/>
+          <a:p>
+            <a:pPr algn="ctr"/>
+            <a:endParaRPr lang="ko-KR" altLang="en-US"/>
+          </a:p>
+        </p:txBody>
+      </p:sp>
+      <p:sp>
+        <p:nvSpPr>
+          <p:cNvPr id="22" name="화살표: 아래쪽 26">
+            <a:extLst>
+              <a:ext uri="{FF2B5EF4-FFF2-40B4-BE49-F238E27FC236}">
+                <a16:creationId xmlns:a16="http://schemas.microsoft.com/office/drawing/2014/main" xmlns="" id="{B2889BCE-092A-4B6E-805F-EFAE6A038C1D}"/>
+              </a:ext>
+            </a:extLst>
+          </p:cNvPr>
+          <p:cNvSpPr/>
+          <p:nvPr/>
+        </p:nvSpPr>
+        <p:spPr>
+          <a:xfrm rot="18200117">
+            <a:off x="2759812" y="3787204"/>
+            <a:ext cx="137295" cy="1025322"/>
+          </a:xfrm>
+          <a:prstGeom prst="downArrow">
+            <a:avLst>
+              <a:gd name="adj1" fmla="val 36374"/>
+              <a:gd name="adj2" fmla="val 80138"/>
+            </a:avLst>
+          </a:prstGeom>
+          <a:solidFill>
+            <a:srgbClr val="FFC000"/>
+          </a:solidFill>
+          <a:ln>
+            <a:noFill/>
+          </a:ln>
+        </p:spPr>
+        <p:style>
+          <a:lnRef idx="2">
+            <a:schemeClr val="accent1">
+              <a:shade val="50000"/>
+            </a:schemeClr>
+          </a:lnRef>
+          <a:fillRef idx="1">
+            <a:schemeClr val="accent1"/>
+          </a:fillRef>
+          <a:effectRef idx="0">
+            <a:schemeClr val="accent1"/>
+          </a:effectRef>
+          <a:fontRef idx="minor">
+            <a:schemeClr val="lt1"/>
+          </a:fontRef>
+        </p:style>
+        <p:txBody>
+          <a:bodyPr rtlCol="0" anchor="ctr"/>
+          <a:lstStyle/>
+          <a:p>
+            <a:pPr algn="ctr"/>
+            <a:endParaRPr lang="ko-KR" altLang="en-US"/>
           </a:p>
         </p:txBody>
       </p:sp>
@@ -16964,6 +18201,316 @@
           <a:chExt cx="0" cy="0"/>
         </a:xfrm>
       </p:grpSpPr>
+      <p:grpSp>
+        <p:nvGrpSpPr>
+          <p:cNvPr id="5" name="그룹 4"/>
+          <p:cNvGrpSpPr/>
+          <p:nvPr/>
+        </p:nvGrpSpPr>
+        <p:grpSpPr>
+          <a:xfrm>
+            <a:off x="1435651" y="2762231"/>
+            <a:ext cx="4684149" cy="2903278"/>
+            <a:chOff x="304458" y="2322699"/>
+            <a:chExt cx="5845308" cy="3622975"/>
+          </a:xfrm>
+        </p:grpSpPr>
+        <p:pic>
+          <p:nvPicPr>
+            <p:cNvPr id="11" name="그림 4">
+              <a:extLst>
+                <a:ext uri="{FF2B5EF4-FFF2-40B4-BE49-F238E27FC236}">
+                  <a16:creationId xmlns:a16="http://schemas.microsoft.com/office/drawing/2014/main" xmlns="" id="{50720AB9-A278-446B-B2FF-B649F296C0A6}"/>
+                </a:ext>
+              </a:extLst>
+            </p:cNvPr>
+            <p:cNvPicPr>
+              <a:picLocks noChangeAspect="1"/>
+            </p:cNvPicPr>
+            <p:nvPr/>
+          </p:nvPicPr>
+          <p:blipFill rotWithShape="1">
+            <a:blip r:embed="rId3" cstate="print">
+              <a:extLst>
+                <a:ext uri="{28A0092B-C50C-407E-A947-70E740481C1C}">
+                  <a14:useLocalDpi xmlns:a14="http://schemas.microsoft.com/office/drawing/2010/main" val="0"/>
+                </a:ext>
+              </a:extLst>
+            </a:blip>
+            <a:srcRect b="43282"/>
+            <a:stretch/>
+          </p:blipFill>
+          <p:spPr>
+            <a:xfrm>
+              <a:off x="304458" y="2322699"/>
+              <a:ext cx="5845308" cy="3622975"/>
+            </a:xfrm>
+            <a:prstGeom prst="rect">
+              <a:avLst/>
+            </a:prstGeom>
+          </p:spPr>
+        </p:pic>
+        <p:sp>
+          <p:nvSpPr>
+            <p:cNvPr id="14" name="Rectangle 13">
+              <a:extLst>
+                <a:ext uri="{FF2B5EF4-FFF2-40B4-BE49-F238E27FC236}">
+                  <a16:creationId xmlns:a16="http://schemas.microsoft.com/office/drawing/2014/main" xmlns="" id="{F08E6CB6-41D9-4A79-935F-AA9482F69EFC}"/>
+                </a:ext>
+              </a:extLst>
+            </p:cNvPr>
+            <p:cNvSpPr/>
+            <p:nvPr/>
+          </p:nvSpPr>
+          <p:spPr>
+            <a:xfrm>
+              <a:off x="763398" y="2919369"/>
+              <a:ext cx="1048624" cy="143615"/>
+            </a:xfrm>
+            <a:prstGeom prst="rect">
+              <a:avLst/>
+            </a:prstGeom>
+            <a:noFill/>
+            <a:ln>
+              <a:solidFill>
+                <a:srgbClr val="FF0000"/>
+              </a:solidFill>
+            </a:ln>
+          </p:spPr>
+          <p:style>
+            <a:lnRef idx="2">
+              <a:schemeClr val="accent1">
+                <a:shade val="50000"/>
+              </a:schemeClr>
+            </a:lnRef>
+            <a:fillRef idx="1">
+              <a:schemeClr val="accent1"/>
+            </a:fillRef>
+            <a:effectRef idx="0">
+              <a:schemeClr val="accent1"/>
+            </a:effectRef>
+            <a:fontRef idx="minor">
+              <a:schemeClr val="lt1"/>
+            </a:fontRef>
+          </p:style>
+          <p:txBody>
+            <a:bodyPr rtlCol="0" anchor="ctr"/>
+            <a:lstStyle/>
+            <a:p>
+              <a:pPr algn="ctr"/>
+              <a:endParaRPr lang="ko-KR" altLang="en-US"/>
+            </a:p>
+          </p:txBody>
+        </p:sp>
+        <p:sp>
+          <p:nvSpPr>
+            <p:cNvPr id="15" name="Rectangle 14">
+              <a:extLst>
+                <a:ext uri="{FF2B5EF4-FFF2-40B4-BE49-F238E27FC236}">
+                  <a16:creationId xmlns:a16="http://schemas.microsoft.com/office/drawing/2014/main" xmlns="" id="{3F93DF29-AA11-443C-8699-DD30C01C6C43}"/>
+                </a:ext>
+              </a:extLst>
+            </p:cNvPr>
+            <p:cNvSpPr/>
+            <p:nvPr/>
+          </p:nvSpPr>
+          <p:spPr>
+            <a:xfrm>
+              <a:off x="1240634" y="3360291"/>
+              <a:ext cx="302940" cy="143615"/>
+            </a:xfrm>
+            <a:prstGeom prst="rect">
+              <a:avLst/>
+            </a:prstGeom>
+            <a:noFill/>
+            <a:ln>
+              <a:solidFill>
+                <a:srgbClr val="FF0000"/>
+              </a:solidFill>
+            </a:ln>
+          </p:spPr>
+          <p:style>
+            <a:lnRef idx="2">
+              <a:schemeClr val="accent1">
+                <a:shade val="50000"/>
+              </a:schemeClr>
+            </a:lnRef>
+            <a:fillRef idx="1">
+              <a:schemeClr val="accent1"/>
+            </a:fillRef>
+            <a:effectRef idx="0">
+              <a:schemeClr val="accent1"/>
+            </a:effectRef>
+            <a:fontRef idx="minor">
+              <a:schemeClr val="lt1"/>
+            </a:fontRef>
+          </p:style>
+          <p:txBody>
+            <a:bodyPr rtlCol="0" anchor="ctr"/>
+            <a:lstStyle/>
+            <a:p>
+              <a:pPr algn="ctr"/>
+              <a:endParaRPr lang="ko-KR" altLang="en-US"/>
+            </a:p>
+          </p:txBody>
+        </p:sp>
+        <p:sp>
+          <p:nvSpPr>
+            <p:cNvPr id="16" name="Rectangle 15">
+              <a:extLst>
+                <a:ext uri="{FF2B5EF4-FFF2-40B4-BE49-F238E27FC236}">
+                  <a16:creationId xmlns:a16="http://schemas.microsoft.com/office/drawing/2014/main" xmlns="" id="{3F89A0F4-ACA6-4054-88CC-44CCEDE03AB1}"/>
+                </a:ext>
+              </a:extLst>
+            </p:cNvPr>
+            <p:cNvSpPr/>
+            <p:nvPr/>
+          </p:nvSpPr>
+          <p:spPr>
+            <a:xfrm>
+              <a:off x="1191237" y="5368954"/>
+              <a:ext cx="587229" cy="155708"/>
+            </a:xfrm>
+            <a:prstGeom prst="rect">
+              <a:avLst/>
+            </a:prstGeom>
+            <a:noFill/>
+            <a:ln>
+              <a:solidFill>
+                <a:srgbClr val="FF0000"/>
+              </a:solidFill>
+            </a:ln>
+          </p:spPr>
+          <p:style>
+            <a:lnRef idx="2">
+              <a:schemeClr val="accent1">
+                <a:shade val="50000"/>
+              </a:schemeClr>
+            </a:lnRef>
+            <a:fillRef idx="1">
+              <a:schemeClr val="accent1"/>
+            </a:fillRef>
+            <a:effectRef idx="0">
+              <a:schemeClr val="accent1"/>
+            </a:effectRef>
+            <a:fontRef idx="minor">
+              <a:schemeClr val="lt1"/>
+            </a:fontRef>
+          </p:style>
+          <p:txBody>
+            <a:bodyPr rtlCol="0" anchor="ctr"/>
+            <a:lstStyle/>
+            <a:p>
+              <a:pPr algn="ctr"/>
+              <a:endParaRPr lang="ko-KR" altLang="en-US"/>
+            </a:p>
+          </p:txBody>
+        </p:sp>
+        <p:sp>
+          <p:nvSpPr>
+            <p:cNvPr id="17" name="Rectangle 16">
+              <a:extLst>
+                <a:ext uri="{FF2B5EF4-FFF2-40B4-BE49-F238E27FC236}">
+                  <a16:creationId xmlns:a16="http://schemas.microsoft.com/office/drawing/2014/main" xmlns="" id="{3707A167-A75B-43E2-AFD8-87EF8E3A872A}"/>
+                </a:ext>
+              </a:extLst>
+            </p:cNvPr>
+            <p:cNvSpPr/>
+            <p:nvPr/>
+          </p:nvSpPr>
+          <p:spPr>
+            <a:xfrm>
+              <a:off x="1223856" y="3917659"/>
+              <a:ext cx="487498" cy="177821"/>
+            </a:xfrm>
+            <a:prstGeom prst="rect">
+              <a:avLst/>
+            </a:prstGeom>
+            <a:noFill/>
+            <a:ln>
+              <a:solidFill>
+                <a:srgbClr val="FF0000"/>
+              </a:solidFill>
+            </a:ln>
+          </p:spPr>
+          <p:style>
+            <a:lnRef idx="2">
+              <a:schemeClr val="accent1">
+                <a:shade val="50000"/>
+              </a:schemeClr>
+            </a:lnRef>
+            <a:fillRef idx="1">
+              <a:schemeClr val="accent1"/>
+            </a:fillRef>
+            <a:effectRef idx="0">
+              <a:schemeClr val="accent1"/>
+            </a:effectRef>
+            <a:fontRef idx="minor">
+              <a:schemeClr val="lt1"/>
+            </a:fontRef>
+          </p:style>
+          <p:txBody>
+            <a:bodyPr rtlCol="0" anchor="ctr"/>
+            <a:lstStyle/>
+            <a:p>
+              <a:pPr algn="ctr"/>
+              <a:endParaRPr lang="ko-KR" altLang="en-US"/>
+            </a:p>
+          </p:txBody>
+        </p:sp>
+        <p:sp>
+          <p:nvSpPr>
+            <p:cNvPr id="23" name="Rectangle 13">
+              <a:extLst>
+                <a:ext uri="{FF2B5EF4-FFF2-40B4-BE49-F238E27FC236}">
+                  <a16:creationId xmlns:a16="http://schemas.microsoft.com/office/drawing/2014/main" xmlns="" id="{F08E6CB6-41D9-4A79-935F-AA9482F69EFC}"/>
+                </a:ext>
+              </a:extLst>
+            </p:cNvPr>
+            <p:cNvSpPr/>
+            <p:nvPr/>
+          </p:nvSpPr>
+          <p:spPr>
+            <a:xfrm>
+              <a:off x="565295" y="2483427"/>
+              <a:ext cx="919168" cy="138636"/>
+            </a:xfrm>
+            <a:prstGeom prst="rect">
+              <a:avLst/>
+            </a:prstGeom>
+            <a:noFill/>
+            <a:ln>
+              <a:solidFill>
+                <a:srgbClr val="FF0000"/>
+              </a:solidFill>
+            </a:ln>
+          </p:spPr>
+          <p:style>
+            <a:lnRef idx="2">
+              <a:schemeClr val="accent1">
+                <a:shade val="50000"/>
+              </a:schemeClr>
+            </a:lnRef>
+            <a:fillRef idx="1">
+              <a:schemeClr val="accent1"/>
+            </a:fillRef>
+            <a:effectRef idx="0">
+              <a:schemeClr val="accent1"/>
+            </a:effectRef>
+            <a:fontRef idx="minor">
+              <a:schemeClr val="lt1"/>
+            </a:fontRef>
+          </p:style>
+          <p:txBody>
+            <a:bodyPr rtlCol="0" anchor="ctr"/>
+            <a:lstStyle/>
+            <a:p>
+              <a:pPr algn="ctr"/>
+              <a:endParaRPr lang="ko-KR" altLang="en-US"/>
+            </a:p>
+          </p:txBody>
+        </p:sp>
+      </p:grpSp>
       <p:sp>
         <p:nvSpPr>
           <p:cNvPr id="7" name="모서리가 둥근 직사각형 6"/>
@@ -17140,6 +18687,13 @@
               </a:rPr>
               <a:t>Axios</a:t>
             </a:r>
+            <a:r>
+              <a:rPr lang="en-US" altLang="ko-KR" sz="1800" dirty="0">
+                <a:latin typeface="넥슨Lv1고딕 Bold" panose="00000800000000000000" pitchFamily="2" charset="-127"/>
+                <a:ea typeface="넥슨Lv1고딕 Bold" panose="00000800000000000000" pitchFamily="2" charset="-127"/>
+              </a:rPr>
+              <a:t/>
+            </a:r>
             <a:br>
               <a:rPr lang="en-US" altLang="ko-KR" sz="1800" dirty="0">
                 <a:latin typeface="넥슨Lv1고딕 Bold" panose="00000800000000000000" pitchFamily="2" charset="-127"/>
@@ -17179,7 +18733,7 @@
           <p:cNvPr id="9" name="타원 8">
             <a:extLst>
               <a:ext uri="{FF2B5EF4-FFF2-40B4-BE49-F238E27FC236}">
-                <a16:creationId xmlns:a16="http://schemas.microsoft.com/office/drawing/2014/main" id="{D2876406-D2B0-4617-B7F7-7F182D007665}"/>
+                <a16:creationId xmlns:a16="http://schemas.microsoft.com/office/drawing/2014/main" xmlns="" id="{D2876406-D2B0-4617-B7F7-7F182D007665}"/>
               </a:ext>
             </a:extLst>
           </p:cNvPr>
@@ -17236,74 +18790,12 @@
           </a:p>
         </p:txBody>
       </p:sp>
-      <p:sp>
-        <p:nvSpPr>
-          <p:cNvPr id="6" name="TextBox 5">
+      <p:pic>
+        <p:nvPicPr>
+          <p:cNvPr id="12" name="Picture 11" descr="A screenshot of a cell phone&#10;&#10;Description automatically generated">
             <a:extLst>
               <a:ext uri="{FF2B5EF4-FFF2-40B4-BE49-F238E27FC236}">
-                <a16:creationId xmlns:a16="http://schemas.microsoft.com/office/drawing/2014/main" id="{E406293A-0223-43A1-9511-0710712B27C6}"/>
-              </a:ext>
-            </a:extLst>
-          </p:cNvPr>
-          <p:cNvSpPr txBox="1"/>
-          <p:nvPr/>
-        </p:nvSpPr>
-        <p:spPr>
-          <a:xfrm flipH="1">
-            <a:off x="650663" y="4528013"/>
-            <a:ext cx="7269481" cy="646331"/>
-          </a:xfrm>
-          <a:prstGeom prst="rect">
-            <a:avLst/>
-          </a:prstGeom>
-          <a:noFill/>
-        </p:spPr>
-        <p:txBody>
-          <a:bodyPr wrap="square" rtlCol="0">
-            <a:spAutoFit/>
-          </a:bodyPr>
-          <a:lstStyle/>
-          <a:p>
-            <a:r>
-              <a:rPr lang="en-US" altLang="ko-KR" dirty="0" err="1"/>
-              <a:t>Api</a:t>
-            </a:r>
-            <a:r>
-              <a:rPr lang="en-US" altLang="ko-KR" dirty="0"/>
-              <a:t> </a:t>
-            </a:r>
-            <a:r>
-              <a:rPr lang="ko-KR" altLang="en-US" dirty="0"/>
-              <a:t>정보를 가져오는데 성공하면 </a:t>
-            </a:r>
-            <a:endParaRPr lang="en-US" altLang="ko-KR" dirty="0"/>
-          </a:p>
-          <a:p>
-            <a:r>
-              <a:rPr lang="en-US" altLang="ko-KR" dirty="0"/>
-              <a:t>Each </a:t>
-            </a:r>
-            <a:r>
-              <a:rPr lang="ko-KR" altLang="en-US" dirty="0"/>
-              <a:t>문을 이용하여 해당 </a:t>
-            </a:r>
-            <a:r>
-              <a:rPr lang="en-US" altLang="ko-KR" dirty="0"/>
-              <a:t>table </a:t>
-            </a:r>
-            <a:r>
-              <a:rPr lang="ko-KR" altLang="en-US" dirty="0"/>
-              <a:t>에 리스트 정보 갱신</a:t>
-            </a:r>
-          </a:p>
-        </p:txBody>
-      </p:sp>
-      <p:pic>
-        <p:nvPicPr>
-          <p:cNvPr id="11" name="그림 4">
-            <a:extLst>
-              <a:ext uri="{FF2B5EF4-FFF2-40B4-BE49-F238E27FC236}">
-                <a16:creationId xmlns:a16="http://schemas.microsoft.com/office/drawing/2014/main" id="{50720AB9-A278-446B-B2FF-B649F296C0A6}"/>
+                <a16:creationId xmlns:a16="http://schemas.microsoft.com/office/drawing/2014/main" xmlns="" id="{27B2ACD5-7539-410C-9E58-3F646FD4B79D}"/>
               </a:ext>
             </a:extLst>
           </p:cNvPr>
@@ -17313,41 +18805,6 @@
           <p:nvPr/>
         </p:nvPicPr>
         <p:blipFill rotWithShape="1">
-          <a:blip r:embed="rId3" cstate="print">
-            <a:extLst>
-              <a:ext uri="{28A0092B-C50C-407E-A947-70E740481C1C}">
-                <a14:useLocalDpi xmlns:a14="http://schemas.microsoft.com/office/drawing/2010/main" val="0"/>
-              </a:ext>
-            </a:extLst>
-          </a:blip>
-          <a:srcRect b="43282"/>
-          <a:stretch/>
-        </p:blipFill>
-        <p:spPr>
-          <a:xfrm>
-            <a:off x="304458" y="2322699"/>
-            <a:ext cx="5845308" cy="3622975"/>
-          </a:xfrm>
-          <a:prstGeom prst="rect">
-            <a:avLst/>
-          </a:prstGeom>
-        </p:spPr>
-      </p:pic>
-      <p:pic>
-        <p:nvPicPr>
-          <p:cNvPr id="12" name="Picture 11" descr="A screenshot of a cell phone&#10;&#10;Description automatically generated">
-            <a:extLst>
-              <a:ext uri="{FF2B5EF4-FFF2-40B4-BE49-F238E27FC236}">
-                <a16:creationId xmlns:a16="http://schemas.microsoft.com/office/drawing/2014/main" id="{27B2ACD5-7539-410C-9E58-3F646FD4B79D}"/>
-              </a:ext>
-            </a:extLst>
-          </p:cNvPr>
-          <p:cNvPicPr>
-            <a:picLocks noChangeAspect="1"/>
-          </p:cNvPicPr>
-          <p:nvPr/>
-        </p:nvPicPr>
-        <p:blipFill>
           <a:blip r:embed="rId4">
             <a:extLst>
               <a:ext uri="{28A0092B-C50C-407E-A947-70E740481C1C}">
@@ -17355,14 +18812,132 @@
               </a:ext>
             </a:extLst>
           </a:blip>
+          <a:srcRect b="1749"/>
+          <a:stretch/>
+        </p:blipFill>
+        <p:spPr>
+          <a:xfrm>
+            <a:off x="4005418" y="2813715"/>
+            <a:ext cx="4331108" cy="1707485"/>
+          </a:xfrm>
+          <a:prstGeom prst="rect">
+            <a:avLst/>
+          </a:prstGeom>
+        </p:spPr>
+      </p:pic>
+      <p:sp>
+        <p:nvSpPr>
+          <p:cNvPr id="18" name="TextBox 17">
+            <a:extLst>
+              <a:ext uri="{FF2B5EF4-FFF2-40B4-BE49-F238E27FC236}">
+                <a16:creationId xmlns:a16="http://schemas.microsoft.com/office/drawing/2014/main" xmlns="" id="{9F12D4E5-B109-4B80-B716-4AECBE0D5D67}"/>
+              </a:ext>
+            </a:extLst>
+          </p:cNvPr>
+          <p:cNvSpPr txBox="1"/>
+          <p:nvPr/>
+        </p:nvSpPr>
+        <p:spPr>
+          <a:xfrm>
+            <a:off x="1415845" y="2061361"/>
+            <a:ext cx="7150307" cy="600164"/>
+          </a:xfrm>
+          <a:prstGeom prst="rect">
+            <a:avLst/>
+          </a:prstGeom>
+          <a:noFill/>
+        </p:spPr>
+        <p:txBody>
+          <a:bodyPr wrap="square" rtlCol="0">
+            <a:spAutoFit/>
+          </a:bodyPr>
+          <a:lstStyle/>
+          <a:p>
+            <a:r>
+              <a:rPr lang="ko-KR" altLang="en-US" sz="1100" spc="-50" dirty="0" smtClean="0">
+                <a:latin typeface="넥슨Lv1고딕 Light" panose="00000300000000000000" pitchFamily="2" charset="-127"/>
+                <a:ea typeface="넥슨Lv1고딕 Light" panose="00000300000000000000" pitchFamily="2" charset="-127"/>
+              </a:rPr>
+              <a:t>      에서 작성한 기본 </a:t>
+            </a:r>
+            <a:r>
+              <a:rPr lang="ko-KR" altLang="en-US" sz="1100" spc="-50" dirty="0" err="1" smtClean="0">
+                <a:latin typeface="넥슨Lv1고딕 Light" panose="00000300000000000000" pitchFamily="2" charset="-127"/>
+                <a:ea typeface="넥슨Lv1고딕 Light" panose="00000300000000000000" pitchFamily="2" charset="-127"/>
+              </a:rPr>
+              <a:t>마크업</a:t>
+            </a:r>
+            <a:r>
+              <a:rPr lang="ko-KR" altLang="en-US" sz="1100" spc="-50" dirty="0" smtClean="0">
+                <a:latin typeface="넥슨Lv1고딕 Light" panose="00000300000000000000" pitchFamily="2" charset="-127"/>
+                <a:ea typeface="넥슨Lv1고딕 Light" panose="00000300000000000000" pitchFamily="2" charset="-127"/>
+              </a:rPr>
+              <a:t> 위치에 원하는 데이터를 삽입합니다</a:t>
+            </a:r>
+            <a:r>
+              <a:rPr lang="en-US" altLang="ko-KR" sz="1100" spc="-50" dirty="0" smtClean="0">
+                <a:latin typeface="넥슨Lv1고딕 Light" panose="00000300000000000000" pitchFamily="2" charset="-127"/>
+                <a:ea typeface="넥슨Lv1고딕 Light" panose="00000300000000000000" pitchFamily="2" charset="-127"/>
+              </a:rPr>
+              <a:t>.</a:t>
+            </a:r>
+          </a:p>
+          <a:p>
+            <a:endParaRPr lang="en-US" altLang="ko-KR" sz="1100" spc="-50" dirty="0">
+              <a:latin typeface="넥슨Lv1고딕 Light" panose="00000300000000000000" pitchFamily="2" charset="-127"/>
+              <a:ea typeface="넥슨Lv1고딕 Light" panose="00000300000000000000" pitchFamily="2" charset="-127"/>
+            </a:endParaRPr>
+          </a:p>
+          <a:p>
+            <a:r>
+              <a:rPr lang="ko-KR" altLang="en-US" sz="1100" spc="-50" dirty="0" smtClean="0">
+                <a:latin typeface="넥슨Lv1고딕 Light" panose="00000300000000000000" pitchFamily="2" charset="-127"/>
+                <a:ea typeface="넥슨Lv1고딕 Light" panose="00000300000000000000" pitchFamily="2" charset="-127"/>
+              </a:rPr>
+              <a:t>받은 데이터가 객체를 지닌 배열이라면</a:t>
+            </a:r>
+            <a:r>
+              <a:rPr lang="en-US" altLang="ko-KR" sz="1100" spc="-50" dirty="0" smtClean="0">
+                <a:latin typeface="넥슨Lv1고딕 Light" panose="00000300000000000000" pitchFamily="2" charset="-127"/>
+                <a:ea typeface="넥슨Lv1고딕 Light" panose="00000300000000000000" pitchFamily="2" charset="-127"/>
+              </a:rPr>
+              <a:t>, </a:t>
+            </a:r>
+            <a:r>
+              <a:rPr lang="ko-KR" altLang="en-US" sz="1100" spc="-50" smtClean="0">
+                <a:latin typeface="넥슨Lv1고딕 Light" panose="00000300000000000000" pitchFamily="2" charset="-127"/>
+                <a:ea typeface="넥슨Lv1고딕 Light" panose="00000300000000000000" pitchFamily="2" charset="-127"/>
+              </a:rPr>
+              <a:t>반복문을 사용해 리스트 또는 테이블에 개별 데이터를 렌더링합니다</a:t>
+            </a:r>
+            <a:r>
+              <a:rPr lang="en-US" altLang="ko-KR" sz="1100" spc="-50" dirty="0" smtClean="0">
+                <a:latin typeface="넥슨Lv1고딕 Light" panose="00000300000000000000" pitchFamily="2" charset="-127"/>
+                <a:ea typeface="넥슨Lv1고딕 Light" panose="00000300000000000000" pitchFamily="2" charset="-127"/>
+              </a:rPr>
+              <a:t>.</a:t>
+            </a:r>
+          </a:p>
+        </p:txBody>
+      </p:sp>
+      <p:pic>
+        <p:nvPicPr>
+          <p:cNvPr id="2" name="그림 1"/>
+          <p:cNvPicPr>
+            <a:picLocks noChangeAspect="1"/>
+          </p:cNvPicPr>
+          <p:nvPr/>
+        </p:nvPicPr>
+        <p:blipFill>
+          <a:blip r:embed="rId5"/>
           <a:stretch>
             <a:fillRect/>
           </a:stretch>
         </p:blipFill>
         <p:spPr>
           <a:xfrm>
-            <a:off x="3067050" y="2540812"/>
-            <a:ext cx="6076950" cy="2438400"/>
+            <a:off x="1435651" y="2032671"/>
+            <a:ext cx="303983" cy="327670"/>
           </a:xfrm>
           <a:prstGeom prst="rect">
             <a:avLst/>
@@ -17371,10 +18946,10 @@
       </p:pic>
       <p:sp>
         <p:nvSpPr>
-          <p:cNvPr id="14" name="Rectangle 13">
+          <p:cNvPr id="22" name="직사각형 21">
             <a:extLst>
               <a:ext uri="{FF2B5EF4-FFF2-40B4-BE49-F238E27FC236}">
-                <a16:creationId xmlns:a16="http://schemas.microsoft.com/office/drawing/2014/main" id="{F08E6CB6-41D9-4A79-935F-AA9482F69EFC}"/>
+                <a16:creationId xmlns:a16="http://schemas.microsoft.com/office/drawing/2014/main" xmlns="" id="{6BCF2C6F-DE96-44FB-AC9B-5B17AA7C127E}"/>
               </a:ext>
             </a:extLst>
           </p:cNvPr>
@@ -17383,8 +18958,8 @@
         </p:nvSpPr>
         <p:spPr>
           <a:xfrm>
-            <a:off x="763398" y="2919369"/>
-            <a:ext cx="1048624" cy="143615"/>
+            <a:off x="5031098" y="2963335"/>
+            <a:ext cx="2087251" cy="129115"/>
           </a:xfrm>
           <a:prstGeom prst="rect">
             <a:avLst/>
@@ -17394,6 +18969,7 @@
             <a:solidFill>
               <a:srgbClr val="FF0000"/>
             </a:solidFill>
+            <a:prstDash val="dash"/>
           </a:ln>
         </p:spPr>
         <p:style>
@@ -17418,260 +18994,6 @@
           <a:p>
             <a:pPr algn="ctr"/>
             <a:endParaRPr lang="ko-KR" altLang="en-US"/>
-          </a:p>
-        </p:txBody>
-      </p:sp>
-      <p:sp>
-        <p:nvSpPr>
-          <p:cNvPr id="15" name="Rectangle 14">
-            <a:extLst>
-              <a:ext uri="{FF2B5EF4-FFF2-40B4-BE49-F238E27FC236}">
-                <a16:creationId xmlns:a16="http://schemas.microsoft.com/office/drawing/2014/main" id="{3F93DF29-AA11-443C-8699-DD30C01C6C43}"/>
-              </a:ext>
-            </a:extLst>
-          </p:cNvPr>
-          <p:cNvSpPr/>
-          <p:nvPr/>
-        </p:nvSpPr>
-        <p:spPr>
-          <a:xfrm>
-            <a:off x="1240634" y="3360291"/>
-            <a:ext cx="302940" cy="143615"/>
-          </a:xfrm>
-          <a:prstGeom prst="rect">
-            <a:avLst/>
-          </a:prstGeom>
-          <a:noFill/>
-          <a:ln>
-            <a:solidFill>
-              <a:srgbClr val="FF0000"/>
-            </a:solidFill>
-          </a:ln>
-        </p:spPr>
-        <p:style>
-          <a:lnRef idx="2">
-            <a:schemeClr val="accent1">
-              <a:shade val="50000"/>
-            </a:schemeClr>
-          </a:lnRef>
-          <a:fillRef idx="1">
-            <a:schemeClr val="accent1"/>
-          </a:fillRef>
-          <a:effectRef idx="0">
-            <a:schemeClr val="accent1"/>
-          </a:effectRef>
-          <a:fontRef idx="minor">
-            <a:schemeClr val="lt1"/>
-          </a:fontRef>
-        </p:style>
-        <p:txBody>
-          <a:bodyPr rtlCol="0" anchor="ctr"/>
-          <a:lstStyle/>
-          <a:p>
-            <a:pPr algn="ctr"/>
-            <a:endParaRPr lang="ko-KR" altLang="en-US"/>
-          </a:p>
-        </p:txBody>
-      </p:sp>
-      <p:sp>
-        <p:nvSpPr>
-          <p:cNvPr id="16" name="Rectangle 15">
-            <a:extLst>
-              <a:ext uri="{FF2B5EF4-FFF2-40B4-BE49-F238E27FC236}">
-                <a16:creationId xmlns:a16="http://schemas.microsoft.com/office/drawing/2014/main" id="{3F89A0F4-ACA6-4054-88CC-44CCEDE03AB1}"/>
-              </a:ext>
-            </a:extLst>
-          </p:cNvPr>
-          <p:cNvSpPr/>
-          <p:nvPr/>
-        </p:nvSpPr>
-        <p:spPr>
-          <a:xfrm>
-            <a:off x="1191237" y="5368954"/>
-            <a:ext cx="587229" cy="155708"/>
-          </a:xfrm>
-          <a:prstGeom prst="rect">
-            <a:avLst/>
-          </a:prstGeom>
-          <a:noFill/>
-          <a:ln>
-            <a:solidFill>
-              <a:srgbClr val="FF0000"/>
-            </a:solidFill>
-          </a:ln>
-        </p:spPr>
-        <p:style>
-          <a:lnRef idx="2">
-            <a:schemeClr val="accent1">
-              <a:shade val="50000"/>
-            </a:schemeClr>
-          </a:lnRef>
-          <a:fillRef idx="1">
-            <a:schemeClr val="accent1"/>
-          </a:fillRef>
-          <a:effectRef idx="0">
-            <a:schemeClr val="accent1"/>
-          </a:effectRef>
-          <a:fontRef idx="minor">
-            <a:schemeClr val="lt1"/>
-          </a:fontRef>
-        </p:style>
-        <p:txBody>
-          <a:bodyPr rtlCol="0" anchor="ctr"/>
-          <a:lstStyle/>
-          <a:p>
-            <a:pPr algn="ctr"/>
-            <a:endParaRPr lang="ko-KR" altLang="en-US"/>
-          </a:p>
-        </p:txBody>
-      </p:sp>
-      <p:sp>
-        <p:nvSpPr>
-          <p:cNvPr id="17" name="Rectangle 16">
-            <a:extLst>
-              <a:ext uri="{FF2B5EF4-FFF2-40B4-BE49-F238E27FC236}">
-                <a16:creationId xmlns:a16="http://schemas.microsoft.com/office/drawing/2014/main" id="{3707A167-A75B-43E2-AFD8-87EF8E3A872A}"/>
-              </a:ext>
-            </a:extLst>
-          </p:cNvPr>
-          <p:cNvSpPr/>
-          <p:nvPr/>
-        </p:nvSpPr>
-        <p:spPr>
-          <a:xfrm>
-            <a:off x="1223856" y="3917659"/>
-            <a:ext cx="487498" cy="177821"/>
-          </a:xfrm>
-          <a:prstGeom prst="rect">
-            <a:avLst/>
-          </a:prstGeom>
-          <a:noFill/>
-          <a:ln>
-            <a:solidFill>
-              <a:srgbClr val="FF0000"/>
-            </a:solidFill>
-          </a:ln>
-        </p:spPr>
-        <p:style>
-          <a:lnRef idx="2">
-            <a:schemeClr val="accent1">
-              <a:shade val="50000"/>
-            </a:schemeClr>
-          </a:lnRef>
-          <a:fillRef idx="1">
-            <a:schemeClr val="accent1"/>
-          </a:fillRef>
-          <a:effectRef idx="0">
-            <a:schemeClr val="accent1"/>
-          </a:effectRef>
-          <a:fontRef idx="minor">
-            <a:schemeClr val="lt1"/>
-          </a:fontRef>
-        </p:style>
-        <p:txBody>
-          <a:bodyPr rtlCol="0" anchor="ctr"/>
-          <a:lstStyle/>
-          <a:p>
-            <a:pPr algn="ctr"/>
-            <a:endParaRPr lang="ko-KR" altLang="en-US"/>
-          </a:p>
-        </p:txBody>
-      </p:sp>
-      <p:cxnSp>
-        <p:nvCxnSpPr>
-          <p:cNvPr id="19" name="Straight Connector 18">
-            <a:extLst>
-              <a:ext uri="{FF2B5EF4-FFF2-40B4-BE49-F238E27FC236}">
-                <a16:creationId xmlns:a16="http://schemas.microsoft.com/office/drawing/2014/main" id="{4F6C1B33-3351-4AD7-B7A9-195C03F0D1B7}"/>
-              </a:ext>
-            </a:extLst>
-          </p:cNvPr>
-          <p:cNvCxnSpPr/>
-          <p:nvPr/>
-        </p:nvCxnSpPr>
-        <p:spPr>
-          <a:xfrm>
-            <a:off x="4513007" y="2919369"/>
-            <a:ext cx="2894472" cy="0"/>
-          </a:xfrm>
-          <a:prstGeom prst="line">
-            <a:avLst/>
-          </a:prstGeom>
-          <a:ln>
-            <a:solidFill>
-              <a:srgbClr val="FF0000"/>
-            </a:solidFill>
-          </a:ln>
-        </p:spPr>
-        <p:style>
-          <a:lnRef idx="1">
-            <a:schemeClr val="accent1"/>
-          </a:lnRef>
-          <a:fillRef idx="0">
-            <a:schemeClr val="accent1"/>
-          </a:fillRef>
-          <a:effectRef idx="0">
-            <a:schemeClr val="accent1"/>
-          </a:effectRef>
-          <a:fontRef idx="minor">
-            <a:schemeClr val="tx1"/>
-          </a:fontRef>
-        </p:style>
-      </p:cxnSp>
-      <p:sp>
-        <p:nvSpPr>
-          <p:cNvPr id="20" name="TextBox 19">
-            <a:extLst>
-              <a:ext uri="{FF2B5EF4-FFF2-40B4-BE49-F238E27FC236}">
-                <a16:creationId xmlns:a16="http://schemas.microsoft.com/office/drawing/2014/main" id="{45ED07E9-7452-4B4E-B0A9-F1C59CFF36D0}"/>
-              </a:ext>
-            </a:extLst>
-          </p:cNvPr>
-          <p:cNvSpPr txBox="1"/>
-          <p:nvPr/>
-        </p:nvSpPr>
-        <p:spPr>
-          <a:xfrm>
-            <a:off x="3067050" y="5284778"/>
-            <a:ext cx="5041783" cy="523220"/>
-          </a:xfrm>
-          <a:prstGeom prst="rect">
-            <a:avLst/>
-          </a:prstGeom>
-          <a:noFill/>
-        </p:spPr>
-        <p:txBody>
-          <a:bodyPr wrap="square" rtlCol="0">
-            <a:spAutoFit/>
-          </a:bodyPr>
-          <a:lstStyle/>
-          <a:p>
-            <a:r>
-              <a:rPr lang="ko-KR" altLang="en-US" sz="1400" dirty="0"/>
-              <a:t>데이터를 받아오는데 성공 한다면</a:t>
-            </a:r>
-            <a:r>
-              <a:rPr lang="en-US" altLang="ko-KR" sz="1400" dirty="0"/>
-              <a:t>,</a:t>
-            </a:r>
-          </a:p>
-          <a:p>
-            <a:r>
-              <a:rPr lang="en-US" altLang="ko-KR" sz="1400" dirty="0"/>
-              <a:t>Each</a:t>
-            </a:r>
-            <a:r>
-              <a:rPr lang="ko-KR" altLang="en-US" sz="1400" dirty="0"/>
-              <a:t>문을 이용하여 원하는 데이터를 마크업에 삽입해줍니다</a:t>
-            </a:r>
-            <a:r>
-              <a:rPr lang="en-US" altLang="ko-KR" sz="1400" dirty="0"/>
-              <a:t>.</a:t>
-            </a:r>
-            <a:r>
-              <a:rPr lang="ko-KR" altLang="en-US" sz="1400" dirty="0"/>
-              <a:t> </a:t>
-            </a:r>
           </a:p>
         </p:txBody>
       </p:sp>
@@ -17814,6 +19136,13 @@
               </a:rPr>
               <a:t>Axios</a:t>
             </a:r>
+            <a:r>
+              <a:rPr lang="en-US" altLang="ko-KR" sz="1800" dirty="0">
+                <a:latin typeface="넥슨Lv1고딕 Bold" panose="00000800000000000000" pitchFamily="2" charset="-127"/>
+                <a:ea typeface="넥슨Lv1고딕 Bold" panose="00000800000000000000" pitchFamily="2" charset="-127"/>
+              </a:rPr>
+              <a:t/>
+            </a:r>
             <a:br>
               <a:rPr lang="en-US" altLang="ko-KR" sz="1800" dirty="0">
                 <a:latin typeface="넥슨Lv1고딕 Bold" panose="00000800000000000000" pitchFamily="2" charset="-127"/>
@@ -17867,7 +19196,7 @@
           <p:cNvPr id="9" name="모서리가 둥근 직사각형 6">
             <a:extLst>
               <a:ext uri="{FF2B5EF4-FFF2-40B4-BE49-F238E27FC236}">
-                <a16:creationId xmlns:a16="http://schemas.microsoft.com/office/drawing/2014/main" id="{DD08E425-AA05-4C60-B4A2-A2F687DCE3CA}"/>
+                <a16:creationId xmlns:a16="http://schemas.microsoft.com/office/drawing/2014/main" xmlns="" id="{DD08E425-AA05-4C60-B4A2-A2F687DCE3CA}"/>
               </a:ext>
             </a:extLst>
           </p:cNvPr>
@@ -17991,7 +19320,7 @@
           <p:cNvPr id="10" name="타원 9">
             <a:extLst>
               <a:ext uri="{FF2B5EF4-FFF2-40B4-BE49-F238E27FC236}">
-                <a16:creationId xmlns:a16="http://schemas.microsoft.com/office/drawing/2014/main" id="{ED394ABA-9FED-4354-8061-F2AF5EDA8A5A}"/>
+                <a16:creationId xmlns:a16="http://schemas.microsoft.com/office/drawing/2014/main" xmlns="" id="{ED394ABA-9FED-4354-8061-F2AF5EDA8A5A}"/>
               </a:ext>
             </a:extLst>
           </p:cNvPr>
@@ -18053,7 +19382,7 @@
           <p:cNvPr id="7" name="TextBox 6">
             <a:extLst>
               <a:ext uri="{FF2B5EF4-FFF2-40B4-BE49-F238E27FC236}">
-                <a16:creationId xmlns:a16="http://schemas.microsoft.com/office/drawing/2014/main" id="{53B013B9-D5C2-4551-BF43-612D3C2EB443}"/>
+                <a16:creationId xmlns:a16="http://schemas.microsoft.com/office/drawing/2014/main" xmlns="" id="{53B013B9-D5C2-4551-BF43-612D3C2EB443}"/>
               </a:ext>
             </a:extLst>
           </p:cNvPr>
@@ -18250,7 +19579,7 @@
           <p:cNvPr id="8" name="모서리가 둥근 직사각형 1">
             <a:extLst>
               <a:ext uri="{FF2B5EF4-FFF2-40B4-BE49-F238E27FC236}">
-                <a16:creationId xmlns:a16="http://schemas.microsoft.com/office/drawing/2014/main" id="{A742F920-A18D-499C-8DAA-CBC518420C71}"/>
+                <a16:creationId xmlns:a16="http://schemas.microsoft.com/office/drawing/2014/main" xmlns="" id="{A742F920-A18D-499C-8DAA-CBC518420C71}"/>
               </a:ext>
             </a:extLst>
           </p:cNvPr>
@@ -18380,7 +19709,7 @@
           <p:cNvPr id="11" name="모서리가 둥근 직사각형 16">
             <a:extLst>
               <a:ext uri="{FF2B5EF4-FFF2-40B4-BE49-F238E27FC236}">
-                <a16:creationId xmlns:a16="http://schemas.microsoft.com/office/drawing/2014/main" id="{0D024D17-4A6C-4454-AD47-2273E4B52E3E}"/>
+                <a16:creationId xmlns:a16="http://schemas.microsoft.com/office/drawing/2014/main" xmlns="" id="{0D024D17-4A6C-4454-AD47-2273E4B52E3E}"/>
               </a:ext>
             </a:extLst>
           </p:cNvPr>
@@ -18647,7 +19976,7 @@
           <p:cNvPr id="12" name="TextBox 11">
             <a:extLst>
               <a:ext uri="{FF2B5EF4-FFF2-40B4-BE49-F238E27FC236}">
-                <a16:creationId xmlns:a16="http://schemas.microsoft.com/office/drawing/2014/main" id="{76A8717A-0AD1-493A-AA2F-5D4938DD6747}"/>
+                <a16:creationId xmlns:a16="http://schemas.microsoft.com/office/drawing/2014/main" xmlns="" id="{76A8717A-0AD1-493A-AA2F-5D4938DD6747}"/>
               </a:ext>
             </a:extLst>
           </p:cNvPr>
@@ -18903,6 +20232,13 @@
               </a:rPr>
               <a:t>Axios</a:t>
             </a:r>
+            <a:r>
+              <a:rPr lang="en-US" altLang="ko-KR" sz="1800" dirty="0">
+                <a:latin typeface="넥슨Lv1고딕 Bold" panose="00000800000000000000" pitchFamily="2" charset="-127"/>
+                <a:ea typeface="넥슨Lv1고딕 Bold" panose="00000800000000000000" pitchFamily="2" charset="-127"/>
+              </a:rPr>
+              <a:t/>
+            </a:r>
             <a:br>
               <a:rPr lang="en-US" altLang="ko-KR" sz="1800" dirty="0">
                 <a:latin typeface="넥슨Lv1고딕 Bold" panose="00000800000000000000" pitchFamily="2" charset="-127"/>
@@ -18956,7 +20292,7 @@
           <p:cNvPr id="9" name="모서리가 둥근 직사각형 6">
             <a:extLst>
               <a:ext uri="{FF2B5EF4-FFF2-40B4-BE49-F238E27FC236}">
-                <a16:creationId xmlns:a16="http://schemas.microsoft.com/office/drawing/2014/main" id="{DD08E425-AA05-4C60-B4A2-A2F687DCE3CA}"/>
+                <a16:creationId xmlns:a16="http://schemas.microsoft.com/office/drawing/2014/main" xmlns="" id="{DD08E425-AA05-4C60-B4A2-A2F687DCE3CA}"/>
               </a:ext>
             </a:extLst>
           </p:cNvPr>
@@ -19029,7 +20365,7 @@
           <p:cNvPr id="10" name="타원 9">
             <a:extLst>
               <a:ext uri="{FF2B5EF4-FFF2-40B4-BE49-F238E27FC236}">
-                <a16:creationId xmlns:a16="http://schemas.microsoft.com/office/drawing/2014/main" id="{ED394ABA-9FED-4354-8061-F2AF5EDA8A5A}"/>
+                <a16:creationId xmlns:a16="http://schemas.microsoft.com/office/drawing/2014/main" xmlns="" id="{ED394ABA-9FED-4354-8061-F2AF5EDA8A5A}"/>
               </a:ext>
             </a:extLst>
           </p:cNvPr>
@@ -19088,10 +20424,10 @@
       </p:sp>
       <p:pic>
         <p:nvPicPr>
-          <p:cNvPr id="5" name="Picture 4" descr="A screen shot of a computer&#10;&#10;Description automatically generated">
+          <p:cNvPr id="15" name="Picture 14" descr="A screenshot of a cell phone&#10;&#10;Description automatically generated">
             <a:extLst>
               <a:ext uri="{FF2B5EF4-FFF2-40B4-BE49-F238E27FC236}">
-                <a16:creationId xmlns:a16="http://schemas.microsoft.com/office/drawing/2014/main" id="{E3DB0C54-1D97-482B-9F89-7076D543349C}"/>
+                <a16:creationId xmlns:a16="http://schemas.microsoft.com/office/drawing/2014/main" xmlns="" id="{05DE788C-928C-4BF8-8EDD-16C51830B8E4}"/>
               </a:ext>
             </a:extLst>
           </p:cNvPr>
@@ -19114,116 +20450,20 @@
         </p:blipFill>
         <p:spPr>
           <a:xfrm>
-            <a:off x="1547768" y="2104093"/>
-            <a:ext cx="3200400" cy="2943225"/>
+            <a:off x="4667056" y="2421786"/>
+            <a:ext cx="1758250" cy="2184938"/>
           </a:xfrm>
           <a:prstGeom prst="rect">
             <a:avLst/>
           </a:prstGeom>
         </p:spPr>
       </p:pic>
-      <p:sp>
-        <p:nvSpPr>
-          <p:cNvPr id="12" name="Rectangle 11">
+      <p:pic>
+        <p:nvPicPr>
+          <p:cNvPr id="11" name="Picture 4" descr="A screen shot of a computer&#10;&#10;Description automatically generated">
             <a:extLst>
               <a:ext uri="{FF2B5EF4-FFF2-40B4-BE49-F238E27FC236}">
-                <a16:creationId xmlns:a16="http://schemas.microsoft.com/office/drawing/2014/main" id="{0EEB3089-C26C-4A4C-A29B-684A2C95D342}"/>
-              </a:ext>
-            </a:extLst>
-          </p:cNvPr>
-          <p:cNvSpPr/>
-          <p:nvPr/>
-        </p:nvSpPr>
-        <p:spPr>
-          <a:xfrm>
-            <a:off x="1740885" y="5198499"/>
-            <a:ext cx="5544244" cy="584775"/>
-          </a:xfrm>
-          <a:prstGeom prst="rect">
-            <a:avLst/>
-          </a:prstGeom>
-        </p:spPr>
-        <p:txBody>
-          <a:bodyPr wrap="square">
-            <a:spAutoFit/>
-          </a:bodyPr>
-          <a:lstStyle/>
-          <a:p>
-            <a:r>
-              <a:rPr lang="en-US" altLang="ko-KR" sz="1600" dirty="0">
-                <a:latin typeface="넥슨Lv1고딕" panose="020B0600000101010101" charset="-127"/>
-                <a:ea typeface="넥슨Lv1고딕" panose="020B0600000101010101" charset="-127"/>
-              </a:rPr>
-              <a:t>&lt;table&gt; </a:t>
-            </a:r>
-            <a:r>
-              <a:rPr lang="ko-KR" altLang="en-US" sz="1600" dirty="0">
-                <a:latin typeface="넥슨Lv1고딕" panose="020B0600000101010101" charset="-127"/>
-                <a:ea typeface="넥슨Lv1고딕" panose="020B0600000101010101" charset="-127"/>
-              </a:rPr>
-              <a:t>태그를 이용하여 </a:t>
-            </a:r>
-            <a:endParaRPr lang="en-US" altLang="ko-KR" sz="1600" dirty="0">
-              <a:latin typeface="넥슨Lv1고딕" panose="020B0600000101010101" charset="-127"/>
-              <a:ea typeface="넥슨Lv1고딕" panose="020B0600000101010101" charset="-127"/>
-            </a:endParaRPr>
-          </a:p>
-          <a:p>
-            <a:r>
-              <a:rPr lang="ko-KR" altLang="en-US" sz="1600" dirty="0">
-                <a:latin typeface="넥슨Lv1고딕" panose="020B0600000101010101" charset="-127"/>
-                <a:ea typeface="넥슨Lv1고딕" panose="020B0600000101010101" charset="-127"/>
-              </a:rPr>
-              <a:t>영화 순위</a:t>
-            </a:r>
-            <a:r>
-              <a:rPr lang="en-US" altLang="ko-KR" sz="1600" dirty="0">
-                <a:latin typeface="넥슨Lv1고딕" panose="020B0600000101010101" charset="-127"/>
-                <a:ea typeface="넥슨Lv1고딕" panose="020B0600000101010101" charset="-127"/>
-              </a:rPr>
-              <a:t>, </a:t>
-            </a:r>
-            <a:r>
-              <a:rPr lang="ko-KR" altLang="en-US" sz="1600" dirty="0">
-                <a:latin typeface="넥슨Lv1고딕" panose="020B0600000101010101" charset="-127"/>
-                <a:ea typeface="넥슨Lv1고딕" panose="020B0600000101010101" charset="-127"/>
-              </a:rPr>
-              <a:t>제목</a:t>
-            </a:r>
-            <a:r>
-              <a:rPr lang="en-US" altLang="ko-KR" sz="1600" dirty="0">
-                <a:latin typeface="넥슨Lv1고딕" panose="020B0600000101010101" charset="-127"/>
-                <a:ea typeface="넥슨Lv1고딕" panose="020B0600000101010101" charset="-127"/>
-              </a:rPr>
-              <a:t>, </a:t>
-            </a:r>
-            <a:r>
-              <a:rPr lang="ko-KR" altLang="en-US" sz="1600" dirty="0">
-                <a:latin typeface="넥슨Lv1고딕" panose="020B0600000101010101" charset="-127"/>
-                <a:ea typeface="넥슨Lv1고딕" panose="020B0600000101010101" charset="-127"/>
-              </a:rPr>
-              <a:t>누적 관객 수를 보여 줄 마크업을 작성합니다</a:t>
-            </a:r>
-            <a:r>
-              <a:rPr lang="en-US" altLang="ko-KR" sz="1600" dirty="0">
-                <a:latin typeface="넥슨Lv1고딕" panose="020B0600000101010101" charset="-127"/>
-                <a:ea typeface="넥슨Lv1고딕" panose="020B0600000101010101" charset="-127"/>
-              </a:rPr>
-              <a:t>.</a:t>
-            </a:r>
-            <a:endParaRPr lang="ko-KR" altLang="en-US" sz="1600" dirty="0">
-              <a:latin typeface="넥슨Lv1고딕" panose="020B0600000101010101" charset="-127"/>
-              <a:ea typeface="넥슨Lv1고딕" panose="020B0600000101010101" charset="-127"/>
-            </a:endParaRPr>
-          </a:p>
-        </p:txBody>
-      </p:sp>
-      <p:pic>
-        <p:nvPicPr>
-          <p:cNvPr id="15" name="Picture 14" descr="A screenshot of a cell phone&#10;&#10;Description automatically generated">
-            <a:extLst>
-              <a:ext uri="{FF2B5EF4-FFF2-40B4-BE49-F238E27FC236}">
-                <a16:creationId xmlns:a16="http://schemas.microsoft.com/office/drawing/2014/main" id="{05DE788C-928C-4BF8-8EDD-16C51830B8E4}"/>
+                <a16:creationId xmlns:a16="http://schemas.microsoft.com/office/drawing/2014/main" xmlns="" id="{8277D3DE-E5A9-4084-A433-9FB509F030E2}"/>
               </a:ext>
             </a:extLst>
           </p:cNvPr>
@@ -19246,14 +20486,813 @@
         </p:blipFill>
         <p:spPr>
           <a:xfrm>
-            <a:off x="4910225" y="2104093"/>
-            <a:ext cx="2276475" cy="2828925"/>
+            <a:off x="1549425" y="2421785"/>
+            <a:ext cx="3000375" cy="2943225"/>
           </a:xfrm>
           <a:prstGeom prst="rect">
             <a:avLst/>
           </a:prstGeom>
         </p:spPr>
       </p:pic>
+      <p:sp>
+        <p:nvSpPr>
+          <p:cNvPr id="14" name="TextBox 13">
+            <a:extLst>
+              <a:ext uri="{FF2B5EF4-FFF2-40B4-BE49-F238E27FC236}">
+                <a16:creationId xmlns:a16="http://schemas.microsoft.com/office/drawing/2014/main" xmlns="" id="{9F12D4E5-B109-4B80-B716-4AECBE0D5D67}"/>
+              </a:ext>
+            </a:extLst>
+          </p:cNvPr>
+          <p:cNvSpPr txBox="1"/>
+          <p:nvPr/>
+        </p:nvSpPr>
+        <p:spPr>
+          <a:xfrm>
+            <a:off x="1415846" y="2061361"/>
+            <a:ext cx="6858204" cy="261610"/>
+          </a:xfrm>
+          <a:prstGeom prst="rect">
+            <a:avLst/>
+          </a:prstGeom>
+          <a:noFill/>
+        </p:spPr>
+        <p:txBody>
+          <a:bodyPr wrap="square" rtlCol="0">
+            <a:spAutoFit/>
+          </a:bodyPr>
+          <a:lstStyle/>
+          <a:p>
+            <a:r>
+              <a:rPr lang="en-US" altLang="ko-KR" sz="1100" spc="-50" dirty="0" smtClean="0">
+                <a:latin typeface="넥슨Lv1고딕 Light" panose="00000300000000000000" pitchFamily="2" charset="-127"/>
+                <a:ea typeface="넥슨Lv1고딕 Light" panose="00000300000000000000" pitchFamily="2" charset="-127"/>
+              </a:rPr>
+              <a:t>&lt;</a:t>
+            </a:r>
+            <a:r>
+              <a:rPr lang="en-US" altLang="ko-KR" sz="1100" spc="-50" dirty="0">
+                <a:latin typeface="넥슨Lv1고딕 Light" panose="00000300000000000000" pitchFamily="2" charset="-127"/>
+                <a:ea typeface="넥슨Lv1고딕 Light" panose="00000300000000000000" pitchFamily="2" charset="-127"/>
+              </a:rPr>
+              <a:t>table&gt; </a:t>
+            </a:r>
+            <a:r>
+              <a:rPr lang="ko-KR" altLang="en-US" sz="1100" spc="-50">
+                <a:latin typeface="넥슨Lv1고딕 Light" panose="00000300000000000000" pitchFamily="2" charset="-127"/>
+                <a:ea typeface="넥슨Lv1고딕 Light" panose="00000300000000000000" pitchFamily="2" charset="-127"/>
+              </a:rPr>
+              <a:t>태그를 </a:t>
+            </a:r>
+            <a:r>
+              <a:rPr lang="ko-KR" altLang="en-US" sz="1100" spc="-50" smtClean="0">
+                <a:latin typeface="넥슨Lv1고딕 Light" panose="00000300000000000000" pitchFamily="2" charset="-127"/>
+                <a:ea typeface="넥슨Lv1고딕 Light" panose="00000300000000000000" pitchFamily="2" charset="-127"/>
+              </a:rPr>
+              <a:t>이용하여 일별 박스오피스 리스트 마크업</a:t>
+            </a:r>
+            <a:r>
+              <a:rPr lang="en-US" altLang="ko-KR" sz="1100" spc="-50" dirty="0" smtClean="0">
+                <a:latin typeface="넥슨Lv1고딕 Light" panose="00000300000000000000" pitchFamily="2" charset="-127"/>
+                <a:ea typeface="넥슨Lv1고딕 Light" panose="00000300000000000000" pitchFamily="2" charset="-127"/>
+              </a:rPr>
+              <a:t>(</a:t>
+            </a:r>
+            <a:r>
+              <a:rPr lang="ko-KR" altLang="en-US" sz="1100" spc="-50">
+                <a:latin typeface="넥슨Lv1고딕 Light" panose="00000300000000000000" pitchFamily="2" charset="-127"/>
+                <a:ea typeface="넥슨Lv1고딕 Light" panose="00000300000000000000" pitchFamily="2" charset="-127"/>
+              </a:rPr>
+              <a:t>순위</a:t>
+            </a:r>
+            <a:r>
+              <a:rPr lang="en-US" altLang="ko-KR" sz="1100" spc="-50" dirty="0">
+                <a:latin typeface="넥슨Lv1고딕 Light" panose="00000300000000000000" pitchFamily="2" charset="-127"/>
+                <a:ea typeface="넥슨Lv1고딕 Light" panose="00000300000000000000" pitchFamily="2" charset="-127"/>
+              </a:rPr>
+              <a:t>, </a:t>
+            </a:r>
+            <a:r>
+              <a:rPr lang="ko-KR" altLang="en-US" sz="1100" spc="-50">
+                <a:latin typeface="넥슨Lv1고딕 Light" panose="00000300000000000000" pitchFamily="2" charset="-127"/>
+                <a:ea typeface="넥슨Lv1고딕 Light" panose="00000300000000000000" pitchFamily="2" charset="-127"/>
+              </a:rPr>
+              <a:t>제목</a:t>
+            </a:r>
+            <a:r>
+              <a:rPr lang="en-US" altLang="ko-KR" sz="1100" spc="-50" dirty="0">
+                <a:latin typeface="넥슨Lv1고딕 Light" panose="00000300000000000000" pitchFamily="2" charset="-127"/>
+                <a:ea typeface="넥슨Lv1고딕 Light" panose="00000300000000000000" pitchFamily="2" charset="-127"/>
+              </a:rPr>
+              <a:t>, </a:t>
+            </a:r>
+            <a:r>
+              <a:rPr lang="ko-KR" altLang="en-US" sz="1100" spc="-50">
+                <a:latin typeface="넥슨Lv1고딕 Light" panose="00000300000000000000" pitchFamily="2" charset="-127"/>
+                <a:ea typeface="넥슨Lv1고딕 Light" panose="00000300000000000000" pitchFamily="2" charset="-127"/>
+              </a:rPr>
+              <a:t>누적 </a:t>
+            </a:r>
+            <a:r>
+              <a:rPr lang="ko-KR" altLang="en-US" sz="1100" spc="-50" smtClean="0">
+                <a:latin typeface="넥슨Lv1고딕 Light" panose="00000300000000000000" pitchFamily="2" charset="-127"/>
+                <a:ea typeface="넥슨Lv1고딕 Light" panose="00000300000000000000" pitchFamily="2" charset="-127"/>
+              </a:rPr>
+              <a:t>관객수</a:t>
+            </a:r>
+            <a:r>
+              <a:rPr lang="en-US" altLang="ko-KR" sz="1100" spc="-50" dirty="0" smtClean="0">
+                <a:latin typeface="넥슨Lv1고딕 Light" panose="00000300000000000000" pitchFamily="2" charset="-127"/>
+                <a:ea typeface="넥슨Lv1고딕 Light" panose="00000300000000000000" pitchFamily="2" charset="-127"/>
+              </a:rPr>
+              <a:t>)</a:t>
+            </a:r>
+            <a:r>
+              <a:rPr lang="ko-KR" altLang="en-US" sz="1100" spc="-50" smtClean="0">
+                <a:latin typeface="넥슨Lv1고딕 Light" panose="00000300000000000000" pitchFamily="2" charset="-127"/>
+                <a:ea typeface="넥슨Lv1고딕 Light" panose="00000300000000000000" pitchFamily="2" charset="-127"/>
+              </a:rPr>
+              <a:t>을 작성합니다</a:t>
+            </a:r>
+            <a:r>
+              <a:rPr lang="en-US" altLang="ko-KR" sz="1100" spc="-50" dirty="0">
+                <a:latin typeface="넥슨Lv1고딕 Light" panose="00000300000000000000" pitchFamily="2" charset="-127"/>
+                <a:ea typeface="넥슨Lv1고딕 Light" panose="00000300000000000000" pitchFamily="2" charset="-127"/>
+              </a:rPr>
+              <a:t>.</a:t>
+            </a:r>
+            <a:endParaRPr lang="en-US" altLang="ko-KR" sz="1100" spc="-50" dirty="0" smtClean="0">
+              <a:latin typeface="넥슨Lv1고딕 Light" panose="00000300000000000000" pitchFamily="2" charset="-127"/>
+              <a:ea typeface="넥슨Lv1고딕 Light" panose="00000300000000000000" pitchFamily="2" charset="-127"/>
+            </a:endParaRPr>
+          </a:p>
+        </p:txBody>
+      </p:sp>
+      <p:sp>
+        <p:nvSpPr>
+          <p:cNvPr id="16" name="직사각형 15">
+            <a:extLst>
+              <a:ext uri="{FF2B5EF4-FFF2-40B4-BE49-F238E27FC236}">
+                <a16:creationId xmlns:a16="http://schemas.microsoft.com/office/drawing/2014/main" xmlns="" id="{6BCF2C6F-DE96-44FB-AC9B-5B17AA7C127E}"/>
+              </a:ext>
+            </a:extLst>
+          </p:cNvPr>
+          <p:cNvSpPr/>
+          <p:nvPr/>
+        </p:nvSpPr>
+        <p:spPr>
+          <a:xfrm>
+            <a:off x="2516499" y="4254605"/>
+            <a:ext cx="1927032" cy="566777"/>
+          </a:xfrm>
+          <a:prstGeom prst="rect">
+            <a:avLst/>
+          </a:prstGeom>
+          <a:noFill/>
+          <a:ln>
+            <a:solidFill>
+              <a:srgbClr val="FF0000"/>
+            </a:solidFill>
+            <a:prstDash val="dash"/>
+          </a:ln>
+        </p:spPr>
+        <p:style>
+          <a:lnRef idx="2">
+            <a:schemeClr val="accent1">
+              <a:shade val="50000"/>
+            </a:schemeClr>
+          </a:lnRef>
+          <a:fillRef idx="1">
+            <a:schemeClr val="accent1"/>
+          </a:fillRef>
+          <a:effectRef idx="0">
+            <a:schemeClr val="accent1"/>
+          </a:effectRef>
+          <a:fontRef idx="minor">
+            <a:schemeClr val="lt1"/>
+          </a:fontRef>
+        </p:style>
+        <p:txBody>
+          <a:bodyPr rtlCol="0" anchor="ctr"/>
+          <a:lstStyle/>
+          <a:p>
+            <a:pPr algn="ctr"/>
+            <a:endParaRPr lang="ko-KR" altLang="en-US"/>
+          </a:p>
+        </p:txBody>
+      </p:sp>
+      <p:sp>
+        <p:nvSpPr>
+          <p:cNvPr id="17" name="화살표: 아래쪽 26">
+            <a:extLst>
+              <a:ext uri="{FF2B5EF4-FFF2-40B4-BE49-F238E27FC236}">
+                <a16:creationId xmlns:a16="http://schemas.microsoft.com/office/drawing/2014/main" xmlns="" id="{B2889BCE-092A-4B6E-805F-EFAE6A038C1D}"/>
+              </a:ext>
+            </a:extLst>
+          </p:cNvPr>
+          <p:cNvSpPr/>
+          <p:nvPr/>
+        </p:nvSpPr>
+        <p:spPr>
+          <a:xfrm>
+            <a:off x="3363919" y="4882468"/>
+            <a:ext cx="116095" cy="624323"/>
+          </a:xfrm>
+          <a:prstGeom prst="downArrow">
+            <a:avLst>
+              <a:gd name="adj1" fmla="val 36374"/>
+              <a:gd name="adj2" fmla="val 80138"/>
+            </a:avLst>
+          </a:prstGeom>
+          <a:solidFill>
+            <a:srgbClr val="FF0000"/>
+          </a:solidFill>
+          <a:ln>
+            <a:noFill/>
+          </a:ln>
+        </p:spPr>
+        <p:style>
+          <a:lnRef idx="2">
+            <a:schemeClr val="accent1">
+              <a:shade val="50000"/>
+            </a:schemeClr>
+          </a:lnRef>
+          <a:fillRef idx="1">
+            <a:schemeClr val="accent1"/>
+          </a:fillRef>
+          <a:effectRef idx="0">
+            <a:schemeClr val="accent1"/>
+          </a:effectRef>
+          <a:fontRef idx="minor">
+            <a:schemeClr val="lt1"/>
+          </a:fontRef>
+        </p:style>
+        <p:txBody>
+          <a:bodyPr rtlCol="0" anchor="ctr"/>
+          <a:lstStyle/>
+          <a:p>
+            <a:pPr algn="ctr"/>
+            <a:endParaRPr lang="ko-KR" altLang="en-US"/>
+          </a:p>
+        </p:txBody>
+      </p:sp>
+      <p:sp>
+        <p:nvSpPr>
+          <p:cNvPr id="18" name="모서리가 둥근 직사각형 18">
+            <a:extLst>
+              <a:ext uri="{FF2B5EF4-FFF2-40B4-BE49-F238E27FC236}">
+                <a16:creationId xmlns:a16="http://schemas.microsoft.com/office/drawing/2014/main" xmlns="" id="{3232FBF2-4E60-481E-BF83-CC24D588C368}"/>
+              </a:ext>
+            </a:extLst>
+          </p:cNvPr>
+          <p:cNvSpPr/>
+          <p:nvPr/>
+        </p:nvSpPr>
+        <p:spPr>
+          <a:xfrm>
+            <a:off x="1768325" y="5547369"/>
+            <a:ext cx="3307281" cy="577894"/>
+          </a:xfrm>
+          <a:prstGeom prst="roundRect">
+            <a:avLst>
+              <a:gd name="adj" fmla="val 5887"/>
+            </a:avLst>
+          </a:prstGeom>
+          <a:solidFill>
+            <a:srgbClr val="B5DC11"/>
+          </a:solidFill>
+          <a:ln>
+            <a:noFill/>
+          </a:ln>
+        </p:spPr>
+        <p:style>
+          <a:lnRef idx="2">
+            <a:schemeClr val="accent1">
+              <a:shade val="50000"/>
+            </a:schemeClr>
+          </a:lnRef>
+          <a:fillRef idx="1">
+            <a:schemeClr val="accent1"/>
+          </a:fillRef>
+          <a:effectRef idx="0">
+            <a:schemeClr val="accent1"/>
+          </a:effectRef>
+          <a:fontRef idx="minor">
+            <a:schemeClr val="lt1"/>
+          </a:fontRef>
+        </p:style>
+        <p:txBody>
+          <a:bodyPr rtlCol="0" anchor="ctr"/>
+          <a:lstStyle/>
+          <a:p>
+            <a:pPr algn="ctr"/>
+            <a:r>
+              <a:rPr lang="en-US" altLang="ko-KR" sz="1000" dirty="0" smtClean="0">
+                <a:solidFill>
+                  <a:schemeClr val="tx1">
+                    <a:lumMod val="85000"/>
+                    <a:lumOff val="15000"/>
+                  </a:schemeClr>
+                </a:solidFill>
+                <a:latin typeface="넥슨Lv1고딕 Bold" panose="00000800000000000000" pitchFamily="2" charset="-127"/>
+                <a:ea typeface="넥슨Lv1고딕 Bold" panose="00000800000000000000" pitchFamily="2" charset="-127"/>
+              </a:rPr>
+              <a:t>API</a:t>
+            </a:r>
+            <a:r>
+              <a:rPr lang="ko-KR" altLang="en-US" sz="1000" smtClean="0">
+                <a:solidFill>
+                  <a:schemeClr val="tx1">
+                    <a:lumMod val="85000"/>
+                    <a:lumOff val="15000"/>
+                  </a:schemeClr>
+                </a:solidFill>
+                <a:latin typeface="넥슨Lv1고딕 Bold" panose="00000800000000000000" pitchFamily="2" charset="-127"/>
+                <a:ea typeface="넥슨Lv1고딕 Bold" panose="00000800000000000000" pitchFamily="2" charset="-127"/>
+              </a:rPr>
+              <a:t>에서 성공적으로 데이터를 불러온 후</a:t>
+            </a:r>
+            <a:r>
+              <a:rPr lang="en-US" altLang="ko-KR" sz="1000" dirty="0" smtClean="0">
+                <a:solidFill>
+                  <a:schemeClr val="tx1">
+                    <a:lumMod val="85000"/>
+                    <a:lumOff val="15000"/>
+                  </a:schemeClr>
+                </a:solidFill>
+                <a:latin typeface="넥슨Lv1고딕 Bold" panose="00000800000000000000" pitchFamily="2" charset="-127"/>
+                <a:ea typeface="넥슨Lv1고딕 Bold" panose="00000800000000000000" pitchFamily="2" charset="-127"/>
+              </a:rPr>
+              <a:t>,</a:t>
+            </a:r>
+          </a:p>
+          <a:p>
+            <a:pPr algn="ctr"/>
+            <a:r>
+              <a:rPr lang="ko-KR" altLang="en-US" sz="1000" dirty="0" smtClean="0">
+                <a:solidFill>
+                  <a:schemeClr val="tx1">
+                    <a:lumMod val="85000"/>
+                    <a:lumOff val="15000"/>
+                  </a:schemeClr>
+                </a:solidFill>
+                <a:latin typeface="넥슨Lv1고딕 Bold" panose="00000800000000000000" pitchFamily="2" charset="-127"/>
+                <a:ea typeface="넥슨Lv1고딕 Bold" panose="00000800000000000000" pitchFamily="2" charset="-127"/>
+              </a:rPr>
+              <a:t>각 </a:t>
+            </a:r>
+            <a:r>
+              <a:rPr lang="en-US" altLang="ko-KR" sz="1000" dirty="0" smtClean="0">
+                <a:solidFill>
+                  <a:schemeClr val="tx1">
+                    <a:lumMod val="85000"/>
+                    <a:lumOff val="15000"/>
+                  </a:schemeClr>
+                </a:solidFill>
+                <a:latin typeface="넥슨Lv1고딕 Bold" panose="00000800000000000000" pitchFamily="2" charset="-127"/>
+                <a:ea typeface="넥슨Lv1고딕 Bold" panose="00000800000000000000" pitchFamily="2" charset="-127"/>
+              </a:rPr>
+              <a:t>&lt;td&gt;</a:t>
+            </a:r>
+            <a:r>
+              <a:rPr lang="ko-KR" altLang="en-US" sz="1000" smtClean="0">
+                <a:solidFill>
+                  <a:schemeClr val="tx1">
+                    <a:lumMod val="85000"/>
+                    <a:lumOff val="15000"/>
+                  </a:schemeClr>
+                </a:solidFill>
+                <a:latin typeface="넥슨Lv1고딕 Bold" panose="00000800000000000000" pitchFamily="2" charset="-127"/>
+                <a:ea typeface="넥슨Lv1고딕 Bold" panose="00000800000000000000" pitchFamily="2" charset="-127"/>
+              </a:rPr>
+              <a:t>에 순위</a:t>
+            </a:r>
+            <a:r>
+              <a:rPr lang="en-US" altLang="ko-KR" sz="1000" dirty="0" smtClean="0">
+                <a:solidFill>
+                  <a:schemeClr val="tx1">
+                    <a:lumMod val="85000"/>
+                    <a:lumOff val="15000"/>
+                  </a:schemeClr>
+                </a:solidFill>
+                <a:latin typeface="넥슨Lv1고딕 Bold" panose="00000800000000000000" pitchFamily="2" charset="-127"/>
+                <a:ea typeface="넥슨Lv1고딕 Bold" panose="00000800000000000000" pitchFamily="2" charset="-127"/>
+              </a:rPr>
+              <a:t>, </a:t>
+            </a:r>
+            <a:r>
+              <a:rPr lang="ko-KR" altLang="en-US" sz="1000" smtClean="0">
+                <a:solidFill>
+                  <a:schemeClr val="tx1">
+                    <a:lumMod val="85000"/>
+                    <a:lumOff val="15000"/>
+                  </a:schemeClr>
+                </a:solidFill>
+                <a:latin typeface="넥슨Lv1고딕 Bold" panose="00000800000000000000" pitchFamily="2" charset="-127"/>
+                <a:ea typeface="넥슨Lv1고딕 Bold" panose="00000800000000000000" pitchFamily="2" charset="-127"/>
+              </a:rPr>
+              <a:t>제목</a:t>
+            </a:r>
+            <a:r>
+              <a:rPr lang="en-US" altLang="ko-KR" sz="1000" dirty="0" smtClean="0">
+                <a:solidFill>
+                  <a:schemeClr val="tx1">
+                    <a:lumMod val="85000"/>
+                    <a:lumOff val="15000"/>
+                  </a:schemeClr>
+                </a:solidFill>
+                <a:latin typeface="넥슨Lv1고딕 Bold" panose="00000800000000000000" pitchFamily="2" charset="-127"/>
+                <a:ea typeface="넥슨Lv1고딕 Bold" panose="00000800000000000000" pitchFamily="2" charset="-127"/>
+              </a:rPr>
+              <a:t>, </a:t>
+            </a:r>
+            <a:r>
+              <a:rPr lang="ko-KR" altLang="en-US" sz="1000" smtClean="0">
+                <a:solidFill>
+                  <a:schemeClr val="tx1">
+                    <a:lumMod val="85000"/>
+                    <a:lumOff val="15000"/>
+                  </a:schemeClr>
+                </a:solidFill>
+                <a:latin typeface="넥슨Lv1고딕 Bold" panose="00000800000000000000" pitchFamily="2" charset="-127"/>
+                <a:ea typeface="넥슨Lv1고딕 Bold" panose="00000800000000000000" pitchFamily="2" charset="-127"/>
+              </a:rPr>
+              <a:t>누적 관객수를 삽입합니다</a:t>
+            </a:r>
+            <a:r>
+              <a:rPr lang="en-US" altLang="ko-KR" sz="1000" dirty="0" smtClean="0">
+                <a:solidFill>
+                  <a:schemeClr val="tx1">
+                    <a:lumMod val="85000"/>
+                    <a:lumOff val="15000"/>
+                  </a:schemeClr>
+                </a:solidFill>
+                <a:latin typeface="넥슨Lv1고딕 Bold" panose="00000800000000000000" pitchFamily="2" charset="-127"/>
+                <a:ea typeface="넥슨Lv1고딕 Bold" panose="00000800000000000000" pitchFamily="2" charset="-127"/>
+              </a:rPr>
+              <a:t>.</a:t>
+            </a:r>
+          </a:p>
+        </p:txBody>
+      </p:sp>
+      <p:sp>
+        <p:nvSpPr>
+          <p:cNvPr id="19" name="모서리가 둥근 직사각형 18">
+            <a:extLst>
+              <a:ext uri="{FF2B5EF4-FFF2-40B4-BE49-F238E27FC236}">
+                <a16:creationId xmlns:a16="http://schemas.microsoft.com/office/drawing/2014/main" xmlns="" id="{3232FBF2-4E60-481E-BF83-CC24D588C368}"/>
+              </a:ext>
+            </a:extLst>
+          </p:cNvPr>
+          <p:cNvSpPr/>
+          <p:nvPr/>
+        </p:nvSpPr>
+        <p:spPr>
+          <a:xfrm>
+            <a:off x="5075606" y="4210205"/>
+            <a:ext cx="3307281" cy="928954"/>
+          </a:xfrm>
+          <a:prstGeom prst="roundRect">
+            <a:avLst>
+              <a:gd name="adj" fmla="val 5887"/>
+            </a:avLst>
+          </a:prstGeom>
+          <a:solidFill>
+            <a:srgbClr val="B5DC11"/>
+          </a:solidFill>
+          <a:ln>
+            <a:noFill/>
+          </a:ln>
+        </p:spPr>
+        <p:style>
+          <a:lnRef idx="2">
+            <a:schemeClr val="accent1">
+              <a:shade val="50000"/>
+            </a:schemeClr>
+          </a:lnRef>
+          <a:fillRef idx="1">
+            <a:schemeClr val="accent1"/>
+          </a:fillRef>
+          <a:effectRef idx="0">
+            <a:schemeClr val="accent1"/>
+          </a:effectRef>
+          <a:fontRef idx="minor">
+            <a:schemeClr val="lt1"/>
+          </a:fontRef>
+        </p:style>
+        <p:txBody>
+          <a:bodyPr rtlCol="0" anchor="ctr"/>
+          <a:lstStyle/>
+          <a:p>
+            <a:pPr algn="ctr"/>
+            <a:r>
+              <a:rPr lang="en-US" altLang="ko-KR" sz="1000" dirty="0" smtClean="0">
+                <a:solidFill>
+                  <a:schemeClr val="tx1">
+                    <a:lumMod val="85000"/>
+                    <a:lumOff val="15000"/>
+                  </a:schemeClr>
+                </a:solidFill>
+                <a:latin typeface="넥슨Lv1고딕 Bold" panose="00000800000000000000" pitchFamily="2" charset="-127"/>
+                <a:ea typeface="넥슨Lv1고딕 Bold" panose="00000800000000000000" pitchFamily="2" charset="-127"/>
+              </a:rPr>
+              <a:t>GET </a:t>
+            </a:r>
+            <a:r>
+              <a:rPr lang="ko-KR" altLang="en-US" sz="1000" smtClean="0">
+                <a:solidFill>
+                  <a:schemeClr val="tx1">
+                    <a:lumMod val="85000"/>
+                    <a:lumOff val="15000"/>
+                  </a:schemeClr>
+                </a:solidFill>
+                <a:latin typeface="넥슨Lv1고딕 Bold" panose="00000800000000000000" pitchFamily="2" charset="-127"/>
+                <a:ea typeface="넥슨Lv1고딕 Bold" panose="00000800000000000000" pitchFamily="2" charset="-127"/>
+              </a:rPr>
+              <a:t>요청 후</a:t>
+            </a:r>
+            <a:r>
+              <a:rPr lang="en-US" altLang="ko-KR" sz="1000" dirty="0" smtClean="0">
+                <a:solidFill>
+                  <a:schemeClr val="tx1">
+                    <a:lumMod val="85000"/>
+                    <a:lumOff val="15000"/>
+                  </a:schemeClr>
+                </a:solidFill>
+                <a:latin typeface="넥슨Lv1고딕 Bold" panose="00000800000000000000" pitchFamily="2" charset="-127"/>
+                <a:ea typeface="넥슨Lv1고딕 Bold" panose="00000800000000000000" pitchFamily="2" charset="-127"/>
+              </a:rPr>
+              <a:t>, </a:t>
+            </a:r>
+            <a:r>
+              <a:rPr lang="ko-KR" altLang="en-US" sz="1000" smtClean="0">
+                <a:solidFill>
+                  <a:schemeClr val="tx1">
+                    <a:lumMod val="85000"/>
+                    <a:lumOff val="15000"/>
+                  </a:schemeClr>
+                </a:solidFill>
+                <a:latin typeface="넥슨Lv1고딕 Bold" panose="00000800000000000000" pitchFamily="2" charset="-127"/>
+                <a:ea typeface="넥슨Lv1고딕 Bold" panose="00000800000000000000" pitchFamily="2" charset="-127"/>
+              </a:rPr>
+              <a:t>데이터를 담을 </a:t>
+            </a:r>
+            <a:r>
+              <a:rPr lang="en-US" altLang="ko-KR" sz="1000" dirty="0" err="1" smtClean="0">
+                <a:solidFill>
+                  <a:schemeClr val="tx1">
+                    <a:lumMod val="85000"/>
+                    <a:lumOff val="15000"/>
+                  </a:schemeClr>
+                </a:solidFill>
+                <a:latin typeface="넥슨Lv1고딕 Bold" panose="00000800000000000000" pitchFamily="2" charset="-127"/>
+                <a:ea typeface="넥슨Lv1고딕 Bold" panose="00000800000000000000" pitchFamily="2" charset="-127"/>
+              </a:rPr>
+              <a:t>Vue</a:t>
+            </a:r>
+            <a:r>
+              <a:rPr lang="en-US" altLang="ko-KR" sz="1000" dirty="0" smtClean="0">
+                <a:solidFill>
+                  <a:schemeClr val="tx1">
+                    <a:lumMod val="85000"/>
+                    <a:lumOff val="15000"/>
+                  </a:schemeClr>
+                </a:solidFill>
+                <a:latin typeface="넥슨Lv1고딕 Bold" panose="00000800000000000000" pitchFamily="2" charset="-127"/>
+                <a:ea typeface="넥슨Lv1고딕 Bold" panose="00000800000000000000" pitchFamily="2" charset="-127"/>
+              </a:rPr>
+              <a:t> data</a:t>
+            </a:r>
+            <a:r>
+              <a:rPr lang="ko-KR" altLang="en-US" sz="1000" smtClean="0">
+                <a:solidFill>
+                  <a:schemeClr val="tx1">
+                    <a:lumMod val="85000"/>
+                    <a:lumOff val="15000"/>
+                  </a:schemeClr>
+                </a:solidFill>
+                <a:latin typeface="넥슨Lv1고딕 Bold" panose="00000800000000000000" pitchFamily="2" charset="-127"/>
+                <a:ea typeface="넥슨Lv1고딕 Bold" panose="00000800000000000000" pitchFamily="2" charset="-127"/>
+              </a:rPr>
+              <a:t>를 선언합니다</a:t>
+            </a:r>
+            <a:r>
+              <a:rPr lang="en-US" altLang="ko-KR" sz="1000" dirty="0" smtClean="0">
+                <a:solidFill>
+                  <a:schemeClr val="tx1">
+                    <a:lumMod val="85000"/>
+                    <a:lumOff val="15000"/>
+                  </a:schemeClr>
+                </a:solidFill>
+                <a:latin typeface="넥슨Lv1고딕 Bold" panose="00000800000000000000" pitchFamily="2" charset="-127"/>
+                <a:ea typeface="넥슨Lv1고딕 Bold" panose="00000800000000000000" pitchFamily="2" charset="-127"/>
+              </a:rPr>
+              <a:t>.</a:t>
+            </a:r>
+          </a:p>
+          <a:p>
+            <a:pPr algn="ctr"/>
+            <a:r>
+              <a:rPr lang="ko-KR" altLang="en-US" sz="1000" dirty="0" smtClean="0">
+                <a:solidFill>
+                  <a:schemeClr val="tx1">
+                    <a:lumMod val="85000"/>
+                    <a:lumOff val="15000"/>
+                  </a:schemeClr>
+                </a:solidFill>
+                <a:latin typeface="넥슨Lv1고딕 Bold" panose="00000800000000000000" pitchFamily="2" charset="-127"/>
+                <a:ea typeface="넥슨Lv1고딕 Bold" panose="00000800000000000000" pitchFamily="2" charset="-127"/>
+              </a:rPr>
+              <a:t>빈 배열 또는 </a:t>
+            </a:r>
+            <a:r>
+              <a:rPr lang="en-US" altLang="ko-KR" sz="1000" dirty="0" smtClean="0">
+                <a:solidFill>
+                  <a:schemeClr val="tx1">
+                    <a:lumMod val="85000"/>
+                    <a:lumOff val="15000"/>
+                  </a:schemeClr>
+                </a:solidFill>
+                <a:latin typeface="넥슨Lv1고딕 Bold" panose="00000800000000000000" pitchFamily="2" charset="-127"/>
+                <a:ea typeface="넥슨Lv1고딕 Bold" panose="00000800000000000000" pitchFamily="2" charset="-127"/>
+              </a:rPr>
+              <a:t>null</a:t>
+            </a:r>
+            <a:r>
+              <a:rPr lang="ko-KR" altLang="en-US" sz="1000" smtClean="0">
+                <a:solidFill>
+                  <a:schemeClr val="tx1">
+                    <a:lumMod val="85000"/>
+                    <a:lumOff val="15000"/>
+                  </a:schemeClr>
+                </a:solidFill>
+                <a:latin typeface="넥슨Lv1고딕 Bold" panose="00000800000000000000" pitchFamily="2" charset="-127"/>
+                <a:ea typeface="넥슨Lv1고딕 Bold" panose="00000800000000000000" pitchFamily="2" charset="-127"/>
+              </a:rPr>
+              <a:t>값을 지정합니다</a:t>
+            </a:r>
+            <a:r>
+              <a:rPr lang="en-US" altLang="ko-KR" sz="1000" dirty="0" smtClean="0">
+                <a:solidFill>
+                  <a:schemeClr val="tx1">
+                    <a:lumMod val="85000"/>
+                    <a:lumOff val="15000"/>
+                  </a:schemeClr>
+                </a:solidFill>
+                <a:latin typeface="넥슨Lv1고딕 Bold" panose="00000800000000000000" pitchFamily="2" charset="-127"/>
+                <a:ea typeface="넥슨Lv1고딕 Bold" panose="00000800000000000000" pitchFamily="2" charset="-127"/>
+              </a:rPr>
+              <a:t>.</a:t>
+            </a:r>
+          </a:p>
+          <a:p>
+            <a:pPr algn="ctr"/>
+            <a:endParaRPr lang="en-US" altLang="ko-KR" sz="1000" dirty="0">
+              <a:solidFill>
+                <a:schemeClr val="tx1">
+                  <a:lumMod val="85000"/>
+                  <a:lumOff val="15000"/>
+                </a:schemeClr>
+              </a:solidFill>
+              <a:latin typeface="넥슨Lv1고딕 Bold" panose="00000800000000000000" pitchFamily="2" charset="-127"/>
+              <a:ea typeface="넥슨Lv1고딕 Bold" panose="00000800000000000000" pitchFamily="2" charset="-127"/>
+            </a:endParaRPr>
+          </a:p>
+          <a:p>
+            <a:pPr algn="ctr"/>
+            <a:r>
+              <a:rPr lang="en-US" altLang="ko-KR" sz="1000" dirty="0" err="1" smtClean="0">
+                <a:solidFill>
+                  <a:schemeClr val="tx1">
+                    <a:lumMod val="85000"/>
+                    <a:lumOff val="15000"/>
+                  </a:schemeClr>
+                </a:solidFill>
+                <a:latin typeface="넥슨Lv1고딕 Bold" panose="00000800000000000000" pitchFamily="2" charset="-127"/>
+                <a:ea typeface="넥슨Lv1고딕 Bold" panose="00000800000000000000" pitchFamily="2" charset="-127"/>
+              </a:rPr>
+              <a:t>fetchItems</a:t>
+            </a:r>
+            <a:r>
+              <a:rPr lang="en-US" altLang="ko-KR" sz="1000" dirty="0" smtClean="0">
+                <a:solidFill>
+                  <a:schemeClr val="tx1">
+                    <a:lumMod val="85000"/>
+                    <a:lumOff val="15000"/>
+                  </a:schemeClr>
+                </a:solidFill>
+                <a:latin typeface="넥슨Lv1고딕 Bold" panose="00000800000000000000" pitchFamily="2" charset="-127"/>
+                <a:ea typeface="넥슨Lv1고딕 Bold" panose="00000800000000000000" pitchFamily="2" charset="-127"/>
+              </a:rPr>
+              <a:t>() </a:t>
+            </a:r>
+            <a:r>
+              <a:rPr lang="ko-KR" altLang="en-US" sz="1000" smtClean="0">
+                <a:solidFill>
+                  <a:schemeClr val="tx1">
+                    <a:lumMod val="85000"/>
+                    <a:lumOff val="15000"/>
+                  </a:schemeClr>
+                </a:solidFill>
+                <a:latin typeface="넥슨Lv1고딕 Bold" panose="00000800000000000000" pitchFamily="2" charset="-127"/>
+                <a:ea typeface="넥슨Lv1고딕 Bold" panose="00000800000000000000" pitchFamily="2" charset="-127"/>
+              </a:rPr>
+              <a:t>메서드에서 </a:t>
+            </a:r>
+            <a:r>
+              <a:rPr lang="en-US" altLang="ko-KR" sz="1000" dirty="0" err="1" smtClean="0">
+                <a:solidFill>
+                  <a:schemeClr val="tx1">
+                    <a:lumMod val="85000"/>
+                    <a:lumOff val="15000"/>
+                  </a:schemeClr>
+                </a:solidFill>
+                <a:latin typeface="넥슨Lv1고딕 Bold" panose="00000800000000000000" pitchFamily="2" charset="-127"/>
+                <a:ea typeface="넥슨Lv1고딕 Bold" panose="00000800000000000000" pitchFamily="2" charset="-127"/>
+              </a:rPr>
+              <a:t>Axios</a:t>
+            </a:r>
+            <a:r>
+              <a:rPr lang="ko-KR" altLang="en-US" sz="1000" smtClean="0">
+                <a:solidFill>
+                  <a:schemeClr val="tx1">
+                    <a:lumMod val="85000"/>
+                    <a:lumOff val="15000"/>
+                  </a:schemeClr>
+                </a:solidFill>
+                <a:latin typeface="넥슨Lv1고딕 Bold" panose="00000800000000000000" pitchFamily="2" charset="-127"/>
+                <a:ea typeface="넥슨Lv1고딕 Bold" panose="00000800000000000000" pitchFamily="2" charset="-127"/>
+              </a:rPr>
+              <a:t> 요청을 보냅니다</a:t>
+            </a:r>
+            <a:r>
+              <a:rPr lang="en-US" altLang="ko-KR" sz="1000" dirty="0" smtClean="0">
+                <a:solidFill>
+                  <a:schemeClr val="tx1">
+                    <a:lumMod val="85000"/>
+                    <a:lumOff val="15000"/>
+                  </a:schemeClr>
+                </a:solidFill>
+                <a:latin typeface="넥슨Lv1고딕 Bold" panose="00000800000000000000" pitchFamily="2" charset="-127"/>
+                <a:ea typeface="넥슨Lv1고딕 Bold" panose="00000800000000000000" pitchFamily="2" charset="-127"/>
+              </a:rPr>
+              <a:t>.</a:t>
+            </a:r>
+          </a:p>
+        </p:txBody>
+      </p:sp>
+      <p:sp>
+        <p:nvSpPr>
+          <p:cNvPr id="20" name="직사각형 19">
+            <a:extLst>
+              <a:ext uri="{FF2B5EF4-FFF2-40B4-BE49-F238E27FC236}">
+                <a16:creationId xmlns:a16="http://schemas.microsoft.com/office/drawing/2014/main" xmlns="" id="{6BCF2C6F-DE96-44FB-AC9B-5B17AA7C127E}"/>
+              </a:ext>
+            </a:extLst>
+          </p:cNvPr>
+          <p:cNvSpPr/>
+          <p:nvPr/>
+        </p:nvSpPr>
+        <p:spPr>
+          <a:xfrm>
+            <a:off x="5149739" y="2870008"/>
+            <a:ext cx="921183" cy="157278"/>
+          </a:xfrm>
+          <a:prstGeom prst="rect">
+            <a:avLst/>
+          </a:prstGeom>
+          <a:noFill/>
+          <a:ln>
+            <a:solidFill>
+              <a:srgbClr val="FF0000"/>
+            </a:solidFill>
+            <a:prstDash val="dash"/>
+          </a:ln>
+        </p:spPr>
+        <p:style>
+          <a:lnRef idx="2">
+            <a:schemeClr val="accent1">
+              <a:shade val="50000"/>
+            </a:schemeClr>
+          </a:lnRef>
+          <a:fillRef idx="1">
+            <a:schemeClr val="accent1"/>
+          </a:fillRef>
+          <a:effectRef idx="0">
+            <a:schemeClr val="accent1"/>
+          </a:effectRef>
+          <a:fontRef idx="minor">
+            <a:schemeClr val="lt1"/>
+          </a:fontRef>
+        </p:style>
+        <p:txBody>
+          <a:bodyPr rtlCol="0" anchor="ctr"/>
+          <a:lstStyle/>
+          <a:p>
+            <a:pPr algn="ctr"/>
+            <a:endParaRPr lang="ko-KR" altLang="en-US"/>
+          </a:p>
+        </p:txBody>
+      </p:sp>
     </p:spTree>
     <p:extLst>
       <p:ext uri="{BB962C8B-B14F-4D97-AF65-F5344CB8AC3E}">
@@ -19496,6 +21535,13 @@
               </a:rPr>
               <a:t>Axios</a:t>
             </a:r>
+            <a:r>
+              <a:rPr lang="en-US" altLang="ko-KR" sz="1800" dirty="0">
+                <a:latin typeface="넥슨Lv1고딕 Bold" panose="00000800000000000000" pitchFamily="2" charset="-127"/>
+                <a:ea typeface="넥슨Lv1고딕 Bold" panose="00000800000000000000" pitchFamily="2" charset="-127"/>
+              </a:rPr>
+              <a:t/>
+            </a:r>
             <a:br>
               <a:rPr lang="en-US" altLang="ko-KR" sz="1800" dirty="0">
                 <a:latin typeface="넥슨Lv1고딕 Bold" panose="00000800000000000000" pitchFamily="2" charset="-127"/>
@@ -19549,7 +21595,7 @@
           <p:cNvPr id="9" name="타원 8">
             <a:extLst>
               <a:ext uri="{FF2B5EF4-FFF2-40B4-BE49-F238E27FC236}">
-                <a16:creationId xmlns:a16="http://schemas.microsoft.com/office/drawing/2014/main" id="{50BED8AE-0875-450C-818E-29934DDC0736}"/>
+                <a16:creationId xmlns:a16="http://schemas.microsoft.com/office/drawing/2014/main" xmlns="" id="{50BED8AE-0875-450C-818E-29934DDC0736}"/>
               </a:ext>
             </a:extLst>
           </p:cNvPr>
@@ -19611,7 +21657,7 @@
           <p:cNvPr id="11" name="Picture 10" descr="A screenshot of a cell phone&#10;&#10;Description automatically generated">
             <a:extLst>
               <a:ext uri="{FF2B5EF4-FFF2-40B4-BE49-F238E27FC236}">
-                <a16:creationId xmlns:a16="http://schemas.microsoft.com/office/drawing/2014/main" id="{88C8959C-BC66-41B7-95E5-F3EB5B9C7153}"/>
+                <a16:creationId xmlns:a16="http://schemas.microsoft.com/office/drawing/2014/main" xmlns="" id="{88C8959C-BC66-41B7-95E5-F3EB5B9C7153}"/>
               </a:ext>
             </a:extLst>
           </p:cNvPr>
@@ -19634,8 +21680,8 @@
         </p:blipFill>
         <p:spPr>
           <a:xfrm>
-            <a:off x="0" y="2498173"/>
-            <a:ext cx="9144000" cy="1861653"/>
+            <a:off x="240320" y="2586996"/>
+            <a:ext cx="8663651" cy="1763857"/>
           </a:xfrm>
           <a:prstGeom prst="rect">
             <a:avLst/>
@@ -19644,10 +21690,10 @@
       </p:pic>
       <p:sp>
         <p:nvSpPr>
-          <p:cNvPr id="10" name="TextBox 9">
+          <p:cNvPr id="12" name="TextBox 11">
             <a:extLst>
               <a:ext uri="{FF2B5EF4-FFF2-40B4-BE49-F238E27FC236}">
-                <a16:creationId xmlns:a16="http://schemas.microsoft.com/office/drawing/2014/main" id="{9D354C01-0239-40D0-8E56-8EBE3F4E3893}"/>
+                <a16:creationId xmlns:a16="http://schemas.microsoft.com/office/drawing/2014/main" xmlns="" id="{9F12D4E5-B109-4B80-B716-4AECBE0D5D67}"/>
               </a:ext>
             </a:extLst>
           </p:cNvPr>
@@ -19656,8 +21702,8 @@
         </p:nvSpPr>
         <p:spPr>
           <a:xfrm>
-            <a:off x="328108" y="4665028"/>
-            <a:ext cx="7592036" cy="954107"/>
+            <a:off x="1415846" y="2061361"/>
+            <a:ext cx="6858204" cy="430887"/>
           </a:xfrm>
           <a:prstGeom prst="rect">
             <a:avLst/>
@@ -19671,78 +21717,663 @@
           <a:lstStyle/>
           <a:p>
             <a:r>
-              <a:rPr lang="en-US" altLang="ko-KR" sz="1400" dirty="0" err="1"/>
-              <a:t>Axios</a:t>
-            </a:r>
-            <a:r>
-              <a:rPr lang="ko-KR" altLang="en-US" sz="1400" dirty="0"/>
-              <a:t>를 이용</a:t>
-            </a:r>
-            <a:endParaRPr lang="en-US" altLang="ko-KR" sz="1400" dirty="0"/>
-          </a:p>
-          <a:p>
-            <a:endParaRPr lang="en-US" altLang="ko-KR" sz="1400" dirty="0"/>
-          </a:p>
-          <a:p>
-            <a:r>
-              <a:rPr lang="en-US" altLang="ko-KR" sz="1400" dirty="0"/>
-              <a:t> - </a:t>
-            </a:r>
-            <a:r>
-              <a:rPr lang="ko-KR" altLang="en-US" sz="1400" dirty="0"/>
-              <a:t>서버에</a:t>
-            </a:r>
-            <a:r>
-              <a:rPr lang="en-US" altLang="ko-KR" sz="1400" dirty="0"/>
-              <a:t> GET </a:t>
-            </a:r>
-            <a:r>
-              <a:rPr lang="ko-KR" altLang="en-US" sz="1400" dirty="0"/>
-              <a:t>방식으로 데이터를 요청</a:t>
-            </a:r>
-            <a:r>
-              <a:rPr lang="en-US" altLang="ko-KR" sz="1400" dirty="0"/>
+              <a:rPr lang="ko-KR" altLang="en-US" sz="1100" spc="-50" dirty="0" smtClean="0">
+                <a:latin typeface="넥슨Lv1고딕 Light" panose="00000300000000000000" pitchFamily="2" charset="-127"/>
+                <a:ea typeface="넥슨Lv1고딕 Light" panose="00000300000000000000" pitchFamily="2" charset="-127"/>
+              </a:rPr>
+              <a:t>영화진흥위원회에서 제공하는 </a:t>
+            </a:r>
+            <a:r>
+              <a:rPr lang="en-US" altLang="ko-KR" sz="1100" spc="-50" dirty="0" smtClean="0">
+                <a:latin typeface="넥슨Lv1고딕 Light" panose="00000300000000000000" pitchFamily="2" charset="-127"/>
+                <a:ea typeface="넥슨Lv1고딕 Light" panose="00000300000000000000" pitchFamily="2" charset="-127"/>
+              </a:rPr>
+              <a:t>API</a:t>
+            </a:r>
+            <a:r>
+              <a:rPr lang="ko-KR" altLang="en-US" sz="1100" spc="-50" smtClean="0">
+                <a:latin typeface="넥슨Lv1고딕 Light" panose="00000300000000000000" pitchFamily="2" charset="-127"/>
+                <a:ea typeface="넥슨Lv1고딕 Light" panose="00000300000000000000" pitchFamily="2" charset="-127"/>
+              </a:rPr>
+              <a:t>에 </a:t>
+            </a:r>
+            <a:r>
+              <a:rPr lang="en-US" altLang="ko-KR" sz="1100" spc="-50" dirty="0" smtClean="0">
+                <a:latin typeface="넥슨Lv1고딕 Light" panose="00000300000000000000" pitchFamily="2" charset="-127"/>
+                <a:ea typeface="넥슨Lv1고딕 Light" panose="00000300000000000000" pitchFamily="2" charset="-127"/>
+              </a:rPr>
+              <a:t>GET </a:t>
+            </a:r>
+            <a:r>
+              <a:rPr lang="ko-KR" altLang="en-US" sz="1100" spc="-50" smtClean="0">
+                <a:latin typeface="넥슨Lv1고딕 Light" panose="00000300000000000000" pitchFamily="2" charset="-127"/>
+                <a:ea typeface="넥슨Lv1고딕 Light" panose="00000300000000000000" pitchFamily="2" charset="-127"/>
+              </a:rPr>
+              <a:t>방식으로 일별 박스오피스 데이터를 요청합니다</a:t>
+            </a:r>
+            <a:r>
+              <a:rPr lang="en-US" altLang="ko-KR" sz="1100" spc="-50" dirty="0" smtClean="0">
+                <a:latin typeface="넥슨Lv1고딕 Light" panose="00000300000000000000" pitchFamily="2" charset="-127"/>
+                <a:ea typeface="넥슨Lv1고딕 Light" panose="00000300000000000000" pitchFamily="2" charset="-127"/>
+              </a:rPr>
               <a:t>.</a:t>
             </a:r>
           </a:p>
           <a:p>
             <a:r>
-              <a:rPr lang="en-US" altLang="ko-KR" sz="1400" dirty="0"/>
-              <a:t> - </a:t>
-            </a:r>
-            <a:r>
-              <a:rPr lang="ko-KR" altLang="en-US" sz="1400" dirty="0"/>
-              <a:t>데이터를 받아오는데 성공 한다면 </a:t>
-            </a:r>
-            <a:r>
-              <a:rPr lang="en-US" altLang="ko-KR" sz="1400" dirty="0"/>
+              <a:rPr lang="en-US" altLang="ko-KR" sz="1100" spc="-50" dirty="0" smtClean="0">
+                <a:latin typeface="넥슨Lv1고딕 Light" panose="00000300000000000000" pitchFamily="2" charset="-127"/>
+                <a:ea typeface="넥슨Lv1고딕 Light" panose="00000300000000000000" pitchFamily="2" charset="-127"/>
+              </a:rPr>
+              <a:t>GET </a:t>
+            </a:r>
+            <a:r>
+              <a:rPr lang="ko-KR" altLang="en-US" sz="1100" spc="-50" smtClean="0">
+                <a:latin typeface="넥슨Lv1고딕 Light" panose="00000300000000000000" pitchFamily="2" charset="-127"/>
+                <a:ea typeface="넥슨Lv1고딕 Light" panose="00000300000000000000" pitchFamily="2" charset="-127"/>
+              </a:rPr>
+              <a:t>요청이 성공적으로 수행되면 </a:t>
+            </a:r>
+            <a:r>
+              <a:rPr lang="en-US" altLang="ko-KR" sz="1100" spc="-50" dirty="0" smtClean="0">
+                <a:latin typeface="넥슨Lv1고딕 Light" panose="00000300000000000000" pitchFamily="2" charset="-127"/>
+                <a:ea typeface="넥슨Lv1고딕 Light" panose="00000300000000000000" pitchFamily="2" charset="-127"/>
+              </a:rPr>
               <a:t>then </a:t>
             </a:r>
             <a:r>
-              <a:rPr lang="ko-KR" altLang="en-US" sz="1400" dirty="0"/>
-              <a:t>함수 실행</a:t>
-            </a:r>
-            <a:r>
-              <a:rPr lang="en-US" altLang="ko-KR" sz="1400" dirty="0"/>
+              <a:rPr lang="ko-KR" altLang="en-US" sz="1100" spc="-50" smtClean="0">
+                <a:latin typeface="넥슨Lv1고딕 Light" panose="00000300000000000000" pitchFamily="2" charset="-127"/>
+                <a:ea typeface="넥슨Lv1고딕 Light" panose="00000300000000000000" pitchFamily="2" charset="-127"/>
+              </a:rPr>
+              <a:t>메서드를 실행</a:t>
+            </a:r>
+            <a:r>
+              <a:rPr lang="en-US" altLang="ko-KR" sz="1100" spc="-50" dirty="0" smtClean="0">
+                <a:latin typeface="넥슨Lv1고딕 Light" panose="00000300000000000000" pitchFamily="2" charset="-127"/>
+                <a:ea typeface="넥슨Lv1고딕 Light" panose="00000300000000000000" pitchFamily="2" charset="-127"/>
+              </a:rPr>
               <a:t>, </a:t>
             </a:r>
             <a:r>
-              <a:rPr lang="ko-KR" altLang="en-US" sz="1400" dirty="0"/>
-              <a:t>실패한다면 </a:t>
-            </a:r>
-            <a:r>
-              <a:rPr lang="en-US" altLang="ko-KR" sz="1400" dirty="0"/>
+              <a:rPr lang="ko-KR" altLang="en-US" sz="1100" spc="-50" smtClean="0">
+                <a:latin typeface="넥슨Lv1고딕 Light" panose="00000300000000000000" pitchFamily="2" charset="-127"/>
+                <a:ea typeface="넥슨Lv1고딕 Light" panose="00000300000000000000" pitchFamily="2" charset="-127"/>
+              </a:rPr>
+              <a:t>에러가 발생하면 </a:t>
+            </a:r>
+            <a:r>
+              <a:rPr lang="en-US" altLang="ko-KR" sz="1100" spc="-50" dirty="0" smtClean="0">
+                <a:latin typeface="넥슨Lv1고딕 Light" panose="00000300000000000000" pitchFamily="2" charset="-127"/>
+                <a:ea typeface="넥슨Lv1고딕 Light" panose="00000300000000000000" pitchFamily="2" charset="-127"/>
+              </a:rPr>
               <a:t>catch </a:t>
             </a:r>
             <a:r>
-              <a:rPr lang="ko-KR" altLang="en-US" sz="1400" dirty="0"/>
-              <a:t>함수가 실행됩니다</a:t>
-            </a:r>
-            <a:r>
-              <a:rPr lang="en-US" altLang="ko-KR" sz="1400" dirty="0"/>
-              <a:t>. </a:t>
-            </a:r>
-            <a:endParaRPr lang="ko-KR" altLang="en-US" sz="1400" dirty="0"/>
+              <a:rPr lang="ko-KR" altLang="en-US" sz="1100" spc="-50" smtClean="0">
+                <a:latin typeface="넥슨Lv1고딕 Light" panose="00000300000000000000" pitchFamily="2" charset="-127"/>
+                <a:ea typeface="넥슨Lv1고딕 Light" panose="00000300000000000000" pitchFamily="2" charset="-127"/>
+              </a:rPr>
+              <a:t>메서드를 실행합니다</a:t>
+            </a:r>
+            <a:r>
+              <a:rPr lang="en-US" altLang="ko-KR" sz="1100" spc="-50" dirty="0" smtClean="0">
+                <a:latin typeface="넥슨Lv1고딕 Light" panose="00000300000000000000" pitchFamily="2" charset="-127"/>
+                <a:ea typeface="넥슨Lv1고딕 Light" panose="00000300000000000000" pitchFamily="2" charset="-127"/>
+              </a:rPr>
+              <a:t>.</a:t>
+            </a:r>
+          </a:p>
+        </p:txBody>
+      </p:sp>
+      <p:sp>
+        <p:nvSpPr>
+          <p:cNvPr id="15" name="직사각형 14">
+            <a:extLst>
+              <a:ext uri="{FF2B5EF4-FFF2-40B4-BE49-F238E27FC236}">
+                <a16:creationId xmlns:a16="http://schemas.microsoft.com/office/drawing/2014/main" xmlns="" id="{6BCF2C6F-DE96-44FB-AC9B-5B17AA7C127E}"/>
+              </a:ext>
+            </a:extLst>
+          </p:cNvPr>
+          <p:cNvSpPr/>
+          <p:nvPr/>
+        </p:nvSpPr>
+        <p:spPr>
+          <a:xfrm>
+            <a:off x="689488" y="3095149"/>
+            <a:ext cx="2858153" cy="486560"/>
+          </a:xfrm>
+          <a:prstGeom prst="rect">
+            <a:avLst/>
+          </a:prstGeom>
+          <a:noFill/>
+          <a:ln>
+            <a:solidFill>
+              <a:srgbClr val="298DBF"/>
+            </a:solidFill>
+            <a:prstDash val="dash"/>
+          </a:ln>
+        </p:spPr>
+        <p:style>
+          <a:lnRef idx="2">
+            <a:schemeClr val="accent1">
+              <a:shade val="50000"/>
+            </a:schemeClr>
+          </a:lnRef>
+          <a:fillRef idx="1">
+            <a:schemeClr val="accent1"/>
+          </a:fillRef>
+          <a:effectRef idx="0">
+            <a:schemeClr val="accent1"/>
+          </a:effectRef>
+          <a:fontRef idx="minor">
+            <a:schemeClr val="lt1"/>
+          </a:fontRef>
+        </p:style>
+        <p:txBody>
+          <a:bodyPr rtlCol="0" anchor="ctr"/>
+          <a:lstStyle/>
+          <a:p>
+            <a:pPr algn="ctr"/>
+            <a:endParaRPr lang="ko-KR" altLang="en-US"/>
+          </a:p>
+        </p:txBody>
+      </p:sp>
+      <p:sp>
+        <p:nvSpPr>
+          <p:cNvPr id="16" name="모서리가 둥근 직사각형 18">
+            <a:extLst>
+              <a:ext uri="{FF2B5EF4-FFF2-40B4-BE49-F238E27FC236}">
+                <a16:creationId xmlns:a16="http://schemas.microsoft.com/office/drawing/2014/main" xmlns="" id="{E2EB3284-B04D-47D8-BEC4-9757F1E20152}"/>
+              </a:ext>
+            </a:extLst>
+          </p:cNvPr>
+          <p:cNvSpPr/>
+          <p:nvPr/>
+        </p:nvSpPr>
+        <p:spPr>
+          <a:xfrm>
+            <a:off x="4536298" y="4669115"/>
+            <a:ext cx="2774447" cy="627883"/>
+          </a:xfrm>
+          <a:prstGeom prst="roundRect">
+            <a:avLst>
+              <a:gd name="adj" fmla="val 6863"/>
+            </a:avLst>
+          </a:prstGeom>
+          <a:solidFill>
+            <a:schemeClr val="accent1">
+              <a:lumMod val="20000"/>
+              <a:lumOff val="80000"/>
+            </a:schemeClr>
+          </a:solidFill>
+          <a:ln>
+            <a:noFill/>
+          </a:ln>
+        </p:spPr>
+        <p:style>
+          <a:lnRef idx="2">
+            <a:schemeClr val="accent1">
+              <a:shade val="50000"/>
+            </a:schemeClr>
+          </a:lnRef>
+          <a:fillRef idx="1">
+            <a:schemeClr val="accent1"/>
+          </a:fillRef>
+          <a:effectRef idx="0">
+            <a:schemeClr val="accent1"/>
+          </a:effectRef>
+          <a:fontRef idx="minor">
+            <a:schemeClr val="lt1"/>
+          </a:fontRef>
+        </p:style>
+        <p:txBody>
+          <a:bodyPr rtlCol="0" anchor="ctr"/>
+          <a:lstStyle/>
+          <a:p>
+            <a:pPr algn="ctr"/>
+            <a:endParaRPr lang="en-US" altLang="ko-KR" sz="1000" dirty="0">
+              <a:solidFill>
+                <a:schemeClr val="tx1">
+                  <a:lumMod val="85000"/>
+                  <a:lumOff val="15000"/>
+                </a:schemeClr>
+              </a:solidFill>
+              <a:latin typeface="넥슨Lv1고딕 Bold" panose="00000800000000000000" pitchFamily="2" charset="-127"/>
+              <a:ea typeface="넥슨Lv1고딕 Bold" panose="00000800000000000000" pitchFamily="2" charset="-127"/>
+            </a:endParaRPr>
+          </a:p>
+          <a:p>
+            <a:pPr algn="ctr"/>
+            <a:r>
+              <a:rPr lang="ko-KR" altLang="en-US" sz="1000" dirty="0">
+                <a:solidFill>
+                  <a:schemeClr val="tx1">
+                    <a:lumMod val="85000"/>
+                    <a:lumOff val="15000"/>
+                  </a:schemeClr>
+                </a:solidFill>
+                <a:latin typeface="넥슨Lv1고딕 Bold" panose="00000800000000000000" pitchFamily="2" charset="-127"/>
+                <a:ea typeface="넥슨Lv1고딕 Bold" panose="00000800000000000000" pitchFamily="2" charset="-127"/>
+              </a:rPr>
+              <a:t>에러 메시지 처리</a:t>
+            </a:r>
+            <a:endParaRPr lang="en-US" altLang="ko-KR" sz="1000" dirty="0">
+              <a:solidFill>
+                <a:schemeClr val="tx1">
+                  <a:lumMod val="85000"/>
+                  <a:lumOff val="15000"/>
+                </a:schemeClr>
+              </a:solidFill>
+              <a:latin typeface="넥슨Lv1고딕 Bold" panose="00000800000000000000" pitchFamily="2" charset="-127"/>
+              <a:ea typeface="넥슨Lv1고딕 Bold" panose="00000800000000000000" pitchFamily="2" charset="-127"/>
+            </a:endParaRPr>
+          </a:p>
+        </p:txBody>
+      </p:sp>
+      <p:sp>
+        <p:nvSpPr>
+          <p:cNvPr id="17" name="모서리가 둥근 직사각형 18">
+            <a:extLst>
+              <a:ext uri="{FF2B5EF4-FFF2-40B4-BE49-F238E27FC236}">
+                <a16:creationId xmlns:a16="http://schemas.microsoft.com/office/drawing/2014/main" xmlns="" id="{850D30CD-96EB-4C16-A5A1-BA3E6B59464E}"/>
+              </a:ext>
+            </a:extLst>
+          </p:cNvPr>
+          <p:cNvSpPr/>
+          <p:nvPr/>
+        </p:nvSpPr>
+        <p:spPr>
+          <a:xfrm>
+            <a:off x="4536298" y="3585919"/>
+            <a:ext cx="2684854" cy="627883"/>
+          </a:xfrm>
+          <a:prstGeom prst="roundRect">
+            <a:avLst>
+              <a:gd name="adj" fmla="val 6863"/>
+            </a:avLst>
+          </a:prstGeom>
+          <a:solidFill>
+            <a:schemeClr val="accent1">
+              <a:lumMod val="20000"/>
+              <a:lumOff val="80000"/>
+            </a:schemeClr>
+          </a:solidFill>
+          <a:ln>
+            <a:noFill/>
+          </a:ln>
+        </p:spPr>
+        <p:style>
+          <a:lnRef idx="2">
+            <a:schemeClr val="accent1">
+              <a:shade val="50000"/>
+            </a:schemeClr>
+          </a:lnRef>
+          <a:fillRef idx="1">
+            <a:schemeClr val="accent1"/>
+          </a:fillRef>
+          <a:effectRef idx="0">
+            <a:schemeClr val="accent1"/>
+          </a:effectRef>
+          <a:fontRef idx="minor">
+            <a:schemeClr val="lt1"/>
+          </a:fontRef>
+        </p:style>
+        <p:txBody>
+          <a:bodyPr rtlCol="0" anchor="ctr"/>
+          <a:lstStyle/>
+          <a:p>
+            <a:pPr algn="ctr"/>
+            <a:endParaRPr lang="en-US" altLang="ko-KR" sz="1000" dirty="0">
+              <a:solidFill>
+                <a:schemeClr val="tx1">
+                  <a:lumMod val="85000"/>
+                  <a:lumOff val="15000"/>
+                </a:schemeClr>
+              </a:solidFill>
+              <a:latin typeface="넥슨Lv1고딕 Bold" panose="00000800000000000000" pitchFamily="2" charset="-127"/>
+              <a:ea typeface="넥슨Lv1고딕 Bold" panose="00000800000000000000" pitchFamily="2" charset="-127"/>
+            </a:endParaRPr>
+          </a:p>
+          <a:p>
+            <a:pPr algn="ctr"/>
+            <a:r>
+              <a:rPr lang="ko-KR" altLang="en-US" sz="1000" dirty="0">
+                <a:solidFill>
+                  <a:schemeClr val="tx1">
+                    <a:lumMod val="85000"/>
+                    <a:lumOff val="15000"/>
+                  </a:schemeClr>
+                </a:solidFill>
+                <a:latin typeface="넥슨Lv1고딕 Bold" panose="00000800000000000000" pitchFamily="2" charset="-127"/>
+                <a:ea typeface="넥슨Lv1고딕 Bold" panose="00000800000000000000" pitchFamily="2" charset="-127"/>
+              </a:rPr>
+              <a:t>리스트 렌더링</a:t>
+            </a:r>
+            <a:r>
+              <a:rPr lang="en-US" altLang="ko-KR" sz="1000" dirty="0">
+                <a:solidFill>
+                  <a:schemeClr val="tx1">
+                    <a:lumMod val="85000"/>
+                    <a:lumOff val="15000"/>
+                  </a:schemeClr>
+                </a:solidFill>
+                <a:latin typeface="넥슨Lv1고딕 Bold" panose="00000800000000000000" pitchFamily="2" charset="-127"/>
+                <a:ea typeface="넥슨Lv1고딕 Bold" panose="00000800000000000000" pitchFamily="2" charset="-127"/>
+              </a:rPr>
+              <a:t>, </a:t>
+            </a:r>
+            <a:r>
+              <a:rPr lang="ko-KR" altLang="en-US" sz="1000" dirty="0">
+                <a:solidFill>
+                  <a:schemeClr val="tx1">
+                    <a:lumMod val="85000"/>
+                    <a:lumOff val="15000"/>
+                  </a:schemeClr>
+                </a:solidFill>
+                <a:latin typeface="넥슨Lv1고딕 Bold" panose="00000800000000000000" pitchFamily="2" charset="-127"/>
+                <a:ea typeface="넥슨Lv1고딕 Bold" panose="00000800000000000000" pitchFamily="2" charset="-127"/>
+              </a:rPr>
+              <a:t>슬라이더 삽입 등 화면 갱신</a:t>
+            </a:r>
+            <a:endParaRPr lang="en-US" altLang="ko-KR" sz="1000" dirty="0">
+              <a:solidFill>
+                <a:schemeClr val="tx1">
+                  <a:lumMod val="85000"/>
+                  <a:lumOff val="15000"/>
+                </a:schemeClr>
+              </a:solidFill>
+              <a:latin typeface="넥슨Lv1고딕 Bold" panose="00000800000000000000" pitchFamily="2" charset="-127"/>
+              <a:ea typeface="넥슨Lv1고딕 Bold" panose="00000800000000000000" pitchFamily="2" charset="-127"/>
+            </a:endParaRPr>
+          </a:p>
+        </p:txBody>
+      </p:sp>
+      <p:sp>
+        <p:nvSpPr>
+          <p:cNvPr id="18" name="모서리가 둥근 직사각형 18">
+            <a:extLst>
+              <a:ext uri="{FF2B5EF4-FFF2-40B4-BE49-F238E27FC236}">
+                <a16:creationId xmlns:a16="http://schemas.microsoft.com/office/drawing/2014/main" xmlns="" id="{514C4D24-C312-4053-A353-9E449F0DE83C}"/>
+              </a:ext>
+            </a:extLst>
+          </p:cNvPr>
+          <p:cNvSpPr/>
+          <p:nvPr/>
+        </p:nvSpPr>
+        <p:spPr>
+          <a:xfrm>
+            <a:off x="4536298" y="3392849"/>
+            <a:ext cx="1047705" cy="412443"/>
+          </a:xfrm>
+          <a:prstGeom prst="roundRect">
+            <a:avLst/>
+          </a:prstGeom>
+          <a:solidFill>
+            <a:srgbClr val="00B0F0"/>
+          </a:solidFill>
+          <a:ln>
+            <a:noFill/>
+          </a:ln>
+        </p:spPr>
+        <p:style>
+          <a:lnRef idx="2">
+            <a:schemeClr val="accent1">
+              <a:shade val="50000"/>
+            </a:schemeClr>
+          </a:lnRef>
+          <a:fillRef idx="1">
+            <a:schemeClr val="accent1"/>
+          </a:fillRef>
+          <a:effectRef idx="0">
+            <a:schemeClr val="accent1"/>
+          </a:effectRef>
+          <a:fontRef idx="minor">
+            <a:schemeClr val="lt1"/>
+          </a:fontRef>
+        </p:style>
+        <p:txBody>
+          <a:bodyPr rtlCol="0" anchor="ctr"/>
+          <a:lstStyle/>
+          <a:p>
+            <a:pPr algn="ctr"/>
+            <a:r>
+              <a:rPr lang="ko-KR" altLang="en-US" sz="1400" dirty="0">
+                <a:solidFill>
+                  <a:schemeClr val="tx1"/>
+                </a:solidFill>
+                <a:latin typeface="넥슨Lv1고딕 Bold" panose="00000800000000000000" pitchFamily="2" charset="-127"/>
+                <a:ea typeface="넥슨Lv1고딕 Bold" panose="00000800000000000000" pitchFamily="2" charset="-127"/>
+              </a:rPr>
+              <a:t>성공</a:t>
+            </a:r>
+          </a:p>
+        </p:txBody>
+      </p:sp>
+      <p:sp>
+        <p:nvSpPr>
+          <p:cNvPr id="19" name="모서리가 둥근 직사각형 18">
+            <a:extLst>
+              <a:ext uri="{FF2B5EF4-FFF2-40B4-BE49-F238E27FC236}">
+                <a16:creationId xmlns:a16="http://schemas.microsoft.com/office/drawing/2014/main" xmlns="" id="{7A65E19A-DB93-48C6-805A-2362FD64F033}"/>
+              </a:ext>
+            </a:extLst>
+          </p:cNvPr>
+          <p:cNvSpPr/>
+          <p:nvPr/>
+        </p:nvSpPr>
+        <p:spPr>
+          <a:xfrm>
+            <a:off x="4536298" y="4476046"/>
+            <a:ext cx="1047705" cy="412443"/>
+          </a:xfrm>
+          <a:prstGeom prst="roundRect">
+            <a:avLst/>
+          </a:prstGeom>
+          <a:solidFill>
+            <a:srgbClr val="FFC000"/>
+          </a:solidFill>
+          <a:ln>
+            <a:noFill/>
+          </a:ln>
+        </p:spPr>
+        <p:style>
+          <a:lnRef idx="2">
+            <a:schemeClr val="accent1">
+              <a:shade val="50000"/>
+            </a:schemeClr>
+          </a:lnRef>
+          <a:fillRef idx="1">
+            <a:schemeClr val="accent1"/>
+          </a:fillRef>
+          <a:effectRef idx="0">
+            <a:schemeClr val="accent1"/>
+          </a:effectRef>
+          <a:fontRef idx="minor">
+            <a:schemeClr val="lt1"/>
+          </a:fontRef>
+        </p:style>
+        <p:txBody>
+          <a:bodyPr rtlCol="0" anchor="ctr"/>
+          <a:lstStyle/>
+          <a:p>
+            <a:pPr algn="ctr"/>
+            <a:r>
+              <a:rPr lang="ko-KR" altLang="en-US" sz="1400" dirty="0">
+                <a:solidFill>
+                  <a:schemeClr val="tx1">
+                    <a:lumMod val="85000"/>
+                    <a:lumOff val="15000"/>
+                  </a:schemeClr>
+                </a:solidFill>
+                <a:latin typeface="넥슨Lv1고딕 Bold" panose="00000800000000000000" pitchFamily="2" charset="-127"/>
+                <a:ea typeface="넥슨Lv1고딕 Bold" panose="00000800000000000000" pitchFamily="2" charset="-127"/>
+              </a:rPr>
+              <a:t>실패</a:t>
+            </a:r>
+          </a:p>
+        </p:txBody>
+      </p:sp>
+      <p:sp>
+        <p:nvSpPr>
+          <p:cNvPr id="20" name="직사각형 19">
+            <a:extLst>
+              <a:ext uri="{FF2B5EF4-FFF2-40B4-BE49-F238E27FC236}">
+                <a16:creationId xmlns:a16="http://schemas.microsoft.com/office/drawing/2014/main" xmlns="" id="{6BCF2C6F-DE96-44FB-AC9B-5B17AA7C127E}"/>
+              </a:ext>
+            </a:extLst>
+          </p:cNvPr>
+          <p:cNvSpPr/>
+          <p:nvPr/>
+        </p:nvSpPr>
+        <p:spPr>
+          <a:xfrm>
+            <a:off x="689488" y="3581709"/>
+            <a:ext cx="2858153" cy="508852"/>
+          </a:xfrm>
+          <a:prstGeom prst="rect">
+            <a:avLst/>
+          </a:prstGeom>
+          <a:noFill/>
+          <a:ln>
+            <a:solidFill>
+              <a:srgbClr val="FFC000"/>
+            </a:solidFill>
+            <a:prstDash val="dash"/>
+          </a:ln>
+        </p:spPr>
+        <p:style>
+          <a:lnRef idx="2">
+            <a:schemeClr val="accent1">
+              <a:shade val="50000"/>
+            </a:schemeClr>
+          </a:lnRef>
+          <a:fillRef idx="1">
+            <a:schemeClr val="accent1"/>
+          </a:fillRef>
+          <a:effectRef idx="0">
+            <a:schemeClr val="accent1"/>
+          </a:effectRef>
+          <a:fontRef idx="minor">
+            <a:schemeClr val="lt1"/>
+          </a:fontRef>
+        </p:style>
+        <p:txBody>
+          <a:bodyPr rtlCol="0" anchor="ctr"/>
+          <a:lstStyle/>
+          <a:p>
+            <a:pPr algn="ctr"/>
+            <a:endParaRPr lang="ko-KR" altLang="en-US"/>
+          </a:p>
+        </p:txBody>
+      </p:sp>
+      <p:sp>
+        <p:nvSpPr>
+          <p:cNvPr id="21" name="화살표: 아래쪽 26">
+            <a:extLst>
+              <a:ext uri="{FF2B5EF4-FFF2-40B4-BE49-F238E27FC236}">
+                <a16:creationId xmlns:a16="http://schemas.microsoft.com/office/drawing/2014/main" xmlns="" id="{B2889BCE-092A-4B6E-805F-EFAE6A038C1D}"/>
+              </a:ext>
+            </a:extLst>
+          </p:cNvPr>
+          <p:cNvSpPr/>
+          <p:nvPr/>
+        </p:nvSpPr>
+        <p:spPr>
+          <a:xfrm rot="17052467">
+            <a:off x="3957717" y="2984586"/>
+            <a:ext cx="137295" cy="856851"/>
+          </a:xfrm>
+          <a:prstGeom prst="downArrow">
+            <a:avLst>
+              <a:gd name="adj1" fmla="val 36374"/>
+              <a:gd name="adj2" fmla="val 80138"/>
+            </a:avLst>
+          </a:prstGeom>
+          <a:solidFill>
+            <a:srgbClr val="298DBF"/>
+          </a:solidFill>
+          <a:ln>
+            <a:noFill/>
+          </a:ln>
+        </p:spPr>
+        <p:style>
+          <a:lnRef idx="2">
+            <a:schemeClr val="accent1">
+              <a:shade val="50000"/>
+            </a:schemeClr>
+          </a:lnRef>
+          <a:fillRef idx="1">
+            <a:schemeClr val="accent1"/>
+          </a:fillRef>
+          <a:effectRef idx="0">
+            <a:schemeClr val="accent1"/>
+          </a:effectRef>
+          <a:fontRef idx="minor">
+            <a:schemeClr val="lt1"/>
+          </a:fontRef>
+        </p:style>
+        <p:txBody>
+          <a:bodyPr rtlCol="0" anchor="ctr"/>
+          <a:lstStyle/>
+          <a:p>
+            <a:pPr algn="ctr"/>
+            <a:endParaRPr lang="ko-KR" altLang="en-US"/>
+          </a:p>
+        </p:txBody>
+      </p:sp>
+      <p:sp>
+        <p:nvSpPr>
+          <p:cNvPr id="22" name="화살표: 아래쪽 26">
+            <a:extLst>
+              <a:ext uri="{FF2B5EF4-FFF2-40B4-BE49-F238E27FC236}">
+                <a16:creationId xmlns:a16="http://schemas.microsoft.com/office/drawing/2014/main" xmlns="" id="{B2889BCE-092A-4B6E-805F-EFAE6A038C1D}"/>
+              </a:ext>
+            </a:extLst>
+          </p:cNvPr>
+          <p:cNvSpPr/>
+          <p:nvPr/>
+        </p:nvSpPr>
+        <p:spPr>
+          <a:xfrm rot="18200117">
+            <a:off x="3986974" y="3676262"/>
+            <a:ext cx="137295" cy="1025322"/>
+          </a:xfrm>
+          <a:prstGeom prst="downArrow">
+            <a:avLst>
+              <a:gd name="adj1" fmla="val 36374"/>
+              <a:gd name="adj2" fmla="val 80138"/>
+            </a:avLst>
+          </a:prstGeom>
+          <a:solidFill>
+            <a:srgbClr val="FFC000"/>
+          </a:solidFill>
+          <a:ln>
+            <a:noFill/>
+          </a:ln>
+        </p:spPr>
+        <p:style>
+          <a:lnRef idx="2">
+            <a:schemeClr val="accent1">
+              <a:shade val="50000"/>
+            </a:schemeClr>
+          </a:lnRef>
+          <a:fillRef idx="1">
+            <a:schemeClr val="accent1"/>
+          </a:fillRef>
+          <a:effectRef idx="0">
+            <a:schemeClr val="accent1"/>
+          </a:effectRef>
+          <a:fontRef idx="minor">
+            <a:schemeClr val="lt1"/>
+          </a:fontRef>
+        </p:style>
+        <p:txBody>
+          <a:bodyPr rtlCol="0" anchor="ctr"/>
+          <a:lstStyle/>
+          <a:p>
+            <a:pPr algn="ctr"/>
+            <a:endParaRPr lang="ko-KR" altLang="en-US"/>
           </a:p>
         </p:txBody>
       </p:sp>
@@ -19952,6 +22583,13 @@
               </a:rPr>
               <a:t>Axios</a:t>
             </a:r>
+            <a:r>
+              <a:rPr lang="en-US" altLang="ko-KR" sz="1800" dirty="0">
+                <a:latin typeface="넥슨Lv1고딕 Bold" panose="00000800000000000000" pitchFamily="2" charset="-127"/>
+                <a:ea typeface="넥슨Lv1고딕 Bold" panose="00000800000000000000" pitchFamily="2" charset="-127"/>
+              </a:rPr>
+              <a:t/>
+            </a:r>
             <a:br>
               <a:rPr lang="en-US" altLang="ko-KR" sz="1800" dirty="0">
                 <a:latin typeface="넥슨Lv1고딕 Bold" panose="00000800000000000000" pitchFamily="2" charset="-127"/>
@@ -20005,7 +22643,7 @@
           <p:cNvPr id="9" name="타원 8">
             <a:extLst>
               <a:ext uri="{FF2B5EF4-FFF2-40B4-BE49-F238E27FC236}">
-                <a16:creationId xmlns:a16="http://schemas.microsoft.com/office/drawing/2014/main" id="{731CCCE5-901D-432C-BEAC-F936CBC6BB25}"/>
+                <a16:creationId xmlns:a16="http://schemas.microsoft.com/office/drawing/2014/main" xmlns="" id="{731CCCE5-901D-432C-BEAC-F936CBC6BB25}"/>
               </a:ext>
             </a:extLst>
           </p:cNvPr>
@@ -20062,335 +22700,436 @@
           </a:p>
         </p:txBody>
       </p:sp>
-      <p:pic>
-        <p:nvPicPr>
-          <p:cNvPr id="24" name="Picture 23" descr="A picture containing screen, room, holding, table&#10;&#10;Description automatically generated">
+      <p:grpSp>
+        <p:nvGrpSpPr>
+          <p:cNvPr id="2" name="그룹 1"/>
+          <p:cNvGrpSpPr/>
+          <p:nvPr/>
+        </p:nvGrpSpPr>
+        <p:grpSpPr>
+          <a:xfrm>
+            <a:off x="1497536" y="2661525"/>
+            <a:ext cx="1929752" cy="3421989"/>
+            <a:chOff x="5796485" y="1610380"/>
+            <a:chExt cx="2352675" cy="4171950"/>
+          </a:xfrm>
+        </p:grpSpPr>
+        <p:pic>
+          <p:nvPicPr>
+            <p:cNvPr id="27" name="Picture 26" descr="A screenshot of a cell phone&#10;&#10;Description automatically generated">
+              <a:extLst>
+                <a:ext uri="{FF2B5EF4-FFF2-40B4-BE49-F238E27FC236}">
+                  <a16:creationId xmlns:a16="http://schemas.microsoft.com/office/drawing/2014/main" xmlns="" id="{7192F588-E3AA-4AD5-ACF1-CD157B03A87D}"/>
+                </a:ext>
+              </a:extLst>
+            </p:cNvPr>
+            <p:cNvPicPr>
+              <a:picLocks noChangeAspect="1"/>
+            </p:cNvPicPr>
+            <p:nvPr/>
+          </p:nvPicPr>
+          <p:blipFill>
+            <a:blip r:embed="rId3">
+              <a:extLst>
+                <a:ext uri="{28A0092B-C50C-407E-A947-70E740481C1C}">
+                  <a14:useLocalDpi xmlns:a14="http://schemas.microsoft.com/office/drawing/2010/main" val="0"/>
+                </a:ext>
+              </a:extLst>
+            </a:blip>
+            <a:stretch>
+              <a:fillRect/>
+            </a:stretch>
+          </p:blipFill>
+          <p:spPr>
+            <a:xfrm>
+              <a:off x="5796485" y="1610380"/>
+              <a:ext cx="2352675" cy="4171950"/>
+            </a:xfrm>
+            <a:prstGeom prst="rect">
+              <a:avLst/>
+            </a:prstGeom>
+          </p:spPr>
+        </p:pic>
+        <p:sp>
+          <p:nvSpPr>
+            <p:cNvPr id="28" name="Rectangle 27">
+              <a:extLst>
+                <a:ext uri="{FF2B5EF4-FFF2-40B4-BE49-F238E27FC236}">
+                  <a16:creationId xmlns:a16="http://schemas.microsoft.com/office/drawing/2014/main" xmlns="" id="{205D9E7C-15F0-49AE-AAA0-15267D5D08A3}"/>
+                </a:ext>
+              </a:extLst>
+            </p:cNvPr>
+            <p:cNvSpPr/>
+            <p:nvPr/>
+          </p:nvSpPr>
+          <p:spPr>
+            <a:xfrm>
+              <a:off x="5964572" y="1952267"/>
+              <a:ext cx="494951" cy="170148"/>
+            </a:xfrm>
+            <a:prstGeom prst="rect">
+              <a:avLst/>
+            </a:prstGeom>
+            <a:noFill/>
+            <a:ln>
+              <a:solidFill>
+                <a:srgbClr val="FF0000"/>
+              </a:solidFill>
+            </a:ln>
+          </p:spPr>
+          <p:style>
+            <a:lnRef idx="2">
+              <a:schemeClr val="accent1">
+                <a:shade val="50000"/>
+              </a:schemeClr>
+            </a:lnRef>
+            <a:fillRef idx="1">
+              <a:schemeClr val="accent1"/>
+            </a:fillRef>
+            <a:effectRef idx="0">
+              <a:schemeClr val="accent1"/>
+            </a:effectRef>
+            <a:fontRef idx="minor">
+              <a:schemeClr val="lt1"/>
+            </a:fontRef>
+          </p:style>
+          <p:txBody>
+            <a:bodyPr rtlCol="0" anchor="ctr"/>
+            <a:lstStyle/>
+            <a:p>
+              <a:pPr algn="ctr"/>
+              <a:endParaRPr lang="ko-KR" altLang="en-US"/>
+            </a:p>
+          </p:txBody>
+        </p:sp>
+        <p:sp>
+          <p:nvSpPr>
+            <p:cNvPr id="29" name="Rectangle 28">
+              <a:extLst>
+                <a:ext uri="{FF2B5EF4-FFF2-40B4-BE49-F238E27FC236}">
+                  <a16:creationId xmlns:a16="http://schemas.microsoft.com/office/drawing/2014/main" xmlns="" id="{E5F53782-419F-4BBD-8274-3BDEA36C7106}"/>
+                </a:ext>
+              </a:extLst>
+            </p:cNvPr>
+            <p:cNvSpPr/>
+            <p:nvPr/>
+          </p:nvSpPr>
+          <p:spPr>
+            <a:xfrm>
+              <a:off x="6157519" y="2122414"/>
+              <a:ext cx="1107395" cy="170149"/>
+            </a:xfrm>
+            <a:prstGeom prst="rect">
+              <a:avLst/>
+            </a:prstGeom>
+            <a:noFill/>
+            <a:ln>
+              <a:solidFill>
+                <a:srgbClr val="FF0000"/>
+              </a:solidFill>
+            </a:ln>
+          </p:spPr>
+          <p:style>
+            <a:lnRef idx="2">
+              <a:schemeClr val="accent1">
+                <a:shade val="50000"/>
+              </a:schemeClr>
+            </a:lnRef>
+            <a:fillRef idx="1">
+              <a:schemeClr val="accent1"/>
+            </a:fillRef>
+            <a:effectRef idx="0">
+              <a:schemeClr val="accent1"/>
+            </a:effectRef>
+            <a:fontRef idx="minor">
+              <a:schemeClr val="lt1"/>
+            </a:fontRef>
+          </p:style>
+          <p:txBody>
+            <a:bodyPr rtlCol="0" anchor="ctr"/>
+            <a:lstStyle/>
+            <a:p>
+              <a:pPr algn="ctr"/>
+              <a:endParaRPr lang="ko-KR" altLang="en-US"/>
+            </a:p>
+          </p:txBody>
+        </p:sp>
+        <p:sp>
+          <p:nvSpPr>
+            <p:cNvPr id="30" name="Rectangle 29">
+              <a:extLst>
+                <a:ext uri="{FF2B5EF4-FFF2-40B4-BE49-F238E27FC236}">
+                  <a16:creationId xmlns:a16="http://schemas.microsoft.com/office/drawing/2014/main" xmlns="" id="{DF2425C9-C17F-487B-ACD9-D0567A66BB4E}"/>
+                </a:ext>
+              </a:extLst>
+            </p:cNvPr>
+            <p:cNvSpPr/>
+            <p:nvPr/>
+          </p:nvSpPr>
+          <p:spPr>
+            <a:xfrm>
+              <a:off x="6274965" y="2424418"/>
+              <a:ext cx="1258349" cy="170149"/>
+            </a:xfrm>
+            <a:prstGeom prst="rect">
+              <a:avLst/>
+            </a:prstGeom>
+            <a:noFill/>
+            <a:ln>
+              <a:solidFill>
+                <a:srgbClr val="FF0000"/>
+              </a:solidFill>
+            </a:ln>
+          </p:spPr>
+          <p:style>
+            <a:lnRef idx="2">
+              <a:schemeClr val="accent1">
+                <a:shade val="50000"/>
+              </a:schemeClr>
+            </a:lnRef>
+            <a:fillRef idx="1">
+              <a:schemeClr val="accent1"/>
+            </a:fillRef>
+            <a:effectRef idx="0">
+              <a:schemeClr val="accent1"/>
+            </a:effectRef>
+            <a:fontRef idx="minor">
+              <a:schemeClr val="lt1"/>
+            </a:fontRef>
+          </p:style>
+          <p:txBody>
+            <a:bodyPr rtlCol="0" anchor="ctr"/>
+            <a:lstStyle/>
+            <a:p>
+              <a:pPr algn="ctr"/>
+              <a:endParaRPr lang="ko-KR" altLang="en-US"/>
+            </a:p>
+          </p:txBody>
+        </p:sp>
+      </p:grpSp>
+      <p:sp>
+        <p:nvSpPr>
+          <p:cNvPr id="14" name="TextBox 13">
             <a:extLst>
               <a:ext uri="{FF2B5EF4-FFF2-40B4-BE49-F238E27FC236}">
-                <a16:creationId xmlns:a16="http://schemas.microsoft.com/office/drawing/2014/main" id="{592EC2D9-D869-4F37-8547-F807BC5AE57E}"/>
+                <a16:creationId xmlns:a16="http://schemas.microsoft.com/office/drawing/2014/main" xmlns="" id="{9F12D4E5-B109-4B80-B716-4AECBE0D5D67}"/>
               </a:ext>
             </a:extLst>
           </p:cNvPr>
+          <p:cNvSpPr txBox="1"/>
+          <p:nvPr/>
+        </p:nvSpPr>
+        <p:spPr>
+          <a:xfrm>
+            <a:off x="1415845" y="2061361"/>
+            <a:ext cx="7150307" cy="600164"/>
+          </a:xfrm>
+          <a:prstGeom prst="rect">
+            <a:avLst/>
+          </a:prstGeom>
+          <a:noFill/>
+        </p:spPr>
+        <p:txBody>
+          <a:bodyPr wrap="square" rtlCol="0">
+            <a:spAutoFit/>
+          </a:bodyPr>
+          <a:lstStyle/>
+          <a:p>
+            <a:r>
+              <a:rPr lang="ko-KR" altLang="en-US" sz="1100" spc="-50" dirty="0" smtClean="0">
+                <a:latin typeface="넥슨Lv1고딕 Light" panose="00000300000000000000" pitchFamily="2" charset="-127"/>
+                <a:ea typeface="넥슨Lv1고딕 Light" panose="00000300000000000000" pitchFamily="2" charset="-127"/>
+              </a:rPr>
+              <a:t>      에서 작성한 기본 </a:t>
+            </a:r>
+            <a:r>
+              <a:rPr lang="ko-KR" altLang="en-US" sz="1100" spc="-50" dirty="0" err="1" smtClean="0">
+                <a:latin typeface="넥슨Lv1고딕 Light" panose="00000300000000000000" pitchFamily="2" charset="-127"/>
+                <a:ea typeface="넥슨Lv1고딕 Light" panose="00000300000000000000" pitchFamily="2" charset="-127"/>
+              </a:rPr>
+              <a:t>마크업</a:t>
+            </a:r>
+            <a:r>
+              <a:rPr lang="ko-KR" altLang="en-US" sz="1100" spc="-50" dirty="0" smtClean="0">
+                <a:latin typeface="넥슨Lv1고딕 Light" panose="00000300000000000000" pitchFamily="2" charset="-127"/>
+                <a:ea typeface="넥슨Lv1고딕 Light" panose="00000300000000000000" pitchFamily="2" charset="-127"/>
+              </a:rPr>
+              <a:t> 위치에 원하는 데이터를 삽입합니다</a:t>
+            </a:r>
+            <a:r>
+              <a:rPr lang="en-US" altLang="ko-KR" sz="1100" spc="-50" dirty="0" smtClean="0">
+                <a:latin typeface="넥슨Lv1고딕 Light" panose="00000300000000000000" pitchFamily="2" charset="-127"/>
+                <a:ea typeface="넥슨Lv1고딕 Light" panose="00000300000000000000" pitchFamily="2" charset="-127"/>
+              </a:rPr>
+              <a:t>.</a:t>
+            </a:r>
+          </a:p>
+          <a:p>
+            <a:endParaRPr lang="en-US" altLang="ko-KR" sz="1100" spc="-50" dirty="0">
+              <a:latin typeface="넥슨Lv1고딕 Light" panose="00000300000000000000" pitchFamily="2" charset="-127"/>
+              <a:ea typeface="넥슨Lv1고딕 Light" panose="00000300000000000000" pitchFamily="2" charset="-127"/>
+            </a:endParaRPr>
+          </a:p>
+          <a:p>
+            <a:r>
+              <a:rPr lang="ko-KR" altLang="en-US" sz="1100" spc="-50" dirty="0" smtClean="0">
+                <a:latin typeface="넥슨Lv1고딕 Light" panose="00000300000000000000" pitchFamily="2" charset="-127"/>
+                <a:ea typeface="넥슨Lv1고딕 Light" panose="00000300000000000000" pitchFamily="2" charset="-127"/>
+              </a:rPr>
+              <a:t>받은 데이터가 객체를 지닌 배열이라면</a:t>
+            </a:r>
+            <a:r>
+              <a:rPr lang="en-US" altLang="ko-KR" sz="1100" spc="-50" dirty="0" smtClean="0">
+                <a:latin typeface="넥슨Lv1고딕 Light" panose="00000300000000000000" pitchFamily="2" charset="-127"/>
+                <a:ea typeface="넥슨Lv1고딕 Light" panose="00000300000000000000" pitchFamily="2" charset="-127"/>
+              </a:rPr>
+              <a:t>, v-for </a:t>
+            </a:r>
+            <a:r>
+              <a:rPr lang="ko-KR" altLang="en-US" sz="1100" spc="-50" smtClean="0">
+                <a:latin typeface="넥슨Lv1고딕 Light" panose="00000300000000000000" pitchFamily="2" charset="-127"/>
+                <a:ea typeface="넥슨Lv1고딕 Light" panose="00000300000000000000" pitchFamily="2" charset="-127"/>
+              </a:rPr>
+              <a:t>디렉티브를 사용해 리스트 또는 테이블에 개별 데이터를 렌더링합니다</a:t>
+            </a:r>
+            <a:r>
+              <a:rPr lang="en-US" altLang="ko-KR" sz="1100" spc="-50" dirty="0" smtClean="0">
+                <a:latin typeface="넥슨Lv1고딕 Light" panose="00000300000000000000" pitchFamily="2" charset="-127"/>
+                <a:ea typeface="넥슨Lv1고딕 Light" panose="00000300000000000000" pitchFamily="2" charset="-127"/>
+              </a:rPr>
+              <a:t>.</a:t>
+            </a:r>
+          </a:p>
+        </p:txBody>
+      </p:sp>
+      <p:pic>
+        <p:nvPicPr>
+          <p:cNvPr id="15" name="그림 14"/>
           <p:cNvPicPr>
             <a:picLocks noChangeAspect="1"/>
           </p:cNvPicPr>
           <p:nvPr/>
         </p:nvPicPr>
         <p:blipFill>
-          <a:blip r:embed="rId3">
-            <a:extLst>
-              <a:ext uri="{28A0092B-C50C-407E-A947-70E740481C1C}">
-                <a14:useLocalDpi xmlns:a14="http://schemas.microsoft.com/office/drawing/2010/main" val="0"/>
-              </a:ext>
-            </a:extLst>
-          </a:blip>
+          <a:blip r:embed="rId4"/>
           <a:stretch>
             <a:fillRect/>
           </a:stretch>
         </p:blipFill>
         <p:spPr>
           <a:xfrm>
-            <a:off x="702653" y="2666554"/>
-            <a:ext cx="4895850" cy="1800225"/>
+            <a:off x="1435651" y="2032671"/>
+            <a:ext cx="303983" cy="327670"/>
           </a:xfrm>
           <a:prstGeom prst="rect">
             <a:avLst/>
           </a:prstGeom>
         </p:spPr>
       </p:pic>
-      <p:sp>
-        <p:nvSpPr>
-          <p:cNvPr id="25" name="Rectangle 24">
-            <a:extLst>
-              <a:ext uri="{FF2B5EF4-FFF2-40B4-BE49-F238E27FC236}">
-                <a16:creationId xmlns:a16="http://schemas.microsoft.com/office/drawing/2014/main" id="{16AB0BC0-6E31-494E-8423-36C6D9798249}"/>
-              </a:ext>
-            </a:extLst>
-          </p:cNvPr>
-          <p:cNvSpPr/>
+      <p:grpSp>
+        <p:nvGrpSpPr>
+          <p:cNvPr id="5" name="그룹 4"/>
+          <p:cNvGrpSpPr/>
           <p:nvPr/>
-        </p:nvSpPr>
-        <p:spPr>
+        </p:nvGrpSpPr>
+        <p:grpSpPr>
           <a:xfrm>
-            <a:off x="2223082" y="3219276"/>
-            <a:ext cx="3296874" cy="209724"/>
+            <a:off x="3723422" y="2762231"/>
+            <a:ext cx="3962398" cy="1441469"/>
+            <a:chOff x="3670302" y="2762231"/>
+            <a:chExt cx="4895850" cy="1800225"/>
           </a:xfrm>
-          <a:prstGeom prst="rect">
-            <a:avLst/>
-          </a:prstGeom>
-          <a:noFill/>
-          <a:ln>
-            <a:solidFill>
-              <a:srgbClr val="FF0000"/>
-            </a:solidFill>
-          </a:ln>
-        </p:spPr>
-        <p:style>
-          <a:lnRef idx="2">
-            <a:schemeClr val="accent1">
-              <a:shade val="50000"/>
-            </a:schemeClr>
-          </a:lnRef>
-          <a:fillRef idx="1">
-            <a:schemeClr val="accent1"/>
-          </a:fillRef>
-          <a:effectRef idx="0">
-            <a:schemeClr val="accent1"/>
-          </a:effectRef>
-          <a:fontRef idx="minor">
-            <a:schemeClr val="lt1"/>
-          </a:fontRef>
-        </p:style>
-        <p:txBody>
-          <a:bodyPr rtlCol="0" anchor="ctr"/>
-          <a:lstStyle/>
-          <a:p>
-            <a:pPr algn="ctr"/>
-            <a:endParaRPr lang="ko-KR" altLang="en-US"/>
-          </a:p>
-        </p:txBody>
-      </p:sp>
-      <p:pic>
-        <p:nvPicPr>
-          <p:cNvPr id="27" name="Picture 26" descr="A screenshot of a cell phone&#10;&#10;Description automatically generated">
-            <a:extLst>
-              <a:ext uri="{FF2B5EF4-FFF2-40B4-BE49-F238E27FC236}">
-                <a16:creationId xmlns:a16="http://schemas.microsoft.com/office/drawing/2014/main" id="{7192F588-E3AA-4AD5-ACF1-CD157B03A87D}"/>
-              </a:ext>
-            </a:extLst>
-          </p:cNvPr>
-          <p:cNvPicPr>
-            <a:picLocks noChangeAspect="1"/>
-          </p:cNvPicPr>
-          <p:nvPr/>
-        </p:nvPicPr>
-        <p:blipFill>
-          <a:blip r:embed="rId4">
-            <a:extLst>
-              <a:ext uri="{28A0092B-C50C-407E-A947-70E740481C1C}">
-                <a14:useLocalDpi xmlns:a14="http://schemas.microsoft.com/office/drawing/2010/main" val="0"/>
-              </a:ext>
-            </a:extLst>
-          </a:blip>
-          <a:stretch>
-            <a:fillRect/>
-          </a:stretch>
-        </p:blipFill>
-        <p:spPr>
-          <a:xfrm>
-            <a:off x="5796485" y="1610380"/>
-            <a:ext cx="2352675" cy="4171950"/>
-          </a:xfrm>
-          <a:prstGeom prst="rect">
-            <a:avLst/>
-          </a:prstGeom>
-        </p:spPr>
-      </p:pic>
-      <p:sp>
-        <p:nvSpPr>
-          <p:cNvPr id="28" name="Rectangle 27">
-            <a:extLst>
-              <a:ext uri="{FF2B5EF4-FFF2-40B4-BE49-F238E27FC236}">
-                <a16:creationId xmlns:a16="http://schemas.microsoft.com/office/drawing/2014/main" id="{205D9E7C-15F0-49AE-AAA0-15267D5D08A3}"/>
-              </a:ext>
-            </a:extLst>
-          </p:cNvPr>
-          <p:cNvSpPr/>
-          <p:nvPr/>
-        </p:nvSpPr>
-        <p:spPr>
-          <a:xfrm>
-            <a:off x="5964572" y="1952267"/>
-            <a:ext cx="494951" cy="170148"/>
-          </a:xfrm>
-          <a:prstGeom prst="rect">
-            <a:avLst/>
-          </a:prstGeom>
-          <a:noFill/>
-          <a:ln>
-            <a:solidFill>
-              <a:srgbClr val="FF0000"/>
-            </a:solidFill>
-          </a:ln>
-        </p:spPr>
-        <p:style>
-          <a:lnRef idx="2">
-            <a:schemeClr val="accent1">
-              <a:shade val="50000"/>
-            </a:schemeClr>
-          </a:lnRef>
-          <a:fillRef idx="1">
-            <a:schemeClr val="accent1"/>
-          </a:fillRef>
-          <a:effectRef idx="0">
-            <a:schemeClr val="accent1"/>
-          </a:effectRef>
-          <a:fontRef idx="minor">
-            <a:schemeClr val="lt1"/>
-          </a:fontRef>
-        </p:style>
-        <p:txBody>
-          <a:bodyPr rtlCol="0" anchor="ctr"/>
-          <a:lstStyle/>
-          <a:p>
-            <a:pPr algn="ctr"/>
-            <a:endParaRPr lang="ko-KR" altLang="en-US"/>
-          </a:p>
-        </p:txBody>
-      </p:sp>
-      <p:sp>
-        <p:nvSpPr>
-          <p:cNvPr id="29" name="Rectangle 28">
-            <a:extLst>
-              <a:ext uri="{FF2B5EF4-FFF2-40B4-BE49-F238E27FC236}">
-                <a16:creationId xmlns:a16="http://schemas.microsoft.com/office/drawing/2014/main" id="{E5F53782-419F-4BBD-8274-3BDEA36C7106}"/>
-              </a:ext>
-            </a:extLst>
-          </p:cNvPr>
-          <p:cNvSpPr/>
-          <p:nvPr/>
-        </p:nvSpPr>
-        <p:spPr>
-          <a:xfrm>
-            <a:off x="6157519" y="2122414"/>
-            <a:ext cx="1107395" cy="170149"/>
-          </a:xfrm>
-          <a:prstGeom prst="rect">
-            <a:avLst/>
-          </a:prstGeom>
-          <a:noFill/>
-          <a:ln>
-            <a:solidFill>
-              <a:srgbClr val="FF0000"/>
-            </a:solidFill>
-          </a:ln>
-        </p:spPr>
-        <p:style>
-          <a:lnRef idx="2">
-            <a:schemeClr val="accent1">
-              <a:shade val="50000"/>
-            </a:schemeClr>
-          </a:lnRef>
-          <a:fillRef idx="1">
-            <a:schemeClr val="accent1"/>
-          </a:fillRef>
-          <a:effectRef idx="0">
-            <a:schemeClr val="accent1"/>
-          </a:effectRef>
-          <a:fontRef idx="minor">
-            <a:schemeClr val="lt1"/>
-          </a:fontRef>
-        </p:style>
-        <p:txBody>
-          <a:bodyPr rtlCol="0" anchor="ctr"/>
-          <a:lstStyle/>
-          <a:p>
-            <a:pPr algn="ctr"/>
-            <a:endParaRPr lang="ko-KR" altLang="en-US"/>
-          </a:p>
-        </p:txBody>
-      </p:sp>
-      <p:sp>
-        <p:nvSpPr>
-          <p:cNvPr id="30" name="Rectangle 29">
-            <a:extLst>
-              <a:ext uri="{FF2B5EF4-FFF2-40B4-BE49-F238E27FC236}">
-                <a16:creationId xmlns:a16="http://schemas.microsoft.com/office/drawing/2014/main" id="{DF2425C9-C17F-487B-ACD9-D0567A66BB4E}"/>
-              </a:ext>
-            </a:extLst>
-          </p:cNvPr>
-          <p:cNvSpPr/>
-          <p:nvPr/>
-        </p:nvSpPr>
-        <p:spPr>
-          <a:xfrm>
-            <a:off x="6274965" y="2424418"/>
-            <a:ext cx="1258349" cy="170149"/>
-          </a:xfrm>
-          <a:prstGeom prst="rect">
-            <a:avLst/>
-          </a:prstGeom>
-          <a:noFill/>
-          <a:ln>
-            <a:solidFill>
-              <a:srgbClr val="FF0000"/>
-            </a:solidFill>
-          </a:ln>
-        </p:spPr>
-        <p:style>
-          <a:lnRef idx="2">
-            <a:schemeClr val="accent1">
-              <a:shade val="50000"/>
-            </a:schemeClr>
-          </a:lnRef>
-          <a:fillRef idx="1">
-            <a:schemeClr val="accent1"/>
-          </a:fillRef>
-          <a:effectRef idx="0">
-            <a:schemeClr val="accent1"/>
-          </a:effectRef>
-          <a:fontRef idx="minor">
-            <a:schemeClr val="lt1"/>
-          </a:fontRef>
-        </p:style>
-        <p:txBody>
-          <a:bodyPr rtlCol="0" anchor="ctr"/>
-          <a:lstStyle/>
-          <a:p>
-            <a:pPr algn="ctr"/>
-            <a:endParaRPr lang="ko-KR" altLang="en-US"/>
-          </a:p>
-        </p:txBody>
-      </p:sp>
-      <p:sp>
-        <p:nvSpPr>
-          <p:cNvPr id="34" name="Rectangle 33">
-            <a:extLst>
-              <a:ext uri="{FF2B5EF4-FFF2-40B4-BE49-F238E27FC236}">
-                <a16:creationId xmlns:a16="http://schemas.microsoft.com/office/drawing/2014/main" id="{C7DAD7E1-682E-4CBC-9AF5-15C6AFA4DF7A}"/>
-              </a:ext>
-            </a:extLst>
-          </p:cNvPr>
-          <p:cNvSpPr/>
-          <p:nvPr/>
-        </p:nvSpPr>
-        <p:spPr>
-          <a:xfrm>
-            <a:off x="628650" y="4757891"/>
-            <a:ext cx="4630320" cy="523220"/>
-          </a:xfrm>
-          <a:prstGeom prst="rect">
-            <a:avLst/>
-          </a:prstGeom>
-        </p:spPr>
-        <p:txBody>
-          <a:bodyPr wrap="square">
-            <a:spAutoFit/>
-          </a:bodyPr>
-          <a:lstStyle/>
-          <a:p>
-            <a:r>
-              <a:rPr lang="ko-KR" altLang="en-US" sz="1400" dirty="0"/>
-              <a:t>데이터를 받아오는데 성공 한다면</a:t>
-            </a:r>
-            <a:r>
-              <a:rPr lang="en-US" altLang="ko-KR" sz="1400" dirty="0"/>
-              <a:t>, </a:t>
-            </a:r>
-          </a:p>
-          <a:p>
-            <a:r>
-              <a:rPr lang="ko-KR" altLang="en-US" sz="1400" dirty="0"/>
-              <a:t>원하는 데이터를 마크업에 삽입해 줍니다</a:t>
-            </a:r>
-            <a:r>
-              <a:rPr lang="en-US" altLang="ko-KR" sz="1400" dirty="0"/>
-              <a:t>.</a:t>
-            </a:r>
-            <a:endParaRPr lang="ko-KR" altLang="en-US" sz="1400" dirty="0"/>
-          </a:p>
-        </p:txBody>
-      </p:sp>
+        </p:grpSpPr>
+        <p:pic>
+          <p:nvPicPr>
+            <p:cNvPr id="24" name="Picture 23" descr="A picture containing screen, room, holding, table&#10;&#10;Description automatically generated">
+              <a:extLst>
+                <a:ext uri="{FF2B5EF4-FFF2-40B4-BE49-F238E27FC236}">
+                  <a16:creationId xmlns:a16="http://schemas.microsoft.com/office/drawing/2014/main" xmlns="" id="{592EC2D9-D869-4F37-8547-F807BC5AE57E}"/>
+                </a:ext>
+              </a:extLst>
+            </p:cNvPr>
+            <p:cNvPicPr>
+              <a:picLocks noChangeAspect="1"/>
+            </p:cNvPicPr>
+            <p:nvPr/>
+          </p:nvPicPr>
+          <p:blipFill>
+            <a:blip r:embed="rId5">
+              <a:extLst>
+                <a:ext uri="{28A0092B-C50C-407E-A947-70E740481C1C}">
+                  <a14:useLocalDpi xmlns:a14="http://schemas.microsoft.com/office/drawing/2010/main" val="0"/>
+                </a:ext>
+              </a:extLst>
+            </a:blip>
+            <a:stretch>
+              <a:fillRect/>
+            </a:stretch>
+          </p:blipFill>
+          <p:spPr>
+            <a:xfrm>
+              <a:off x="3670302" y="2762231"/>
+              <a:ext cx="4895850" cy="1800225"/>
+            </a:xfrm>
+            <a:prstGeom prst="rect">
+              <a:avLst/>
+            </a:prstGeom>
+          </p:spPr>
+        </p:pic>
+        <p:sp>
+          <p:nvSpPr>
+            <p:cNvPr id="17" name="직사각형 16">
+              <a:extLst>
+                <a:ext uri="{FF2B5EF4-FFF2-40B4-BE49-F238E27FC236}">
+                  <a16:creationId xmlns:a16="http://schemas.microsoft.com/office/drawing/2014/main" xmlns="" id="{6BCF2C6F-DE96-44FB-AC9B-5B17AA7C127E}"/>
+                </a:ext>
+              </a:extLst>
+            </p:cNvPr>
+            <p:cNvSpPr/>
+            <p:nvPr/>
+          </p:nvSpPr>
+          <p:spPr>
+            <a:xfrm>
+              <a:off x="5240648" y="3339677"/>
+              <a:ext cx="3211202" cy="178223"/>
+            </a:xfrm>
+            <a:prstGeom prst="rect">
+              <a:avLst/>
+            </a:prstGeom>
+            <a:noFill/>
+            <a:ln>
+              <a:solidFill>
+                <a:srgbClr val="FF0000"/>
+              </a:solidFill>
+              <a:prstDash val="dash"/>
+            </a:ln>
+          </p:spPr>
+          <p:style>
+            <a:lnRef idx="2">
+              <a:schemeClr val="accent1">
+                <a:shade val="50000"/>
+              </a:schemeClr>
+            </a:lnRef>
+            <a:fillRef idx="1">
+              <a:schemeClr val="accent1"/>
+            </a:fillRef>
+            <a:effectRef idx="0">
+              <a:schemeClr val="accent1"/>
+            </a:effectRef>
+            <a:fontRef idx="minor">
+              <a:schemeClr val="lt1"/>
+            </a:fontRef>
+          </p:style>
+          <p:txBody>
+            <a:bodyPr rtlCol="0" anchor="ctr"/>
+            <a:lstStyle/>
+            <a:p>
+              <a:pPr algn="ctr"/>
+              <a:endParaRPr lang="ko-KR" altLang="en-US"/>
+            </a:p>
+          </p:txBody>
+        </p:sp>
+      </p:grpSp>
     </p:spTree>
     <p:extLst>
       <p:ext uri="{BB962C8B-B14F-4D97-AF65-F5344CB8AC3E}">
@@ -20597,6 +23336,13 @@
               </a:rPr>
               <a:t>Axios</a:t>
             </a:r>
+            <a:r>
+              <a:rPr lang="en-US" altLang="ko-KR" sz="1800" dirty="0">
+                <a:latin typeface="넥슨Lv1고딕 Bold" panose="00000800000000000000" pitchFamily="2" charset="-127"/>
+                <a:ea typeface="넥슨Lv1고딕 Bold" panose="00000800000000000000" pitchFamily="2" charset="-127"/>
+              </a:rPr>
+              <a:t/>
+            </a:r>
             <a:br>
               <a:rPr lang="en-US" altLang="ko-KR" sz="1800" dirty="0">
                 <a:latin typeface="넥슨Lv1고딕 Bold" panose="00000800000000000000" pitchFamily="2" charset="-127"/>
@@ -20650,7 +23396,7 @@
           <p:cNvPr id="9" name="타원 8">
             <a:extLst>
               <a:ext uri="{FF2B5EF4-FFF2-40B4-BE49-F238E27FC236}">
-                <a16:creationId xmlns:a16="http://schemas.microsoft.com/office/drawing/2014/main" id="{731CCCE5-901D-432C-BEAC-F936CBC6BB25}"/>
+                <a16:creationId xmlns:a16="http://schemas.microsoft.com/office/drawing/2014/main" xmlns="" id="{731CCCE5-901D-432C-BEAC-F936CBC6BB25}"/>
               </a:ext>
             </a:extLst>
           </p:cNvPr>
@@ -20712,7 +23458,7 @@
           <p:cNvPr id="8" name="Picture 7" descr="A screen shot of a computer&#10;&#10;Description automatically generated">
             <a:extLst>
               <a:ext uri="{FF2B5EF4-FFF2-40B4-BE49-F238E27FC236}">
-                <a16:creationId xmlns:a16="http://schemas.microsoft.com/office/drawing/2014/main" id="{507792FE-35B6-4C29-AF3D-1069137775FC}"/>
+                <a16:creationId xmlns:a16="http://schemas.microsoft.com/office/drawing/2014/main" xmlns="" id="{507792FE-35B6-4C29-AF3D-1069137775FC}"/>
               </a:ext>
             </a:extLst>
           </p:cNvPr>
@@ -20735,7 +23481,7 @@
         </p:blipFill>
         <p:spPr>
           <a:xfrm>
-            <a:off x="2314295" y="2261336"/>
+            <a:off x="1512632" y="2690215"/>
             <a:ext cx="4515409" cy="2733700"/>
           </a:xfrm>
           <a:prstGeom prst="rect">
@@ -20745,10 +23491,129 @@
       </p:pic>
       <p:sp>
         <p:nvSpPr>
-          <p:cNvPr id="2" name="Rectangle 1">
+          <p:cNvPr id="12" name="TextBox 11">
             <a:extLst>
               <a:ext uri="{FF2B5EF4-FFF2-40B4-BE49-F238E27FC236}">
-                <a16:creationId xmlns:a16="http://schemas.microsoft.com/office/drawing/2014/main" id="{9214EC33-D4F1-430E-857E-EE73B3146320}"/>
+                <a16:creationId xmlns:a16="http://schemas.microsoft.com/office/drawing/2014/main" xmlns="" id="{9F12D4E5-B109-4B80-B716-4AECBE0D5D67}"/>
+              </a:ext>
+            </a:extLst>
+          </p:cNvPr>
+          <p:cNvSpPr txBox="1"/>
+          <p:nvPr/>
+        </p:nvSpPr>
+        <p:spPr>
+          <a:xfrm>
+            <a:off x="1415845" y="2061361"/>
+            <a:ext cx="7150307" cy="600164"/>
+          </a:xfrm>
+          <a:prstGeom prst="rect">
+            <a:avLst/>
+          </a:prstGeom>
+          <a:noFill/>
+        </p:spPr>
+        <p:txBody>
+          <a:bodyPr wrap="square" rtlCol="0">
+            <a:spAutoFit/>
+          </a:bodyPr>
+          <a:lstStyle/>
+          <a:p>
+            <a:r>
+              <a:rPr lang="ko-KR" altLang="en-US" sz="1100" spc="-50" dirty="0" smtClean="0">
+                <a:latin typeface="넥슨Lv1고딕 Light" panose="00000300000000000000" pitchFamily="2" charset="-127"/>
+                <a:ea typeface="넥슨Lv1고딕 Light" panose="00000300000000000000" pitchFamily="2" charset="-127"/>
+              </a:rPr>
+              <a:t>      에서 작성한 기본 </a:t>
+            </a:r>
+            <a:r>
+              <a:rPr lang="ko-KR" altLang="en-US" sz="1100" spc="-50" dirty="0" err="1" smtClean="0">
+                <a:latin typeface="넥슨Lv1고딕 Light" panose="00000300000000000000" pitchFamily="2" charset="-127"/>
+                <a:ea typeface="넥슨Lv1고딕 Light" panose="00000300000000000000" pitchFamily="2" charset="-127"/>
+              </a:rPr>
+              <a:t>마크업</a:t>
+            </a:r>
+            <a:r>
+              <a:rPr lang="ko-KR" altLang="en-US" sz="1100" spc="-50" dirty="0" smtClean="0">
+                <a:latin typeface="넥슨Lv1고딕 Light" panose="00000300000000000000" pitchFamily="2" charset="-127"/>
+                <a:ea typeface="넥슨Lv1고딕 Light" panose="00000300000000000000" pitchFamily="2" charset="-127"/>
+              </a:rPr>
+              <a:t> 위치에 원하는 데이터를 삽입합니다</a:t>
+            </a:r>
+            <a:r>
+              <a:rPr lang="en-US" altLang="ko-KR" sz="1100" spc="-50" dirty="0" smtClean="0">
+                <a:latin typeface="넥슨Lv1고딕 Light" panose="00000300000000000000" pitchFamily="2" charset="-127"/>
+                <a:ea typeface="넥슨Lv1고딕 Light" panose="00000300000000000000" pitchFamily="2" charset="-127"/>
+              </a:rPr>
+              <a:t>.</a:t>
+            </a:r>
+          </a:p>
+          <a:p>
+            <a:endParaRPr lang="en-US" altLang="ko-KR" sz="1100" spc="-50" dirty="0">
+              <a:latin typeface="넥슨Lv1고딕 Light" panose="00000300000000000000" pitchFamily="2" charset="-127"/>
+              <a:ea typeface="넥슨Lv1고딕 Light" panose="00000300000000000000" pitchFamily="2" charset="-127"/>
+            </a:endParaRPr>
+          </a:p>
+          <a:p>
+            <a:r>
+              <a:rPr lang="ko-KR" altLang="en-US" sz="1100" spc="-50" dirty="0" smtClean="0">
+                <a:latin typeface="넥슨Lv1고딕 Light" panose="00000300000000000000" pitchFamily="2" charset="-127"/>
+                <a:ea typeface="넥슨Lv1고딕 Light" panose="00000300000000000000" pitchFamily="2" charset="-127"/>
+              </a:rPr>
+              <a:t>받은 데이터가 객체를 지닌 배열이라면</a:t>
+            </a:r>
+            <a:r>
+              <a:rPr lang="en-US" altLang="ko-KR" sz="1100" spc="-50" dirty="0" smtClean="0">
+                <a:latin typeface="넥슨Lv1고딕 Light" panose="00000300000000000000" pitchFamily="2" charset="-127"/>
+                <a:ea typeface="넥슨Lv1고딕 Light" panose="00000300000000000000" pitchFamily="2" charset="-127"/>
+              </a:rPr>
+              <a:t>, v-for </a:t>
+            </a:r>
+            <a:r>
+              <a:rPr lang="ko-KR" altLang="en-US" sz="1100" spc="-50" smtClean="0">
+                <a:latin typeface="넥슨Lv1고딕 Light" panose="00000300000000000000" pitchFamily="2" charset="-127"/>
+                <a:ea typeface="넥슨Lv1고딕 Light" panose="00000300000000000000" pitchFamily="2" charset="-127"/>
+              </a:rPr>
+              <a:t>디렉티브를 사용해 리스트 또는 테이블에 개별 데이터를 렌더링합니다</a:t>
+            </a:r>
+            <a:r>
+              <a:rPr lang="en-US" altLang="ko-KR" sz="1100" spc="-50" dirty="0" smtClean="0">
+                <a:latin typeface="넥슨Lv1고딕 Light" panose="00000300000000000000" pitchFamily="2" charset="-127"/>
+                <a:ea typeface="넥슨Lv1고딕 Light" panose="00000300000000000000" pitchFamily="2" charset="-127"/>
+              </a:rPr>
+              <a:t>.</a:t>
+            </a:r>
+          </a:p>
+        </p:txBody>
+      </p:sp>
+      <p:pic>
+        <p:nvPicPr>
+          <p:cNvPr id="14" name="그림 13"/>
+          <p:cNvPicPr>
+            <a:picLocks noChangeAspect="1"/>
+          </p:cNvPicPr>
+          <p:nvPr/>
+        </p:nvPicPr>
+        <p:blipFill>
+          <a:blip r:embed="rId4"/>
+          <a:stretch>
+            <a:fillRect/>
+          </a:stretch>
+        </p:blipFill>
+        <p:spPr>
+          <a:xfrm>
+            <a:off x="1435651" y="2032671"/>
+            <a:ext cx="303983" cy="327670"/>
+          </a:xfrm>
+          <a:prstGeom prst="rect">
+            <a:avLst/>
+          </a:prstGeom>
+        </p:spPr>
+      </p:pic>
+      <p:sp>
+        <p:nvSpPr>
+          <p:cNvPr id="16" name="직사각형 15">
+            <a:extLst>
+              <a:ext uri="{FF2B5EF4-FFF2-40B4-BE49-F238E27FC236}">
+                <a16:creationId xmlns:a16="http://schemas.microsoft.com/office/drawing/2014/main" xmlns="" id="{6BCF2C6F-DE96-44FB-AC9B-5B17AA7C127E}"/>
               </a:ext>
             </a:extLst>
           </p:cNvPr>
@@ -20757,44 +23622,267 @@
         </p:nvSpPr>
         <p:spPr>
           <a:xfrm>
-            <a:off x="1344140" y="5247620"/>
-            <a:ext cx="6667346" cy="523220"/>
+            <a:off x="2094318" y="4245052"/>
+            <a:ext cx="3519403" cy="807297"/>
           </a:xfrm>
           <a:prstGeom prst="rect">
             <a:avLst/>
           </a:prstGeom>
+          <a:noFill/>
+          <a:ln>
+            <a:solidFill>
+              <a:srgbClr val="FF0000"/>
+            </a:solidFill>
+            <a:prstDash val="dash"/>
+          </a:ln>
         </p:spPr>
-        <p:txBody>
-          <a:bodyPr wrap="square">
-            <a:spAutoFit/>
-          </a:bodyPr>
+        <p:style>
+          <a:lnRef idx="2">
+            <a:schemeClr val="accent1">
+              <a:shade val="50000"/>
+            </a:schemeClr>
+          </a:lnRef>
+          <a:fillRef idx="1">
+            <a:schemeClr val="accent1"/>
+          </a:fillRef>
+          <a:effectRef idx="0">
+            <a:schemeClr val="accent1"/>
+          </a:effectRef>
+          <a:fontRef idx="minor">
+            <a:schemeClr val="lt1"/>
+          </a:fontRef>
+        </p:style>
+        <p:txBody>
+          <a:bodyPr rtlCol="0" anchor="ctr"/>
           <a:lstStyle/>
           <a:p>
-            <a:r>
-              <a:rPr lang="ko-KR" altLang="en-US" sz="1400" dirty="0"/>
-              <a:t>데이터를 받아오는데 성공 한다면</a:t>
-            </a:r>
-            <a:r>
-              <a:rPr lang="en-US" altLang="ko-KR" sz="1400" dirty="0"/>
-              <a:t>, v-for</a:t>
-            </a:r>
-            <a:r>
-              <a:rPr lang="ko-KR" altLang="en-US" sz="1400" dirty="0"/>
-              <a:t>를 이용하여</a:t>
-            </a:r>
-            <a:r>
-              <a:rPr lang="en-US" altLang="ko-KR" sz="1400" dirty="0"/>
-              <a:t> </a:t>
-            </a:r>
-            <a:r>
-              <a:rPr lang="ko-KR" altLang="en-US" sz="1400" dirty="0"/>
-              <a:t>원하는 데이터를 가지고 화면을 갱신해 줍니다</a:t>
-            </a:r>
-            <a:r>
-              <a:rPr lang="en-US" altLang="ko-KR" sz="1400" dirty="0"/>
+            <a:pPr algn="ctr"/>
+            <a:endParaRPr lang="ko-KR" altLang="en-US"/>
+          </a:p>
+        </p:txBody>
+      </p:sp>
+      <p:sp>
+        <p:nvSpPr>
+          <p:cNvPr id="17" name="화살표: 아래쪽 26">
+            <a:extLst>
+              <a:ext uri="{FF2B5EF4-FFF2-40B4-BE49-F238E27FC236}">
+                <a16:creationId xmlns:a16="http://schemas.microsoft.com/office/drawing/2014/main" xmlns="" id="{B2889BCE-092A-4B6E-805F-EFAE6A038C1D}"/>
+              </a:ext>
+            </a:extLst>
+          </p:cNvPr>
+          <p:cNvSpPr/>
+          <p:nvPr/>
+        </p:nvSpPr>
+        <p:spPr>
+          <a:xfrm rot="18545393">
+            <a:off x="3737777" y="4982071"/>
+            <a:ext cx="116095" cy="624323"/>
+          </a:xfrm>
+          <a:prstGeom prst="downArrow">
+            <a:avLst>
+              <a:gd name="adj1" fmla="val 36374"/>
+              <a:gd name="adj2" fmla="val 80138"/>
+            </a:avLst>
+          </a:prstGeom>
+          <a:solidFill>
+            <a:srgbClr val="FF0000"/>
+          </a:solidFill>
+          <a:ln>
+            <a:noFill/>
+          </a:ln>
+        </p:spPr>
+        <p:style>
+          <a:lnRef idx="2">
+            <a:schemeClr val="accent1">
+              <a:shade val="50000"/>
+            </a:schemeClr>
+          </a:lnRef>
+          <a:fillRef idx="1">
+            <a:schemeClr val="accent1"/>
+          </a:fillRef>
+          <a:effectRef idx="0">
+            <a:schemeClr val="accent1"/>
+          </a:effectRef>
+          <a:fontRef idx="minor">
+            <a:schemeClr val="lt1"/>
+          </a:fontRef>
+        </p:style>
+        <p:txBody>
+          <a:bodyPr rtlCol="0" anchor="ctr"/>
+          <a:lstStyle/>
+          <a:p>
+            <a:pPr algn="ctr"/>
+            <a:endParaRPr lang="ko-KR" altLang="en-US"/>
+          </a:p>
+        </p:txBody>
+      </p:sp>
+      <p:sp>
+        <p:nvSpPr>
+          <p:cNvPr id="18" name="모서리가 둥근 직사각형 18">
+            <a:extLst>
+              <a:ext uri="{FF2B5EF4-FFF2-40B4-BE49-F238E27FC236}">
+                <a16:creationId xmlns:a16="http://schemas.microsoft.com/office/drawing/2014/main" xmlns="" id="{3232FBF2-4E60-481E-BF83-CC24D588C368}"/>
+              </a:ext>
+            </a:extLst>
+          </p:cNvPr>
+          <p:cNvSpPr/>
+          <p:nvPr/>
+        </p:nvSpPr>
+        <p:spPr>
+          <a:xfrm>
+            <a:off x="3641575" y="5547369"/>
+            <a:ext cx="3533925" cy="577894"/>
+          </a:xfrm>
+          <a:prstGeom prst="roundRect">
+            <a:avLst>
+              <a:gd name="adj" fmla="val 5887"/>
+            </a:avLst>
+          </a:prstGeom>
+          <a:solidFill>
+            <a:srgbClr val="B5DC11"/>
+          </a:solidFill>
+          <a:ln>
+            <a:noFill/>
+          </a:ln>
+        </p:spPr>
+        <p:style>
+          <a:lnRef idx="2">
+            <a:schemeClr val="accent1">
+              <a:shade val="50000"/>
+            </a:schemeClr>
+          </a:lnRef>
+          <a:fillRef idx="1">
+            <a:schemeClr val="accent1"/>
+          </a:fillRef>
+          <a:effectRef idx="0">
+            <a:schemeClr val="accent1"/>
+          </a:effectRef>
+          <a:fontRef idx="minor">
+            <a:schemeClr val="lt1"/>
+          </a:fontRef>
+        </p:style>
+        <p:txBody>
+          <a:bodyPr rtlCol="0" anchor="ctr"/>
+          <a:lstStyle/>
+          <a:p>
+            <a:pPr algn="ctr"/>
+            <a:r>
+              <a:rPr lang="en-US" altLang="ko-KR" sz="1000" dirty="0" smtClean="0">
+                <a:solidFill>
+                  <a:schemeClr val="tx1">
+                    <a:lumMod val="85000"/>
+                    <a:lumOff val="15000"/>
+                  </a:schemeClr>
+                </a:solidFill>
+                <a:latin typeface="넥슨Lv1고딕 Bold" panose="00000800000000000000" pitchFamily="2" charset="-127"/>
+                <a:ea typeface="넥슨Lv1고딕 Bold" panose="00000800000000000000" pitchFamily="2" charset="-127"/>
+              </a:rPr>
+              <a:t>jQuery</a:t>
+            </a:r>
+            <a:r>
+              <a:rPr lang="ko-KR" altLang="en-US" sz="1000" smtClean="0">
+                <a:solidFill>
+                  <a:schemeClr val="tx1">
+                    <a:lumMod val="85000"/>
+                    <a:lumOff val="15000"/>
+                  </a:schemeClr>
+                </a:solidFill>
+                <a:latin typeface="넥슨Lv1고딕 Bold" panose="00000800000000000000" pitchFamily="2" charset="-127"/>
+                <a:ea typeface="넥슨Lv1고딕 Bold" panose="00000800000000000000" pitchFamily="2" charset="-127"/>
+              </a:rPr>
+              <a:t>와 달리 </a:t>
+            </a:r>
+            <a:r>
+              <a:rPr lang="en-US" altLang="ko-KR" sz="1000" dirty="0" err="1" smtClean="0">
+                <a:solidFill>
+                  <a:schemeClr val="tx1">
+                    <a:lumMod val="85000"/>
+                    <a:lumOff val="15000"/>
+                  </a:schemeClr>
+                </a:solidFill>
+                <a:latin typeface="넥슨Lv1고딕 Bold" panose="00000800000000000000" pitchFamily="2" charset="-127"/>
+                <a:ea typeface="넥슨Lv1고딕 Bold" panose="00000800000000000000" pitchFamily="2" charset="-127"/>
+              </a:rPr>
+              <a:t>Vue</a:t>
+            </a:r>
+            <a:r>
+              <a:rPr lang="ko-KR" altLang="en-US" sz="1000" smtClean="0">
+                <a:solidFill>
+                  <a:schemeClr val="tx1">
+                    <a:lumMod val="85000"/>
+                    <a:lumOff val="15000"/>
+                  </a:schemeClr>
+                </a:solidFill>
+                <a:latin typeface="넥슨Lv1고딕 Bold" panose="00000800000000000000" pitchFamily="2" charset="-127"/>
+                <a:ea typeface="넥슨Lv1고딕 Bold" panose="00000800000000000000" pitchFamily="2" charset="-127"/>
+              </a:rPr>
+              <a:t>에서는 보간법을 이용하므로 스크립트와 데이터 렌더링부</a:t>
+            </a:r>
+            <a:r>
+              <a:rPr lang="en-US" altLang="ko-KR" sz="1000" dirty="0" smtClean="0">
+                <a:solidFill>
+                  <a:schemeClr val="tx1">
+                    <a:lumMod val="85000"/>
+                    <a:lumOff val="15000"/>
+                  </a:schemeClr>
+                </a:solidFill>
+                <a:latin typeface="넥슨Lv1고딕 Bold" panose="00000800000000000000" pitchFamily="2" charset="-127"/>
+                <a:ea typeface="넥슨Lv1고딕 Bold" panose="00000800000000000000" pitchFamily="2" charset="-127"/>
+              </a:rPr>
+              <a:t>(=</a:t>
+            </a:r>
+            <a:r>
+              <a:rPr lang="ko-KR" altLang="en-US" sz="1000" smtClean="0">
+                <a:solidFill>
+                  <a:schemeClr val="tx1">
+                    <a:lumMod val="85000"/>
+                    <a:lumOff val="15000"/>
+                  </a:schemeClr>
+                </a:solidFill>
+                <a:latin typeface="넥슨Lv1고딕 Bold" panose="00000800000000000000" pitchFamily="2" charset="-127"/>
+                <a:ea typeface="넥슨Lv1고딕 Bold" panose="00000800000000000000" pitchFamily="2" charset="-127"/>
+              </a:rPr>
+              <a:t>마크업 부분</a:t>
+            </a:r>
+            <a:r>
+              <a:rPr lang="en-US" altLang="ko-KR" sz="1000" dirty="0" smtClean="0">
+                <a:solidFill>
+                  <a:schemeClr val="tx1">
+                    <a:lumMod val="85000"/>
+                    <a:lumOff val="15000"/>
+                  </a:schemeClr>
+                </a:solidFill>
+                <a:latin typeface="넥슨Lv1고딕 Bold" panose="00000800000000000000" pitchFamily="2" charset="-127"/>
+                <a:ea typeface="넥슨Lv1고딕 Bold" panose="00000800000000000000" pitchFamily="2" charset="-127"/>
+              </a:rPr>
+              <a:t>)</a:t>
+            </a:r>
+            <a:r>
+              <a:rPr lang="ko-KR" altLang="en-US" sz="1000" smtClean="0">
+                <a:solidFill>
+                  <a:schemeClr val="tx1">
+                    <a:lumMod val="85000"/>
+                    <a:lumOff val="15000"/>
+                  </a:schemeClr>
+                </a:solidFill>
+                <a:latin typeface="넥슨Lv1고딕 Bold" panose="00000800000000000000" pitchFamily="2" charset="-127"/>
+                <a:ea typeface="넥슨Lv1고딕 Bold" panose="00000800000000000000" pitchFamily="2" charset="-127"/>
+              </a:rPr>
+              <a:t>를 구분하기 쉬워요</a:t>
+            </a:r>
+            <a:r>
+              <a:rPr lang="en-US" altLang="ko-KR" sz="1000" dirty="0" smtClean="0">
+                <a:solidFill>
+                  <a:schemeClr val="tx1">
+                    <a:lumMod val="85000"/>
+                    <a:lumOff val="15000"/>
+                  </a:schemeClr>
+                </a:solidFill>
+                <a:latin typeface="넥슨Lv1고딕 Bold" panose="00000800000000000000" pitchFamily="2" charset="-127"/>
+                <a:ea typeface="넥슨Lv1고딕 Bold" panose="00000800000000000000" pitchFamily="2" charset="-127"/>
+              </a:rPr>
               <a:t>.</a:t>
             </a:r>
-            <a:endParaRPr lang="ko-KR" altLang="en-US" sz="1400" dirty="0"/>
           </a:p>
         </p:txBody>
       </p:sp>
@@ -20879,7 +23967,7 @@
           <p:cNvPr id="7" name="TextBox 6">
             <a:extLst>
               <a:ext uri="{FF2B5EF4-FFF2-40B4-BE49-F238E27FC236}">
-                <a16:creationId xmlns:a16="http://schemas.microsoft.com/office/drawing/2014/main" id="{CFFDF735-62F4-42D8-9EE1-93610BFD171F}"/>
+                <a16:creationId xmlns:a16="http://schemas.microsoft.com/office/drawing/2014/main" xmlns="" id="{CFFDF735-62F4-42D8-9EE1-93610BFD171F}"/>
               </a:ext>
             </a:extLst>
           </p:cNvPr>
@@ -20889,7 +23977,7 @@
         <p:spPr>
           <a:xfrm>
             <a:off x="763491" y="1791106"/>
-            <a:ext cx="2005136" cy="707886"/>
+            <a:ext cx="2005136" cy="861774"/>
           </a:xfrm>
           <a:prstGeom prst="rect">
             <a:avLst/>
@@ -20925,8 +24013,35 @@
                 <a:latin typeface="넥슨Lv1고딕 Light" panose="00000300000000000000" pitchFamily="2" charset="-127"/>
                 <a:ea typeface="넥슨Lv1고딕 Light" panose="00000300000000000000" pitchFamily="2" charset="-127"/>
               </a:rPr>
-              <a:t>2019-11-03	v0.2</a:t>
-            </a:r>
+              <a:t>2019-11-03	</a:t>
+            </a:r>
+            <a:r>
+              <a:rPr lang="en-US" altLang="ko-KR" sz="1000" dirty="0" smtClean="0">
+                <a:latin typeface="넥슨Lv1고딕 Light" panose="00000300000000000000" pitchFamily="2" charset="-127"/>
+                <a:ea typeface="넥슨Lv1고딕 Light" panose="00000300000000000000" pitchFamily="2" charset="-127"/>
+              </a:rPr>
+              <a:t>v0.2</a:t>
+            </a:r>
+          </a:p>
+          <a:p>
+            <a:r>
+              <a:rPr lang="en-US" altLang="ko-KR" sz="1000" dirty="0">
+                <a:latin typeface="넥슨Lv1고딕 Light" panose="00000300000000000000" pitchFamily="2" charset="-127"/>
+                <a:ea typeface="넥슨Lv1고딕 Light" panose="00000300000000000000" pitchFamily="2" charset="-127"/>
+              </a:rPr>
+              <a:t>2019-11-06	</a:t>
+            </a:r>
+            <a:r>
+              <a:rPr lang="en-US" altLang="ko-KR" sz="1000" dirty="0" smtClean="0">
+                <a:latin typeface="넥슨Lv1고딕 Light" panose="00000300000000000000" pitchFamily="2" charset="-127"/>
+                <a:ea typeface="넥슨Lv1고딕 Light" panose="00000300000000000000" pitchFamily="2" charset="-127"/>
+              </a:rPr>
+              <a:t>v0.3</a:t>
+            </a:r>
+            <a:endParaRPr lang="en-US" altLang="ko-KR" sz="1000" dirty="0">
+              <a:latin typeface="넥슨Lv1고딕 Light" panose="00000300000000000000" pitchFamily="2" charset="-127"/>
+              <a:ea typeface="넥슨Lv1고딕 Light" panose="00000300000000000000" pitchFamily="2" charset="-127"/>
+            </a:endParaRPr>
           </a:p>
           <a:p>
             <a:endParaRPr lang="en-US" altLang="ko-KR" sz="1000" dirty="0">
@@ -21147,7 +24262,7 @@
           <p:cNvPr id="31" name="모서리가 둥근 직사각형 18">
             <a:extLst>
               <a:ext uri="{FF2B5EF4-FFF2-40B4-BE49-F238E27FC236}">
-                <a16:creationId xmlns:a16="http://schemas.microsoft.com/office/drawing/2014/main" id="{E2EB3284-B04D-47D8-BEC4-9757F1E20152}"/>
+                <a16:creationId xmlns:a16="http://schemas.microsoft.com/office/drawing/2014/main" xmlns="" id="{E2EB3284-B04D-47D8-BEC4-9757F1E20152}"/>
               </a:ext>
             </a:extLst>
           </p:cNvPr>
@@ -21239,7 +24354,7 @@
           <p:cNvPr id="17" name="모서리가 둥근 직사각형 18">
             <a:extLst>
               <a:ext uri="{FF2B5EF4-FFF2-40B4-BE49-F238E27FC236}">
-                <a16:creationId xmlns:a16="http://schemas.microsoft.com/office/drawing/2014/main" id="{850D30CD-96EB-4C16-A5A1-BA3E6B59464E}"/>
+                <a16:creationId xmlns:a16="http://schemas.microsoft.com/office/drawing/2014/main" xmlns="" id="{850D30CD-96EB-4C16-A5A1-BA3E6B59464E}"/>
               </a:ext>
             </a:extLst>
           </p:cNvPr>
@@ -21539,6 +24654,13 @@
                 <a:ea typeface="넥슨Lv1고딕 Light" panose="00000300000000000000" pitchFamily="2" charset="-127"/>
               </a:rPr>
               <a:t>Axios</a:t>
+            </a:r>
+            <a:r>
+              <a:rPr lang="en-US" altLang="ko-KR" sz="1800" dirty="0">
+                <a:latin typeface="넥슨Lv1고딕 Bold" panose="00000800000000000000" pitchFamily="2" charset="-127"/>
+                <a:ea typeface="넥슨Lv1고딕 Bold" panose="00000800000000000000" pitchFamily="2" charset="-127"/>
+              </a:rPr>
+              <a:t/>
             </a:r>
             <a:br>
               <a:rPr lang="en-US" altLang="ko-KR" sz="1800" dirty="0">
@@ -21705,7 +24827,7 @@
           <p:cNvPr id="11" name="모서리가 둥근 직사각형 18">
             <a:extLst>
               <a:ext uri="{FF2B5EF4-FFF2-40B4-BE49-F238E27FC236}">
-                <a16:creationId xmlns:a16="http://schemas.microsoft.com/office/drawing/2014/main" id="{E9585C23-07FC-45A2-AC2A-8A09E1548EB5}"/>
+                <a16:creationId xmlns:a16="http://schemas.microsoft.com/office/drawing/2014/main" xmlns="" id="{E9585C23-07FC-45A2-AC2A-8A09E1548EB5}"/>
               </a:ext>
             </a:extLst>
           </p:cNvPr>
@@ -21769,7 +24891,7 @@
           <p:cNvPr id="16" name="TextBox 15">
             <a:extLst>
               <a:ext uri="{FF2B5EF4-FFF2-40B4-BE49-F238E27FC236}">
-                <a16:creationId xmlns:a16="http://schemas.microsoft.com/office/drawing/2014/main" id="{C2346D07-6416-49B5-953F-0E48A5E94486}"/>
+                <a16:creationId xmlns:a16="http://schemas.microsoft.com/office/drawing/2014/main" xmlns="" id="{C2346D07-6416-49B5-953F-0E48A5E94486}"/>
               </a:ext>
             </a:extLst>
           </p:cNvPr>
@@ -21954,7 +25076,7 @@
           <p:cNvPr id="14" name="화살표: 아래쪽 13">
             <a:extLst>
               <a:ext uri="{FF2B5EF4-FFF2-40B4-BE49-F238E27FC236}">
-                <a16:creationId xmlns:a16="http://schemas.microsoft.com/office/drawing/2014/main" id="{DF870A8A-BDCA-492F-ADE4-6D4D7453EC17}"/>
+                <a16:creationId xmlns:a16="http://schemas.microsoft.com/office/drawing/2014/main" xmlns="" id="{DF870A8A-BDCA-492F-ADE4-6D4D7453EC17}"/>
               </a:ext>
             </a:extLst>
           </p:cNvPr>
@@ -22006,7 +25128,7 @@
           <p:cNvPr id="18" name="모서리가 둥근 직사각형 18">
             <a:extLst>
               <a:ext uri="{FF2B5EF4-FFF2-40B4-BE49-F238E27FC236}">
-                <a16:creationId xmlns:a16="http://schemas.microsoft.com/office/drawing/2014/main" id="{0C8F3D83-E81C-4FD6-B3DB-C885B4853C80}"/>
+                <a16:creationId xmlns:a16="http://schemas.microsoft.com/office/drawing/2014/main" xmlns="" id="{0C8F3D83-E81C-4FD6-B3DB-C885B4853C80}"/>
               </a:ext>
             </a:extLst>
           </p:cNvPr>
@@ -22070,7 +25192,7 @@
           <p:cNvPr id="19" name="화살표: 아래쪽 18">
             <a:extLst>
               <a:ext uri="{FF2B5EF4-FFF2-40B4-BE49-F238E27FC236}">
-                <a16:creationId xmlns:a16="http://schemas.microsoft.com/office/drawing/2014/main" id="{F96A66D2-F42B-4527-B6EE-CBFA6AC55C96}"/>
+                <a16:creationId xmlns:a16="http://schemas.microsoft.com/office/drawing/2014/main" xmlns="" id="{F96A66D2-F42B-4527-B6EE-CBFA6AC55C96}"/>
               </a:ext>
             </a:extLst>
           </p:cNvPr>
@@ -22122,7 +25244,7 @@
           <p:cNvPr id="20" name="TextBox 19">
             <a:extLst>
               <a:ext uri="{FF2B5EF4-FFF2-40B4-BE49-F238E27FC236}">
-                <a16:creationId xmlns:a16="http://schemas.microsoft.com/office/drawing/2014/main" id="{42EADF7E-747D-4E61-AF06-523F39DE892F}"/>
+                <a16:creationId xmlns:a16="http://schemas.microsoft.com/office/drawing/2014/main" xmlns="" id="{42EADF7E-747D-4E61-AF06-523F39DE892F}"/>
               </a:ext>
             </a:extLst>
           </p:cNvPr>
@@ -22207,7 +25329,7 @@
           <p:cNvPr id="24" name="TextBox 23">
             <a:extLst>
               <a:ext uri="{FF2B5EF4-FFF2-40B4-BE49-F238E27FC236}">
-                <a16:creationId xmlns:a16="http://schemas.microsoft.com/office/drawing/2014/main" id="{1753E084-8D4B-4F3C-9073-D00D2C3ECAAC}"/>
+                <a16:creationId xmlns:a16="http://schemas.microsoft.com/office/drawing/2014/main" xmlns="" id="{1753E084-8D4B-4F3C-9073-D00D2C3ECAAC}"/>
               </a:ext>
             </a:extLst>
           </p:cNvPr>
@@ -22274,7 +25396,7 @@
           <p:cNvPr id="27" name="화살표: 아래쪽 26">
             <a:extLst>
               <a:ext uri="{FF2B5EF4-FFF2-40B4-BE49-F238E27FC236}">
-                <a16:creationId xmlns:a16="http://schemas.microsoft.com/office/drawing/2014/main" id="{B2889BCE-092A-4B6E-805F-EFAE6A038C1D}"/>
+                <a16:creationId xmlns:a16="http://schemas.microsoft.com/office/drawing/2014/main" xmlns="" id="{B2889BCE-092A-4B6E-805F-EFAE6A038C1D}"/>
               </a:ext>
             </a:extLst>
           </p:cNvPr>
@@ -22326,7 +25448,7 @@
           <p:cNvPr id="28" name="모서리가 둥근 직사각형 18">
             <a:extLst>
               <a:ext uri="{FF2B5EF4-FFF2-40B4-BE49-F238E27FC236}">
-                <a16:creationId xmlns:a16="http://schemas.microsoft.com/office/drawing/2014/main" id="{514C4D24-C312-4053-A353-9E449F0DE83C}"/>
+                <a16:creationId xmlns:a16="http://schemas.microsoft.com/office/drawing/2014/main" xmlns="" id="{514C4D24-C312-4053-A353-9E449F0DE83C}"/>
               </a:ext>
             </a:extLst>
           </p:cNvPr>
@@ -22387,7 +25509,7 @@
           <p:cNvPr id="29" name="모서리가 둥근 직사각형 18">
             <a:extLst>
               <a:ext uri="{FF2B5EF4-FFF2-40B4-BE49-F238E27FC236}">
-                <a16:creationId xmlns:a16="http://schemas.microsoft.com/office/drawing/2014/main" id="{7A65E19A-DB93-48C6-805A-2362FD64F033}"/>
+                <a16:creationId xmlns:a16="http://schemas.microsoft.com/office/drawing/2014/main" xmlns="" id="{7A65E19A-DB93-48C6-805A-2362FD64F033}"/>
               </a:ext>
             </a:extLst>
           </p:cNvPr>
@@ -22451,7 +25573,7 @@
           <p:cNvPr id="32" name="화살표: 아래쪽 31">
             <a:extLst>
               <a:ext uri="{FF2B5EF4-FFF2-40B4-BE49-F238E27FC236}">
-                <a16:creationId xmlns:a16="http://schemas.microsoft.com/office/drawing/2014/main" id="{3126B787-0197-4A26-B637-077380FF47AC}"/>
+                <a16:creationId xmlns:a16="http://schemas.microsoft.com/office/drawing/2014/main" xmlns="" id="{3126B787-0197-4A26-B637-077380FF47AC}"/>
               </a:ext>
             </a:extLst>
           </p:cNvPr>
@@ -22503,7 +25625,7 @@
           <p:cNvPr id="33" name="TextBox 32">
             <a:extLst>
               <a:ext uri="{FF2B5EF4-FFF2-40B4-BE49-F238E27FC236}">
-                <a16:creationId xmlns:a16="http://schemas.microsoft.com/office/drawing/2014/main" id="{60572C7E-7FE3-47B3-B785-8EB7009BE5BA}"/>
+                <a16:creationId xmlns:a16="http://schemas.microsoft.com/office/drawing/2014/main" xmlns="" id="{60572C7E-7FE3-47B3-B785-8EB7009BE5BA}"/>
               </a:ext>
             </a:extLst>
           </p:cNvPr>
@@ -22769,6 +25891,13 @@
               </a:rPr>
               <a:t>Axios</a:t>
             </a:r>
+            <a:r>
+              <a:rPr lang="en-US" altLang="ko-KR" sz="1800" dirty="0">
+                <a:latin typeface="넥슨Lv1고딕 Bold" panose="00000800000000000000" pitchFamily="2" charset="-127"/>
+                <a:ea typeface="넥슨Lv1고딕 Bold" panose="00000800000000000000" pitchFamily="2" charset="-127"/>
+              </a:rPr>
+              <a:t/>
+            </a:r>
             <a:br>
               <a:rPr lang="en-US" altLang="ko-KR" sz="1800" dirty="0">
                 <a:latin typeface="넥슨Lv1고딕 Bold" panose="00000800000000000000" pitchFamily="2" charset="-127"/>
@@ -22801,7 +25930,7 @@
           <p:cNvPr id="5" name="그림 4" descr="텍스트, 화면, 모니터, 테이블이(가) 표시된 사진&#10;&#10;자동 생성된 설명">
             <a:extLst>
               <a:ext uri="{FF2B5EF4-FFF2-40B4-BE49-F238E27FC236}">
-                <a16:creationId xmlns:a16="http://schemas.microsoft.com/office/drawing/2014/main" id="{1EAB609A-2615-4FA8-AD85-37095A1AB8A8}"/>
+                <a16:creationId xmlns:a16="http://schemas.microsoft.com/office/drawing/2014/main" xmlns="" id="{1EAB609A-2615-4FA8-AD85-37095A1AB8A8}"/>
               </a:ext>
             </a:extLst>
           </p:cNvPr>
@@ -22837,7 +25966,7 @@
           <p:cNvPr id="26" name="TextBox 25">
             <a:extLst>
               <a:ext uri="{FF2B5EF4-FFF2-40B4-BE49-F238E27FC236}">
-                <a16:creationId xmlns:a16="http://schemas.microsoft.com/office/drawing/2014/main" id="{D2F62D15-235C-43B5-9AE9-C66866859394}"/>
+                <a16:creationId xmlns:a16="http://schemas.microsoft.com/office/drawing/2014/main" xmlns="" id="{D2F62D15-235C-43B5-9AE9-C66866859394}"/>
               </a:ext>
             </a:extLst>
           </p:cNvPr>
@@ -23278,6 +26407,13 @@
               </a:rPr>
               <a:t>Axios</a:t>
             </a:r>
+            <a:r>
+              <a:rPr lang="en-US" altLang="ko-KR" sz="1800" dirty="0">
+                <a:latin typeface="넥슨Lv1고딕 Bold" panose="00000800000000000000" pitchFamily="2" charset="-127"/>
+                <a:ea typeface="넥슨Lv1고딕 Bold" panose="00000800000000000000" pitchFamily="2" charset="-127"/>
+              </a:rPr>
+              <a:t/>
+            </a:r>
             <a:br>
               <a:rPr lang="en-US" altLang="ko-KR" sz="1800" dirty="0">
                 <a:latin typeface="넥슨Lv1고딕 Bold" panose="00000800000000000000" pitchFamily="2" charset="-127"/>
@@ -23324,7 +26460,7 @@
           <p:cNvPr id="16" name="TextBox 15">
             <a:extLst>
               <a:ext uri="{FF2B5EF4-FFF2-40B4-BE49-F238E27FC236}">
-                <a16:creationId xmlns:a16="http://schemas.microsoft.com/office/drawing/2014/main" id="{C2346D07-6416-49B5-953F-0E48A5E94486}"/>
+                <a16:creationId xmlns:a16="http://schemas.microsoft.com/office/drawing/2014/main" xmlns="" id="{C2346D07-6416-49B5-953F-0E48A5E94486}"/>
               </a:ext>
             </a:extLst>
           </p:cNvPr>
@@ -23523,21 +26659,21 @@
                 <a:gridCol w="728304">
                   <a:extLst>
                     <a:ext uri="{9D8B030D-6E8A-4147-A177-3AD203B41FA5}">
-                      <a16:colId xmlns:a16="http://schemas.microsoft.com/office/drawing/2014/main" val="20002"/>
+                      <a16:colId xmlns:a16="http://schemas.microsoft.com/office/drawing/2014/main" xmlns="" val="20002"/>
                     </a:ext>
                   </a:extLst>
                 </a:gridCol>
                 <a:gridCol w="2510853">
                   <a:extLst>
                     <a:ext uri="{9D8B030D-6E8A-4147-A177-3AD203B41FA5}">
-                      <a16:colId xmlns:a16="http://schemas.microsoft.com/office/drawing/2014/main" val="20000"/>
+                      <a16:colId xmlns:a16="http://schemas.microsoft.com/office/drawing/2014/main" xmlns="" val="20000"/>
                     </a:ext>
                   </a:extLst>
                 </a:gridCol>
                 <a:gridCol w="3575154">
                   <a:extLst>
                     <a:ext uri="{9D8B030D-6E8A-4147-A177-3AD203B41FA5}">
-                      <a16:colId xmlns:a16="http://schemas.microsoft.com/office/drawing/2014/main" val="20001"/>
+                      <a16:colId xmlns:a16="http://schemas.microsoft.com/office/drawing/2014/main" xmlns="" val="20001"/>
                     </a:ext>
                   </a:extLst>
                 </a:gridCol>
@@ -23600,7 +26736,7 @@
                 </a:tc>
                 <a:extLst>
                   <a:ext uri="{0D108BD9-81ED-4DB2-BD59-A6C34878D82A}">
-                    <a16:rowId xmlns:a16="http://schemas.microsoft.com/office/drawing/2014/main" val="10000"/>
+                    <a16:rowId xmlns:a16="http://schemas.microsoft.com/office/drawing/2014/main" xmlns="" val="10000"/>
                   </a:ext>
                 </a:extLst>
               </a:tr>
@@ -23729,7 +26865,7 @@
                 </a:tc>
                 <a:extLst>
                   <a:ext uri="{0D108BD9-81ED-4DB2-BD59-A6C34878D82A}">
-                    <a16:rowId xmlns:a16="http://schemas.microsoft.com/office/drawing/2014/main" val="10001"/>
+                    <a16:rowId xmlns:a16="http://schemas.microsoft.com/office/drawing/2014/main" xmlns="" val="10001"/>
                   </a:ext>
                 </a:extLst>
               </a:tr>
@@ -23946,7 +27082,7 @@
                 </a:tc>
                 <a:extLst>
                   <a:ext uri="{0D108BD9-81ED-4DB2-BD59-A6C34878D82A}">
-                    <a16:rowId xmlns:a16="http://schemas.microsoft.com/office/drawing/2014/main" val="10002"/>
+                    <a16:rowId xmlns:a16="http://schemas.microsoft.com/office/drawing/2014/main" xmlns="" val="10002"/>
                   </a:ext>
                 </a:extLst>
               </a:tr>
@@ -24142,7 +27278,7 @@
                 </a:tc>
                 <a:extLst>
                   <a:ext uri="{0D108BD9-81ED-4DB2-BD59-A6C34878D82A}">
-                    <a16:rowId xmlns:a16="http://schemas.microsoft.com/office/drawing/2014/main" val="10003"/>
+                    <a16:rowId xmlns:a16="http://schemas.microsoft.com/office/drawing/2014/main" xmlns="" val="10003"/>
                   </a:ext>
                 </a:extLst>
               </a:tr>
@@ -24331,7 +27467,7 @@
                 </a:tc>
                 <a:extLst>
                   <a:ext uri="{0D108BD9-81ED-4DB2-BD59-A6C34878D82A}">
-                    <a16:rowId xmlns:a16="http://schemas.microsoft.com/office/drawing/2014/main" val="10004"/>
+                    <a16:rowId xmlns:a16="http://schemas.microsoft.com/office/drawing/2014/main" xmlns="" val="10004"/>
                   </a:ext>
                 </a:extLst>
               </a:tr>
@@ -24691,6 +27827,13 @@
               </a:rPr>
               <a:t>Axios</a:t>
             </a:r>
+            <a:r>
+              <a:rPr lang="en-US" altLang="ko-KR" sz="1800" dirty="0">
+                <a:latin typeface="넥슨Lv1고딕 Bold" panose="00000800000000000000" pitchFamily="2" charset="-127"/>
+                <a:ea typeface="넥슨Lv1고딕 Bold" panose="00000800000000000000" pitchFamily="2" charset="-127"/>
+              </a:rPr>
+              <a:t/>
+            </a:r>
             <a:br>
               <a:rPr lang="en-US" altLang="ko-KR" sz="1800" dirty="0">
                 <a:latin typeface="넥슨Lv1고딕 Bold" panose="00000800000000000000" pitchFamily="2" charset="-127"/>
@@ -24737,7 +27880,7 @@
           <p:cNvPr id="16" name="TextBox 15">
             <a:extLst>
               <a:ext uri="{FF2B5EF4-FFF2-40B4-BE49-F238E27FC236}">
-                <a16:creationId xmlns:a16="http://schemas.microsoft.com/office/drawing/2014/main" id="{C2346D07-6416-49B5-953F-0E48A5E94486}"/>
+                <a16:creationId xmlns:a16="http://schemas.microsoft.com/office/drawing/2014/main" xmlns="" id="{C2346D07-6416-49B5-953F-0E48A5E94486}"/>
               </a:ext>
             </a:extLst>
           </p:cNvPr>
@@ -25250,6 +28393,13 @@
               </a:rPr>
               <a:t>Axios</a:t>
             </a:r>
+            <a:r>
+              <a:rPr lang="en-US" altLang="ko-KR" sz="1800" dirty="0">
+                <a:latin typeface="넥슨Lv1고딕 Bold" panose="00000800000000000000" pitchFamily="2" charset="-127"/>
+                <a:ea typeface="넥슨Lv1고딕 Bold" panose="00000800000000000000" pitchFamily="2" charset="-127"/>
+              </a:rPr>
+              <a:t/>
+            </a:r>
             <a:br>
               <a:rPr lang="en-US" altLang="ko-KR" sz="1800" dirty="0">
                 <a:latin typeface="넥슨Lv1고딕 Bold" panose="00000800000000000000" pitchFamily="2" charset="-127"/>
@@ -25296,7 +28446,7 @@
           <p:cNvPr id="16" name="TextBox 15">
             <a:extLst>
               <a:ext uri="{FF2B5EF4-FFF2-40B4-BE49-F238E27FC236}">
-                <a16:creationId xmlns:a16="http://schemas.microsoft.com/office/drawing/2014/main" id="{C2346D07-6416-49B5-953F-0E48A5E94486}"/>
+                <a16:creationId xmlns:a16="http://schemas.microsoft.com/office/drawing/2014/main" xmlns="" id="{C2346D07-6416-49B5-953F-0E48A5E94486}"/>
               </a:ext>
             </a:extLst>
           </p:cNvPr>
@@ -25825,6 +28975,13 @@
               </a:rPr>
               <a:t>Axios</a:t>
             </a:r>
+            <a:r>
+              <a:rPr lang="en-US" altLang="ko-KR" sz="1800" dirty="0">
+                <a:latin typeface="넥슨Lv1고딕 Bold" panose="00000800000000000000" pitchFamily="2" charset="-127"/>
+                <a:ea typeface="넥슨Lv1고딕 Bold" panose="00000800000000000000" pitchFamily="2" charset="-127"/>
+              </a:rPr>
+              <a:t/>
+            </a:r>
             <a:br>
               <a:rPr lang="en-US" altLang="ko-KR" sz="1800" dirty="0">
                 <a:latin typeface="넥슨Lv1고딕 Bold" panose="00000800000000000000" pitchFamily="2" charset="-127"/>
@@ -25969,7 +29126,7 @@
           <p:cNvPr id="17" name="TextBox 16">
             <a:extLst>
               <a:ext uri="{FF2B5EF4-FFF2-40B4-BE49-F238E27FC236}">
-                <a16:creationId xmlns:a16="http://schemas.microsoft.com/office/drawing/2014/main" id="{C2346D07-6416-49B5-953F-0E48A5E94486}"/>
+                <a16:creationId xmlns:a16="http://schemas.microsoft.com/office/drawing/2014/main" xmlns="" id="{C2346D07-6416-49B5-953F-0E48A5E94486}"/>
               </a:ext>
             </a:extLst>
           </p:cNvPr>
@@ -26339,6 +29496,13 @@
                 <a:ea typeface="넥슨Lv1고딕 Light" panose="00000300000000000000" pitchFamily="2" charset="-127"/>
               </a:rPr>
               <a:t>Axios</a:t>
+            </a:r>
+            <a:r>
+              <a:rPr lang="en-US" altLang="ko-KR" sz="1800" dirty="0">
+                <a:latin typeface="넥슨Lv1고딕 Bold" panose="00000800000000000000" pitchFamily="2" charset="-127"/>
+                <a:ea typeface="넥슨Lv1고딕 Bold" panose="00000800000000000000" pitchFamily="2" charset="-127"/>
+              </a:rPr>
+              <a:t/>
             </a:r>
             <a:br>
               <a:rPr lang="en-US" altLang="ko-KR" sz="1800" dirty="0">
@@ -26484,7 +29648,7 @@
           <p:cNvPr id="17" name="TextBox 16">
             <a:extLst>
               <a:ext uri="{FF2B5EF4-FFF2-40B4-BE49-F238E27FC236}">
-                <a16:creationId xmlns:a16="http://schemas.microsoft.com/office/drawing/2014/main" id="{C2346D07-6416-49B5-953F-0E48A5E94486}"/>
+                <a16:creationId xmlns:a16="http://schemas.microsoft.com/office/drawing/2014/main" xmlns="" id="{C2346D07-6416-49B5-953F-0E48A5E94486}"/>
               </a:ext>
             </a:extLst>
           </p:cNvPr>
